--- a/minipp4CVB (1).pptx
+++ b/minipp4CVB (1).pptx
@@ -1,46 +1,46 @@
 
 <file path=ppt/presentation.xml><?xml version="1.0" encoding="utf-8"?>
-<p:presentation xmlns:a="http://schemas.openxmlformats.org/drawingml/2006/main" xmlns:r="http://schemas.openxmlformats.org/officeDocument/2006/relationships" xmlns:p="http://schemas.openxmlformats.org/presentationml/2006/main" showSpecialPlsOnTitleSld="0" saveSubsetFonts="1">
+<p:presentation xmlns:a="http://schemas.openxmlformats.org/drawingml/2006/main" xmlns:r="http://schemas.openxmlformats.org/officeDocument/2006/relationships" xmlns:p="http://schemas.openxmlformats.org/presentationml/2006/main" showSpecialPlsOnTitleSld="0">
   <p:sldMasterIdLst>
     <p:sldMasterId id="2147483648" r:id="rId1"/>
   </p:sldMasterIdLst>
   <p:notesMasterIdLst>
-    <p:notesMasterId r:id="rId32"/>
+    <p:notesMasterId r:id="rId33"/>
   </p:notesMasterIdLst>
   <p:handoutMasterIdLst>
-    <p:handoutMasterId r:id="rId33"/>
+    <p:handoutMasterId r:id="rId34"/>
   </p:handoutMasterIdLst>
   <p:sldIdLst>
-    <p:sldId id="256" r:id="rId2"/>
-    <p:sldId id="266" r:id="rId3"/>
-    <p:sldId id="257" r:id="rId4"/>
-    <p:sldId id="258" r:id="rId5"/>
-    <p:sldId id="278" r:id="rId6"/>
-    <p:sldId id="259" r:id="rId7"/>
-    <p:sldId id="276" r:id="rId8"/>
-    <p:sldId id="277" r:id="rId9"/>
-    <p:sldId id="260" r:id="rId10"/>
-    <p:sldId id="261" r:id="rId11"/>
-    <p:sldId id="279" r:id="rId12"/>
-    <p:sldId id="262" r:id="rId13"/>
-    <p:sldId id="263" r:id="rId14"/>
-    <p:sldId id="264" r:id="rId15"/>
-    <p:sldId id="265" r:id="rId16"/>
-    <p:sldId id="282" r:id="rId17"/>
-    <p:sldId id="267" r:id="rId18"/>
-    <p:sldId id="283" r:id="rId19"/>
-    <p:sldId id="285" r:id="rId20"/>
-    <p:sldId id="268" r:id="rId21"/>
-    <p:sldId id="286" r:id="rId22"/>
-    <p:sldId id="269" r:id="rId23"/>
-    <p:sldId id="270" r:id="rId24"/>
-    <p:sldId id="271" r:id="rId25"/>
-    <p:sldId id="272" r:id="rId26"/>
-    <p:sldId id="275" r:id="rId27"/>
-    <p:sldId id="280" r:id="rId28"/>
-    <p:sldId id="281" r:id="rId29"/>
-    <p:sldId id="273" r:id="rId30"/>
-    <p:sldId id="274" r:id="rId31"/>
+    <p:sldId id="256" r:id="rId3"/>
+    <p:sldId id="266" r:id="rId4"/>
+    <p:sldId id="257" r:id="rId5"/>
+    <p:sldId id="258" r:id="rId6"/>
+    <p:sldId id="278" r:id="rId7"/>
+    <p:sldId id="259" r:id="rId8"/>
+    <p:sldId id="276" r:id="rId9"/>
+    <p:sldId id="277" r:id="rId10"/>
+    <p:sldId id="260" r:id="rId11"/>
+    <p:sldId id="261" r:id="rId12"/>
+    <p:sldId id="279" r:id="rId13"/>
+    <p:sldId id="262" r:id="rId14"/>
+    <p:sldId id="263" r:id="rId15"/>
+    <p:sldId id="264" r:id="rId16"/>
+    <p:sldId id="265" r:id="rId17"/>
+    <p:sldId id="282" r:id="rId18"/>
+    <p:sldId id="267" r:id="rId19"/>
+    <p:sldId id="283" r:id="rId20"/>
+    <p:sldId id="285" r:id="rId21"/>
+    <p:sldId id="268" r:id="rId22"/>
+    <p:sldId id="286" r:id="rId23"/>
+    <p:sldId id="269" r:id="rId24"/>
+    <p:sldId id="270" r:id="rId25"/>
+    <p:sldId id="271" r:id="rId26"/>
+    <p:sldId id="272" r:id="rId27"/>
+    <p:sldId id="275" r:id="rId28"/>
+    <p:sldId id="280" r:id="rId29"/>
+    <p:sldId id="281" r:id="rId30"/>
+    <p:sldId id="273" r:id="rId31"/>
+    <p:sldId id="274" r:id="rId32"/>
   </p:sldIdLst>
   <p:sldSz cx="9144000" cy="6858000" type="screen4x3"/>
   <p:notesSz cx="6858000" cy="9144000"/>
@@ -142,31 +142,20 @@
   <p:extLst>
     <p:ext uri="{EFAFB233-063F-42B5-8137-9DF3F51BA10A}">
       <p15:sldGuideLst xmlns:p15="http://schemas.microsoft.com/office/powerpoint/2012/main">
-        <p15:guide id="1" orient="horz" pos="2160">
+        <p15:guide id="1" orient="horz" pos="2160" userDrawn="1">
           <p15:clr>
             <a:srgbClr val="A4A3A4"/>
           </p15:clr>
         </p15:guide>
-        <p15:guide id="2" pos="2880">
+        <p15:guide id="2" pos="2880" userDrawn="1">
           <p15:clr>
             <a:srgbClr val="A4A3A4"/>
           </p15:clr>
         </p15:guide>
       </p15:sldGuideLst>
     </p:ext>
-    <p:ext uri="{2D200454-40CA-4A62-9FC3-DE9A4176ACB9}">
-      <p15:notesGuideLst xmlns:p15="http://schemas.microsoft.com/office/powerpoint/2012/main"/>
-    </p:ext>
   </p:extLst>
 </p:presentation>
-</file>
-
-<file path=ppt/revisionInfo.xml><?xml version="1.0" encoding="utf-8"?>
-<p1510:revInfo xmlns:a="http://schemas.openxmlformats.org/drawingml/2006/main" xmlns:r="http://schemas.openxmlformats.org/officeDocument/2006/relationships" xmlns:p1510="http://schemas.microsoft.com/office/powerpoint/2015/10/main">
-  <p1510:revLst>
-    <p1510:client id="{2FA8FB8E-1934-4AC6-BC64-FE2A803296B1}" v="187" dt="2025-08-21T00:54:27.872"/>
-  </p1510:revLst>
-</p1510:revInfo>
 </file>
 
 <file path=ppt/handoutMasters/handoutMaster1.xml><?xml version="1.0" encoding="utf-8"?>
@@ -251,7 +240,6 @@
           <a:p>
             <a:fld id="{DDEE2A0B-86E8-46AD-8D7A-6254762C9557}" type="datetimeFigureOut">
               <a:rPr lang="en-US" smtClean="0"/>
-              <a:t>8/21/2025</a:t>
             </a:fld>
             <a:endParaRPr lang="en-US"/>
           </a:p>
@@ -317,18 +305,12 @@
           <a:p>
             <a:fld id="{2710DD26-6872-48E8-B2DB-0BE2E3E2CD26}" type="slidenum">
               <a:rPr lang="en-US" smtClean="0"/>
-              <a:t>‹#›</a:t>
             </a:fld>
             <a:endParaRPr lang="en-US"/>
           </a:p>
         </p:txBody>
       </p:sp>
     </p:spTree>
-    <p:extLst>
-      <p:ext uri="{BB962C8B-B14F-4D97-AF65-F5344CB8AC3E}">
-        <p14:creationId xmlns:p14="http://schemas.microsoft.com/office/powerpoint/2010/main" val="2216672533"/>
-      </p:ext>
-    </p:extLst>
   </p:cSld>
   <p:clrMap bg1="lt1" tx1="dk1" bg2="lt2" tx2="dk2" accent1="accent1" accent2="accent2" accent3="accent3" accent4="accent4" accent5="accent5" accent6="accent6" hlink="hlink" folHlink="folHlink"/>
 </p:handoutMaster>
@@ -416,7 +398,6 @@
           <a:p>
             <a:fld id="{C0B6C269-8C4E-4E0E-A28B-ACFB6E786E0F}" type="datetimeFigureOut">
               <a:rPr lang="en-US" smtClean="0"/>
-              <a:t>8/21/2025</a:t>
             </a:fld>
             <a:endParaRPr lang="en-US"/>
           </a:p>
@@ -485,6 +466,7 @@
               <a:rPr lang="en-US"/>
               <a:t>Click to edit Master text styles</a:t>
             </a:r>
+            <a:endParaRPr lang="en-US"/>
           </a:p>
           <a:p>
             <a:pPr lvl="1"/>
@@ -492,6 +474,7 @@
               <a:rPr lang="en-US"/>
               <a:t>Second level</a:t>
             </a:r>
+            <a:endParaRPr lang="en-US"/>
           </a:p>
           <a:p>
             <a:pPr lvl="2"/>
@@ -499,6 +482,7 @@
               <a:rPr lang="en-US"/>
               <a:t>Third level</a:t>
             </a:r>
+            <a:endParaRPr lang="en-US"/>
           </a:p>
           <a:p>
             <a:pPr lvl="3"/>
@@ -506,6 +490,7 @@
               <a:rPr lang="en-US"/>
               <a:t>Fourth level</a:t>
             </a:r>
+            <a:endParaRPr lang="en-US"/>
           </a:p>
           <a:p>
             <a:pPr lvl="4"/>
@@ -513,6 +498,7 @@
               <a:rPr lang="en-US"/>
               <a:t>Fifth level</a:t>
             </a:r>
+            <a:endParaRPr lang="en-US"/>
           </a:p>
         </p:txBody>
       </p:sp>
@@ -576,7 +562,6 @@
           <a:p>
             <a:fld id="{8855096A-B891-4725-B4E4-581E6D345569}" type="slidenum">
               <a:rPr lang="en-US" smtClean="0"/>
-              <a:t>‹#›</a:t>
             </a:fld>
             <a:endParaRPr lang="en-US"/>
           </a:p>
@@ -729,6 +714,7 @@
               <a:rPr lang="en-US" dirty="0"/>
               <a:t>Click to edit Master title style</a:t>
             </a:r>
+            <a:endParaRPr lang="en-US" dirty="0"/>
           </a:p>
         </p:txBody>
       </p:sp>
@@ -847,6 +833,7 @@
               <a:rPr lang="en-US"/>
               <a:t>Click to edit Master subtitle style</a:t>
             </a:r>
+            <a:endParaRPr lang="en-US"/>
           </a:p>
         </p:txBody>
       </p:sp>
@@ -875,7 +862,6 @@
           <a:p>
             <a:fld id="{5484D9CC-97E9-43D0-9C0A-B38B6ADA7531}" type="datetime1">
               <a:rPr lang="en-US" smtClean="0"/>
-              <a:t>8/21/2025</a:t>
             </a:fld>
             <a:endParaRPr lang="en-US"/>
           </a:p>
@@ -900,6 +886,7 @@
               <a:rPr lang="en-US"/>
               <a:t>Department of Computer Applications</a:t>
             </a:r>
+            <a:endParaRPr lang="en-US"/>
           </a:p>
         </p:txBody>
       </p:sp>
@@ -920,7 +907,6 @@
           <a:p>
             <a:fld id="{C65E9355-139B-4FED-8401-A2AF31A8FC31}" type="slidenum">
               <a:rPr lang="en-US" smtClean="0"/>
-              <a:t>‹#›</a:t>
             </a:fld>
             <a:endParaRPr lang="en-US"/>
           </a:p>
@@ -979,6 +965,7 @@
               <a:rPr lang="en-US"/>
               <a:t>Click to edit Master title style</a:t>
             </a:r>
+            <a:endParaRPr lang="en-US"/>
           </a:p>
         </p:txBody>
       </p:sp>
@@ -1105,6 +1092,7 @@
               <a:rPr lang="en-US"/>
               <a:t>Click to edit Master text styles</a:t>
             </a:r>
+            <a:endParaRPr lang="en-US"/>
           </a:p>
         </p:txBody>
       </p:sp>
@@ -1133,7 +1121,6 @@
           <a:p>
             <a:fld id="{839A784A-D693-4B8B-8783-5F012B24800D}" type="datetime1">
               <a:rPr lang="en-US" smtClean="0"/>
-              <a:t>8/21/2025</a:t>
             </a:fld>
             <a:endParaRPr lang="en-US"/>
           </a:p>
@@ -1158,6 +1145,7 @@
               <a:rPr lang="en-US"/>
               <a:t>Department of Computer Applications</a:t>
             </a:r>
+            <a:endParaRPr lang="en-US"/>
           </a:p>
         </p:txBody>
       </p:sp>
@@ -1178,7 +1166,6 @@
           <a:p>
             <a:fld id="{C65E9355-139B-4FED-8401-A2AF31A8FC31}" type="slidenum">
               <a:rPr lang="en-US" smtClean="0"/>
-              <a:t>‹#›</a:t>
             </a:fld>
             <a:endParaRPr lang="en-US"/>
           </a:p>
@@ -1228,6 +1215,7 @@
               <a:rPr lang="en-US"/>
               <a:t>Click to edit Master title style</a:t>
             </a:r>
+            <a:endParaRPr lang="en-US"/>
           </a:p>
         </p:txBody>
       </p:sp>
@@ -1251,6 +1239,7 @@
               <a:rPr lang="en-US"/>
               <a:t>Click to edit Master text styles</a:t>
             </a:r>
+            <a:endParaRPr lang="en-US"/>
           </a:p>
           <a:p>
             <a:pPr lvl="1"/>
@@ -1258,6 +1247,7 @@
               <a:rPr lang="en-US"/>
               <a:t>Second level</a:t>
             </a:r>
+            <a:endParaRPr lang="en-US"/>
           </a:p>
           <a:p>
             <a:pPr lvl="2"/>
@@ -1265,6 +1255,7 @@
               <a:rPr lang="en-US"/>
               <a:t>Third level</a:t>
             </a:r>
+            <a:endParaRPr lang="en-US"/>
           </a:p>
           <a:p>
             <a:pPr lvl="3"/>
@@ -1272,6 +1263,7 @@
               <a:rPr lang="en-US"/>
               <a:t>Fourth level</a:t>
             </a:r>
+            <a:endParaRPr lang="en-US"/>
           </a:p>
           <a:p>
             <a:pPr lvl="4"/>
@@ -1279,6 +1271,7 @@
               <a:rPr lang="en-US"/>
               <a:t>Fifth level</a:t>
             </a:r>
+            <a:endParaRPr lang="en-US"/>
           </a:p>
         </p:txBody>
       </p:sp>
@@ -1307,7 +1300,6 @@
           <a:p>
             <a:fld id="{CFA275D0-4AC1-4B77-8D20-030A30032762}" type="datetime1">
               <a:rPr lang="en-US" smtClean="0"/>
-              <a:t>8/21/2025</a:t>
             </a:fld>
             <a:endParaRPr lang="en-US"/>
           </a:p>
@@ -1332,6 +1324,7 @@
               <a:rPr lang="en-US"/>
               <a:t>Department of Computer Applications</a:t>
             </a:r>
+            <a:endParaRPr lang="en-US"/>
           </a:p>
         </p:txBody>
       </p:sp>
@@ -1352,7 +1345,6 @@
           <a:p>
             <a:fld id="{C65E9355-139B-4FED-8401-A2AF31A8FC31}" type="slidenum">
               <a:rPr lang="en-US" smtClean="0"/>
-              <a:t>‹#›</a:t>
             </a:fld>
             <a:endParaRPr lang="en-US"/>
           </a:p>
@@ -1407,6 +1399,7 @@
               <a:rPr lang="en-US"/>
               <a:t>Click to edit Master title style</a:t>
             </a:r>
+            <a:endParaRPr lang="en-US"/>
           </a:p>
         </p:txBody>
       </p:sp>
@@ -1435,6 +1428,7 @@
               <a:rPr lang="en-US"/>
               <a:t>Click to edit Master text styles</a:t>
             </a:r>
+            <a:endParaRPr lang="en-US"/>
           </a:p>
           <a:p>
             <a:pPr lvl="1"/>
@@ -1442,6 +1436,7 @@
               <a:rPr lang="en-US"/>
               <a:t>Second level</a:t>
             </a:r>
+            <a:endParaRPr lang="en-US"/>
           </a:p>
           <a:p>
             <a:pPr lvl="2"/>
@@ -1449,6 +1444,7 @@
               <a:rPr lang="en-US"/>
               <a:t>Third level</a:t>
             </a:r>
+            <a:endParaRPr lang="en-US"/>
           </a:p>
           <a:p>
             <a:pPr lvl="3"/>
@@ -1456,6 +1452,7 @@
               <a:rPr lang="en-US"/>
               <a:t>Fourth level</a:t>
             </a:r>
+            <a:endParaRPr lang="en-US"/>
           </a:p>
           <a:p>
             <a:pPr lvl="4"/>
@@ -1463,6 +1460,7 @@
               <a:rPr lang="en-US"/>
               <a:t>Fifth level</a:t>
             </a:r>
+            <a:endParaRPr lang="en-US"/>
           </a:p>
         </p:txBody>
       </p:sp>
@@ -1491,7 +1489,6 @@
           <a:p>
             <a:fld id="{E464FA7C-9124-49C9-8D4B-6BB473ACFAEB}" type="datetime1">
               <a:rPr lang="en-US" smtClean="0"/>
-              <a:t>8/21/2025</a:t>
             </a:fld>
             <a:endParaRPr lang="en-US"/>
           </a:p>
@@ -1516,6 +1513,7 @@
               <a:rPr lang="en-US"/>
               <a:t>Department of Computer Applications</a:t>
             </a:r>
+            <a:endParaRPr lang="en-US"/>
           </a:p>
         </p:txBody>
       </p:sp>
@@ -1536,7 +1534,6 @@
           <a:p>
             <a:fld id="{C65E9355-139B-4FED-8401-A2AF31A8FC31}" type="slidenum">
               <a:rPr lang="en-US" smtClean="0"/>
-              <a:t>‹#›</a:t>
             </a:fld>
             <a:endParaRPr lang="en-US"/>
           </a:p>
@@ -1606,6 +1603,7 @@
               <a:rPr lang="en-US" dirty="0"/>
               <a:t>Click to edit Master title style</a:t>
             </a:r>
+            <a:endParaRPr lang="en-US" dirty="0"/>
           </a:p>
         </p:txBody>
       </p:sp>
@@ -1668,6 +1666,7 @@
               <a:rPr lang="en-US" dirty="0"/>
               <a:t>Click to edit Master text styles</a:t>
             </a:r>
+            <a:endParaRPr lang="en-US" dirty="0"/>
           </a:p>
           <a:p>
             <a:pPr lvl="1"/>
@@ -1675,6 +1674,7 @@
               <a:rPr lang="en-US" dirty="0"/>
               <a:t>Second level</a:t>
             </a:r>
+            <a:endParaRPr lang="en-US" dirty="0"/>
           </a:p>
           <a:p>
             <a:pPr lvl="2"/>
@@ -1682,6 +1682,7 @@
               <a:rPr lang="en-US" dirty="0"/>
               <a:t>Third level</a:t>
             </a:r>
+            <a:endParaRPr lang="en-US" dirty="0"/>
           </a:p>
           <a:p>
             <a:pPr lvl="3"/>
@@ -1689,6 +1690,7 @@
               <a:rPr lang="en-US" dirty="0"/>
               <a:t>Fourth level</a:t>
             </a:r>
+            <a:endParaRPr lang="en-US" dirty="0"/>
           </a:p>
           <a:p>
             <a:pPr lvl="4"/>
@@ -1696,6 +1698,7 @@
               <a:rPr lang="en-US" dirty="0"/>
               <a:t>Fifth level</a:t>
             </a:r>
+            <a:endParaRPr lang="en-US" dirty="0"/>
           </a:p>
         </p:txBody>
       </p:sp>
@@ -1724,7 +1727,7 @@
                   <a:schemeClr val="accent2"/>
                 </a:solidFill>
                 <a:latin typeface="Bookman Old Style" panose="02050604050505020204" pitchFamily="18" charset="0"/>
-                <a:cs typeface="Times New Roman" pitchFamily="18" charset="0"/>
+                <a:cs typeface="Times New Roman" panose="02020603050405020304" pitchFamily="18" charset="0"/>
               </a:defRPr>
             </a:lvl1pPr>
           </a:lstStyle>
@@ -1733,6 +1736,7 @@
               <a:rPr lang="en-US" dirty="0"/>
               <a:t>Department of Computer Applications</a:t>
             </a:r>
+            <a:endParaRPr lang="en-US" dirty="0"/>
           </a:p>
         </p:txBody>
       </p:sp>
@@ -1761,15 +1765,13 @@
                   <a:schemeClr val="accent2"/>
                 </a:solidFill>
                 <a:latin typeface="Bookman Old Style" panose="02050604050505020204" pitchFamily="18" charset="0"/>
-                <a:cs typeface="Times New Roman" pitchFamily="18" charset="0"/>
+                <a:cs typeface="Times New Roman" panose="02020603050405020304" pitchFamily="18" charset="0"/>
               </a:defRPr>
             </a:lvl1pPr>
           </a:lstStyle>
           <a:p>
             <a:fld id="{C65E9355-139B-4FED-8401-A2AF31A8FC31}" type="slidenum">
               <a:rPr lang="en-US" smtClean="0"/>
-              <a:pPr/>
-              <a:t>‹#›</a:t>
             </a:fld>
             <a:endParaRPr lang="en-US" dirty="0"/>
           </a:p>
@@ -1802,9 +1804,7 @@
       <p:sp>
         <p:nvSpPr>
           <p:cNvPr id="8" name="Footer Placeholder 4"/>
-          <p:cNvSpPr txBox="1">
-            <a:spLocks/>
-          </p:cNvSpPr>
+          <p:cNvSpPr txBox="1"/>
           <p:nvPr userDrawn="1"/>
         </p:nvSpPr>
         <p:spPr>
@@ -1821,8 +1821,8 @@
           <a:lstStyle>
             <a:lvl1pPr algn="l">
               <a:defRPr sz="1200">
-                <a:latin typeface="Times New Roman" pitchFamily="18" charset="0"/>
-                <a:cs typeface="Times New Roman" pitchFamily="18" charset="0"/>
+                <a:latin typeface="Times New Roman" panose="02020603050405020304" pitchFamily="18" charset="0"/>
+                <a:cs typeface="Times New Roman" panose="02020603050405020304" pitchFamily="18" charset="0"/>
               </a:defRPr>
             </a:lvl1pPr>
           </a:lstStyle>
@@ -1841,7 +1841,6 @@
               <a:buSzTx/>
               <a:buFontTx/>
               <a:buNone/>
-              <a:tabLst/>
               <a:defRPr/>
             </a:pPr>
             <a:r>
@@ -1857,19 +1856,31 @@
                 <a:uFillTx/>
                 <a:latin typeface="Bookman Old Style" panose="02050604050505020204" pitchFamily="18" charset="0"/>
                 <a:ea typeface="+mn-ea"/>
-                <a:cs typeface="Times New Roman" pitchFamily="18" charset="0"/>
+                <a:cs typeface="Times New Roman" panose="02020603050405020304" pitchFamily="18" charset="0"/>
               </a:rPr>
               <a:t>Slides: </a:t>
             </a:r>
+            <a:endParaRPr kumimoji="0" lang="en-US" sz="1200" b="0" i="0" u="none" strike="noStrike" kern="1200" cap="none" spc="0" normalizeH="0" baseline="0" noProof="0" dirty="0">
+              <a:ln>
+                <a:noFill/>
+              </a:ln>
+              <a:solidFill>
+                <a:schemeClr val="accent2"/>
+              </a:solidFill>
+              <a:effectLst/>
+              <a:uLnTx/>
+              <a:uFillTx/>
+              <a:latin typeface="Bookman Old Style" panose="02050604050505020204" pitchFamily="18" charset="0"/>
+              <a:ea typeface="+mn-ea"/>
+              <a:cs typeface="Times New Roman" panose="02020603050405020304" pitchFamily="18" charset="0"/>
+            </a:endParaRPr>
           </a:p>
         </p:txBody>
       </p:sp>
       <p:sp>
         <p:nvSpPr>
           <p:cNvPr id="9" name="Footer Placeholder 4"/>
-          <p:cNvSpPr txBox="1">
-            <a:spLocks/>
-          </p:cNvSpPr>
+          <p:cNvSpPr txBox="1"/>
           <p:nvPr userDrawn="1"/>
         </p:nvSpPr>
         <p:spPr>
@@ -1886,8 +1897,8 @@
           <a:lstStyle>
             <a:lvl1pPr algn="l">
               <a:defRPr sz="1200">
-                <a:latin typeface="Times New Roman" pitchFamily="18" charset="0"/>
-                <a:cs typeface="Times New Roman" pitchFamily="18" charset="0"/>
+                <a:latin typeface="Times New Roman" panose="02020603050405020304" pitchFamily="18" charset="0"/>
+                <a:cs typeface="Times New Roman" panose="02020603050405020304" pitchFamily="18" charset="0"/>
               </a:defRPr>
             </a:lvl1pPr>
           </a:lstStyle>
@@ -1906,7 +1917,6 @@
               <a:buSzTx/>
               <a:buFontTx/>
               <a:buNone/>
-              <a:tabLst/>
               <a:defRPr/>
             </a:pPr>
             <a:r>
@@ -1922,10 +1932,24 @@
                 <a:uFillTx/>
                 <a:latin typeface="Bookman Old Style" panose="02050604050505020204" pitchFamily="18" charset="0"/>
                 <a:ea typeface="+mn-ea"/>
-                <a:cs typeface="Times New Roman" pitchFamily="18" charset="0"/>
+                <a:cs typeface="Times New Roman" panose="02020603050405020304" pitchFamily="18" charset="0"/>
               </a:rPr>
               <a:t>/ 20</a:t>
             </a:r>
+            <a:endParaRPr kumimoji="0" lang="en-US" sz="1200" b="0" i="0" u="none" strike="noStrike" kern="1200" cap="none" spc="0" normalizeH="0" baseline="0" noProof="0" dirty="0">
+              <a:ln>
+                <a:noFill/>
+              </a:ln>
+              <a:solidFill>
+                <a:schemeClr val="accent2"/>
+              </a:solidFill>
+              <a:effectLst/>
+              <a:uLnTx/>
+              <a:uFillTx/>
+              <a:latin typeface="Bookman Old Style" panose="02050604050505020204" pitchFamily="18" charset="0"/>
+              <a:ea typeface="+mn-ea"/>
+              <a:cs typeface="Times New Roman" panose="02020603050405020304" pitchFamily="18" charset="0"/>
+            </a:endParaRPr>
           </a:p>
         </p:txBody>
       </p:sp>
@@ -2058,15 +2082,11 @@
               <a:rPr lang="en-US" dirty="0"/>
               <a:t>Click to edit Master title style</a:t>
             </a:r>
+            <a:endParaRPr lang="en-US" dirty="0"/>
           </a:p>
         </p:txBody>
       </p:sp>
     </p:spTree>
-    <p:extLst>
-      <p:ext uri="{BB962C8B-B14F-4D97-AF65-F5344CB8AC3E}">
-        <p14:creationId xmlns:p14="http://schemas.microsoft.com/office/powerpoint/2010/main" val="4005853219"/>
-      </p:ext>
-    </p:extLst>
   </p:cSld>
   <p:clrMapOvr>
     <a:masterClrMapping/>
@@ -2119,6 +2139,7 @@
               <a:rPr lang="en-US"/>
               <a:t>Click to edit Master title style</a:t>
             </a:r>
+            <a:endParaRPr lang="en-US"/>
           </a:p>
         </p:txBody>
       </p:sp>
@@ -2238,6 +2259,7 @@
               <a:rPr lang="en-US"/>
               <a:t>Click to edit Master text styles</a:t>
             </a:r>
+            <a:endParaRPr lang="en-US"/>
           </a:p>
         </p:txBody>
       </p:sp>
@@ -2266,7 +2288,6 @@
           <a:p>
             <a:fld id="{CDBD8763-1223-4E1C-9348-E4479451FFA2}" type="datetime1">
               <a:rPr lang="en-US" smtClean="0"/>
-              <a:t>8/21/2025</a:t>
             </a:fld>
             <a:endParaRPr lang="en-US"/>
           </a:p>
@@ -2291,6 +2312,7 @@
               <a:rPr lang="en-US"/>
               <a:t>Department of Computer Applications</a:t>
             </a:r>
+            <a:endParaRPr lang="en-US"/>
           </a:p>
         </p:txBody>
       </p:sp>
@@ -2311,7 +2333,6 @@
           <a:p>
             <a:fld id="{C65E9355-139B-4FED-8401-A2AF31A8FC31}" type="slidenum">
               <a:rPr lang="en-US" smtClean="0"/>
-              <a:t>‹#›</a:t>
             </a:fld>
             <a:endParaRPr lang="en-US"/>
           </a:p>
@@ -2361,6 +2382,7 @@
               <a:rPr lang="en-US"/>
               <a:t>Click to edit Master title style</a:t>
             </a:r>
+            <a:endParaRPr lang="en-US"/>
           </a:p>
         </p:txBody>
       </p:sp>
@@ -2417,6 +2439,7 @@
               <a:rPr lang="en-US"/>
               <a:t>Click to edit Master text styles</a:t>
             </a:r>
+            <a:endParaRPr lang="en-US"/>
           </a:p>
           <a:p>
             <a:pPr lvl="1"/>
@@ -2424,6 +2447,7 @@
               <a:rPr lang="en-US"/>
               <a:t>Second level</a:t>
             </a:r>
+            <a:endParaRPr lang="en-US"/>
           </a:p>
           <a:p>
             <a:pPr lvl="2"/>
@@ -2431,6 +2455,7 @@
               <a:rPr lang="en-US"/>
               <a:t>Third level</a:t>
             </a:r>
+            <a:endParaRPr lang="en-US"/>
           </a:p>
           <a:p>
             <a:pPr lvl="3"/>
@@ -2438,6 +2463,7 @@
               <a:rPr lang="en-US"/>
               <a:t>Fourth level</a:t>
             </a:r>
+            <a:endParaRPr lang="en-US"/>
           </a:p>
           <a:p>
             <a:pPr lvl="4"/>
@@ -2445,6 +2471,7 @@
               <a:rPr lang="en-US"/>
               <a:t>Fifth level</a:t>
             </a:r>
+            <a:endParaRPr lang="en-US"/>
           </a:p>
         </p:txBody>
       </p:sp>
@@ -2501,6 +2528,7 @@
               <a:rPr lang="en-US"/>
               <a:t>Click to edit Master text styles</a:t>
             </a:r>
+            <a:endParaRPr lang="en-US"/>
           </a:p>
           <a:p>
             <a:pPr lvl="1"/>
@@ -2508,6 +2536,7 @@
               <a:rPr lang="en-US"/>
               <a:t>Second level</a:t>
             </a:r>
+            <a:endParaRPr lang="en-US"/>
           </a:p>
           <a:p>
             <a:pPr lvl="2"/>
@@ -2515,6 +2544,7 @@
               <a:rPr lang="en-US"/>
               <a:t>Third level</a:t>
             </a:r>
+            <a:endParaRPr lang="en-US"/>
           </a:p>
           <a:p>
             <a:pPr lvl="3"/>
@@ -2522,6 +2552,7 @@
               <a:rPr lang="en-US"/>
               <a:t>Fourth level</a:t>
             </a:r>
+            <a:endParaRPr lang="en-US"/>
           </a:p>
           <a:p>
             <a:pPr lvl="4"/>
@@ -2529,6 +2560,7 @@
               <a:rPr lang="en-US"/>
               <a:t>Fifth level</a:t>
             </a:r>
+            <a:endParaRPr lang="en-US"/>
           </a:p>
         </p:txBody>
       </p:sp>
@@ -2557,7 +2589,6 @@
           <a:p>
             <a:fld id="{853A3728-E260-4992-8842-3C089F6C3D88}" type="datetime1">
               <a:rPr lang="en-US" smtClean="0"/>
-              <a:t>8/21/2025</a:t>
             </a:fld>
             <a:endParaRPr lang="en-US"/>
           </a:p>
@@ -2582,6 +2613,7 @@
               <a:rPr lang="en-US"/>
               <a:t>Department of Computer Applications</a:t>
             </a:r>
+            <a:endParaRPr lang="en-US"/>
           </a:p>
         </p:txBody>
       </p:sp>
@@ -2602,7 +2634,6 @@
           <a:p>
             <a:fld id="{C65E9355-139B-4FED-8401-A2AF31A8FC31}" type="slidenum">
               <a:rPr lang="en-US" smtClean="0"/>
-              <a:t>‹#›</a:t>
             </a:fld>
             <a:endParaRPr lang="en-US"/>
           </a:p>
@@ -2656,6 +2687,7 @@
               <a:rPr lang="en-US"/>
               <a:t>Click to edit Master title style</a:t>
             </a:r>
+            <a:endParaRPr lang="en-US"/>
           </a:p>
         </p:txBody>
       </p:sp>
@@ -2721,6 +2753,7 @@
               <a:rPr lang="en-US"/>
               <a:t>Click to edit Master text styles</a:t>
             </a:r>
+            <a:endParaRPr lang="en-US"/>
           </a:p>
         </p:txBody>
       </p:sp>
@@ -2777,6 +2810,7 @@
               <a:rPr lang="en-US"/>
               <a:t>Click to edit Master text styles</a:t>
             </a:r>
+            <a:endParaRPr lang="en-US"/>
           </a:p>
           <a:p>
             <a:pPr lvl="1"/>
@@ -2784,6 +2818,7 @@
               <a:rPr lang="en-US"/>
               <a:t>Second level</a:t>
             </a:r>
+            <a:endParaRPr lang="en-US"/>
           </a:p>
           <a:p>
             <a:pPr lvl="2"/>
@@ -2791,6 +2826,7 @@
               <a:rPr lang="en-US"/>
               <a:t>Third level</a:t>
             </a:r>
+            <a:endParaRPr lang="en-US"/>
           </a:p>
           <a:p>
             <a:pPr lvl="3"/>
@@ -2798,6 +2834,7 @@
               <a:rPr lang="en-US"/>
               <a:t>Fourth level</a:t>
             </a:r>
+            <a:endParaRPr lang="en-US"/>
           </a:p>
           <a:p>
             <a:pPr lvl="4"/>
@@ -2805,6 +2842,7 @@
               <a:rPr lang="en-US"/>
               <a:t>Fifth level</a:t>
             </a:r>
+            <a:endParaRPr lang="en-US"/>
           </a:p>
         </p:txBody>
       </p:sp>
@@ -2870,6 +2908,7 @@
               <a:rPr lang="en-US"/>
               <a:t>Click to edit Master text styles</a:t>
             </a:r>
+            <a:endParaRPr lang="en-US"/>
           </a:p>
         </p:txBody>
       </p:sp>
@@ -2926,6 +2965,7 @@
               <a:rPr lang="en-US"/>
               <a:t>Click to edit Master text styles</a:t>
             </a:r>
+            <a:endParaRPr lang="en-US"/>
           </a:p>
           <a:p>
             <a:pPr lvl="1"/>
@@ -2933,6 +2973,7 @@
               <a:rPr lang="en-US"/>
               <a:t>Second level</a:t>
             </a:r>
+            <a:endParaRPr lang="en-US"/>
           </a:p>
           <a:p>
             <a:pPr lvl="2"/>
@@ -2940,6 +2981,7 @@
               <a:rPr lang="en-US"/>
               <a:t>Third level</a:t>
             </a:r>
+            <a:endParaRPr lang="en-US"/>
           </a:p>
           <a:p>
             <a:pPr lvl="3"/>
@@ -2947,6 +2989,7 @@
               <a:rPr lang="en-US"/>
               <a:t>Fourth level</a:t>
             </a:r>
+            <a:endParaRPr lang="en-US"/>
           </a:p>
           <a:p>
             <a:pPr lvl="4"/>
@@ -2954,6 +2997,7 @@
               <a:rPr lang="en-US"/>
               <a:t>Fifth level</a:t>
             </a:r>
+            <a:endParaRPr lang="en-US"/>
           </a:p>
         </p:txBody>
       </p:sp>
@@ -2982,7 +3026,6 @@
           <a:p>
             <a:fld id="{163DE32F-317A-4950-B3B6-7B500923F79A}" type="datetime1">
               <a:rPr lang="en-US" smtClean="0"/>
-              <a:t>8/21/2025</a:t>
             </a:fld>
             <a:endParaRPr lang="en-US"/>
           </a:p>
@@ -3007,6 +3050,7 @@
               <a:rPr lang="en-US"/>
               <a:t>Department of Computer Applications</a:t>
             </a:r>
+            <a:endParaRPr lang="en-US"/>
           </a:p>
         </p:txBody>
       </p:sp>
@@ -3027,7 +3071,6 @@
           <a:p>
             <a:fld id="{C65E9355-139B-4FED-8401-A2AF31A8FC31}" type="slidenum">
               <a:rPr lang="en-US" smtClean="0"/>
-              <a:t>‹#›</a:t>
             </a:fld>
             <a:endParaRPr lang="en-US"/>
           </a:p>
@@ -3077,6 +3120,7 @@
               <a:rPr lang="en-US"/>
               <a:t>Click to edit Master title style</a:t>
             </a:r>
+            <a:endParaRPr lang="en-US"/>
           </a:p>
         </p:txBody>
       </p:sp>
@@ -3105,7 +3149,6 @@
           <a:p>
             <a:fld id="{CA1D3D62-0C66-4F15-9588-8CB96F41B0D1}" type="datetime1">
               <a:rPr lang="en-US" smtClean="0"/>
-              <a:t>8/21/2025</a:t>
             </a:fld>
             <a:endParaRPr lang="en-US"/>
           </a:p>
@@ -3130,6 +3173,7 @@
               <a:rPr lang="en-US"/>
               <a:t>Department of Computer Applications</a:t>
             </a:r>
+            <a:endParaRPr lang="en-US"/>
           </a:p>
         </p:txBody>
       </p:sp>
@@ -3150,7 +3194,6 @@
           <a:p>
             <a:fld id="{C65E9355-139B-4FED-8401-A2AF31A8FC31}" type="slidenum">
               <a:rPr lang="en-US" smtClean="0"/>
-              <a:t>‹#›</a:t>
             </a:fld>
             <a:endParaRPr lang="en-US"/>
           </a:p>
@@ -3206,7 +3249,6 @@
           <a:p>
             <a:fld id="{3976A512-578D-4C36-9299-7E9D9DEF4439}" type="datetime1">
               <a:rPr lang="en-US" smtClean="0"/>
-              <a:t>8/21/2025</a:t>
             </a:fld>
             <a:endParaRPr lang="en-US"/>
           </a:p>
@@ -3231,6 +3273,7 @@
               <a:rPr lang="en-US"/>
               <a:t>Department of Computer Applications</a:t>
             </a:r>
+            <a:endParaRPr lang="en-US"/>
           </a:p>
         </p:txBody>
       </p:sp>
@@ -3251,7 +3294,6 @@
           <a:p>
             <a:fld id="{C65E9355-139B-4FED-8401-A2AF31A8FC31}" type="slidenum">
               <a:rPr lang="en-US" smtClean="0"/>
-              <a:t>‹#›</a:t>
             </a:fld>
             <a:endParaRPr lang="en-US"/>
           </a:p>
@@ -3310,6 +3352,7 @@
               <a:rPr lang="en-US"/>
               <a:t>Click to edit Master title style</a:t>
             </a:r>
+            <a:endParaRPr lang="en-US"/>
           </a:p>
         </p:txBody>
       </p:sp>
@@ -3366,6 +3409,7 @@
               <a:rPr lang="en-US"/>
               <a:t>Click to edit Master text styles</a:t>
             </a:r>
+            <a:endParaRPr lang="en-US"/>
           </a:p>
           <a:p>
             <a:pPr lvl="1"/>
@@ -3373,6 +3417,7 @@
               <a:rPr lang="en-US"/>
               <a:t>Second level</a:t>
             </a:r>
+            <a:endParaRPr lang="en-US"/>
           </a:p>
           <a:p>
             <a:pPr lvl="2"/>
@@ -3380,6 +3425,7 @@
               <a:rPr lang="en-US"/>
               <a:t>Third level</a:t>
             </a:r>
+            <a:endParaRPr lang="en-US"/>
           </a:p>
           <a:p>
             <a:pPr lvl="3"/>
@@ -3387,6 +3433,7 @@
               <a:rPr lang="en-US"/>
               <a:t>Fourth level</a:t>
             </a:r>
+            <a:endParaRPr lang="en-US"/>
           </a:p>
           <a:p>
             <a:pPr lvl="4"/>
@@ -3394,6 +3441,7 @@
               <a:rPr lang="en-US"/>
               <a:t>Fifth level</a:t>
             </a:r>
+            <a:endParaRPr lang="en-US"/>
           </a:p>
         </p:txBody>
       </p:sp>
@@ -3459,6 +3507,7 @@
               <a:rPr lang="en-US"/>
               <a:t>Click to edit Master text styles</a:t>
             </a:r>
+            <a:endParaRPr lang="en-US"/>
           </a:p>
         </p:txBody>
       </p:sp>
@@ -3487,7 +3536,6 @@
           <a:p>
             <a:fld id="{E5A72B38-B580-4B82-B7C4-B42B85713C86}" type="datetime1">
               <a:rPr lang="en-US" smtClean="0"/>
-              <a:t>8/21/2025</a:t>
             </a:fld>
             <a:endParaRPr lang="en-US"/>
           </a:p>
@@ -3512,6 +3560,7 @@
               <a:rPr lang="en-US"/>
               <a:t>Department of Computer Applications</a:t>
             </a:r>
+            <a:endParaRPr lang="en-US"/>
           </a:p>
         </p:txBody>
       </p:sp>
@@ -3532,7 +3581,6 @@
           <a:p>
             <a:fld id="{C65E9355-139B-4FED-8401-A2AF31A8FC31}" type="slidenum">
               <a:rPr lang="en-US" smtClean="0"/>
-              <a:t>‹#›</a:t>
             </a:fld>
             <a:endParaRPr lang="en-US"/>
           </a:p>
@@ -3597,6 +3645,7 @@
               <a:rPr lang="en-US"/>
               <a:t>Click to edit Master title style</a:t>
             </a:r>
+            <a:endParaRPr lang="en-US"/>
           </a:p>
         </p:txBody>
       </p:sp>
@@ -3630,6 +3679,7 @@
               <a:rPr lang="en-US"/>
               <a:t>Click to edit Master text styles</a:t>
             </a:r>
+            <a:endParaRPr lang="en-US"/>
           </a:p>
           <a:p>
             <a:pPr lvl="1"/>
@@ -3637,6 +3687,7 @@
               <a:rPr lang="en-US"/>
               <a:t>Second level</a:t>
             </a:r>
+            <a:endParaRPr lang="en-US"/>
           </a:p>
           <a:p>
             <a:pPr lvl="2"/>
@@ -3644,6 +3695,7 @@
               <a:rPr lang="en-US"/>
               <a:t>Third level</a:t>
             </a:r>
+            <a:endParaRPr lang="en-US"/>
           </a:p>
           <a:p>
             <a:pPr lvl="3"/>
@@ -3651,6 +3703,7 @@
               <a:rPr lang="en-US"/>
               <a:t>Fourth level</a:t>
             </a:r>
+            <a:endParaRPr lang="en-US"/>
           </a:p>
           <a:p>
             <a:pPr lvl="4"/>
@@ -3658,6 +3711,7 @@
               <a:rPr lang="en-US"/>
               <a:t>Fifth level</a:t>
             </a:r>
+            <a:endParaRPr lang="en-US"/>
           </a:p>
         </p:txBody>
       </p:sp>
@@ -3698,6 +3752,7 @@
               <a:rPr lang="en-US"/>
               <a:t>Department of Computer Applications</a:t>
             </a:r>
+            <a:endParaRPr lang="en-US"/>
           </a:p>
         </p:txBody>
       </p:sp>
@@ -3736,7 +3791,6 @@
           <a:p>
             <a:fld id="{C65E9355-139B-4FED-8401-A2AF31A8FC31}" type="slidenum">
               <a:rPr lang="en-US" smtClean="0"/>
-              <a:t>‹#›</a:t>
             </a:fld>
             <a:endParaRPr lang="en-US"/>
           </a:p>
@@ -3748,16 +3802,16 @@
   <p:sldLayoutIdLst>
     <p:sldLayoutId id="2147483649" r:id="rId1"/>
     <p:sldLayoutId id="2147483650" r:id="rId2"/>
-    <p:sldLayoutId id="2147483660" r:id="rId3"/>
-    <p:sldLayoutId id="2147483651" r:id="rId4"/>
-    <p:sldLayoutId id="2147483652" r:id="rId5"/>
-    <p:sldLayoutId id="2147483653" r:id="rId6"/>
-    <p:sldLayoutId id="2147483654" r:id="rId7"/>
-    <p:sldLayoutId id="2147483655" r:id="rId8"/>
-    <p:sldLayoutId id="2147483656" r:id="rId9"/>
-    <p:sldLayoutId id="2147483657" r:id="rId10"/>
-    <p:sldLayoutId id="2147483658" r:id="rId11"/>
-    <p:sldLayoutId id="2147483659" r:id="rId12"/>
+    <p:sldLayoutId id="2147483651" r:id="rId3"/>
+    <p:sldLayoutId id="2147483652" r:id="rId4"/>
+    <p:sldLayoutId id="2147483653" r:id="rId5"/>
+    <p:sldLayoutId id="2147483654" r:id="rId6"/>
+    <p:sldLayoutId id="2147483655" r:id="rId7"/>
+    <p:sldLayoutId id="2147483656" r:id="rId8"/>
+    <p:sldLayoutId id="2147483657" r:id="rId9"/>
+    <p:sldLayoutId id="2147483658" r:id="rId10"/>
+    <p:sldLayoutId id="2147483659" r:id="rId11"/>
+    <p:sldLayoutId id="2147483660" r:id="rId12"/>
   </p:sldLayoutIdLst>
   <p:hf hdr="0" dt="0"/>
   <p:txStyles>
@@ -3782,7 +3836,7 @@
         <a:spcBef>
           <a:spcPct val="20000"/>
         </a:spcBef>
-        <a:buFont typeface="Arial" pitchFamily="34" charset="0"/>
+        <a:buFont typeface="Arial" panose="020B0604020202020204" pitchFamily="34" charset="0"/>
         <a:buChar char="•"/>
         <a:defRPr sz="3200" kern="1200">
           <a:solidFill>
@@ -3797,7 +3851,7 @@
         <a:spcBef>
           <a:spcPct val="20000"/>
         </a:spcBef>
-        <a:buFont typeface="Arial" pitchFamily="34" charset="0"/>
+        <a:buFont typeface="Arial" panose="020B0604020202020204" pitchFamily="34" charset="0"/>
         <a:buChar char="–"/>
         <a:defRPr sz="2800" kern="1200">
           <a:solidFill>
@@ -3812,7 +3866,7 @@
         <a:spcBef>
           <a:spcPct val="20000"/>
         </a:spcBef>
-        <a:buFont typeface="Arial" pitchFamily="34" charset="0"/>
+        <a:buFont typeface="Arial" panose="020B0604020202020204" pitchFamily="34" charset="0"/>
         <a:buChar char="•"/>
         <a:defRPr sz="2400" kern="1200">
           <a:solidFill>
@@ -3827,7 +3881,7 @@
         <a:spcBef>
           <a:spcPct val="20000"/>
         </a:spcBef>
-        <a:buFont typeface="Arial" pitchFamily="34" charset="0"/>
+        <a:buFont typeface="Arial" panose="020B0604020202020204" pitchFamily="34" charset="0"/>
         <a:buChar char="–"/>
         <a:defRPr sz="2000" kern="1200">
           <a:solidFill>
@@ -3842,7 +3896,7 @@
         <a:spcBef>
           <a:spcPct val="20000"/>
         </a:spcBef>
-        <a:buFont typeface="Arial" pitchFamily="34" charset="0"/>
+        <a:buFont typeface="Arial" panose="020B0604020202020204" pitchFamily="34" charset="0"/>
         <a:buChar char="»"/>
         <a:defRPr sz="2000" kern="1200">
           <a:solidFill>
@@ -3857,7 +3911,7 @@
         <a:spcBef>
           <a:spcPct val="20000"/>
         </a:spcBef>
-        <a:buFont typeface="Arial" pitchFamily="34" charset="0"/>
+        <a:buFont typeface="Arial" panose="020B0604020202020204" pitchFamily="34" charset="0"/>
         <a:buChar char="•"/>
         <a:defRPr sz="2000" kern="1200">
           <a:solidFill>
@@ -3872,7 +3926,7 @@
         <a:spcBef>
           <a:spcPct val="20000"/>
         </a:spcBef>
-        <a:buFont typeface="Arial" pitchFamily="34" charset="0"/>
+        <a:buFont typeface="Arial" panose="020B0604020202020204" pitchFamily="34" charset="0"/>
         <a:buChar char="•"/>
         <a:defRPr sz="2000" kern="1200">
           <a:solidFill>
@@ -3887,7 +3941,7 @@
         <a:spcBef>
           <a:spcPct val="20000"/>
         </a:spcBef>
-        <a:buFont typeface="Arial" pitchFamily="34" charset="0"/>
+        <a:buFont typeface="Arial" panose="020B0604020202020204" pitchFamily="34" charset="0"/>
         <a:buChar char="•"/>
         <a:defRPr sz="2000" kern="1200">
           <a:solidFill>
@@ -3902,7 +3956,7 @@
         <a:spcBef>
           <a:spcPct val="20000"/>
         </a:spcBef>
-        <a:buFont typeface="Arial" pitchFamily="34" charset="0"/>
+        <a:buFont typeface="Arial" panose="020B0604020202020204" pitchFamily="34" charset="0"/>
         <a:buChar char="•"/>
         <a:defRPr sz="2000" kern="1200">
           <a:solidFill>
@@ -4057,10 +4111,16 @@
                 <a:solidFill>
                   <a:schemeClr val="accent2"/>
                 </a:solidFill>
-                <a:cs typeface="Times New Roman" pitchFamily="18" charset="0"/>
+                <a:cs typeface="Times New Roman" panose="02020603050405020304" pitchFamily="18" charset="0"/>
               </a:rPr>
               <a:t>THE COMMERCIAL VEHICLE BOOKING</a:t>
             </a:r>
+            <a:endParaRPr lang="en-US" b="1" dirty="0">
+              <a:solidFill>
+                <a:schemeClr val="accent2"/>
+              </a:solidFill>
+              <a:cs typeface="Times New Roman" panose="02020603050405020304" pitchFamily="18" charset="0"/>
+            </a:endParaRPr>
           </a:p>
         </p:txBody>
       </p:sp>
@@ -4100,10 +4160,17 @@
                   <a:schemeClr val="tx1"/>
                 </a:solidFill>
                 <a:latin typeface="Bookman Old Style" panose="02050604050505020204" pitchFamily="18" charset="0"/>
-                <a:cs typeface="Times New Roman" pitchFamily="18" charset="0"/>
+                <a:cs typeface="Times New Roman" panose="02020603050405020304" pitchFamily="18" charset="0"/>
               </a:rPr>
               <a:t>MUHSINA</a:t>
             </a:r>
+            <a:endParaRPr lang="en-US" sz="1700" b="1" dirty="0">
+              <a:solidFill>
+                <a:schemeClr val="tx1"/>
+              </a:solidFill>
+              <a:latin typeface="Bookman Old Style" panose="02050604050505020204" pitchFamily="18" charset="0"/>
+              <a:cs typeface="Times New Roman" panose="02020603050405020304" pitchFamily="18" charset="0"/>
+            </a:endParaRPr>
           </a:p>
           <a:p>
             <a:pPr lvl="0">
@@ -4120,10 +4187,17 @@
                   <a:schemeClr val="tx1"/>
                 </a:solidFill>
                 <a:latin typeface="Bookman Old Style" panose="02050604050505020204" pitchFamily="18" charset="0"/>
-                <a:cs typeface="Times New Roman" pitchFamily="18" charset="0"/>
+                <a:cs typeface="Times New Roman" panose="02020603050405020304" pitchFamily="18" charset="0"/>
               </a:rPr>
               <a:t>MES24MCA-2035</a:t>
             </a:r>
+            <a:endParaRPr lang="en-US" sz="1700" b="1" dirty="0">
+              <a:solidFill>
+                <a:schemeClr val="tx1"/>
+              </a:solidFill>
+              <a:latin typeface="Bookman Old Style" panose="02050604050505020204" pitchFamily="18" charset="0"/>
+              <a:cs typeface="Times New Roman" panose="02020603050405020304" pitchFamily="18" charset="0"/>
+            </a:endParaRPr>
           </a:p>
           <a:p>
             <a:pPr lvl="0">
@@ -4136,7 +4210,7 @@
                 <a:schemeClr val="tx1"/>
               </a:solidFill>
               <a:latin typeface="Bookman Old Style" panose="02050604050505020204" pitchFamily="18" charset="0"/>
-              <a:cs typeface="Times New Roman" pitchFamily="18" charset="0"/>
+              <a:cs typeface="Times New Roman" panose="02020603050405020304" pitchFamily="18" charset="0"/>
             </a:endParaRPr>
           </a:p>
           <a:p>
@@ -4159,10 +4233,17 @@
                   <a:schemeClr val="tx1"/>
                 </a:solidFill>
                 <a:latin typeface="Bookman Old Style" panose="02050604050505020204" pitchFamily="18" charset="0"/>
-                <a:cs typeface="Times New Roman" pitchFamily="18" charset="0"/>
+                <a:cs typeface="Times New Roman" panose="02020603050405020304" pitchFamily="18" charset="0"/>
               </a:rPr>
               <a:t>Department of Computer Applications</a:t>
             </a:r>
+            <a:endParaRPr lang="en-US" sz="1500" b="1" dirty="0">
+              <a:solidFill>
+                <a:schemeClr val="tx1"/>
+              </a:solidFill>
+              <a:latin typeface="Bookman Old Style" panose="02050604050505020204" pitchFamily="18" charset="0"/>
+              <a:cs typeface="Times New Roman" panose="02020603050405020304" pitchFamily="18" charset="0"/>
+            </a:endParaRPr>
           </a:p>
           <a:p>
             <a:pPr lvl="0">
@@ -4184,7 +4265,7 @@
                   <a:schemeClr val="tx1"/>
                 </a:solidFill>
                 <a:latin typeface="Bookman Old Style" panose="02050604050505020204" pitchFamily="18" charset="0"/>
-                <a:cs typeface="Times New Roman" pitchFamily="18" charset="0"/>
+                <a:cs typeface="Times New Roman" panose="02020603050405020304" pitchFamily="18" charset="0"/>
               </a:rPr>
               <a:t>MES College of Engineering, </a:t>
             </a:r>
@@ -4194,7 +4275,7 @@
                   <a:schemeClr val="tx1"/>
                 </a:solidFill>
                 <a:latin typeface="Bookman Old Style" panose="02050604050505020204" pitchFamily="18" charset="0"/>
-                <a:cs typeface="Times New Roman" pitchFamily="18" charset="0"/>
+                <a:cs typeface="Times New Roman" panose="02020603050405020304" pitchFamily="18" charset="0"/>
               </a:rPr>
               <a:t>Kuttippuram</a:t>
             </a:r>
@@ -4203,7 +4284,7 @@
                 <a:schemeClr val="tx1"/>
               </a:solidFill>
               <a:latin typeface="Bookman Old Style" panose="02050604050505020204" pitchFamily="18" charset="0"/>
-              <a:cs typeface="Times New Roman" pitchFamily="18" charset="0"/>
+              <a:cs typeface="Times New Roman" panose="02020603050405020304" pitchFamily="18" charset="0"/>
             </a:endParaRPr>
           </a:p>
           <a:p>
@@ -4222,7 +4303,7 @@
                 <a:schemeClr val="tx1"/>
               </a:solidFill>
               <a:latin typeface="Bookman Old Style" panose="02050604050505020204" pitchFamily="18" charset="0"/>
-              <a:cs typeface="Times New Roman" pitchFamily="18" charset="0"/>
+              <a:cs typeface="Times New Roman" panose="02020603050405020304" pitchFamily="18" charset="0"/>
             </a:endParaRPr>
           </a:p>
           <a:p>
@@ -4245,6 +4326,12 @@
               </a:rPr>
               <a:t>20-AUG-2025</a:t>
             </a:r>
+            <a:endParaRPr lang="en-US" sz="1200" b="1" dirty="0">
+              <a:solidFill>
+                <a:schemeClr val="tx1"/>
+              </a:solidFill>
+              <a:latin typeface="Bookman Old Style" panose="02050604050505020204" pitchFamily="18" charset="0"/>
+            </a:endParaRPr>
           </a:p>
         </p:txBody>
       </p:sp>
@@ -4257,7 +4344,7 @@
           <p:nvPr/>
         </p:nvPicPr>
         <p:blipFill>
-          <a:blip r:embed="rId2"/>
+          <a:blip r:embed="rId1"/>
           <a:stretch>
             <a:fillRect/>
           </a:stretch>
@@ -4313,7 +4400,7 @@
           <a:lstStyle/>
           <a:p>
             <a:r>
-              <a:rPr lang="en" dirty="0"/>
+              <a:rPr lang="en-GB" dirty="0"/>
               <a:t>FUNCTIONALITIES</a:t>
             </a:r>
             <a:endParaRPr lang="en-US" dirty="0"/>
@@ -4341,6 +4428,7 @@
               <a:rPr lang="en-IN" sz="2800" b="1" dirty="0"/>
               <a:t>User &amp; Driver Management:</a:t>
             </a:r>
+            <a:endParaRPr lang="en-IN" sz="2800" b="1" dirty="0"/>
           </a:p>
           <a:p>
             <a:r>
@@ -4351,6 +4439,7 @@
               <a:rPr lang="en-GB" sz="2400" dirty="0"/>
               <a:t> Users and drivers can create accounts and log in.</a:t>
             </a:r>
+            <a:endParaRPr lang="en-GB" sz="2400" dirty="0"/>
           </a:p>
           <a:p>
             <a:r>
@@ -4361,6 +4450,7 @@
               <a:rPr lang="en-GB" sz="2400" dirty="0"/>
               <a:t>Users and drivers can add and update their personal details and change passwords.</a:t>
             </a:r>
+            <a:endParaRPr lang="en-GB" sz="2400" dirty="0"/>
           </a:p>
           <a:p>
             <a:r>
@@ -4415,8 +4505,6 @@
           <a:p>
             <a:fld id="{C65E9355-139B-4FED-8401-A2AF31A8FC31}" type="slidenum">
               <a:rPr lang="en-US" smtClean="0"/>
-              <a:pPr/>
-              <a:t>10</a:t>
             </a:fld>
             <a:endParaRPr lang="en-US"/>
           </a:p>
@@ -4449,13 +4537,7 @@
       </p:grpSpPr>
       <p:sp>
         <p:nvSpPr>
-          <p:cNvPr id="2" name="Title 1">
-            <a:extLst>
-              <a:ext uri="{FF2B5EF4-FFF2-40B4-BE49-F238E27FC236}">
-                <a16:creationId xmlns:a16="http://schemas.microsoft.com/office/drawing/2014/main" id="{BE06CAB1-4CFA-8C60-9013-C0DE6A448995}"/>
-              </a:ext>
-            </a:extLst>
-          </p:cNvPr>
+          <p:cNvPr id="2" name="Title 1"/>
           <p:cNvSpPr>
             <a:spLocks noGrp="1"/>
           </p:cNvSpPr>
@@ -4472,18 +4554,13 @@
               <a:rPr lang="en-IN" dirty="0"/>
               <a:t>FUNCTIONALITIES</a:t>
             </a:r>
+            <a:endParaRPr lang="en-IN" dirty="0"/>
           </a:p>
         </p:txBody>
       </p:sp>
       <p:sp>
         <p:nvSpPr>
-          <p:cNvPr id="3" name="Content Placeholder 2">
-            <a:extLst>
-              <a:ext uri="{FF2B5EF4-FFF2-40B4-BE49-F238E27FC236}">
-                <a16:creationId xmlns:a16="http://schemas.microsoft.com/office/drawing/2014/main" id="{55DA8EA4-BBC0-D1CE-7023-085412636916}"/>
-              </a:ext>
-            </a:extLst>
-          </p:cNvPr>
+          <p:cNvPr id="3" name="Content Placeholder 2"/>
           <p:cNvSpPr>
             <a:spLocks noGrp="1"/>
           </p:cNvSpPr>
@@ -4502,6 +4579,7 @@
               <a:rPr lang="en-IN" sz="2800" b="1" dirty="0"/>
               <a:t>Vehicle &amp; Booking Management:</a:t>
             </a:r>
+            <a:endParaRPr lang="en-IN" sz="2800" b="1" dirty="0"/>
           </a:p>
           <a:p>
             <a:r>
@@ -4512,6 +4590,7 @@
               <a:rPr lang="en-GB" sz="2400" spc="-150" dirty="0"/>
               <a:t> Users can search, view, select, and book commercial vehicles based on various requirements (type, capacity, location, dates).</a:t>
             </a:r>
+            <a:endParaRPr lang="en-GB" sz="2400" spc="-150" dirty="0"/>
           </a:p>
           <a:p>
             <a:r>
@@ -4522,6 +4601,7 @@
               <a:rPr lang="en-GB" sz="2400" spc="-150" dirty="0"/>
               <a:t> Drivers can add and delete their registered vehicles.</a:t>
             </a:r>
+            <a:endParaRPr lang="en-GB" sz="2400" spc="-150" dirty="0"/>
           </a:p>
           <a:p>
             <a:r>
@@ -4532,6 +4612,7 @@
               <a:rPr lang="en-GB" sz="2400" spc="-150" dirty="0"/>
               <a:t> Users can filter vehicles by type for easier access.</a:t>
             </a:r>
+            <a:endParaRPr lang="en-GB" sz="2400" spc="-150" dirty="0"/>
           </a:p>
           <a:p>
             <a:r>
@@ -4542,24 +4623,28 @@
               <a:rPr lang="en-GB" sz="2400" spc="-150" dirty="0"/>
               <a:t> An administrative interface for managing:</a:t>
             </a:r>
+            <a:endParaRPr lang="en-GB" sz="2400" spc="-150" dirty="0"/>
           </a:p>
           <a:p>
             <a:r>
               <a:rPr lang="en-GB" sz="2400" spc="-150" dirty="0"/>
               <a:t>Vehicle inventory (add, edit, delete).</a:t>
             </a:r>
+            <a:endParaRPr lang="en-GB" sz="2400" spc="-150" dirty="0"/>
           </a:p>
           <a:p>
             <a:r>
               <a:rPr lang="en-GB" sz="2400" spc="-150" dirty="0"/>
               <a:t>User accounts and permissions.</a:t>
             </a:r>
+            <a:endParaRPr lang="en-GB" sz="2400" spc="-150" dirty="0"/>
           </a:p>
           <a:p>
             <a:r>
               <a:rPr lang="en-GB" sz="2400" spc="-150" dirty="0"/>
               <a:t>Booking records.</a:t>
             </a:r>
+            <a:endParaRPr lang="en-GB" sz="2400" spc="-150" dirty="0"/>
           </a:p>
           <a:p>
             <a:pPr marL="0" indent="0">
@@ -4574,13 +4659,7 @@
       </p:sp>
       <p:sp>
         <p:nvSpPr>
-          <p:cNvPr id="4" name="Footer Placeholder 3">
-            <a:extLst>
-              <a:ext uri="{FF2B5EF4-FFF2-40B4-BE49-F238E27FC236}">
-                <a16:creationId xmlns:a16="http://schemas.microsoft.com/office/drawing/2014/main" id="{750EA42D-913A-2AAA-83A7-D9A58333F44E}"/>
-              </a:ext>
-            </a:extLst>
-          </p:cNvPr>
+          <p:cNvPr id="4" name="Footer Placeholder 3"/>
           <p:cNvSpPr>
             <a:spLocks noGrp="1"/>
           </p:cNvSpPr>
@@ -4603,13 +4682,7 @@
       </p:sp>
       <p:sp>
         <p:nvSpPr>
-          <p:cNvPr id="5" name="Slide Number Placeholder 4">
-            <a:extLst>
-              <a:ext uri="{FF2B5EF4-FFF2-40B4-BE49-F238E27FC236}">
-                <a16:creationId xmlns:a16="http://schemas.microsoft.com/office/drawing/2014/main" id="{943B8BB0-59A8-405D-E817-DD50B1072721}"/>
-              </a:ext>
-            </a:extLst>
-          </p:cNvPr>
+          <p:cNvPr id="5" name="Slide Number Placeholder 4"/>
           <p:cNvSpPr>
             <a:spLocks noGrp="1"/>
           </p:cNvSpPr>
@@ -4624,19 +4697,12 @@
           <a:p>
             <a:fld id="{C65E9355-139B-4FED-8401-A2AF31A8FC31}" type="slidenum">
               <a:rPr lang="en-US" smtClean="0"/>
-              <a:pPr/>
-              <a:t>11</a:t>
             </a:fld>
             <a:endParaRPr lang="en-US" dirty="0"/>
           </a:p>
         </p:txBody>
       </p:sp>
     </p:spTree>
-    <p:extLst>
-      <p:ext uri="{BB962C8B-B14F-4D97-AF65-F5344CB8AC3E}">
-        <p14:creationId xmlns:p14="http://schemas.microsoft.com/office/powerpoint/2010/main" val="919997764"/>
-      </p:ext>
-    </p:extLst>
   </p:cSld>
   <p:clrMapOvr>
     <a:masterClrMapping/>
@@ -4677,7 +4743,7 @@
           <a:lstStyle/>
           <a:p>
             <a:r>
-              <a:rPr lang="en" dirty="0"/>
+              <a:rPr lang="en-GB" dirty="0"/>
               <a:t>MODULE DESCRIPTION</a:t>
             </a:r>
             <a:endParaRPr lang="en-US" dirty="0"/>
@@ -4709,6 +4775,7 @@
               <a:rPr lang="en-GB" sz="2800" dirty="0"/>
               <a:t>Manages user accounts and allows users to browse, book, and view commercial vehicles.</a:t>
             </a:r>
+            <a:endParaRPr lang="en-GB" sz="2800" dirty="0"/>
           </a:p>
           <a:p>
             <a:r>
@@ -4719,6 +4786,7 @@
               <a:rPr lang="en-GB" sz="2800" dirty="0"/>
               <a:t> For vehicle operators to register, log in, add or delete vehicles, and manage their bookings and profile.</a:t>
             </a:r>
+            <a:endParaRPr lang="en-GB" sz="2800" dirty="0"/>
           </a:p>
           <a:p>
             <a:r>
@@ -4773,8 +4841,6 @@
           <a:p>
             <a:fld id="{C65E9355-139B-4FED-8401-A2AF31A8FC31}" type="slidenum">
               <a:rPr lang="en-US" smtClean="0"/>
-              <a:pPr/>
-              <a:t>12</a:t>
             </a:fld>
             <a:endParaRPr lang="en-US"/>
           </a:p>
@@ -4824,6 +4890,7 @@
               <a:rPr lang="en-US" dirty="0"/>
               <a:t>DEVELOPING ENVIRONMENT</a:t>
             </a:r>
+            <a:endParaRPr lang="en-US" dirty="0"/>
           </a:p>
         </p:txBody>
       </p:sp>
@@ -4846,12 +4913,35 @@
           <a:p>
             <a:r>
               <a:rPr lang="en-IN" sz="2400" b="1" spc="-150" dirty="0"/>
+              <a:t>developing system: </a:t>
+            </a:r>
+            <a:r>
+              <a:rPr lang="en-IN" sz="2400" spc="-150" dirty="0"/>
+              <a:t>windows 11</a:t>
+            </a:r>
+            <a:endParaRPr lang="en-IN" sz="2400" spc="-150" dirty="0"/>
+          </a:p>
+          <a:p>
+            <a:r>
+              <a:rPr lang="en-IN" sz="2400" b="1" spc="-150" dirty="0"/>
+              <a:t>programming language</a:t>
+            </a:r>
+            <a:r>
+              <a:rPr lang="en-IN" sz="2400" spc="-150" dirty="0"/>
+              <a:t>:python</a:t>
+            </a:r>
+            <a:endParaRPr lang="en-IN" sz="2400" spc="-150" dirty="0"/>
+          </a:p>
+          <a:p>
+            <a:r>
+              <a:rPr lang="en-IN" sz="2400" b="1" spc="-150" dirty="0"/>
               <a:t>Framework:</a:t>
             </a:r>
             <a:r>
               <a:rPr lang="en-IN" sz="2400" spc="-150" dirty="0"/>
               <a:t> Django.</a:t>
             </a:r>
+            <a:endParaRPr lang="en-IN" sz="2400" spc="-150" dirty="0"/>
           </a:p>
           <a:p>
             <a:r>
@@ -4860,34 +4950,13 @@
             </a:r>
             <a:r>
               <a:rPr lang="en-GB" sz="2400" spc="-150" dirty="0"/>
-              <a:t> Templates from </a:t>
+              <a:t> </a:t>
             </a:r>
             <a:r>
-              <a:rPr lang="en-GB" sz="2400" spc="-150" dirty="0" err="1"/>
-              <a:t>Colorlib</a:t>
+              <a:rPr lang="en-IN" altLang="en-GB" sz="2400" spc="-150" dirty="0"/>
+              <a:t>HTML5,CSS,Javascript</a:t>
             </a:r>
-            <a:r>
-              <a:rPr lang="en-GB" sz="2400" spc="-150" dirty="0"/>
-              <a:t> and </a:t>
-            </a:r>
-            <a:r>
-              <a:rPr lang="en-GB" sz="2400" spc="-150" dirty="0" err="1"/>
-              <a:t>Bootstrapdash</a:t>
-            </a:r>
-            <a:r>
-              <a:rPr lang="en-GB" sz="2400" spc="-150" dirty="0"/>
-              <a:t>.</a:t>
-            </a:r>
-          </a:p>
-          <a:p>
-            <a:r>
-              <a:rPr lang="en-GB" sz="2400" b="1" spc="-150" dirty="0"/>
-              <a:t>Back End: </a:t>
-            </a:r>
-            <a:r>
-              <a:rPr lang="en-GB" sz="2400" spc="-150" dirty="0"/>
-              <a:t>Python with the Django framework.</a:t>
-            </a:r>
+            <a:endParaRPr lang="en-GB" sz="2400" spc="-150" dirty="0"/>
           </a:p>
           <a:p>
             <a:r>
@@ -4896,38 +4965,51 @@
             </a:r>
             <a:r>
               <a:rPr lang="en-GB" sz="2400" spc="-150" dirty="0"/>
-              <a:t> A relational database is used to manage user, driver, vehicle, booking, and payment data.</a:t>
-            </a:r>
-          </a:p>
-          <a:p>
-            <a:r>
-              <a:rPr lang="en-US" sz="2400" b="1" u="sng" spc="-150" dirty="0"/>
-              <a:t>Libraries:</a:t>
-            </a:r>
-          </a:p>
-          <a:p>
-            <a:r>
-              <a:rPr lang="en-GB" sz="2400" b="1" spc="-150" dirty="0"/>
-              <a:t>Django </a:t>
+              <a:t> </a:t>
             </a:r>
             <a:r>
-              <a:rPr lang="en-GB" sz="2400" spc="-150" dirty="0" err="1"/>
-              <a:t>Jazzmin:Improves</a:t>
+              <a:rPr lang="en-IN" altLang="en-GB" sz="2400" spc="-150" dirty="0"/>
+              <a:t>SQL lite</a:t>
+            </a:r>
+            <a:endParaRPr lang="en-IN" altLang="en-GB" sz="2400" spc="-150" dirty="0"/>
+          </a:p>
+          <a:p>
+            <a:r>
+              <a:rPr lang="en-IN" altLang="en-GB" sz="2400" b="1" spc="-150" dirty="0"/>
+              <a:t>version control</a:t>
+            </a:r>
+            <a:r>
+              <a:rPr lang="en-IN" altLang="en-GB" sz="2400" spc="-150" dirty="0"/>
+              <a:t>:github,git</a:t>
+            </a:r>
+            <a:endParaRPr lang="en-GB" sz="2400" spc="-150" dirty="0"/>
+          </a:p>
+          <a:p>
+            <a:r>
+              <a:rPr lang="en-IN" altLang="en-GB" sz="2400" b="1" spc="-150" dirty="0"/>
+              <a:t>image processing:</a:t>
             </a:r>
             <a:r>
               <a:rPr lang="en-GB" sz="2400" spc="-150" dirty="0"/>
-              <a:t> the Django admin's look and navigation.</a:t>
+              <a:t>Pillow</a:t>
             </a:r>
-          </a:p>
-          <a:p>
             <a:r>
-              <a:rPr lang="en-GB" sz="2400" b="1" spc="-150" dirty="0"/>
-              <a:t>Pillow: </a:t>
+              <a:rPr lang="en-IN" altLang="en-GB" sz="2400" spc="-150" dirty="0"/>
+              <a:t> </a:t>
+            </a:r>
+            <a:r>
+              <a:rPr lang="en-IN" altLang="en-GB" sz="2400" b="1" spc="-150" dirty="0"/>
+              <a:t>(</a:t>
             </a:r>
             <a:r>
               <a:rPr lang="en-GB" sz="2400" spc="-150" dirty="0"/>
-              <a:t>Processes images, enabling resizing and cropping.</a:t>
+              <a:t>Processes images, enabling resizing and cropping</a:t>
             </a:r>
+            <a:r>
+              <a:rPr lang="en-IN" altLang="en-GB" sz="2400" spc="-150" dirty="0"/>
+              <a:t>).</a:t>
+            </a:r>
+            <a:endParaRPr lang="en-GB" sz="2400" spc="-150" dirty="0"/>
           </a:p>
           <a:p>
             <a:r>
@@ -4938,7 +5020,10 @@
               <a:rPr lang="en-IN" sz="2400" spc="-150" dirty="0"/>
               <a:t>VS Code</a:t>
             </a:r>
-            <a:endParaRPr lang="en-US" sz="2400" spc="-150" dirty="0"/>
+            <a:endParaRPr lang="en-IN" sz="2400" spc="-150" dirty="0"/>
+          </a:p>
+          <a:p>
+            <a:endParaRPr lang="en-IN" altLang="en-US" sz="2400" spc="-150" dirty="0"/>
           </a:p>
         </p:txBody>
       </p:sp>
@@ -4982,8 +5067,6 @@
           <a:p>
             <a:fld id="{C65E9355-139B-4FED-8401-A2AF31A8FC31}" type="slidenum">
               <a:rPr lang="en-US" smtClean="0"/>
-              <a:pPr/>
-              <a:t>13</a:t>
             </a:fld>
             <a:endParaRPr lang="en-US"/>
           </a:p>
@@ -5033,6 +5116,7 @@
               <a:rPr lang="en-US" dirty="0"/>
               <a:t>SPRINT BACKLOG</a:t>
             </a:r>
+            <a:endParaRPr lang="en-US" dirty="0"/>
           </a:p>
         </p:txBody>
       </p:sp>
@@ -5095,8 +5179,6 @@
           <a:p>
             <a:fld id="{C65E9355-139B-4FED-8401-A2AF31A8FC31}" type="slidenum">
               <a:rPr lang="en-US" smtClean="0"/>
-              <a:pPr/>
-              <a:t>14</a:t>
             </a:fld>
             <a:endParaRPr lang="en-US"/>
           </a:p>
@@ -5106,13 +5188,7 @@
         <p:nvGraphicFramePr>
           <p:cNvPr id="6" name="Google Shape;409;p32"/>
           <p:cNvGraphicFramePr/>
-          <p:nvPr>
-            <p:extLst>
-              <p:ext uri="{D42A27DB-BD31-4B8C-83A1-F6EECF244321}">
-                <p14:modId xmlns:p14="http://schemas.microsoft.com/office/powerpoint/2010/main" val="1372617045"/>
-              </p:ext>
-            </p:extLst>
-          </p:nvPr>
+          <p:nvPr/>
         </p:nvGraphicFramePr>
         <p:xfrm>
           <a:off x="457200" y="1143000"/>
@@ -5125,97 +5201,19 @@
                 <a:noFill/>
               </a:tblPr>
               <a:tblGrid>
-                <a:gridCol w="1914320">
-                  <a:extLst>
-                    <a:ext uri="{9D8B030D-6E8A-4147-A177-3AD203B41FA5}">
-                      <a16:colId xmlns:a16="http://schemas.microsoft.com/office/drawing/2014/main" val="20000"/>
-                    </a:ext>
-                  </a:extLst>
-                </a:gridCol>
-                <a:gridCol w="799046">
-                  <a:extLst>
-                    <a:ext uri="{9D8B030D-6E8A-4147-A177-3AD203B41FA5}">
-                      <a16:colId xmlns:a16="http://schemas.microsoft.com/office/drawing/2014/main" val="20001"/>
-                    </a:ext>
-                  </a:extLst>
-                </a:gridCol>
-                <a:gridCol w="710880">
-                  <a:extLst>
-                    <a:ext uri="{9D8B030D-6E8A-4147-A177-3AD203B41FA5}">
-                      <a16:colId xmlns:a16="http://schemas.microsoft.com/office/drawing/2014/main" val="20002"/>
-                    </a:ext>
-                  </a:extLst>
-                </a:gridCol>
-                <a:gridCol w="519503">
-                  <a:extLst>
-                    <a:ext uri="{9D8B030D-6E8A-4147-A177-3AD203B41FA5}">
-                      <a16:colId xmlns:a16="http://schemas.microsoft.com/office/drawing/2014/main" val="20003"/>
-                    </a:ext>
-                  </a:extLst>
-                </a:gridCol>
-                <a:gridCol w="480001">
-                  <a:extLst>
-                    <a:ext uri="{9D8B030D-6E8A-4147-A177-3AD203B41FA5}">
-                      <a16:colId xmlns:a16="http://schemas.microsoft.com/office/drawing/2014/main" val="20004"/>
-                    </a:ext>
-                  </a:extLst>
-                </a:gridCol>
-                <a:gridCol w="498908">
-                  <a:extLst>
-                    <a:ext uri="{9D8B030D-6E8A-4147-A177-3AD203B41FA5}">
-                      <a16:colId xmlns:a16="http://schemas.microsoft.com/office/drawing/2014/main" val="20005"/>
-                    </a:ext>
-                  </a:extLst>
-                </a:gridCol>
-                <a:gridCol w="469898">
-                  <a:extLst>
-                    <a:ext uri="{9D8B030D-6E8A-4147-A177-3AD203B41FA5}">
-                      <a16:colId xmlns:a16="http://schemas.microsoft.com/office/drawing/2014/main" val="20006"/>
-                    </a:ext>
-                  </a:extLst>
-                </a:gridCol>
-                <a:gridCol w="472841">
-                  <a:extLst>
-                    <a:ext uri="{9D8B030D-6E8A-4147-A177-3AD203B41FA5}">
-                      <a16:colId xmlns:a16="http://schemas.microsoft.com/office/drawing/2014/main" val="20007"/>
-                    </a:ext>
-                  </a:extLst>
-                </a:gridCol>
-                <a:gridCol w="472841">
-                  <a:extLst>
-                    <a:ext uri="{9D8B030D-6E8A-4147-A177-3AD203B41FA5}">
-                      <a16:colId xmlns:a16="http://schemas.microsoft.com/office/drawing/2014/main" val="20008"/>
-                    </a:ext>
-                  </a:extLst>
-                </a:gridCol>
-                <a:gridCol w="472841">
-                  <a:extLst>
-                    <a:ext uri="{9D8B030D-6E8A-4147-A177-3AD203B41FA5}">
-                      <a16:colId xmlns:a16="http://schemas.microsoft.com/office/drawing/2014/main" val="20009"/>
-                    </a:ext>
-                  </a:extLst>
-                </a:gridCol>
-                <a:gridCol w="472841">
-                  <a:extLst>
-                    <a:ext uri="{9D8B030D-6E8A-4147-A177-3AD203B41FA5}">
-                      <a16:colId xmlns:a16="http://schemas.microsoft.com/office/drawing/2014/main" val="20010"/>
-                    </a:ext>
-                  </a:extLst>
-                </a:gridCol>
-                <a:gridCol w="472841">
-                  <a:extLst>
-                    <a:ext uri="{9D8B030D-6E8A-4147-A177-3AD203B41FA5}">
-                      <a16:colId xmlns:a16="http://schemas.microsoft.com/office/drawing/2014/main" val="20011"/>
-                    </a:ext>
-                  </a:extLst>
-                </a:gridCol>
-                <a:gridCol w="472841">
-                  <a:extLst>
-                    <a:ext uri="{9D8B030D-6E8A-4147-A177-3AD203B41FA5}">
-                      <a16:colId xmlns:a16="http://schemas.microsoft.com/office/drawing/2014/main" val="20012"/>
-                    </a:ext>
-                  </a:extLst>
-                </a:gridCol>
+                <a:gridCol w="1914320"/>
+                <a:gridCol w="799046"/>
+                <a:gridCol w="710880"/>
+                <a:gridCol w="519503"/>
+                <a:gridCol w="480001"/>
+                <a:gridCol w="498908"/>
+                <a:gridCol w="469898"/>
+                <a:gridCol w="472841"/>
+                <a:gridCol w="472841"/>
+                <a:gridCol w="472841"/>
+                <a:gridCol w="472841"/>
+                <a:gridCol w="472841"/>
+                <a:gridCol w="472841"/>
               </a:tblGrid>
               <a:tr h="1130797">
                 <a:tc>
@@ -5233,7 +5231,7 @@
                         <a:buNone/>
                       </a:pPr>
                       <a:r>
-                        <a:rPr lang="en" sz="1200" b="1" dirty="0"/>
+                        <a:rPr lang="en-GB" sz="1200" b="1" dirty="0"/>
                         <a:t>Backlog tem </a:t>
                       </a:r>
                       <a:endParaRPr sz="1200" b="1" dirty="0"/>
@@ -5260,7 +5258,7 @@
                         <a:buNone/>
                       </a:pPr>
                       <a:r>
-                        <a:rPr lang="en" sz="1200" b="1" dirty="0"/>
+                        <a:rPr lang="en-GB" sz="1200" b="1" dirty="0"/>
                         <a:t>Status And Completion Date</a:t>
                       </a:r>
                       <a:endParaRPr sz="1200" b="1" dirty="0"/>
@@ -5287,7 +5285,7 @@
                         <a:buNone/>
                       </a:pPr>
                       <a:r>
-                        <a:rPr lang="en" sz="1200" b="1"/>
+                        <a:rPr lang="en-GB" sz="1200" b="1"/>
                         <a:t>Original Estimation in Hours </a:t>
                       </a:r>
                       <a:endParaRPr sz="1200" b="1"/>
@@ -5314,7 +5312,7 @@
                         <a:buNone/>
                       </a:pPr>
                       <a:r>
-                        <a:rPr lang="en" sz="1100" b="1"/>
+                        <a:rPr lang="en-GB" sz="1100" b="1"/>
                         <a:t>Day 1</a:t>
                       </a:r>
                       <a:endParaRPr sz="1100" b="1"/>
@@ -5330,7 +5328,7 @@
                         <a:buNone/>
                       </a:pPr>
                       <a:r>
-                        <a:rPr lang="en" sz="1100" b="1"/>
+                        <a:rPr lang="en-GB" sz="1100" b="1"/>
                         <a:t>hrs</a:t>
                       </a:r>
                       <a:endParaRPr sz="1100" b="1"/>
@@ -5357,7 +5355,7 @@
                         <a:buNone/>
                       </a:pPr>
                       <a:r>
-                        <a:rPr lang="en" sz="1100" b="1"/>
+                        <a:rPr lang="en-GB" sz="1100" b="1"/>
                         <a:t>Day 2</a:t>
                       </a:r>
                       <a:endParaRPr sz="1100" b="1"/>
@@ -5373,7 +5371,7 @@
                         <a:buNone/>
                       </a:pPr>
                       <a:r>
-                        <a:rPr lang="en" sz="1100" b="1"/>
+                        <a:rPr lang="en-GB" sz="1100" b="1"/>
                         <a:t>hrs</a:t>
                       </a:r>
                       <a:endParaRPr sz="1100" b="1"/>
@@ -5400,7 +5398,7 @@
                         <a:buNone/>
                       </a:pPr>
                       <a:r>
-                        <a:rPr lang="en" sz="1100" b="1" dirty="0"/>
+                        <a:rPr lang="en-GB" sz="1100" b="1" dirty="0"/>
                         <a:t>Day </a:t>
                       </a:r>
                       <a:endParaRPr sz="1100" b="1" dirty="0"/>
@@ -5416,7 +5414,7 @@
                         <a:buNone/>
                       </a:pPr>
                       <a:r>
-                        <a:rPr lang="en" sz="1100" b="1" dirty="0"/>
+                        <a:rPr lang="en-GB" sz="1100" b="1" dirty="0"/>
                         <a:t>3</a:t>
                       </a:r>
                       <a:endParaRPr sz="1100" b="1" dirty="0"/>
@@ -5432,7 +5430,7 @@
                         <a:buNone/>
                       </a:pPr>
                       <a:r>
-                        <a:rPr lang="en" sz="1100" b="1" dirty="0"/>
+                        <a:rPr lang="en-GB" sz="1100" b="1" dirty="0"/>
                         <a:t>hrs</a:t>
                       </a:r>
                       <a:endParaRPr sz="1100" b="1" dirty="0"/>
@@ -5459,7 +5457,7 @@
                         <a:buNone/>
                       </a:pPr>
                       <a:r>
-                        <a:rPr lang="en" sz="1100" b="1"/>
+                        <a:rPr lang="en-GB" sz="1100" b="1"/>
                         <a:t>Day</a:t>
                       </a:r>
                       <a:endParaRPr sz="1100" b="1"/>
@@ -5475,7 +5473,7 @@
                         <a:buNone/>
                       </a:pPr>
                       <a:r>
-                        <a:rPr lang="en" sz="1100" b="1"/>
+                        <a:rPr lang="en-GB" sz="1100" b="1"/>
                         <a:t>4</a:t>
                       </a:r>
                       <a:endParaRPr sz="1100" b="1"/>
@@ -5491,7 +5489,7 @@
                         <a:buNone/>
                       </a:pPr>
                       <a:r>
-                        <a:rPr lang="en" sz="1100" b="1"/>
+                        <a:rPr lang="en-GB" sz="1100" b="1"/>
                         <a:t>hrs</a:t>
                       </a:r>
                       <a:endParaRPr sz="1100" b="1"/>
@@ -5518,7 +5516,7 @@
                         <a:buNone/>
                       </a:pPr>
                       <a:r>
-                        <a:rPr lang="en" sz="1100" b="1"/>
+                        <a:rPr lang="en-GB" sz="1100" b="1"/>
                         <a:t>Day </a:t>
                       </a:r>
                       <a:endParaRPr sz="1100" b="1"/>
@@ -5534,7 +5532,7 @@
                         <a:buNone/>
                       </a:pPr>
                       <a:r>
-                        <a:rPr lang="en" sz="1100" b="1"/>
+                        <a:rPr lang="en-GB" sz="1100" b="1"/>
                         <a:t>5</a:t>
                       </a:r>
                       <a:endParaRPr sz="1100" b="1"/>
@@ -5550,7 +5548,7 @@
                         <a:buNone/>
                       </a:pPr>
                       <a:r>
-                        <a:rPr lang="en" sz="1100" b="1"/>
+                        <a:rPr lang="en-GB" sz="1100" b="1"/>
                         <a:t>hrs</a:t>
                       </a:r>
                       <a:endParaRPr sz="1100" b="1"/>
@@ -5577,7 +5575,7 @@
                         <a:buNone/>
                       </a:pPr>
                       <a:r>
-                        <a:rPr lang="en" sz="1100" b="1"/>
+                        <a:rPr lang="en-GB" sz="1100" b="1"/>
                         <a:t>Day 6</a:t>
                       </a:r>
                       <a:endParaRPr sz="1100" b="1"/>
@@ -5593,7 +5591,7 @@
                         <a:buNone/>
                       </a:pPr>
                       <a:r>
-                        <a:rPr lang="en" sz="1100" b="1"/>
+                        <a:rPr lang="en-GB" sz="1100" b="1"/>
                         <a:t>hrs</a:t>
                       </a:r>
                       <a:endParaRPr sz="1100" b="1"/>
@@ -5620,7 +5618,7 @@
                         <a:buNone/>
                       </a:pPr>
                       <a:r>
-                        <a:rPr lang="en" sz="1100" b="1"/>
+                        <a:rPr lang="en-GB" sz="1100" b="1"/>
                         <a:t>Day 7</a:t>
                       </a:r>
                       <a:endParaRPr sz="1100" b="1"/>
@@ -5636,7 +5634,7 @@
                         <a:buNone/>
                       </a:pPr>
                       <a:r>
-                        <a:rPr lang="en" sz="1100" b="1"/>
+                        <a:rPr lang="en-GB" sz="1100" b="1"/>
                         <a:t>hrs</a:t>
                       </a:r>
                       <a:endParaRPr sz="1100" b="1"/>
@@ -5663,7 +5661,7 @@
                         <a:buNone/>
                       </a:pPr>
                       <a:r>
-                        <a:rPr lang="en" sz="1100" b="1"/>
+                        <a:rPr lang="en-GB" sz="1100" b="1"/>
                         <a:t>Day 8</a:t>
                       </a:r>
                       <a:endParaRPr sz="1100" b="1"/>
@@ -5679,7 +5677,7 @@
                         <a:buNone/>
                       </a:pPr>
                       <a:r>
-                        <a:rPr lang="en" sz="1100" b="1"/>
+                        <a:rPr lang="en-GB" sz="1100" b="1"/>
                         <a:t>hrs</a:t>
                       </a:r>
                       <a:endParaRPr sz="1100" b="1"/>
@@ -5706,7 +5704,7 @@
                         <a:buNone/>
                       </a:pPr>
                       <a:r>
-                        <a:rPr lang="en" sz="1100" b="1"/>
+                        <a:rPr lang="en-GB" sz="1100" b="1"/>
                         <a:t>Day 9</a:t>
                       </a:r>
                       <a:endParaRPr sz="1100" b="1"/>
@@ -5722,7 +5720,7 @@
                         <a:buNone/>
                       </a:pPr>
                       <a:r>
-                        <a:rPr lang="en" sz="1100" b="1"/>
+                        <a:rPr lang="en-GB" sz="1100" b="1"/>
                         <a:t>hrs</a:t>
                       </a:r>
                       <a:endParaRPr sz="1100" b="1"/>
@@ -5749,7 +5747,7 @@
                         <a:buNone/>
                       </a:pPr>
                       <a:r>
-                        <a:rPr lang="en" sz="1100" b="1"/>
+                        <a:rPr lang="en-GB" sz="1100" b="1"/>
                         <a:t>Day 10</a:t>
                       </a:r>
                       <a:endParaRPr sz="1100" b="1"/>
@@ -5765,7 +5763,7 @@
                         <a:buNone/>
                       </a:pPr>
                       <a:r>
-                        <a:rPr lang="en" sz="1100" b="1"/>
+                        <a:rPr lang="en-GB" sz="1100" b="1"/>
                         <a:t>hrs</a:t>
                       </a:r>
                       <a:endParaRPr sz="1100" b="1"/>
@@ -5789,11 +5787,6 @@
                     </a:solidFill>
                   </a:tcPr>
                 </a:tc>
-                <a:extLst>
-                  <a:ext uri="{0D108BD9-81ED-4DB2-BD59-A6C34878D82A}">
-                    <a16:rowId xmlns:a16="http://schemas.microsoft.com/office/drawing/2014/main" val="10000"/>
-                  </a:ext>
-                </a:extLst>
               </a:tr>
               <a:tr h="392617">
                 <a:tc gridSpan="13">
@@ -5811,7 +5804,7 @@
                         <a:buNone/>
                       </a:pPr>
                       <a:r>
-                        <a:rPr lang="en" sz="1300" b="1" dirty="0"/>
+                        <a:rPr lang="en-GB" sz="1300" b="1" dirty="0"/>
                         <a:t>SPRINT1</a:t>
                       </a:r>
                       <a:endParaRPr sz="1300" b="1" dirty="0"/>
@@ -5824,130 +5817,41 @@
                   </a:tcPr>
                 </a:tc>
                 <a:tc hMerge="1">
-                  <a:txBody>
-                    <a:bodyPr/>
-                    <a:lstStyle/>
-                    <a:p>
-                      <a:endParaRPr lang="en-US"/>
-                    </a:p>
-                  </a:txBody>
                   <a:tcPr/>
                 </a:tc>
                 <a:tc hMerge="1">
-                  <a:txBody>
-                    <a:bodyPr/>
-                    <a:lstStyle/>
-                    <a:p>
-                      <a:endParaRPr lang="en-US"/>
-                    </a:p>
-                  </a:txBody>
                   <a:tcPr/>
                 </a:tc>
                 <a:tc hMerge="1">
-                  <a:txBody>
-                    <a:bodyPr/>
-                    <a:lstStyle/>
-                    <a:p>
-                      <a:endParaRPr lang="en-US"/>
-                    </a:p>
-                  </a:txBody>
                   <a:tcPr/>
                 </a:tc>
                 <a:tc hMerge="1">
-                  <a:txBody>
-                    <a:bodyPr/>
-                    <a:lstStyle/>
-                    <a:p>
-                      <a:endParaRPr lang="en-US"/>
-                    </a:p>
-                  </a:txBody>
                   <a:tcPr/>
                 </a:tc>
                 <a:tc hMerge="1">
-                  <a:txBody>
-                    <a:bodyPr/>
-                    <a:lstStyle/>
-                    <a:p>
-                      <a:endParaRPr lang="en-US"/>
-                    </a:p>
-                  </a:txBody>
                   <a:tcPr/>
                 </a:tc>
                 <a:tc hMerge="1">
-                  <a:txBody>
-                    <a:bodyPr/>
-                    <a:lstStyle/>
-                    <a:p>
-                      <a:endParaRPr lang="en-US"/>
-                    </a:p>
-                  </a:txBody>
                   <a:tcPr/>
                 </a:tc>
                 <a:tc hMerge="1">
-                  <a:txBody>
-                    <a:bodyPr/>
-                    <a:lstStyle/>
-                    <a:p>
-                      <a:endParaRPr lang="en-US"/>
-                    </a:p>
-                  </a:txBody>
                   <a:tcPr/>
                 </a:tc>
                 <a:tc hMerge="1">
-                  <a:txBody>
-                    <a:bodyPr/>
-                    <a:lstStyle/>
-                    <a:p>
-                      <a:endParaRPr lang="en-US"/>
-                    </a:p>
-                  </a:txBody>
                   <a:tcPr/>
                 </a:tc>
                 <a:tc hMerge="1">
-                  <a:txBody>
-                    <a:bodyPr/>
-                    <a:lstStyle/>
-                    <a:p>
-                      <a:endParaRPr lang="en-US"/>
-                    </a:p>
-                  </a:txBody>
                   <a:tcPr/>
                 </a:tc>
                 <a:tc hMerge="1">
-                  <a:txBody>
-                    <a:bodyPr/>
-                    <a:lstStyle/>
-                    <a:p>
-                      <a:endParaRPr lang="en-US"/>
-                    </a:p>
-                  </a:txBody>
                   <a:tcPr/>
                 </a:tc>
                 <a:tc hMerge="1">
-                  <a:txBody>
-                    <a:bodyPr/>
-                    <a:lstStyle/>
-                    <a:p>
-                      <a:endParaRPr lang="en-US"/>
-                    </a:p>
-                  </a:txBody>
                   <a:tcPr/>
                 </a:tc>
                 <a:tc hMerge="1">
-                  <a:txBody>
-                    <a:bodyPr/>
-                    <a:lstStyle/>
-                    <a:p>
-                      <a:endParaRPr lang="en-US"/>
-                    </a:p>
-                  </a:txBody>
                   <a:tcPr/>
                 </a:tc>
-                <a:extLst>
-                  <a:ext uri="{0D108BD9-81ED-4DB2-BD59-A6C34878D82A}">
-                    <a16:rowId xmlns:a16="http://schemas.microsoft.com/office/drawing/2014/main" val="10001"/>
-                  </a:ext>
-                </a:extLst>
               </a:tr>
               <a:tr h="533971">
                 <a:tc>
@@ -5969,7 +5873,7 @@
                         <a:t>D</a:t>
                       </a:r>
                       <a:r>
-                        <a:rPr lang="en" sz="1100" dirty="0"/>
+                        <a:rPr lang="en-GB" sz="1100" dirty="0"/>
                         <a:t>esign user interface/registration </a:t>
                       </a:r>
                       <a:endParaRPr sz="1100" dirty="0"/>
@@ -6023,7 +5927,7 @@
                         <a:buNone/>
                       </a:pPr>
                       <a:r>
-                        <a:rPr lang="en" dirty="0"/>
+                        <a:rPr lang="en-GB" dirty="0"/>
                         <a:t>1</a:t>
                       </a:r>
                       <a:r>
@@ -6054,7 +5958,7 @@
                         <a:buNone/>
                       </a:pPr>
                       <a:r>
-                        <a:rPr lang="en" dirty="0"/>
+                        <a:rPr lang="en-GB" dirty="0"/>
                         <a:t>0</a:t>
                       </a:r>
                       <a:endParaRPr dirty="0"/>
@@ -6081,7 +5985,7 @@
                         <a:buNone/>
                       </a:pPr>
                       <a:r>
-                        <a:rPr lang="en" dirty="0"/>
+                        <a:rPr lang="en-GB" dirty="0"/>
                         <a:t>2</a:t>
                       </a:r>
                       <a:endParaRPr dirty="0"/>
@@ -6108,7 +6012,7 @@
                         <a:buNone/>
                       </a:pPr>
                       <a:r>
-                        <a:rPr lang="en" dirty="0"/>
+                        <a:rPr lang="en-GB" dirty="0"/>
                         <a:t>2</a:t>
                       </a:r>
                       <a:endParaRPr dirty="0"/>
@@ -6135,7 +6039,7 @@
                         <a:buNone/>
                       </a:pPr>
                       <a:r>
-                        <a:rPr lang="en" dirty="0"/>
+                        <a:rPr lang="en-GB" dirty="0"/>
                         <a:t>2</a:t>
                       </a:r>
                       <a:endParaRPr dirty="0"/>
@@ -6162,7 +6066,7 @@
                         <a:buNone/>
                       </a:pPr>
                       <a:r>
-                        <a:rPr lang="en" dirty="0"/>
+                        <a:rPr lang="en-GB" dirty="0"/>
                         <a:t>0</a:t>
                       </a:r>
                       <a:endParaRPr dirty="0"/>
@@ -6189,7 +6093,7 @@
                         <a:buNone/>
                       </a:pPr>
                       <a:r>
-                        <a:rPr lang="en" dirty="0"/>
+                        <a:rPr lang="en-GB" dirty="0"/>
                         <a:t>1</a:t>
                       </a:r>
                       <a:endParaRPr dirty="0"/>
@@ -6216,7 +6120,7 @@
                         <a:buNone/>
                       </a:pPr>
                       <a:r>
-                        <a:rPr lang="en" dirty="0"/>
+                        <a:rPr lang="en-GB" dirty="0"/>
                         <a:t>1</a:t>
                       </a:r>
                       <a:endParaRPr dirty="0"/>
@@ -6243,7 +6147,7 @@
                         <a:buNone/>
                       </a:pPr>
                       <a:r>
-                        <a:rPr lang="en" dirty="0"/>
+                        <a:rPr lang="en-GB" dirty="0"/>
                         <a:t>1</a:t>
                       </a:r>
                       <a:endParaRPr dirty="0"/>
@@ -6270,7 +6174,7 @@
                         <a:buNone/>
                       </a:pPr>
                       <a:r>
-                        <a:rPr lang="en" dirty="0"/>
+                        <a:rPr lang="en-GB" dirty="0"/>
                         <a:t>1</a:t>
                       </a:r>
                       <a:endParaRPr dirty="0"/>
@@ -6297,23 +6201,18 @@
                         <a:buNone/>
                       </a:pPr>
                       <a:r>
-                        <a:rPr lang="en"/>
+                        <a:rPr lang="en-GB"/>
                         <a:t>0</a:t>
                       </a:r>
-                      <a:endParaRPr/>
-                    </a:p>
-                  </a:txBody>
-                  <a:tcPr marL="91425" marR="91425" marT="91425" marB="91425" anchor="ctr">
-                    <a:solidFill>
-                      <a:schemeClr val="bg1"/>
-                    </a:solidFill>
-                  </a:tcPr>
-                </a:tc>
-                <a:extLst>
-                  <a:ext uri="{0D108BD9-81ED-4DB2-BD59-A6C34878D82A}">
-                    <a16:rowId xmlns:a16="http://schemas.microsoft.com/office/drawing/2014/main" val="10002"/>
-                  </a:ext>
-                </a:extLst>
+                      <a:endParaRPr lang="en-GB"/>
+                    </a:p>
+                  </a:txBody>
+                  <a:tcPr marL="91425" marR="91425" marT="91425" marB="91425" anchor="ctr">
+                    <a:solidFill>
+                      <a:schemeClr val="bg1"/>
+                    </a:solidFill>
+                  </a:tcPr>
+                </a:tc>
               </a:tr>
               <a:tr h="471147">
                 <a:tc>
@@ -6385,7 +6284,7 @@
                         <a:buNone/>
                       </a:pPr>
                       <a:r>
-                        <a:rPr lang="en" dirty="0"/>
+                        <a:rPr lang="en-GB" dirty="0"/>
                         <a:t>14</a:t>
                       </a:r>
                       <a:endParaRPr dirty="0"/>
@@ -6412,7 +6311,7 @@
                         <a:buNone/>
                       </a:pPr>
                       <a:r>
-                        <a:rPr lang="en" dirty="0"/>
+                        <a:rPr lang="en-GB" dirty="0"/>
                         <a:t>1</a:t>
                       </a:r>
                       <a:endParaRPr dirty="0"/>
@@ -6439,7 +6338,7 @@
                         <a:buNone/>
                       </a:pPr>
                       <a:r>
-                        <a:rPr lang="en" dirty="0"/>
+                        <a:rPr lang="en-GB" dirty="0"/>
                         <a:t>1</a:t>
                       </a:r>
                       <a:endParaRPr dirty="0"/>
@@ -6466,34 +6365,34 @@
                         <a:buNone/>
                       </a:pPr>
                       <a:r>
-                        <a:rPr lang="en"/>
+                        <a:rPr lang="en-GB"/>
                         <a:t>1</a:t>
                       </a:r>
-                      <a:endParaRPr/>
-                    </a:p>
-                  </a:txBody>
-                  <a:tcPr marL="91425" marR="91425" marT="91425" marB="91425" anchor="ctr">
-                    <a:solidFill>
-                      <a:schemeClr val="bg1"/>
-                    </a:solidFill>
-                  </a:tcPr>
-                </a:tc>
-                <a:tc>
-                  <a:txBody>
-                    <a:bodyPr/>
-                    <a:lstStyle/>
-                    <a:p>
-                      <a:pPr marL="0" lvl="0" indent="0" algn="ctr" rtl="0">
-                        <a:spcBef>
-                          <a:spcPts val="0"/>
-                        </a:spcBef>
-                        <a:spcAft>
-                          <a:spcPts val="0"/>
-                        </a:spcAft>
-                        <a:buNone/>
-                      </a:pPr>
-                      <a:r>
-                        <a:rPr lang="en" dirty="0"/>
+                      <a:endParaRPr lang="en-GB"/>
+                    </a:p>
+                  </a:txBody>
+                  <a:tcPr marL="91425" marR="91425" marT="91425" marB="91425" anchor="ctr">
+                    <a:solidFill>
+                      <a:schemeClr val="bg1"/>
+                    </a:solidFill>
+                  </a:tcPr>
+                </a:tc>
+                <a:tc>
+                  <a:txBody>
+                    <a:bodyPr/>
+                    <a:lstStyle/>
+                    <a:p>
+                      <a:pPr marL="0" lvl="0" indent="0" algn="ctr" rtl="0">
+                        <a:spcBef>
+                          <a:spcPts val="0"/>
+                        </a:spcBef>
+                        <a:spcAft>
+                          <a:spcPts val="0"/>
+                        </a:spcAft>
+                        <a:buNone/>
+                      </a:pPr>
+                      <a:r>
+                        <a:rPr lang="en-GB" dirty="0"/>
                         <a:t>2</a:t>
                       </a:r>
                       <a:endParaRPr dirty="0"/>
@@ -6520,7 +6419,7 @@
                         <a:buNone/>
                       </a:pPr>
                       <a:r>
-                        <a:rPr lang="en" dirty="0"/>
+                        <a:rPr lang="en-GB" dirty="0"/>
                         <a:t>2</a:t>
                       </a:r>
                       <a:endParaRPr dirty="0"/>
@@ -6547,7 +6446,7 @@
                         <a:buNone/>
                       </a:pPr>
                       <a:r>
-                        <a:rPr lang="en" dirty="0"/>
+                        <a:rPr lang="en-GB" dirty="0"/>
                         <a:t>2</a:t>
                       </a:r>
                       <a:endParaRPr dirty="0"/>
@@ -6574,7 +6473,7 @@
                         <a:buNone/>
                       </a:pPr>
                       <a:r>
-                        <a:rPr lang="en" dirty="0"/>
+                        <a:rPr lang="en-GB" dirty="0"/>
                         <a:t>2</a:t>
                       </a:r>
                       <a:endParaRPr dirty="0"/>
@@ -6601,7 +6500,7 @@
                         <a:buNone/>
                       </a:pPr>
                       <a:r>
-                        <a:rPr lang="en" dirty="0"/>
+                        <a:rPr lang="en-GB" dirty="0"/>
                         <a:t>2</a:t>
                       </a:r>
                       <a:endParaRPr dirty="0"/>
@@ -6628,7 +6527,7 @@
                         <a:buNone/>
                       </a:pPr>
                       <a:r>
-                        <a:rPr lang="en" dirty="0"/>
+                        <a:rPr lang="en-GB" dirty="0"/>
                         <a:t>0</a:t>
                       </a:r>
                       <a:endParaRPr dirty="0"/>
@@ -6655,7 +6554,7 @@
                         <a:buNone/>
                       </a:pPr>
                       <a:r>
-                        <a:rPr lang="en" dirty="0"/>
+                        <a:rPr lang="en-GB" dirty="0"/>
                         <a:t>1</a:t>
                       </a:r>
                       <a:endParaRPr dirty="0"/>
@@ -6667,11 +6566,6 @@
                     </a:solidFill>
                   </a:tcPr>
                 </a:tc>
-                <a:extLst>
-                  <a:ext uri="{0D108BD9-81ED-4DB2-BD59-A6C34878D82A}">
-                    <a16:rowId xmlns:a16="http://schemas.microsoft.com/office/drawing/2014/main" val="10003"/>
-                  </a:ext>
-                </a:extLst>
               </a:tr>
               <a:tr h="471147">
                 <a:tc>
@@ -6770,7 +6664,7 @@
                         <a:buNone/>
                       </a:pPr>
                       <a:r>
-                        <a:rPr lang="en" dirty="0"/>
+                        <a:rPr lang="en-GB" dirty="0"/>
                         <a:t>10</a:t>
                       </a:r>
                       <a:endParaRPr dirty="0"/>
@@ -6815,7 +6709,7 @@
                         <a:buNone/>
                       </a:pPr>
                       <a:r>
-                        <a:rPr lang="en" dirty="0"/>
+                        <a:rPr lang="en-GB" dirty="0"/>
                         <a:t>1</a:t>
                       </a:r>
                       <a:endParaRPr dirty="0"/>
@@ -6860,7 +6754,7 @@
                         <a:buNone/>
                       </a:pPr>
                       <a:r>
-                        <a:rPr lang="en" dirty="0"/>
+                        <a:rPr lang="en-GB" dirty="0"/>
                         <a:t>1</a:t>
                       </a:r>
                       <a:endParaRPr dirty="0"/>
@@ -6905,7 +6799,7 @@
                         <a:buNone/>
                       </a:pPr>
                       <a:r>
-                        <a:rPr lang="en" dirty="0"/>
+                        <a:rPr lang="en-GB" dirty="0"/>
                         <a:t>1</a:t>
                       </a:r>
                       <a:endParaRPr dirty="0"/>
@@ -6950,7 +6844,7 @@
                         <a:buNone/>
                       </a:pPr>
                       <a:r>
-                        <a:rPr lang="en" dirty="0"/>
+                        <a:rPr lang="en-GB" dirty="0"/>
                         <a:t>0</a:t>
                       </a:r>
                       <a:endParaRPr dirty="0"/>
@@ -6995,7 +6889,7 @@
                         <a:buNone/>
                       </a:pPr>
                       <a:r>
-                        <a:rPr lang="en" dirty="0"/>
+                        <a:rPr lang="en-GB" dirty="0"/>
                         <a:t>0</a:t>
                       </a:r>
                       <a:endParaRPr dirty="0"/>
@@ -7040,7 +6934,7 @@
                         <a:buNone/>
                       </a:pPr>
                       <a:r>
-                        <a:rPr lang="en" dirty="0"/>
+                        <a:rPr lang="en-GB" dirty="0"/>
                         <a:t>0</a:t>
                       </a:r>
                       <a:endParaRPr dirty="0"/>
@@ -7085,7 +6979,7 @@
                         <a:buNone/>
                       </a:pPr>
                       <a:r>
-                        <a:rPr lang="en" dirty="0"/>
+                        <a:rPr lang="en-GB" dirty="0"/>
                         <a:t>0</a:t>
                       </a:r>
                       <a:endParaRPr dirty="0"/>
@@ -7130,7 +7024,7 @@
                         <a:buNone/>
                       </a:pPr>
                       <a:r>
-                        <a:rPr lang="en" dirty="0"/>
+                        <a:rPr lang="en-GB" dirty="0"/>
                         <a:t>0</a:t>
                       </a:r>
                       <a:endParaRPr dirty="0"/>
@@ -7175,7 +7069,7 @@
                         <a:buNone/>
                       </a:pPr>
                       <a:r>
-                        <a:rPr lang="en" dirty="0"/>
+                        <a:rPr lang="en-GB" dirty="0"/>
                         <a:t>0</a:t>
                       </a:r>
                       <a:endParaRPr dirty="0"/>
@@ -7220,10 +7114,10 @@
                         <a:buNone/>
                       </a:pPr>
                       <a:r>
-                        <a:rPr lang="en"/>
+                        <a:rPr lang="en-GB"/>
                         <a:t>0</a:t>
                       </a:r>
-                      <a:endParaRPr/>
+                      <a:endParaRPr lang="en-GB"/>
                     </a:p>
                   </a:txBody>
                   <a:tcPr marL="91425" marR="91425" marT="91425" marB="91425" anchor="ctr">
@@ -7241,11 +7135,6 @@
                     </a:solidFill>
                   </a:tcPr>
                 </a:tc>
-                <a:extLst>
-                  <a:ext uri="{0D108BD9-81ED-4DB2-BD59-A6C34878D82A}">
-                    <a16:rowId xmlns:a16="http://schemas.microsoft.com/office/drawing/2014/main" val="10004"/>
-                  </a:ext>
-                </a:extLst>
               </a:tr>
               <a:tr h="392617">
                 <a:tc>
@@ -7932,11 +7821,6 @@
                     </a:solidFill>
                   </a:tcPr>
                 </a:tc>
-                <a:extLst>
-                  <a:ext uri="{0D108BD9-81ED-4DB2-BD59-A6C34878D82A}">
-                    <a16:rowId xmlns:a16="http://schemas.microsoft.com/office/drawing/2014/main" val="10005"/>
-                  </a:ext>
-                </a:extLst>
               </a:tr>
               <a:tr h="596795">
                 <a:tc gridSpan="13">
@@ -7958,13 +7842,13 @@
                         <a:buSzTx/>
                         <a:buFontTx/>
                         <a:buNone/>
-                        <a:tabLst/>
                         <a:defRPr/>
                       </a:pPr>
                       <a:r>
                         <a:rPr lang="en-IN" sz="1300" b="1" dirty="0"/>
                         <a:t>SPRINT2</a:t>
                       </a:r>
+                      <a:endParaRPr lang="en-IN" sz="1300" b="1" dirty="0"/>
                     </a:p>
                     <a:p>
                       <a:pPr marL="0" lvl="0" indent="0" algn="ctr" rtl="0">
@@ -8004,22 +7888,6 @@
                   </a:tcPr>
                 </a:tc>
                 <a:tc hMerge="1">
-                  <a:txBody>
-                    <a:bodyPr/>
-                    <a:lstStyle/>
-                    <a:p>
-                      <a:pPr marL="0" lvl="0" indent="0" algn="ctr" rtl="0">
-                        <a:spcBef>
-                          <a:spcPts val="0"/>
-                        </a:spcBef>
-                        <a:spcAft>
-                          <a:spcPts val="0"/>
-                        </a:spcAft>
-                        <a:buNone/>
-                      </a:pPr>
-                      <a:endParaRPr sz="1300" dirty="0"/>
-                    </a:p>
-                  </a:txBody>
                   <a:tcPr marL="91425" marR="91425" marT="91425" marB="91425" anchor="ctr">
                     <a:lnL w="12700" cap="flat" cmpd="sng" algn="ctr">
                       <a:solidFill>
@@ -8063,22 +7931,6 @@
                   </a:tcPr>
                 </a:tc>
                 <a:tc hMerge="1">
-                  <a:txBody>
-                    <a:bodyPr/>
-                    <a:lstStyle/>
-                    <a:p>
-                      <a:pPr marL="0" lvl="0" indent="0" algn="ctr" rtl="0">
-                        <a:spcBef>
-                          <a:spcPts val="0"/>
-                        </a:spcBef>
-                        <a:spcAft>
-                          <a:spcPts val="0"/>
-                        </a:spcAft>
-                        <a:buNone/>
-                      </a:pPr>
-                      <a:endParaRPr sz="1300" dirty="0"/>
-                    </a:p>
-                  </a:txBody>
                   <a:tcPr marL="91425" marR="91425" marT="91425" marB="91425" anchor="ctr">
                     <a:lnL w="12700" cap="flat" cmpd="sng" algn="ctr">
                       <a:solidFill>
@@ -8122,22 +7974,6 @@
                   </a:tcPr>
                 </a:tc>
                 <a:tc hMerge="1">
-                  <a:txBody>
-                    <a:bodyPr/>
-                    <a:lstStyle/>
-                    <a:p>
-                      <a:pPr marL="0" lvl="0" indent="0" algn="ctr" rtl="0">
-                        <a:spcBef>
-                          <a:spcPts val="0"/>
-                        </a:spcBef>
-                        <a:spcAft>
-                          <a:spcPts val="0"/>
-                        </a:spcAft>
-                        <a:buNone/>
-                      </a:pPr>
-                      <a:endParaRPr sz="1300" dirty="0"/>
-                    </a:p>
-                  </a:txBody>
                   <a:tcPr marL="91425" marR="91425" marT="91425" marB="91425" anchor="ctr">
                     <a:lnL w="12700" cap="flat" cmpd="sng" algn="ctr">
                       <a:solidFill>
@@ -8181,22 +8017,6 @@
                   </a:tcPr>
                 </a:tc>
                 <a:tc hMerge="1">
-                  <a:txBody>
-                    <a:bodyPr/>
-                    <a:lstStyle/>
-                    <a:p>
-                      <a:pPr marL="0" lvl="0" indent="0" algn="ctr" rtl="0">
-                        <a:spcBef>
-                          <a:spcPts val="0"/>
-                        </a:spcBef>
-                        <a:spcAft>
-                          <a:spcPts val="0"/>
-                        </a:spcAft>
-                        <a:buNone/>
-                      </a:pPr>
-                      <a:endParaRPr sz="1300" dirty="0"/>
-                    </a:p>
-                  </a:txBody>
                   <a:tcPr marL="91425" marR="91425" marT="91425" marB="91425" anchor="ctr">
                     <a:lnL w="12700" cap="flat" cmpd="sng" algn="ctr">
                       <a:solidFill>
@@ -8240,22 +8060,6 @@
                   </a:tcPr>
                 </a:tc>
                 <a:tc hMerge="1">
-                  <a:txBody>
-                    <a:bodyPr/>
-                    <a:lstStyle/>
-                    <a:p>
-                      <a:pPr marL="0" lvl="0" indent="0" algn="ctr" rtl="0">
-                        <a:spcBef>
-                          <a:spcPts val="0"/>
-                        </a:spcBef>
-                        <a:spcAft>
-                          <a:spcPts val="0"/>
-                        </a:spcAft>
-                        <a:buNone/>
-                      </a:pPr>
-                      <a:endParaRPr sz="1300" dirty="0"/>
-                    </a:p>
-                  </a:txBody>
                   <a:tcPr marL="91425" marR="91425" marT="91425" marB="91425" anchor="ctr">
                     <a:lnL w="12700" cap="flat" cmpd="sng" algn="ctr">
                       <a:solidFill>
@@ -8299,22 +8103,6 @@
                   </a:tcPr>
                 </a:tc>
                 <a:tc hMerge="1">
-                  <a:txBody>
-                    <a:bodyPr/>
-                    <a:lstStyle/>
-                    <a:p>
-                      <a:pPr marL="0" lvl="0" indent="0" algn="ctr" rtl="0">
-                        <a:spcBef>
-                          <a:spcPts val="0"/>
-                        </a:spcBef>
-                        <a:spcAft>
-                          <a:spcPts val="0"/>
-                        </a:spcAft>
-                        <a:buNone/>
-                      </a:pPr>
-                      <a:endParaRPr sz="1300" dirty="0"/>
-                    </a:p>
-                  </a:txBody>
                   <a:tcPr marL="91425" marR="91425" marT="91425" marB="91425" anchor="ctr">
                     <a:lnL w="12700" cap="flat" cmpd="sng" algn="ctr">
                       <a:solidFill>
@@ -8358,22 +8146,6 @@
                   </a:tcPr>
                 </a:tc>
                 <a:tc hMerge="1">
-                  <a:txBody>
-                    <a:bodyPr/>
-                    <a:lstStyle/>
-                    <a:p>
-                      <a:pPr marL="0" lvl="0" indent="0" algn="ctr" rtl="0">
-                        <a:spcBef>
-                          <a:spcPts val="0"/>
-                        </a:spcBef>
-                        <a:spcAft>
-                          <a:spcPts val="0"/>
-                        </a:spcAft>
-                        <a:buNone/>
-                      </a:pPr>
-                      <a:endParaRPr sz="1300" dirty="0"/>
-                    </a:p>
-                  </a:txBody>
                   <a:tcPr marL="91425" marR="91425" marT="91425" marB="91425" anchor="ctr">
                     <a:lnL w="12700" cap="flat" cmpd="sng" algn="ctr">
                       <a:solidFill>
@@ -8408,22 +8180,6 @@
                   </a:tcPr>
                 </a:tc>
                 <a:tc hMerge="1">
-                  <a:txBody>
-                    <a:bodyPr/>
-                    <a:lstStyle/>
-                    <a:p>
-                      <a:pPr marL="0" lvl="0" indent="0" algn="ctr" rtl="0">
-                        <a:spcBef>
-                          <a:spcPts val="0"/>
-                        </a:spcBef>
-                        <a:spcAft>
-                          <a:spcPts val="0"/>
-                        </a:spcAft>
-                        <a:buNone/>
-                      </a:pPr>
-                      <a:endParaRPr sz="1300" dirty="0"/>
-                    </a:p>
-                  </a:txBody>
                   <a:tcPr marL="91425" marR="91425" marT="91425" marB="91425" anchor="ctr">
                     <a:lnL w="12700" cap="flat" cmpd="sng" algn="ctr">
                       <a:solidFill>
@@ -8458,22 +8214,6 @@
                   </a:tcPr>
                 </a:tc>
                 <a:tc hMerge="1">
-                  <a:txBody>
-                    <a:bodyPr/>
-                    <a:lstStyle/>
-                    <a:p>
-                      <a:pPr marL="0" lvl="0" indent="0" algn="ctr" rtl="0">
-                        <a:spcBef>
-                          <a:spcPts val="0"/>
-                        </a:spcBef>
-                        <a:spcAft>
-                          <a:spcPts val="0"/>
-                        </a:spcAft>
-                        <a:buNone/>
-                      </a:pPr>
-                      <a:endParaRPr sz="1300" dirty="0"/>
-                    </a:p>
-                  </a:txBody>
                   <a:tcPr marL="91425" marR="91425" marT="91425" marB="91425" anchor="ctr">
                     <a:lnL w="12700" cap="flat" cmpd="sng" algn="ctr">
                       <a:solidFill>
@@ -8508,22 +8248,6 @@
                   </a:tcPr>
                 </a:tc>
                 <a:tc hMerge="1">
-                  <a:txBody>
-                    <a:bodyPr/>
-                    <a:lstStyle/>
-                    <a:p>
-                      <a:pPr marL="0" lvl="0" indent="0" algn="ctr" rtl="0">
-                        <a:spcBef>
-                          <a:spcPts val="0"/>
-                        </a:spcBef>
-                        <a:spcAft>
-                          <a:spcPts val="0"/>
-                        </a:spcAft>
-                        <a:buNone/>
-                      </a:pPr>
-                      <a:endParaRPr sz="1300" dirty="0"/>
-                    </a:p>
-                  </a:txBody>
                   <a:tcPr marL="91425" marR="91425" marT="91425" marB="91425" anchor="ctr">
                     <a:lnL w="12700" cap="flat" cmpd="sng" algn="ctr">
                       <a:solidFill>
@@ -8558,22 +8282,6 @@
                   </a:tcPr>
                 </a:tc>
                 <a:tc hMerge="1">
-                  <a:txBody>
-                    <a:bodyPr/>
-                    <a:lstStyle/>
-                    <a:p>
-                      <a:pPr marL="0" lvl="0" indent="0" algn="ctr" rtl="0">
-                        <a:spcBef>
-                          <a:spcPts val="0"/>
-                        </a:spcBef>
-                        <a:spcAft>
-                          <a:spcPts val="0"/>
-                        </a:spcAft>
-                        <a:buNone/>
-                      </a:pPr>
-                      <a:endParaRPr sz="1300" dirty="0"/>
-                    </a:p>
-                  </a:txBody>
                   <a:tcPr marL="91425" marR="91425" marT="91425" marB="91425" anchor="ctr">
                     <a:lnL w="12700" cap="flat" cmpd="sng" algn="ctr">
                       <a:solidFill>
@@ -8608,22 +8316,6 @@
                   </a:tcPr>
                 </a:tc>
                 <a:tc hMerge="1">
-                  <a:txBody>
-                    <a:bodyPr/>
-                    <a:lstStyle/>
-                    <a:p>
-                      <a:pPr marL="0" lvl="0" indent="0" algn="ctr" rtl="0">
-                        <a:spcBef>
-                          <a:spcPts val="0"/>
-                        </a:spcBef>
-                        <a:spcAft>
-                          <a:spcPts val="0"/>
-                        </a:spcAft>
-                        <a:buNone/>
-                      </a:pPr>
-                      <a:endParaRPr sz="1300" dirty="0"/>
-                    </a:p>
-                  </a:txBody>
                   <a:tcPr marL="91425" marR="91425" marT="91425" marB="91425" anchor="ctr">
                     <a:lnL w="12700" cap="flat" cmpd="sng" algn="ctr">
                       <a:solidFill>
@@ -8657,11 +8349,6 @@
                     </a:solidFill>
                   </a:tcPr>
                 </a:tc>
-                <a:extLst>
-                  <a:ext uri="{0D108BD9-81ED-4DB2-BD59-A6C34878D82A}">
-                    <a16:rowId xmlns:a16="http://schemas.microsoft.com/office/drawing/2014/main" val="4168777772"/>
-                  </a:ext>
-                </a:extLst>
               </a:tr>
               <a:tr h="471147">
                 <a:tc>
@@ -8683,7 +8370,7 @@
                         <a:t>V</a:t>
                       </a:r>
                       <a:r>
-                        <a:rPr lang="en" sz="1100" dirty="0"/>
+                        <a:rPr lang="en-GB" sz="1100" dirty="0"/>
                         <a:t>ehicle data management </a:t>
                       </a:r>
                       <a:endParaRPr sz="1100" dirty="0"/>
@@ -8764,7 +8451,7 @@
                         <a:buNone/>
                       </a:pPr>
                       <a:r>
-                        <a:rPr lang="en" dirty="0"/>
+                        <a:rPr lang="en-GB" dirty="0"/>
                         <a:t>14</a:t>
                       </a:r>
                       <a:endParaRPr dirty="0"/>
@@ -8818,7 +8505,7 @@
                         <a:buNone/>
                       </a:pPr>
                       <a:r>
-                        <a:rPr lang="en" dirty="0"/>
+                        <a:rPr lang="en-GB" dirty="0"/>
                         <a:t>1</a:t>
                       </a:r>
                       <a:endParaRPr dirty="0"/>
@@ -8872,10 +8559,10 @@
                         <a:buNone/>
                       </a:pPr>
                       <a:r>
-                        <a:rPr lang="en"/>
+                        <a:rPr lang="en-GB"/>
                         <a:t>1</a:t>
                       </a:r>
-                      <a:endParaRPr/>
+                      <a:endParaRPr lang="en-GB"/>
                     </a:p>
                   </a:txBody>
                   <a:tcPr marL="91425" marR="91425" marT="91425" marB="91425" anchor="ctr">
@@ -8926,10 +8613,10 @@
                         <a:buNone/>
                       </a:pPr>
                       <a:r>
-                        <a:rPr lang="en"/>
+                        <a:rPr lang="en-GB"/>
                         <a:t>1</a:t>
                       </a:r>
-                      <a:endParaRPr/>
+                      <a:endParaRPr lang="en-GB"/>
                     </a:p>
                   </a:txBody>
                   <a:tcPr marL="91425" marR="91425" marT="91425" marB="91425" anchor="ctr">
@@ -8980,7 +8667,7 @@
                         <a:buNone/>
                       </a:pPr>
                       <a:r>
-                        <a:rPr lang="en" dirty="0"/>
+                        <a:rPr lang="en-GB" dirty="0"/>
                         <a:t>2</a:t>
                       </a:r>
                       <a:endParaRPr dirty="0"/>
@@ -9034,7 +8721,7 @@
                         <a:buNone/>
                       </a:pPr>
                       <a:r>
-                        <a:rPr lang="en" dirty="0"/>
+                        <a:rPr lang="en-GB" dirty="0"/>
                         <a:t>2</a:t>
                       </a:r>
                       <a:endParaRPr dirty="0"/>
@@ -9088,7 +8775,7 @@
                         <a:buNone/>
                       </a:pPr>
                       <a:r>
-                        <a:rPr lang="en" dirty="0"/>
+                        <a:rPr lang="en-GB" dirty="0"/>
                         <a:t>2</a:t>
                       </a:r>
                       <a:endParaRPr dirty="0"/>
@@ -9142,7 +8829,7 @@
                         <a:buNone/>
                       </a:pPr>
                       <a:r>
-                        <a:rPr lang="en" dirty="0"/>
+                        <a:rPr lang="en-GB" dirty="0"/>
                         <a:t>2</a:t>
                       </a:r>
                       <a:endParaRPr dirty="0"/>
@@ -9187,7 +8874,7 @@
                         <a:buNone/>
                       </a:pPr>
                       <a:r>
-                        <a:rPr lang="en" dirty="0"/>
+                        <a:rPr lang="en-GB" dirty="0"/>
                         <a:t>1</a:t>
                       </a:r>
                       <a:endParaRPr dirty="0"/>
@@ -9223,7 +8910,7 @@
                         <a:buNone/>
                       </a:pPr>
                       <a:r>
-                        <a:rPr lang="en" dirty="0"/>
+                        <a:rPr lang="en-GB" dirty="0"/>
                         <a:t>1</a:t>
                       </a:r>
                       <a:endParaRPr dirty="0"/>
@@ -9259,7 +8946,7 @@
                         <a:buNone/>
                       </a:pPr>
                       <a:r>
-                        <a:rPr lang="en" dirty="0"/>
+                        <a:rPr lang="en-GB" dirty="0"/>
                         <a:t>1</a:t>
                       </a:r>
                       <a:endParaRPr dirty="0"/>
@@ -9280,11 +8967,6 @@
                     </a:solidFill>
                   </a:tcPr>
                 </a:tc>
-                <a:extLst>
-                  <a:ext uri="{0D108BD9-81ED-4DB2-BD59-A6C34878D82A}">
-                    <a16:rowId xmlns:a16="http://schemas.microsoft.com/office/drawing/2014/main" val="10006"/>
-                  </a:ext>
-                </a:extLst>
               </a:tr>
               <a:tr h="522925">
                 <a:tc>
@@ -9302,7 +8984,7 @@
                         <a:buNone/>
                       </a:pPr>
                       <a:r>
-                        <a:rPr lang="en" sz="1100" dirty="0"/>
+                        <a:rPr lang="en-GB" sz="1100" dirty="0"/>
                         <a:t>Vehicle Search functinality</a:t>
                       </a:r>
                       <a:endParaRPr sz="1100" dirty="0"/>
@@ -9356,7 +9038,7 @@
                         <a:buNone/>
                       </a:pPr>
                       <a:r>
-                        <a:rPr lang="en" dirty="0"/>
+                        <a:rPr lang="en-GB" dirty="0"/>
                         <a:t>13</a:t>
                       </a:r>
                       <a:endParaRPr dirty="0"/>
@@ -9383,61 +9065,61 @@
                         <a:buNone/>
                       </a:pPr>
                       <a:r>
-                        <a:rPr lang="en"/>
+                        <a:rPr lang="en-GB"/>
                         <a:t>1</a:t>
                       </a:r>
-                      <a:endParaRPr/>
-                    </a:p>
-                  </a:txBody>
-                  <a:tcPr marL="91425" marR="91425" marT="91425" marB="91425" anchor="ctr">
-                    <a:solidFill>
-                      <a:schemeClr val="bg1"/>
-                    </a:solidFill>
-                  </a:tcPr>
-                </a:tc>
-                <a:tc>
-                  <a:txBody>
-                    <a:bodyPr/>
-                    <a:lstStyle/>
-                    <a:p>
-                      <a:pPr marL="0" lvl="0" indent="0" algn="ctr" rtl="0">
-                        <a:spcBef>
-                          <a:spcPts val="0"/>
-                        </a:spcBef>
-                        <a:spcAft>
-                          <a:spcPts val="0"/>
-                        </a:spcAft>
-                        <a:buNone/>
-                      </a:pPr>
-                      <a:r>
-                        <a:rPr lang="en"/>
+                      <a:endParaRPr lang="en-GB"/>
+                    </a:p>
+                  </a:txBody>
+                  <a:tcPr marL="91425" marR="91425" marT="91425" marB="91425" anchor="ctr">
+                    <a:solidFill>
+                      <a:schemeClr val="bg1"/>
+                    </a:solidFill>
+                  </a:tcPr>
+                </a:tc>
+                <a:tc>
+                  <a:txBody>
+                    <a:bodyPr/>
+                    <a:lstStyle/>
+                    <a:p>
+                      <a:pPr marL="0" lvl="0" indent="0" algn="ctr" rtl="0">
+                        <a:spcBef>
+                          <a:spcPts val="0"/>
+                        </a:spcBef>
+                        <a:spcAft>
+                          <a:spcPts val="0"/>
+                        </a:spcAft>
+                        <a:buNone/>
+                      </a:pPr>
+                      <a:r>
+                        <a:rPr lang="en-GB"/>
                         <a:t>1</a:t>
                       </a:r>
-                      <a:endParaRPr/>
-                    </a:p>
-                  </a:txBody>
-                  <a:tcPr marL="91425" marR="91425" marT="91425" marB="91425" anchor="ctr">
-                    <a:solidFill>
-                      <a:schemeClr val="bg1"/>
-                    </a:solidFill>
-                  </a:tcPr>
-                </a:tc>
-                <a:tc>
-                  <a:txBody>
-                    <a:bodyPr/>
-                    <a:lstStyle/>
-                    <a:p>
-                      <a:pPr marL="0" lvl="0" indent="0" algn="ctr" rtl="0">
-                        <a:spcBef>
-                          <a:spcPts val="0"/>
-                        </a:spcBef>
-                        <a:spcAft>
-                          <a:spcPts val="0"/>
-                        </a:spcAft>
-                        <a:buNone/>
-                      </a:pPr>
-                      <a:r>
-                        <a:rPr lang="en" dirty="0"/>
+                      <a:endParaRPr lang="en-GB"/>
+                    </a:p>
+                  </a:txBody>
+                  <a:tcPr marL="91425" marR="91425" marT="91425" marB="91425" anchor="ctr">
+                    <a:solidFill>
+                      <a:schemeClr val="bg1"/>
+                    </a:solidFill>
+                  </a:tcPr>
+                </a:tc>
+                <a:tc>
+                  <a:txBody>
+                    <a:bodyPr/>
+                    <a:lstStyle/>
+                    <a:p>
+                      <a:pPr marL="0" lvl="0" indent="0" algn="ctr" rtl="0">
+                        <a:spcBef>
+                          <a:spcPts val="0"/>
+                        </a:spcBef>
+                        <a:spcAft>
+                          <a:spcPts val="0"/>
+                        </a:spcAft>
+                        <a:buNone/>
+                      </a:pPr>
+                      <a:r>
+                        <a:rPr lang="en-GB" dirty="0"/>
                         <a:t>2</a:t>
                       </a:r>
                       <a:endParaRPr dirty="0"/>
@@ -9464,7 +9146,7 @@
                         <a:buNone/>
                       </a:pPr>
                       <a:r>
-                        <a:rPr lang="en" dirty="0"/>
+                        <a:rPr lang="en-GB" dirty="0"/>
                         <a:t>1</a:t>
                       </a:r>
                       <a:endParaRPr dirty="0"/>
@@ -9491,7 +9173,7 @@
                         <a:buNone/>
                       </a:pPr>
                       <a:r>
-                        <a:rPr lang="en" dirty="0"/>
+                        <a:rPr lang="en-GB" dirty="0"/>
                         <a:t>2</a:t>
                       </a:r>
                       <a:endParaRPr dirty="0"/>
@@ -9518,7 +9200,7 @@
                         <a:buNone/>
                       </a:pPr>
                       <a:r>
-                        <a:rPr lang="en" dirty="0"/>
+                        <a:rPr lang="en-GB" dirty="0"/>
                         <a:t>2</a:t>
                       </a:r>
                       <a:endParaRPr dirty="0"/>
@@ -9545,7 +9227,7 @@
                         <a:buNone/>
                       </a:pPr>
                       <a:r>
-                        <a:rPr lang="en" dirty="0"/>
+                        <a:rPr lang="en-GB" dirty="0"/>
                         <a:t>1</a:t>
                       </a:r>
                       <a:endParaRPr dirty="0"/>
@@ -9572,7 +9254,7 @@
                         <a:buNone/>
                       </a:pPr>
                       <a:r>
-                        <a:rPr lang="en" dirty="0"/>
+                        <a:rPr lang="en-GB" dirty="0"/>
                         <a:t>1</a:t>
                       </a:r>
                       <a:endParaRPr dirty="0"/>
@@ -9599,7 +9281,7 @@
                         <a:buNone/>
                       </a:pPr>
                       <a:r>
-                        <a:rPr lang="en" dirty="0"/>
+                        <a:rPr lang="en-GB" dirty="0"/>
                         <a:t>1</a:t>
                       </a:r>
                       <a:endParaRPr dirty="0"/>
@@ -9626,7 +9308,7 @@
                         <a:buNone/>
                       </a:pPr>
                       <a:r>
-                        <a:rPr lang="en" dirty="0"/>
+                        <a:rPr lang="en-GB" dirty="0"/>
                         <a:t>1</a:t>
                       </a:r>
                       <a:endParaRPr dirty="0"/>
@@ -9638,11 +9320,6 @@
                     </a:solidFill>
                   </a:tcPr>
                 </a:tc>
-                <a:extLst>
-                  <a:ext uri="{0D108BD9-81ED-4DB2-BD59-A6C34878D82A}">
-                    <a16:rowId xmlns:a16="http://schemas.microsoft.com/office/drawing/2014/main" val="10007"/>
-                  </a:ext>
-                </a:extLst>
               </a:tr>
             </a:tbl>
           </a:graphicData>
@@ -9692,6 +9369,7 @@
               <a:rPr lang="en-US" dirty="0"/>
               <a:t>SPRINT BACKLOG</a:t>
             </a:r>
+            <a:endParaRPr lang="en-US" dirty="0"/>
           </a:p>
         </p:txBody>
       </p:sp>
@@ -9735,8 +9413,6 @@
           <a:p>
             <a:fld id="{C65E9355-139B-4FED-8401-A2AF31A8FC31}" type="slidenum">
               <a:rPr lang="en-US" smtClean="0"/>
-              <a:pPr/>
-              <a:t>15</a:t>
             </a:fld>
             <a:endParaRPr lang="en-US"/>
           </a:p>
@@ -9746,13 +9422,7 @@
         <p:nvGraphicFramePr>
           <p:cNvPr id="8" name="Google Shape;417;p33"/>
           <p:cNvGraphicFramePr/>
-          <p:nvPr>
-            <p:extLst>
-              <p:ext uri="{D42A27DB-BD31-4B8C-83A1-F6EECF244321}">
-                <p14:modId xmlns:p14="http://schemas.microsoft.com/office/powerpoint/2010/main" val="3853546179"/>
-              </p:ext>
-            </p:extLst>
-          </p:nvPr>
+          <p:nvPr/>
         </p:nvGraphicFramePr>
         <p:xfrm>
           <a:off x="685800" y="1066801"/>
@@ -9765,97 +9435,19 @@
                 <a:noFill/>
               </a:tblPr>
               <a:tblGrid>
-                <a:gridCol w="1103527">
-                  <a:extLst>
-                    <a:ext uri="{9D8B030D-6E8A-4147-A177-3AD203B41FA5}">
-                      <a16:colId xmlns:a16="http://schemas.microsoft.com/office/drawing/2014/main" val="20000"/>
-                    </a:ext>
-                  </a:extLst>
-                </a:gridCol>
-                <a:gridCol w="731237">
-                  <a:extLst>
-                    <a:ext uri="{9D8B030D-6E8A-4147-A177-3AD203B41FA5}">
-                      <a16:colId xmlns:a16="http://schemas.microsoft.com/office/drawing/2014/main" val="20001"/>
-                    </a:ext>
-                  </a:extLst>
-                </a:gridCol>
-                <a:gridCol w="1776075">
-                  <a:extLst>
-                    <a:ext uri="{9D8B030D-6E8A-4147-A177-3AD203B41FA5}">
-                      <a16:colId xmlns:a16="http://schemas.microsoft.com/office/drawing/2014/main" val="20002"/>
-                    </a:ext>
-                  </a:extLst>
-                </a:gridCol>
-                <a:gridCol w="475417">
-                  <a:extLst>
-                    <a:ext uri="{9D8B030D-6E8A-4147-A177-3AD203B41FA5}">
-                      <a16:colId xmlns:a16="http://schemas.microsoft.com/office/drawing/2014/main" val="20003"/>
-                    </a:ext>
-                  </a:extLst>
-                </a:gridCol>
-                <a:gridCol w="472368">
-                  <a:extLst>
-                    <a:ext uri="{9D8B030D-6E8A-4147-A177-3AD203B41FA5}">
-                      <a16:colId xmlns:a16="http://schemas.microsoft.com/office/drawing/2014/main" val="20004"/>
-                    </a:ext>
-                  </a:extLst>
-                </a:gridCol>
-                <a:gridCol w="456570">
-                  <a:extLst>
-                    <a:ext uri="{9D8B030D-6E8A-4147-A177-3AD203B41FA5}">
-                      <a16:colId xmlns:a16="http://schemas.microsoft.com/office/drawing/2014/main" val="20005"/>
-                    </a:ext>
-                  </a:extLst>
-                </a:gridCol>
-                <a:gridCol w="430023">
-                  <a:extLst>
-                    <a:ext uri="{9D8B030D-6E8A-4147-A177-3AD203B41FA5}">
-                      <a16:colId xmlns:a16="http://schemas.microsoft.com/office/drawing/2014/main" val="20006"/>
-                    </a:ext>
-                  </a:extLst>
-                </a:gridCol>
-                <a:gridCol w="432717">
-                  <a:extLst>
-                    <a:ext uri="{9D8B030D-6E8A-4147-A177-3AD203B41FA5}">
-                      <a16:colId xmlns:a16="http://schemas.microsoft.com/office/drawing/2014/main" val="20007"/>
-                    </a:ext>
-                  </a:extLst>
-                </a:gridCol>
-                <a:gridCol w="432717">
-                  <a:extLst>
-                    <a:ext uri="{9D8B030D-6E8A-4147-A177-3AD203B41FA5}">
-                      <a16:colId xmlns:a16="http://schemas.microsoft.com/office/drawing/2014/main" val="20008"/>
-                    </a:ext>
-                  </a:extLst>
-                </a:gridCol>
-                <a:gridCol w="432717">
-                  <a:extLst>
-                    <a:ext uri="{9D8B030D-6E8A-4147-A177-3AD203B41FA5}">
-                      <a16:colId xmlns:a16="http://schemas.microsoft.com/office/drawing/2014/main" val="20009"/>
-                    </a:ext>
-                  </a:extLst>
-                </a:gridCol>
-                <a:gridCol w="432717">
-                  <a:extLst>
-                    <a:ext uri="{9D8B030D-6E8A-4147-A177-3AD203B41FA5}">
-                      <a16:colId xmlns:a16="http://schemas.microsoft.com/office/drawing/2014/main" val="20010"/>
-                    </a:ext>
-                  </a:extLst>
-                </a:gridCol>
-                <a:gridCol w="432717">
-                  <a:extLst>
-                    <a:ext uri="{9D8B030D-6E8A-4147-A177-3AD203B41FA5}">
-                      <a16:colId xmlns:a16="http://schemas.microsoft.com/office/drawing/2014/main" val="20011"/>
-                    </a:ext>
-                  </a:extLst>
-                </a:gridCol>
-                <a:gridCol w="432717">
-                  <a:extLst>
-                    <a:ext uri="{9D8B030D-6E8A-4147-A177-3AD203B41FA5}">
-                      <a16:colId xmlns:a16="http://schemas.microsoft.com/office/drawing/2014/main" val="20012"/>
-                    </a:ext>
-                  </a:extLst>
-                </a:gridCol>
+                <a:gridCol w="1103527"/>
+                <a:gridCol w="731237"/>
+                <a:gridCol w="1776075"/>
+                <a:gridCol w="475417"/>
+                <a:gridCol w="472368"/>
+                <a:gridCol w="456570"/>
+                <a:gridCol w="430023"/>
+                <a:gridCol w="432717"/>
+                <a:gridCol w="432717"/>
+                <a:gridCol w="432717"/>
+                <a:gridCol w="432717"/>
+                <a:gridCol w="432717"/>
+                <a:gridCol w="432717"/>
               </a:tblGrid>
               <a:tr h="804187">
                 <a:tc>
@@ -9873,7 +9465,7 @@
                         <a:buNone/>
                       </a:pPr>
                       <a:r>
-                        <a:rPr lang="en" sz="1050" b="1" dirty="0"/>
+                        <a:rPr lang="en-GB" sz="1050" b="1" dirty="0"/>
                         <a:t>Backlog tem </a:t>
                       </a:r>
                       <a:endParaRPr sz="1050" b="1" dirty="0"/>
@@ -9909,7 +9501,7 @@
                         <a:buNone/>
                       </a:pPr>
                       <a:r>
-                        <a:rPr lang="en" sz="1050" b="1" dirty="0"/>
+                        <a:rPr lang="en-GB" sz="1050" b="1" dirty="0"/>
                         <a:t>Status And Completion Date</a:t>
                       </a:r>
                       <a:endParaRPr sz="1050" b="1" dirty="0"/>
@@ -9954,7 +9546,7 @@
                         <a:buNone/>
                       </a:pPr>
                       <a:r>
-                        <a:rPr lang="en" sz="1050" b="1" dirty="0"/>
+                        <a:rPr lang="en-GB" sz="1050" b="1" dirty="0"/>
                         <a:t>Original Estimation in Hours </a:t>
                       </a:r>
                       <a:endParaRPr sz="1050" b="1" dirty="0"/>
@@ -9999,7 +9591,7 @@
                         <a:buNone/>
                       </a:pPr>
                       <a:r>
-                        <a:rPr lang="en" sz="1050" b="1" dirty="0"/>
+                        <a:rPr lang="en-GB" sz="1050" b="1" dirty="0"/>
                         <a:t>Day 1</a:t>
                       </a:r>
                       <a:endParaRPr sz="1050" b="1" dirty="0"/>
@@ -10015,7 +9607,7 @@
                         <a:buNone/>
                       </a:pPr>
                       <a:r>
-                        <a:rPr lang="en" sz="1050" b="1" dirty="0"/>
+                        <a:rPr lang="en-GB" sz="1050" b="1" dirty="0"/>
                         <a:t>hrs</a:t>
                       </a:r>
                       <a:endParaRPr sz="1050" b="1" dirty="0"/>
@@ -10060,7 +9652,7 @@
                         <a:buNone/>
                       </a:pPr>
                       <a:r>
-                        <a:rPr lang="en" sz="1050" b="1" dirty="0"/>
+                        <a:rPr lang="en-GB" sz="1050" b="1" dirty="0"/>
                         <a:t>Day 2</a:t>
                       </a:r>
                       <a:endParaRPr sz="1050" b="1" dirty="0"/>
@@ -10076,7 +9668,7 @@
                         <a:buNone/>
                       </a:pPr>
                       <a:r>
-                        <a:rPr lang="en" sz="1050" b="1" dirty="0"/>
+                        <a:rPr lang="en-GB" sz="1050" b="1" dirty="0"/>
                         <a:t>hrs</a:t>
                       </a:r>
                       <a:endParaRPr sz="1050" b="1" dirty="0"/>
@@ -10121,7 +9713,7 @@
                         <a:buNone/>
                       </a:pPr>
                       <a:r>
-                        <a:rPr lang="en" sz="1050" b="1" dirty="0"/>
+                        <a:rPr lang="en-GB" sz="1050" b="1" dirty="0"/>
                         <a:t>Day </a:t>
                       </a:r>
                       <a:endParaRPr sz="1050" b="1" dirty="0"/>
@@ -10137,7 +9729,7 @@
                         <a:buNone/>
                       </a:pPr>
                       <a:r>
-                        <a:rPr lang="en" sz="1050" b="1" dirty="0"/>
+                        <a:rPr lang="en-GB" sz="1050" b="1" dirty="0"/>
                         <a:t>3</a:t>
                       </a:r>
                       <a:endParaRPr sz="1050" b="1" dirty="0"/>
@@ -10153,7 +9745,7 @@
                         <a:buNone/>
                       </a:pPr>
                       <a:r>
-                        <a:rPr lang="en" sz="1050" b="1" dirty="0"/>
+                        <a:rPr lang="en-GB" sz="1050" b="1" dirty="0"/>
                         <a:t>hrs</a:t>
                       </a:r>
                       <a:endParaRPr sz="1050" b="1" dirty="0"/>
@@ -10198,7 +9790,7 @@
                         <a:buNone/>
                       </a:pPr>
                       <a:r>
-                        <a:rPr lang="en" sz="1050" b="1" dirty="0"/>
+                        <a:rPr lang="en-GB" sz="1050" b="1" dirty="0"/>
                         <a:t>Day</a:t>
                       </a:r>
                       <a:endParaRPr sz="1050" b="1" dirty="0"/>
@@ -10214,7 +9806,7 @@
                         <a:buNone/>
                       </a:pPr>
                       <a:r>
-                        <a:rPr lang="en" sz="1050" b="1" dirty="0"/>
+                        <a:rPr lang="en-GB" sz="1050" b="1" dirty="0"/>
                         <a:t>4</a:t>
                       </a:r>
                       <a:endParaRPr sz="1050" b="1" dirty="0"/>
@@ -10230,7 +9822,7 @@
                         <a:buNone/>
                       </a:pPr>
                       <a:r>
-                        <a:rPr lang="en" sz="1050" b="1" dirty="0"/>
+                        <a:rPr lang="en-GB" sz="1050" b="1" dirty="0"/>
                         <a:t>hrs</a:t>
                       </a:r>
                       <a:endParaRPr sz="1050" b="1" dirty="0"/>
@@ -10275,7 +9867,7 @@
                         <a:buNone/>
                       </a:pPr>
                       <a:r>
-                        <a:rPr lang="en" sz="1050" b="1" dirty="0"/>
+                        <a:rPr lang="en-GB" sz="1050" b="1" dirty="0"/>
                         <a:t>Day </a:t>
                       </a:r>
                       <a:endParaRPr sz="1050" b="1" dirty="0"/>
@@ -10291,7 +9883,7 @@
                         <a:buNone/>
                       </a:pPr>
                       <a:r>
-                        <a:rPr lang="en" sz="1050" b="1" dirty="0"/>
+                        <a:rPr lang="en-GB" sz="1050" b="1" dirty="0"/>
                         <a:t>5</a:t>
                       </a:r>
                       <a:endParaRPr sz="1050" b="1" dirty="0"/>
@@ -10307,7 +9899,7 @@
                         <a:buNone/>
                       </a:pPr>
                       <a:r>
-                        <a:rPr lang="en" sz="1050" b="1" dirty="0"/>
+                        <a:rPr lang="en-GB" sz="1050" b="1" dirty="0"/>
                         <a:t>hrs</a:t>
                       </a:r>
                       <a:endParaRPr sz="1050" b="1" dirty="0"/>
@@ -10352,7 +9944,7 @@
                         <a:buNone/>
                       </a:pPr>
                       <a:r>
-                        <a:rPr lang="en" sz="1050" b="1" dirty="0"/>
+                        <a:rPr lang="en-GB" sz="1050" b="1" dirty="0"/>
                         <a:t>Day 6</a:t>
                       </a:r>
                       <a:endParaRPr sz="1050" b="1" dirty="0"/>
@@ -10368,7 +9960,7 @@
                         <a:buNone/>
                       </a:pPr>
                       <a:r>
-                        <a:rPr lang="en" sz="1050" b="1" dirty="0"/>
+                        <a:rPr lang="en-GB" sz="1050" b="1" dirty="0"/>
                         <a:t>hrs</a:t>
                       </a:r>
                       <a:endParaRPr sz="1050" b="1" dirty="0"/>
@@ -10413,7 +10005,7 @@
                         <a:buNone/>
                       </a:pPr>
                       <a:r>
-                        <a:rPr lang="en" sz="1050" b="1" dirty="0"/>
+                        <a:rPr lang="en-GB" sz="1050" b="1" dirty="0"/>
                         <a:t>Day 7</a:t>
                       </a:r>
                       <a:endParaRPr sz="1050" b="1" dirty="0"/>
@@ -10429,7 +10021,7 @@
                         <a:buNone/>
                       </a:pPr>
                       <a:r>
-                        <a:rPr lang="en" sz="1050" b="1" dirty="0"/>
+                        <a:rPr lang="en-GB" sz="1050" b="1" dirty="0"/>
                         <a:t>hrs</a:t>
                       </a:r>
                       <a:endParaRPr sz="1050" b="1" dirty="0"/>
@@ -10465,7 +10057,7 @@
                         <a:buNone/>
                       </a:pPr>
                       <a:r>
-                        <a:rPr lang="en" sz="1050" b="1" dirty="0"/>
+                        <a:rPr lang="en-GB" sz="1050" b="1" dirty="0"/>
                         <a:t>Day 8</a:t>
                       </a:r>
                       <a:endParaRPr sz="1050" b="1" dirty="0"/>
@@ -10481,7 +10073,7 @@
                         <a:buNone/>
                       </a:pPr>
                       <a:r>
-                        <a:rPr lang="en" sz="1050" b="1" dirty="0"/>
+                        <a:rPr lang="en-GB" sz="1050" b="1" dirty="0"/>
                         <a:t>hrs</a:t>
                       </a:r>
                       <a:endParaRPr sz="1050" b="1" dirty="0"/>
@@ -10517,7 +10109,7 @@
                         <a:buNone/>
                       </a:pPr>
                       <a:r>
-                        <a:rPr lang="en" sz="1050" b="1" dirty="0"/>
+                        <a:rPr lang="en-GB" sz="1050" b="1" dirty="0"/>
                         <a:t>Day 9</a:t>
                       </a:r>
                       <a:endParaRPr sz="1050" b="1" dirty="0"/>
@@ -10533,7 +10125,7 @@
                         <a:buNone/>
                       </a:pPr>
                       <a:r>
-                        <a:rPr lang="en" sz="1050" b="1" dirty="0"/>
+                        <a:rPr lang="en-GB" sz="1050" b="1" dirty="0"/>
                         <a:t>hrs</a:t>
                       </a:r>
                       <a:endParaRPr sz="1050" b="1" dirty="0"/>
@@ -10578,7 +10170,7 @@
                         <a:buNone/>
                       </a:pPr>
                       <a:r>
-                        <a:rPr lang="en" sz="1050" b="1" dirty="0"/>
+                        <a:rPr lang="en-GB" sz="1050" b="1" dirty="0"/>
                         <a:t>Day 10</a:t>
                       </a:r>
                       <a:endParaRPr sz="1050" b="1" dirty="0"/>
@@ -10594,7 +10186,7 @@
                         <a:buNone/>
                       </a:pPr>
                       <a:r>
-                        <a:rPr lang="en" sz="1050" b="1" dirty="0"/>
+                        <a:rPr lang="en-GB" sz="1050" b="1" dirty="0"/>
                         <a:t>hrs</a:t>
                       </a:r>
                       <a:endParaRPr sz="1050" b="1" dirty="0"/>
@@ -10627,11 +10219,6 @@
                     </a:solidFill>
                   </a:tcPr>
                 </a:tc>
-                <a:extLst>
-                  <a:ext uri="{0D108BD9-81ED-4DB2-BD59-A6C34878D82A}">
-                    <a16:rowId xmlns:a16="http://schemas.microsoft.com/office/drawing/2014/main" val="10000"/>
-                  </a:ext>
-                </a:extLst>
               </a:tr>
               <a:tr h="491436">
                 <a:tc>
@@ -11201,11 +10788,6 @@
                     </a:solidFill>
                   </a:tcPr>
                 </a:tc>
-                <a:extLst>
-                  <a:ext uri="{0D108BD9-81ED-4DB2-BD59-A6C34878D82A}">
-                    <a16:rowId xmlns:a16="http://schemas.microsoft.com/office/drawing/2014/main" val="10001"/>
-                  </a:ext>
-                </a:extLst>
               </a:tr>
               <a:tr h="647812">
                 <a:tc>
@@ -11227,7 +10809,6 @@
                         <a:buSzTx/>
                         <a:buFontTx/>
                         <a:buNone/>
-                        <a:tabLst/>
                         <a:defRPr/>
                       </a:pPr>
                       <a:r>
@@ -11235,7 +10816,7 @@
                         <a:t>V</a:t>
                       </a:r>
                       <a:r>
-                        <a:rPr lang="en" sz="1050" dirty="0"/>
+                        <a:rPr lang="en-GB" sz="1050" dirty="0"/>
                         <a:t>ehicle API development </a:t>
                       </a:r>
                       <a:endParaRPr lang="en-IN" sz="1050" b="1" dirty="0"/>
@@ -11328,7 +10909,7 @@
                         <a:buNone/>
                       </a:pPr>
                       <a:r>
-                        <a:rPr lang="en" sz="1050" dirty="0"/>
+                        <a:rPr lang="en-GB" sz="1050" dirty="0"/>
                         <a:t>13</a:t>
                       </a:r>
                       <a:endParaRPr sz="1050" dirty="0"/>
@@ -11781,11 +11362,6 @@
                     </a:solidFill>
                   </a:tcPr>
                 </a:tc>
-                <a:extLst>
-                  <a:ext uri="{0D108BD9-81ED-4DB2-BD59-A6C34878D82A}">
-                    <a16:rowId xmlns:a16="http://schemas.microsoft.com/office/drawing/2014/main" val="10002"/>
-                  </a:ext>
-                </a:extLst>
               </a:tr>
               <a:tr h="699937">
                 <a:tc gridSpan="13">
@@ -11807,13 +11383,13 @@
                         <a:buSzTx/>
                         <a:buFontTx/>
                         <a:buNone/>
-                        <a:tabLst/>
                         <a:defRPr/>
                       </a:pPr>
                       <a:r>
                         <a:rPr lang="en-IN" sz="1400" b="1" dirty="0"/>
                         <a:t>SPRINT3</a:t>
                       </a:r>
+                      <a:endParaRPr lang="en-IN" sz="1400" b="1" dirty="0"/>
                     </a:p>
                     <a:p>
                       <a:pPr marL="0" lvl="0" indent="0" algn="ctr" rtl="0">
@@ -11847,22 +11423,6 @@
                   </a:tcPr>
                 </a:tc>
                 <a:tc hMerge="1">
-                  <a:txBody>
-                    <a:bodyPr/>
-                    <a:lstStyle/>
-                    <a:p>
-                      <a:pPr marL="0" lvl="0" indent="0" algn="ctr" rtl="0">
-                        <a:spcBef>
-                          <a:spcPts val="0"/>
-                        </a:spcBef>
-                        <a:spcAft>
-                          <a:spcPts val="0"/>
-                        </a:spcAft>
-                        <a:buNone/>
-                      </a:pPr>
-                      <a:endParaRPr dirty="0"/>
-                    </a:p>
-                  </a:txBody>
                   <a:tcPr marL="91425" marR="91425" marT="91425" marB="91425" anchor="ctr">
                     <a:solidFill>
                       <a:schemeClr val="bg1"/>
@@ -11870,22 +11430,6 @@
                   </a:tcPr>
                 </a:tc>
                 <a:tc hMerge="1">
-                  <a:txBody>
-                    <a:bodyPr/>
-                    <a:lstStyle/>
-                    <a:p>
-                      <a:pPr marL="0" lvl="0" indent="0" algn="ctr" rtl="0">
-                        <a:spcBef>
-                          <a:spcPts val="0"/>
-                        </a:spcBef>
-                        <a:spcAft>
-                          <a:spcPts val="0"/>
-                        </a:spcAft>
-                        <a:buNone/>
-                      </a:pPr>
-                      <a:endParaRPr dirty="0"/>
-                    </a:p>
-                  </a:txBody>
                   <a:tcPr marL="91425" marR="91425" marT="91425" marB="91425" anchor="ctr">
                     <a:solidFill>
                       <a:schemeClr val="bg1"/>
@@ -11893,22 +11437,6 @@
                   </a:tcPr>
                 </a:tc>
                 <a:tc hMerge="1">
-                  <a:txBody>
-                    <a:bodyPr/>
-                    <a:lstStyle/>
-                    <a:p>
-                      <a:pPr marL="0" lvl="0" indent="0" algn="ctr" rtl="0">
-                        <a:spcBef>
-                          <a:spcPts val="0"/>
-                        </a:spcBef>
-                        <a:spcAft>
-                          <a:spcPts val="0"/>
-                        </a:spcAft>
-                        <a:buNone/>
-                      </a:pPr>
-                      <a:endParaRPr dirty="0"/>
-                    </a:p>
-                  </a:txBody>
                   <a:tcPr marL="91425" marR="91425" marT="91425" marB="91425" anchor="ctr">
                     <a:solidFill>
                       <a:schemeClr val="bg1"/>
@@ -11916,22 +11444,6 @@
                   </a:tcPr>
                 </a:tc>
                 <a:tc hMerge="1">
-                  <a:txBody>
-                    <a:bodyPr/>
-                    <a:lstStyle/>
-                    <a:p>
-                      <a:pPr marL="0" lvl="0" indent="0" algn="ctr" rtl="0">
-                        <a:spcBef>
-                          <a:spcPts val="0"/>
-                        </a:spcBef>
-                        <a:spcAft>
-                          <a:spcPts val="0"/>
-                        </a:spcAft>
-                        <a:buNone/>
-                      </a:pPr>
-                      <a:endParaRPr dirty="0"/>
-                    </a:p>
-                  </a:txBody>
                   <a:tcPr marL="91425" marR="91425" marT="91425" marB="91425" anchor="ctr">
                     <a:solidFill>
                       <a:schemeClr val="bg1"/>
@@ -11939,22 +11451,6 @@
                   </a:tcPr>
                 </a:tc>
                 <a:tc hMerge="1">
-                  <a:txBody>
-                    <a:bodyPr/>
-                    <a:lstStyle/>
-                    <a:p>
-                      <a:pPr marL="0" lvl="0" indent="0" algn="ctr" rtl="0">
-                        <a:spcBef>
-                          <a:spcPts val="0"/>
-                        </a:spcBef>
-                        <a:spcAft>
-                          <a:spcPts val="0"/>
-                        </a:spcAft>
-                        <a:buNone/>
-                      </a:pPr>
-                      <a:endParaRPr dirty="0"/>
-                    </a:p>
-                  </a:txBody>
                   <a:tcPr marL="91425" marR="91425" marT="91425" marB="91425" anchor="ctr">
                     <a:solidFill>
                       <a:schemeClr val="bg1"/>
@@ -11962,22 +11458,6 @@
                   </a:tcPr>
                 </a:tc>
                 <a:tc hMerge="1">
-                  <a:txBody>
-                    <a:bodyPr/>
-                    <a:lstStyle/>
-                    <a:p>
-                      <a:pPr marL="0" lvl="0" indent="0" algn="ctr" rtl="0">
-                        <a:spcBef>
-                          <a:spcPts val="0"/>
-                        </a:spcBef>
-                        <a:spcAft>
-                          <a:spcPts val="0"/>
-                        </a:spcAft>
-                        <a:buNone/>
-                      </a:pPr>
-                      <a:endParaRPr dirty="0"/>
-                    </a:p>
-                  </a:txBody>
                   <a:tcPr marL="91425" marR="91425" marT="91425" marB="91425" anchor="ctr">
                     <a:solidFill>
                       <a:schemeClr val="bg1"/>
@@ -11985,22 +11465,6 @@
                   </a:tcPr>
                 </a:tc>
                 <a:tc hMerge="1">
-                  <a:txBody>
-                    <a:bodyPr/>
-                    <a:lstStyle/>
-                    <a:p>
-                      <a:pPr marL="0" lvl="0" indent="0" algn="ctr" rtl="0">
-                        <a:spcBef>
-                          <a:spcPts val="0"/>
-                        </a:spcBef>
-                        <a:spcAft>
-                          <a:spcPts val="0"/>
-                        </a:spcAft>
-                        <a:buNone/>
-                      </a:pPr>
-                      <a:endParaRPr/>
-                    </a:p>
-                  </a:txBody>
                   <a:tcPr marL="91425" marR="91425" marT="91425" marB="91425" anchor="ctr">
                     <a:solidFill>
                       <a:schemeClr val="bg1"/>
@@ -12008,22 +11472,6 @@
                   </a:tcPr>
                 </a:tc>
                 <a:tc hMerge="1">
-                  <a:txBody>
-                    <a:bodyPr/>
-                    <a:lstStyle/>
-                    <a:p>
-                      <a:pPr marL="0" lvl="0" indent="0" algn="ctr" rtl="0">
-                        <a:spcBef>
-                          <a:spcPts val="0"/>
-                        </a:spcBef>
-                        <a:spcAft>
-                          <a:spcPts val="0"/>
-                        </a:spcAft>
-                        <a:buNone/>
-                      </a:pPr>
-                      <a:endParaRPr dirty="0"/>
-                    </a:p>
-                  </a:txBody>
                   <a:tcPr marL="91425" marR="91425" marT="91425" marB="91425" anchor="ctr">
                     <a:solidFill>
                       <a:schemeClr val="bg1"/>
@@ -12031,22 +11479,6 @@
                   </a:tcPr>
                 </a:tc>
                 <a:tc hMerge="1">
-                  <a:txBody>
-                    <a:bodyPr/>
-                    <a:lstStyle/>
-                    <a:p>
-                      <a:pPr marL="0" lvl="0" indent="0" algn="ctr" rtl="0">
-                        <a:spcBef>
-                          <a:spcPts val="0"/>
-                        </a:spcBef>
-                        <a:spcAft>
-                          <a:spcPts val="0"/>
-                        </a:spcAft>
-                        <a:buNone/>
-                      </a:pPr>
-                      <a:endParaRPr dirty="0"/>
-                    </a:p>
-                  </a:txBody>
                   <a:tcPr marL="91425" marR="91425" marT="91425" marB="91425" anchor="ctr">
                     <a:solidFill>
                       <a:schemeClr val="bg1"/>
@@ -12054,22 +11486,6 @@
                   </a:tcPr>
                 </a:tc>
                 <a:tc hMerge="1">
-                  <a:txBody>
-                    <a:bodyPr/>
-                    <a:lstStyle/>
-                    <a:p>
-                      <a:pPr marL="0" lvl="0" indent="0" algn="ctr" rtl="0">
-                        <a:spcBef>
-                          <a:spcPts val="0"/>
-                        </a:spcBef>
-                        <a:spcAft>
-                          <a:spcPts val="0"/>
-                        </a:spcAft>
-                        <a:buNone/>
-                      </a:pPr>
-                      <a:endParaRPr dirty="0"/>
-                    </a:p>
-                  </a:txBody>
                   <a:tcPr marL="91425" marR="91425" marT="91425" marB="91425" anchor="ctr">
                     <a:solidFill>
                       <a:schemeClr val="bg1"/>
@@ -12077,22 +11493,6 @@
                   </a:tcPr>
                 </a:tc>
                 <a:tc hMerge="1">
-                  <a:txBody>
-                    <a:bodyPr/>
-                    <a:lstStyle/>
-                    <a:p>
-                      <a:pPr marL="0" lvl="0" indent="0" algn="ctr" rtl="0">
-                        <a:spcBef>
-                          <a:spcPts val="0"/>
-                        </a:spcBef>
-                        <a:spcAft>
-                          <a:spcPts val="0"/>
-                        </a:spcAft>
-                        <a:buNone/>
-                      </a:pPr>
-                      <a:endParaRPr dirty="0"/>
-                    </a:p>
-                  </a:txBody>
                   <a:tcPr marL="91425" marR="91425" marT="91425" marB="91425" anchor="ctr">
                     <a:solidFill>
                       <a:schemeClr val="bg1"/>
@@ -12100,33 +11500,12 @@
                   </a:tcPr>
                 </a:tc>
                 <a:tc hMerge="1">
-                  <a:txBody>
-                    <a:bodyPr/>
-                    <a:lstStyle/>
-                    <a:p>
-                      <a:pPr marL="0" lvl="0" indent="0" algn="ctr" rtl="0">
-                        <a:spcBef>
-                          <a:spcPts val="0"/>
-                        </a:spcBef>
-                        <a:spcAft>
-                          <a:spcPts val="0"/>
-                        </a:spcAft>
-                        <a:buNone/>
-                      </a:pPr>
-                      <a:endParaRPr dirty="0"/>
-                    </a:p>
-                  </a:txBody>
-                  <a:tcPr marL="91425" marR="91425" marT="91425" marB="91425" anchor="ctr">
-                    <a:solidFill>
-                      <a:schemeClr val="bg1"/>
-                    </a:solidFill>
-                  </a:tcPr>
-                </a:tc>
-                <a:extLst>
-                  <a:ext uri="{0D108BD9-81ED-4DB2-BD59-A6C34878D82A}">
-                    <a16:rowId xmlns:a16="http://schemas.microsoft.com/office/drawing/2014/main" val="10003"/>
-                  </a:ext>
-                </a:extLst>
+                  <a:tcPr marL="91425" marR="91425" marT="91425" marB="91425" anchor="ctr">
+                    <a:solidFill>
+                      <a:schemeClr val="bg1"/>
+                    </a:solidFill>
+                  </a:tcPr>
+                </a:tc>
               </a:tr>
               <a:tr h="647812">
                 <a:tc>
@@ -12148,13 +11527,13 @@
                         <a:buSzTx/>
                         <a:buFontTx/>
                         <a:buNone/>
-                        <a:tabLst/>
                         <a:defRPr/>
                       </a:pPr>
                       <a:r>
                         <a:rPr lang="en-US" sz="1050" dirty="0"/>
                         <a:t>Booking form implementation</a:t>
                       </a:r>
+                      <a:endParaRPr lang="en-US" sz="1050" dirty="0"/>
                     </a:p>
                     <a:p>
                       <a:endParaRPr lang="en-IN" sz="1050" dirty="0"/>
@@ -12212,6 +11591,7 @@
                         <a:rPr lang="en-IN" sz="1050" dirty="0"/>
                         <a:t>1</a:t>
                       </a:r>
+                      <a:endParaRPr lang="en-IN" sz="1050" dirty="0"/>
                     </a:p>
                   </a:txBody>
                   <a:tcPr marL="91425" marR="91425" marT="91425" marB="91425" anchor="ctr">
@@ -12230,6 +11610,7 @@
                         <a:rPr lang="en-IN" sz="1050" dirty="0"/>
                         <a:t>1</a:t>
                       </a:r>
+                      <a:endParaRPr lang="en-IN" sz="1050" dirty="0"/>
                     </a:p>
                   </a:txBody>
                   <a:tcPr marL="91425" marR="91425" marT="91425" marB="91425" anchor="ctr">
@@ -12248,6 +11629,7 @@
                         <a:rPr lang="en-IN" sz="1050" dirty="0"/>
                         <a:t>1</a:t>
                       </a:r>
+                      <a:endParaRPr lang="en-IN" sz="1050" dirty="0"/>
                     </a:p>
                   </a:txBody>
                   <a:tcPr marL="91425" marR="91425" marT="91425" marB="91425" anchor="ctr">
@@ -12266,6 +11648,7 @@
                         <a:rPr lang="en-IN" sz="1050" dirty="0"/>
                         <a:t>1</a:t>
                       </a:r>
+                      <a:endParaRPr lang="en-IN" sz="1050" dirty="0"/>
                     </a:p>
                   </a:txBody>
                   <a:tcPr marL="91425" marR="91425" marT="91425" marB="91425" anchor="ctr">
@@ -12284,6 +11667,7 @@
                         <a:rPr lang="en-IN" sz="1050" dirty="0"/>
                         <a:t>1</a:t>
                       </a:r>
+                      <a:endParaRPr lang="en-IN" sz="1050" dirty="0"/>
                     </a:p>
                   </a:txBody>
                   <a:tcPr marL="91425" marR="91425" marT="91425" marB="91425" anchor="ctr">
@@ -12302,6 +11686,7 @@
                         <a:rPr lang="en-IN" sz="1050" dirty="0"/>
                         <a:t>1</a:t>
                       </a:r>
+                      <a:endParaRPr lang="en-IN" sz="1050" dirty="0"/>
                     </a:p>
                   </a:txBody>
                   <a:tcPr marL="91425" marR="91425" marT="91425" marB="91425" anchor="ctr">
@@ -12320,6 +11705,7 @@
                         <a:rPr lang="en-IN" sz="1050" dirty="0"/>
                         <a:t>1</a:t>
                       </a:r>
+                      <a:endParaRPr lang="en-IN" sz="1050" dirty="0"/>
                     </a:p>
                   </a:txBody>
                   <a:tcPr marL="91425" marR="91425" marT="91425" marB="91425" anchor="ctr">
@@ -12338,6 +11724,7 @@
                         <a:rPr lang="en-IN" sz="1050" dirty="0"/>
                         <a:t>0</a:t>
                       </a:r>
+                      <a:endParaRPr lang="en-IN" sz="1050" dirty="0"/>
                     </a:p>
                   </a:txBody>
                   <a:tcPr marL="91425" marR="91425" marT="91425" marB="91425" anchor="ctr">
@@ -12356,6 +11743,7 @@
                         <a:rPr lang="en-IN" sz="1050" dirty="0"/>
                         <a:t>0</a:t>
                       </a:r>
+                      <a:endParaRPr lang="en-IN" sz="1050" dirty="0"/>
                     </a:p>
                   </a:txBody>
                   <a:tcPr marL="91425" marR="91425" marT="91425" marB="91425" anchor="ctr">
@@ -12374,19 +11762,15 @@
                         <a:rPr lang="en-IN" sz="1050" dirty="0"/>
                         <a:t>0</a:t>
                       </a:r>
-                    </a:p>
-                  </a:txBody>
-                  <a:tcPr marL="91425" marR="91425" marT="91425" marB="91425" anchor="ctr">
-                    <a:solidFill>
-                      <a:schemeClr val="bg1"/>
-                    </a:solidFill>
-                  </a:tcPr>
-                </a:tc>
-                <a:extLst>
-                  <a:ext uri="{0D108BD9-81ED-4DB2-BD59-A6C34878D82A}">
-                    <a16:rowId xmlns:a16="http://schemas.microsoft.com/office/drawing/2014/main" val="2104785459"/>
-                  </a:ext>
-                </a:extLst>
+                      <a:endParaRPr lang="en-IN" sz="1050" dirty="0"/>
+                    </a:p>
+                  </a:txBody>
+                  <a:tcPr marL="91425" marR="91425" marT="91425" marB="91425" anchor="ctr">
+                    <a:solidFill>
+                      <a:schemeClr val="bg1"/>
+                    </a:solidFill>
+                  </a:tcPr>
+                </a:tc>
               </a:tr>
               <a:tr h="647812">
                 <a:tc>
@@ -12408,7 +11792,6 @@
                         <a:buSzTx/>
                         <a:buFontTx/>
                         <a:buNone/>
-                        <a:tabLst/>
                         <a:defRPr/>
                       </a:pPr>
                       <a:r>
@@ -12486,7 +11869,7 @@
                         <a:buNone/>
                       </a:pPr>
                       <a:r>
-                        <a:rPr lang="en" sz="1050" dirty="0"/>
+                        <a:rPr lang="en-GB" sz="1050" dirty="0"/>
                         <a:t>7</a:t>
                       </a:r>
                       <a:endParaRPr sz="1050" dirty="0"/>
@@ -12768,11 +12151,6 @@
                     </a:solidFill>
                   </a:tcPr>
                 </a:tc>
-                <a:extLst>
-                  <a:ext uri="{0D108BD9-81ED-4DB2-BD59-A6C34878D82A}">
-                    <a16:rowId xmlns:a16="http://schemas.microsoft.com/office/drawing/2014/main" val="10005"/>
-                  </a:ext>
-                </a:extLst>
               </a:tr>
               <a:tr h="709204">
                 <a:tc>
@@ -12794,7 +12172,7 @@
                         <a:t>Bo</a:t>
                       </a:r>
                       <a:r>
-                        <a:rPr lang="en" sz="1050" dirty="0"/>
+                        <a:rPr lang="en-GB" sz="1050" dirty="0"/>
                         <a:t>oking confirmation</a:t>
                       </a:r>
                       <a:endParaRPr sz="1050" dirty="0"/>
@@ -12848,7 +12226,7 @@
                         <a:buNone/>
                       </a:pPr>
                       <a:r>
-                        <a:rPr lang="en" sz="1050" dirty="0"/>
+                        <a:rPr lang="en-GB" sz="1050" dirty="0"/>
                         <a:t>7</a:t>
                       </a:r>
                       <a:endParaRPr sz="1050" dirty="0"/>
@@ -13130,11 +12508,6 @@
                     </a:solidFill>
                   </a:tcPr>
                 </a:tc>
-                <a:extLst>
-                  <a:ext uri="{0D108BD9-81ED-4DB2-BD59-A6C34878D82A}">
-                    <a16:rowId xmlns:a16="http://schemas.microsoft.com/office/drawing/2014/main" val="10006"/>
-                  </a:ext>
-                </a:extLst>
               </a:tr>
             </a:tbl>
           </a:graphicData>
@@ -13153,13 +12526,7 @@
   <p:cSld>
     <p:spTree>
       <p:nvGrpSpPr>
-        <p:cNvPr id="1" name="">
-          <a:extLst>
-            <a:ext uri="{FF2B5EF4-FFF2-40B4-BE49-F238E27FC236}">
-              <a16:creationId xmlns:a16="http://schemas.microsoft.com/office/drawing/2014/main" id="{0908124D-5CE6-34FB-36F1-3F1C1A506E95}"/>
-            </a:ext>
-          </a:extLst>
-        </p:cNvPr>
+        <p:cNvPr id="1" name=""/>
         <p:cNvGrpSpPr/>
         <p:nvPr/>
       </p:nvGrpSpPr>
@@ -13173,13 +12540,7 @@
       </p:grpSpPr>
       <p:sp>
         <p:nvSpPr>
-          <p:cNvPr id="2" name="Title 1">
-            <a:extLst>
-              <a:ext uri="{FF2B5EF4-FFF2-40B4-BE49-F238E27FC236}">
-                <a16:creationId xmlns:a16="http://schemas.microsoft.com/office/drawing/2014/main" id="{C0FFE188-8074-9A19-8968-395E8EFE3942}"/>
-              </a:ext>
-            </a:extLst>
-          </p:cNvPr>
+          <p:cNvPr id="2" name="Title 1"/>
           <p:cNvSpPr>
             <a:spLocks noGrp="1"/>
           </p:cNvSpPr>
@@ -13196,18 +12557,13 @@
               <a:rPr lang="en-US" dirty="0"/>
               <a:t>SPRINT BACKLOG</a:t>
             </a:r>
+            <a:endParaRPr lang="en-US" dirty="0"/>
           </a:p>
         </p:txBody>
       </p:sp>
       <p:sp>
         <p:nvSpPr>
-          <p:cNvPr id="3" name="Content Placeholder 2">
-            <a:extLst>
-              <a:ext uri="{FF2B5EF4-FFF2-40B4-BE49-F238E27FC236}">
-                <a16:creationId xmlns:a16="http://schemas.microsoft.com/office/drawing/2014/main" id="{05C9AAFC-5354-7D60-D3F0-C12B91A73A26}"/>
-              </a:ext>
-            </a:extLst>
-          </p:cNvPr>
+          <p:cNvPr id="3" name="Content Placeholder 2"/>
           <p:cNvSpPr>
             <a:spLocks noGrp="1"/>
           </p:cNvSpPr>
@@ -13226,13 +12582,7 @@
       </p:sp>
       <p:sp>
         <p:nvSpPr>
-          <p:cNvPr id="4" name="Footer Placeholder 3">
-            <a:extLst>
-              <a:ext uri="{FF2B5EF4-FFF2-40B4-BE49-F238E27FC236}">
-                <a16:creationId xmlns:a16="http://schemas.microsoft.com/office/drawing/2014/main" id="{48A994F1-400D-1E15-BA34-083F42A372DC}"/>
-              </a:ext>
-            </a:extLst>
-          </p:cNvPr>
+          <p:cNvPr id="4" name="Footer Placeholder 3"/>
           <p:cNvSpPr>
             <a:spLocks noGrp="1"/>
           </p:cNvSpPr>
@@ -13255,13 +12605,7 @@
       </p:sp>
       <p:sp>
         <p:nvSpPr>
-          <p:cNvPr id="5" name="Slide Number Placeholder 4">
-            <a:extLst>
-              <a:ext uri="{FF2B5EF4-FFF2-40B4-BE49-F238E27FC236}">
-                <a16:creationId xmlns:a16="http://schemas.microsoft.com/office/drawing/2014/main" id="{14DA0CA5-9113-360C-4084-E867E69A5EAF}"/>
-              </a:ext>
-            </a:extLst>
-          </p:cNvPr>
+          <p:cNvPr id="5" name="Slide Number Placeholder 4"/>
           <p:cNvSpPr>
             <a:spLocks noGrp="1"/>
           </p:cNvSpPr>
@@ -13276,8 +12620,6 @@
           <a:p>
             <a:fld id="{C65E9355-139B-4FED-8401-A2AF31A8FC31}" type="slidenum">
               <a:rPr lang="en-US" smtClean="0"/>
-              <a:pPr/>
-              <a:t>16</a:t>
             </a:fld>
             <a:endParaRPr lang="en-US"/>
           </a:p>
@@ -13285,21 +12627,9 @@
       </p:sp>
       <p:graphicFrame>
         <p:nvGraphicFramePr>
-          <p:cNvPr id="6" name="Google Shape;409;p32">
-            <a:extLst>
-              <a:ext uri="{FF2B5EF4-FFF2-40B4-BE49-F238E27FC236}">
-                <a16:creationId xmlns:a16="http://schemas.microsoft.com/office/drawing/2014/main" id="{D6E606AB-F9D4-009B-C635-BD898B73830C}"/>
-              </a:ext>
-            </a:extLst>
-          </p:cNvPr>
+          <p:cNvPr id="6" name="Google Shape;409;p32"/>
           <p:cNvGraphicFramePr/>
-          <p:nvPr>
-            <p:extLst>
-              <p:ext uri="{D42A27DB-BD31-4B8C-83A1-F6EECF244321}">
-                <p14:modId xmlns:p14="http://schemas.microsoft.com/office/powerpoint/2010/main" val="3736009959"/>
-              </p:ext>
-            </p:extLst>
-          </p:nvPr>
+          <p:nvPr/>
         </p:nvGraphicFramePr>
         <p:xfrm>
           <a:off x="457200" y="1143000"/>
@@ -13312,97 +12642,19 @@
                 <a:noFill/>
               </a:tblPr>
               <a:tblGrid>
-                <a:gridCol w="1914320">
-                  <a:extLst>
-                    <a:ext uri="{9D8B030D-6E8A-4147-A177-3AD203B41FA5}">
-                      <a16:colId xmlns:a16="http://schemas.microsoft.com/office/drawing/2014/main" val="20000"/>
-                    </a:ext>
-                  </a:extLst>
-                </a:gridCol>
-                <a:gridCol w="799046">
-                  <a:extLst>
-                    <a:ext uri="{9D8B030D-6E8A-4147-A177-3AD203B41FA5}">
-                      <a16:colId xmlns:a16="http://schemas.microsoft.com/office/drawing/2014/main" val="20001"/>
-                    </a:ext>
-                  </a:extLst>
-                </a:gridCol>
-                <a:gridCol w="710880">
-                  <a:extLst>
-                    <a:ext uri="{9D8B030D-6E8A-4147-A177-3AD203B41FA5}">
-                      <a16:colId xmlns:a16="http://schemas.microsoft.com/office/drawing/2014/main" val="20002"/>
-                    </a:ext>
-                  </a:extLst>
-                </a:gridCol>
-                <a:gridCol w="519503">
-                  <a:extLst>
-                    <a:ext uri="{9D8B030D-6E8A-4147-A177-3AD203B41FA5}">
-                      <a16:colId xmlns:a16="http://schemas.microsoft.com/office/drawing/2014/main" val="20003"/>
-                    </a:ext>
-                  </a:extLst>
-                </a:gridCol>
-                <a:gridCol w="480001">
-                  <a:extLst>
-                    <a:ext uri="{9D8B030D-6E8A-4147-A177-3AD203B41FA5}">
-                      <a16:colId xmlns:a16="http://schemas.microsoft.com/office/drawing/2014/main" val="20004"/>
-                    </a:ext>
-                  </a:extLst>
-                </a:gridCol>
-                <a:gridCol w="498908">
-                  <a:extLst>
-                    <a:ext uri="{9D8B030D-6E8A-4147-A177-3AD203B41FA5}">
-                      <a16:colId xmlns:a16="http://schemas.microsoft.com/office/drawing/2014/main" val="20005"/>
-                    </a:ext>
-                  </a:extLst>
-                </a:gridCol>
-                <a:gridCol w="469898">
-                  <a:extLst>
-                    <a:ext uri="{9D8B030D-6E8A-4147-A177-3AD203B41FA5}">
-                      <a16:colId xmlns:a16="http://schemas.microsoft.com/office/drawing/2014/main" val="20006"/>
-                    </a:ext>
-                  </a:extLst>
-                </a:gridCol>
-                <a:gridCol w="472841">
-                  <a:extLst>
-                    <a:ext uri="{9D8B030D-6E8A-4147-A177-3AD203B41FA5}">
-                      <a16:colId xmlns:a16="http://schemas.microsoft.com/office/drawing/2014/main" val="20007"/>
-                    </a:ext>
-                  </a:extLst>
-                </a:gridCol>
-                <a:gridCol w="472841">
-                  <a:extLst>
-                    <a:ext uri="{9D8B030D-6E8A-4147-A177-3AD203B41FA5}">
-                      <a16:colId xmlns:a16="http://schemas.microsoft.com/office/drawing/2014/main" val="20008"/>
-                    </a:ext>
-                  </a:extLst>
-                </a:gridCol>
-                <a:gridCol w="472841">
-                  <a:extLst>
-                    <a:ext uri="{9D8B030D-6E8A-4147-A177-3AD203B41FA5}">
-                      <a16:colId xmlns:a16="http://schemas.microsoft.com/office/drawing/2014/main" val="20009"/>
-                    </a:ext>
-                  </a:extLst>
-                </a:gridCol>
-                <a:gridCol w="472841">
-                  <a:extLst>
-                    <a:ext uri="{9D8B030D-6E8A-4147-A177-3AD203B41FA5}">
-                      <a16:colId xmlns:a16="http://schemas.microsoft.com/office/drawing/2014/main" val="20010"/>
-                    </a:ext>
-                  </a:extLst>
-                </a:gridCol>
-                <a:gridCol w="472841">
-                  <a:extLst>
-                    <a:ext uri="{9D8B030D-6E8A-4147-A177-3AD203B41FA5}">
-                      <a16:colId xmlns:a16="http://schemas.microsoft.com/office/drawing/2014/main" val="20011"/>
-                    </a:ext>
-                  </a:extLst>
-                </a:gridCol>
-                <a:gridCol w="472841">
-                  <a:extLst>
-                    <a:ext uri="{9D8B030D-6E8A-4147-A177-3AD203B41FA5}">
-                      <a16:colId xmlns:a16="http://schemas.microsoft.com/office/drawing/2014/main" val="20012"/>
-                    </a:ext>
-                  </a:extLst>
-                </a:gridCol>
+                <a:gridCol w="1914320"/>
+                <a:gridCol w="799046"/>
+                <a:gridCol w="710880"/>
+                <a:gridCol w="519503"/>
+                <a:gridCol w="480001"/>
+                <a:gridCol w="498908"/>
+                <a:gridCol w="469898"/>
+                <a:gridCol w="472841"/>
+                <a:gridCol w="472841"/>
+                <a:gridCol w="472841"/>
+                <a:gridCol w="472841"/>
+                <a:gridCol w="472841"/>
+                <a:gridCol w="472841"/>
               </a:tblGrid>
               <a:tr h="1130797">
                 <a:tc>
@@ -13420,7 +12672,7 @@
                         <a:buNone/>
                       </a:pPr>
                       <a:r>
-                        <a:rPr lang="en" sz="1200" b="1" dirty="0"/>
+                        <a:rPr lang="en-GB" sz="1200" b="1" dirty="0"/>
                         <a:t>Backlog tem </a:t>
                       </a:r>
                       <a:endParaRPr sz="1200" b="1" dirty="0"/>
@@ -13447,7 +12699,7 @@
                         <a:buNone/>
                       </a:pPr>
                       <a:r>
-                        <a:rPr lang="en" sz="1200" b="1" dirty="0"/>
+                        <a:rPr lang="en-GB" sz="1200" b="1" dirty="0"/>
                         <a:t>Status And Completion Date</a:t>
                       </a:r>
                       <a:endParaRPr sz="1200" b="1" dirty="0"/>
@@ -13474,7 +12726,7 @@
                         <a:buNone/>
                       </a:pPr>
                       <a:r>
-                        <a:rPr lang="en" sz="1200" b="1"/>
+                        <a:rPr lang="en-GB" sz="1200" b="1"/>
                         <a:t>Original Estimation in Hours </a:t>
                       </a:r>
                       <a:endParaRPr sz="1200" b="1"/>
@@ -13501,7 +12753,7 @@
                         <a:buNone/>
                       </a:pPr>
                       <a:r>
-                        <a:rPr lang="en" sz="1100" b="1"/>
+                        <a:rPr lang="en-GB" sz="1100" b="1"/>
                         <a:t>Day 1</a:t>
                       </a:r>
                       <a:endParaRPr sz="1100" b="1"/>
@@ -13517,7 +12769,7 @@
                         <a:buNone/>
                       </a:pPr>
                       <a:r>
-                        <a:rPr lang="en" sz="1100" b="1"/>
+                        <a:rPr lang="en-GB" sz="1100" b="1"/>
                         <a:t>hrs</a:t>
                       </a:r>
                       <a:endParaRPr sz="1100" b="1"/>
@@ -13544,7 +12796,7 @@
                         <a:buNone/>
                       </a:pPr>
                       <a:r>
-                        <a:rPr lang="en" sz="1100" b="1"/>
+                        <a:rPr lang="en-GB" sz="1100" b="1"/>
                         <a:t>Day 2</a:t>
                       </a:r>
                       <a:endParaRPr sz="1100" b="1"/>
@@ -13560,7 +12812,7 @@
                         <a:buNone/>
                       </a:pPr>
                       <a:r>
-                        <a:rPr lang="en" sz="1100" b="1"/>
+                        <a:rPr lang="en-GB" sz="1100" b="1"/>
                         <a:t>hrs</a:t>
                       </a:r>
                       <a:endParaRPr sz="1100" b="1"/>
@@ -13587,7 +12839,7 @@
                         <a:buNone/>
                       </a:pPr>
                       <a:r>
-                        <a:rPr lang="en" sz="1100" b="1" dirty="0"/>
+                        <a:rPr lang="en-GB" sz="1100" b="1" dirty="0"/>
                         <a:t>Day </a:t>
                       </a:r>
                       <a:endParaRPr sz="1100" b="1" dirty="0"/>
@@ -13603,7 +12855,7 @@
                         <a:buNone/>
                       </a:pPr>
                       <a:r>
-                        <a:rPr lang="en" sz="1100" b="1" dirty="0"/>
+                        <a:rPr lang="en-GB" sz="1100" b="1" dirty="0"/>
                         <a:t>3</a:t>
                       </a:r>
                       <a:endParaRPr sz="1100" b="1" dirty="0"/>
@@ -13619,7 +12871,7 @@
                         <a:buNone/>
                       </a:pPr>
                       <a:r>
-                        <a:rPr lang="en" sz="1100" b="1" dirty="0"/>
+                        <a:rPr lang="en-GB" sz="1100" b="1" dirty="0"/>
                         <a:t>hrs</a:t>
                       </a:r>
                       <a:endParaRPr sz="1100" b="1" dirty="0"/>
@@ -13646,7 +12898,7 @@
                         <a:buNone/>
                       </a:pPr>
                       <a:r>
-                        <a:rPr lang="en" sz="1100" b="1"/>
+                        <a:rPr lang="en-GB" sz="1100" b="1"/>
                         <a:t>Day</a:t>
                       </a:r>
                       <a:endParaRPr sz="1100" b="1"/>
@@ -13662,7 +12914,7 @@
                         <a:buNone/>
                       </a:pPr>
                       <a:r>
-                        <a:rPr lang="en" sz="1100" b="1"/>
+                        <a:rPr lang="en-GB" sz="1100" b="1"/>
                         <a:t>4</a:t>
                       </a:r>
                       <a:endParaRPr sz="1100" b="1"/>
@@ -13678,7 +12930,7 @@
                         <a:buNone/>
                       </a:pPr>
                       <a:r>
-                        <a:rPr lang="en" sz="1100" b="1"/>
+                        <a:rPr lang="en-GB" sz="1100" b="1"/>
                         <a:t>hrs</a:t>
                       </a:r>
                       <a:endParaRPr sz="1100" b="1"/>
@@ -13705,7 +12957,7 @@
                         <a:buNone/>
                       </a:pPr>
                       <a:r>
-                        <a:rPr lang="en" sz="1100" b="1"/>
+                        <a:rPr lang="en-GB" sz="1100" b="1"/>
                         <a:t>Day </a:t>
                       </a:r>
                       <a:endParaRPr sz="1100" b="1"/>
@@ -13721,7 +12973,7 @@
                         <a:buNone/>
                       </a:pPr>
                       <a:r>
-                        <a:rPr lang="en" sz="1100" b="1"/>
+                        <a:rPr lang="en-GB" sz="1100" b="1"/>
                         <a:t>5</a:t>
                       </a:r>
                       <a:endParaRPr sz="1100" b="1"/>
@@ -13737,7 +12989,7 @@
                         <a:buNone/>
                       </a:pPr>
                       <a:r>
-                        <a:rPr lang="en" sz="1100" b="1"/>
+                        <a:rPr lang="en-GB" sz="1100" b="1"/>
                         <a:t>hrs</a:t>
                       </a:r>
                       <a:endParaRPr sz="1100" b="1"/>
@@ -13764,7 +13016,7 @@
                         <a:buNone/>
                       </a:pPr>
                       <a:r>
-                        <a:rPr lang="en" sz="1100" b="1"/>
+                        <a:rPr lang="en-GB" sz="1100" b="1"/>
                         <a:t>Day 6</a:t>
                       </a:r>
                       <a:endParaRPr sz="1100" b="1"/>
@@ -13780,7 +13032,7 @@
                         <a:buNone/>
                       </a:pPr>
                       <a:r>
-                        <a:rPr lang="en" sz="1100" b="1"/>
+                        <a:rPr lang="en-GB" sz="1100" b="1"/>
                         <a:t>hrs</a:t>
                       </a:r>
                       <a:endParaRPr sz="1100" b="1"/>
@@ -13807,7 +13059,7 @@
                         <a:buNone/>
                       </a:pPr>
                       <a:r>
-                        <a:rPr lang="en" sz="1100" b="1"/>
+                        <a:rPr lang="en-GB" sz="1100" b="1"/>
                         <a:t>Day 7</a:t>
                       </a:r>
                       <a:endParaRPr sz="1100" b="1"/>
@@ -13823,7 +13075,7 @@
                         <a:buNone/>
                       </a:pPr>
                       <a:r>
-                        <a:rPr lang="en" sz="1100" b="1"/>
+                        <a:rPr lang="en-GB" sz="1100" b="1"/>
                         <a:t>hrs</a:t>
                       </a:r>
                       <a:endParaRPr sz="1100" b="1"/>
@@ -13850,7 +13102,7 @@
                         <a:buNone/>
                       </a:pPr>
                       <a:r>
-                        <a:rPr lang="en" sz="1100" b="1"/>
+                        <a:rPr lang="en-GB" sz="1100" b="1"/>
                         <a:t>Day 8</a:t>
                       </a:r>
                       <a:endParaRPr sz="1100" b="1"/>
@@ -13866,7 +13118,7 @@
                         <a:buNone/>
                       </a:pPr>
                       <a:r>
-                        <a:rPr lang="en" sz="1100" b="1"/>
+                        <a:rPr lang="en-GB" sz="1100" b="1"/>
                         <a:t>hrs</a:t>
                       </a:r>
                       <a:endParaRPr sz="1100" b="1"/>
@@ -13893,7 +13145,7 @@
                         <a:buNone/>
                       </a:pPr>
                       <a:r>
-                        <a:rPr lang="en" sz="1100" b="1"/>
+                        <a:rPr lang="en-GB" sz="1100" b="1"/>
                         <a:t>Day 9</a:t>
                       </a:r>
                       <a:endParaRPr sz="1100" b="1"/>
@@ -13909,7 +13161,7 @@
                         <a:buNone/>
                       </a:pPr>
                       <a:r>
-                        <a:rPr lang="en" sz="1100" b="1"/>
+                        <a:rPr lang="en-GB" sz="1100" b="1"/>
                         <a:t>hrs</a:t>
                       </a:r>
                       <a:endParaRPr sz="1100" b="1"/>
@@ -13936,7 +13188,7 @@
                         <a:buNone/>
                       </a:pPr>
                       <a:r>
-                        <a:rPr lang="en" sz="1100" b="1"/>
+                        <a:rPr lang="en-GB" sz="1100" b="1"/>
                         <a:t>Day 10</a:t>
                       </a:r>
                       <a:endParaRPr sz="1100" b="1"/>
@@ -13952,7 +13204,7 @@
                         <a:buNone/>
                       </a:pPr>
                       <a:r>
-                        <a:rPr lang="en" sz="1100" b="1"/>
+                        <a:rPr lang="en-GB" sz="1100" b="1"/>
                         <a:t>hrs</a:t>
                       </a:r>
                       <a:endParaRPr sz="1100" b="1"/>
@@ -13976,11 +13228,6 @@
                     </a:solidFill>
                   </a:tcPr>
                 </a:tc>
-                <a:extLst>
-                  <a:ext uri="{0D108BD9-81ED-4DB2-BD59-A6C34878D82A}">
-                    <a16:rowId xmlns:a16="http://schemas.microsoft.com/office/drawing/2014/main" val="10000"/>
-                  </a:ext>
-                </a:extLst>
               </a:tr>
               <a:tr h="392617">
                 <a:tc gridSpan="13">
@@ -13998,7 +13245,7 @@
                         <a:buNone/>
                       </a:pPr>
                       <a:r>
-                        <a:rPr lang="en" sz="1300" b="1" dirty="0"/>
+                        <a:rPr lang="en-GB" sz="1300" b="1" dirty="0"/>
                         <a:t>SPRINT4</a:t>
                       </a:r>
                       <a:endParaRPr sz="1300" b="1" dirty="0"/>
@@ -14011,130 +13258,41 @@
                   </a:tcPr>
                 </a:tc>
                 <a:tc hMerge="1">
-                  <a:txBody>
-                    <a:bodyPr/>
-                    <a:lstStyle/>
-                    <a:p>
-                      <a:endParaRPr lang="en-US"/>
-                    </a:p>
-                  </a:txBody>
                   <a:tcPr/>
                 </a:tc>
                 <a:tc hMerge="1">
-                  <a:txBody>
-                    <a:bodyPr/>
-                    <a:lstStyle/>
-                    <a:p>
-                      <a:endParaRPr lang="en-US"/>
-                    </a:p>
-                  </a:txBody>
                   <a:tcPr/>
                 </a:tc>
                 <a:tc hMerge="1">
-                  <a:txBody>
-                    <a:bodyPr/>
-                    <a:lstStyle/>
-                    <a:p>
-                      <a:endParaRPr lang="en-US"/>
-                    </a:p>
-                  </a:txBody>
                   <a:tcPr/>
                 </a:tc>
                 <a:tc hMerge="1">
-                  <a:txBody>
-                    <a:bodyPr/>
-                    <a:lstStyle/>
-                    <a:p>
-                      <a:endParaRPr lang="en-US"/>
-                    </a:p>
-                  </a:txBody>
                   <a:tcPr/>
                 </a:tc>
                 <a:tc hMerge="1">
-                  <a:txBody>
-                    <a:bodyPr/>
-                    <a:lstStyle/>
-                    <a:p>
-                      <a:endParaRPr lang="en-US"/>
-                    </a:p>
-                  </a:txBody>
                   <a:tcPr/>
                 </a:tc>
                 <a:tc hMerge="1">
-                  <a:txBody>
-                    <a:bodyPr/>
-                    <a:lstStyle/>
-                    <a:p>
-                      <a:endParaRPr lang="en-US"/>
-                    </a:p>
-                  </a:txBody>
                   <a:tcPr/>
                 </a:tc>
                 <a:tc hMerge="1">
-                  <a:txBody>
-                    <a:bodyPr/>
-                    <a:lstStyle/>
-                    <a:p>
-                      <a:endParaRPr lang="en-US"/>
-                    </a:p>
-                  </a:txBody>
                   <a:tcPr/>
                 </a:tc>
                 <a:tc hMerge="1">
-                  <a:txBody>
-                    <a:bodyPr/>
-                    <a:lstStyle/>
-                    <a:p>
-                      <a:endParaRPr lang="en-US"/>
-                    </a:p>
-                  </a:txBody>
                   <a:tcPr/>
                 </a:tc>
                 <a:tc hMerge="1">
-                  <a:txBody>
-                    <a:bodyPr/>
-                    <a:lstStyle/>
-                    <a:p>
-                      <a:endParaRPr lang="en-US"/>
-                    </a:p>
-                  </a:txBody>
                   <a:tcPr/>
                 </a:tc>
                 <a:tc hMerge="1">
-                  <a:txBody>
-                    <a:bodyPr/>
-                    <a:lstStyle/>
-                    <a:p>
-                      <a:endParaRPr lang="en-US"/>
-                    </a:p>
-                  </a:txBody>
                   <a:tcPr/>
                 </a:tc>
                 <a:tc hMerge="1">
-                  <a:txBody>
-                    <a:bodyPr/>
-                    <a:lstStyle/>
-                    <a:p>
-                      <a:endParaRPr lang="en-US"/>
-                    </a:p>
-                  </a:txBody>
                   <a:tcPr/>
                 </a:tc>
                 <a:tc hMerge="1">
-                  <a:txBody>
-                    <a:bodyPr/>
-                    <a:lstStyle/>
-                    <a:p>
-                      <a:endParaRPr lang="en-US"/>
-                    </a:p>
-                  </a:txBody>
                   <a:tcPr/>
                 </a:tc>
-                <a:extLst>
-                  <a:ext uri="{0D108BD9-81ED-4DB2-BD59-A6C34878D82A}">
-                    <a16:rowId xmlns:a16="http://schemas.microsoft.com/office/drawing/2014/main" val="10001"/>
-                  </a:ext>
-                </a:extLst>
               </a:tr>
               <a:tr h="533971">
                 <a:tc>
@@ -14218,7 +13376,7 @@
                         <a:buNone/>
                       </a:pPr>
                       <a:r>
-                        <a:rPr lang="en" dirty="0"/>
+                        <a:rPr lang="en-GB" dirty="0"/>
                         <a:t>14</a:t>
                       </a:r>
                       <a:endParaRPr dirty="0"/>
@@ -14500,11 +13658,6 @@
                     </a:solidFill>
                   </a:tcPr>
                 </a:tc>
-                <a:extLst>
-                  <a:ext uri="{0D108BD9-81ED-4DB2-BD59-A6C34878D82A}">
-                    <a16:rowId xmlns:a16="http://schemas.microsoft.com/office/drawing/2014/main" val="10002"/>
-                  </a:ext>
-                </a:extLst>
               </a:tr>
               <a:tr h="471147">
                 <a:tc>
@@ -14580,7 +13733,7 @@
                         <a:buNone/>
                       </a:pPr>
                       <a:r>
-                        <a:rPr lang="en" dirty="0"/>
+                        <a:rPr lang="en-GB" dirty="0"/>
                         <a:t>14</a:t>
                       </a:r>
                       <a:endParaRPr dirty="0"/>
@@ -14862,11 +14015,6 @@
                     </a:solidFill>
                   </a:tcPr>
                 </a:tc>
-                <a:extLst>
-                  <a:ext uri="{0D108BD9-81ED-4DB2-BD59-A6C34878D82A}">
-                    <a16:rowId xmlns:a16="http://schemas.microsoft.com/office/drawing/2014/main" val="10003"/>
-                  </a:ext>
-                </a:extLst>
               </a:tr>
               <a:tr h="471147">
                 <a:tc>
@@ -14965,7 +14113,7 @@
                         <a:buNone/>
                       </a:pPr>
                       <a:r>
-                        <a:rPr lang="en" dirty="0"/>
+                        <a:rPr lang="en-GB" dirty="0"/>
                         <a:t>10</a:t>
                       </a:r>
                       <a:endParaRPr dirty="0"/>
@@ -15436,11 +14584,6 @@
                     </a:solidFill>
                   </a:tcPr>
                 </a:tc>
-                <a:extLst>
-                  <a:ext uri="{0D108BD9-81ED-4DB2-BD59-A6C34878D82A}">
-                    <a16:rowId xmlns:a16="http://schemas.microsoft.com/office/drawing/2014/main" val="10004"/>
-                  </a:ext>
-                </a:extLst>
               </a:tr>
               <a:tr h="471147">
                 <a:tc>
@@ -15966,11 +15109,6 @@
                     </a:solidFill>
                   </a:tcPr>
                 </a:tc>
-                <a:extLst>
-                  <a:ext uri="{0D108BD9-81ED-4DB2-BD59-A6C34878D82A}">
-                    <a16:rowId xmlns:a16="http://schemas.microsoft.com/office/drawing/2014/main" val="225925740"/>
-                  </a:ext>
-                </a:extLst>
               </a:tr>
             </a:tbl>
           </a:graphicData>
@@ -15978,13 +15116,7 @@
       </p:graphicFrame>
       <p:sp>
         <p:nvSpPr>
-          <p:cNvPr id="7" name="TextBox 6">
-            <a:extLst>
-              <a:ext uri="{FF2B5EF4-FFF2-40B4-BE49-F238E27FC236}">
-                <a16:creationId xmlns:a16="http://schemas.microsoft.com/office/drawing/2014/main" id="{E4E180E5-E46B-580F-BBB3-F011D46430FB}"/>
-              </a:ext>
-            </a:extLst>
-          </p:cNvPr>
+          <p:cNvPr id="7" name="TextBox 6"/>
           <p:cNvSpPr txBox="1"/>
           <p:nvPr/>
         </p:nvSpPr>
@@ -16008,15 +15140,11 @@
               <a:rPr lang="en-US" dirty="0"/>
               <a:t> </a:t>
             </a:r>
+            <a:endParaRPr lang="en-US" dirty="0"/>
           </a:p>
         </p:txBody>
       </p:sp>
     </p:spTree>
-    <p:extLst>
-      <p:ext uri="{BB962C8B-B14F-4D97-AF65-F5344CB8AC3E}">
-        <p14:creationId xmlns:p14="http://schemas.microsoft.com/office/powerpoint/2010/main" val="3741426957"/>
-      </p:ext>
-    </p:extLst>
   </p:cSld>
   <p:clrMapOvr>
     <a:masterClrMapping/>
@@ -16060,6 +15188,7 @@
               <a:rPr lang="en-US" dirty="0"/>
               <a:t>PRODUCT BACKLOG</a:t>
             </a:r>
+            <a:endParaRPr lang="en-US" dirty="0"/>
           </a:p>
         </p:txBody>
       </p:sp>
@@ -16122,8 +15251,6 @@
           <a:p>
             <a:fld id="{C65E9355-139B-4FED-8401-A2AF31A8FC31}" type="slidenum">
               <a:rPr lang="en-US" smtClean="0"/>
-              <a:pPr/>
-              <a:t>17</a:t>
             </a:fld>
             <a:endParaRPr lang="en-US" dirty="0"/>
           </a:p>
@@ -16133,13 +15260,7 @@
         <p:nvGraphicFramePr>
           <p:cNvPr id="6" name="Google Shape;374;p27"/>
           <p:cNvGraphicFramePr/>
-          <p:nvPr>
-            <p:extLst>
-              <p:ext uri="{D42A27DB-BD31-4B8C-83A1-F6EECF244321}">
-                <p14:modId xmlns:p14="http://schemas.microsoft.com/office/powerpoint/2010/main" val="795553742"/>
-              </p:ext>
-            </p:extLst>
-          </p:nvPr>
+          <p:nvPr/>
         </p:nvGraphicFramePr>
         <p:xfrm>
           <a:off x="457200" y="1155879"/>
@@ -16152,41 +15273,11 @@
                 <a:noFill/>
               </a:tblPr>
               <a:tblGrid>
-                <a:gridCol w="1618804">
-                  <a:extLst>
-                    <a:ext uri="{9D8B030D-6E8A-4147-A177-3AD203B41FA5}">
-                      <a16:colId xmlns:a16="http://schemas.microsoft.com/office/drawing/2014/main" val="20000"/>
-                    </a:ext>
-                  </a:extLst>
-                </a:gridCol>
-                <a:gridCol w="1618804">
-                  <a:extLst>
-                    <a:ext uri="{9D8B030D-6E8A-4147-A177-3AD203B41FA5}">
-                      <a16:colId xmlns:a16="http://schemas.microsoft.com/office/drawing/2014/main" val="20001"/>
-                    </a:ext>
-                  </a:extLst>
-                </a:gridCol>
-                <a:gridCol w="1618804">
-                  <a:extLst>
-                    <a:ext uri="{9D8B030D-6E8A-4147-A177-3AD203B41FA5}">
-                      <a16:colId xmlns:a16="http://schemas.microsoft.com/office/drawing/2014/main" val="20002"/>
-                    </a:ext>
-                  </a:extLst>
-                </a:gridCol>
-                <a:gridCol w="1618804">
-                  <a:extLst>
-                    <a:ext uri="{9D8B030D-6E8A-4147-A177-3AD203B41FA5}">
-                      <a16:colId xmlns:a16="http://schemas.microsoft.com/office/drawing/2014/main" val="20003"/>
-                    </a:ext>
-                  </a:extLst>
-                </a:gridCol>
-                <a:gridCol w="1722185">
-                  <a:extLst>
-                    <a:ext uri="{9D8B030D-6E8A-4147-A177-3AD203B41FA5}">
-                      <a16:colId xmlns:a16="http://schemas.microsoft.com/office/drawing/2014/main" val="20004"/>
-                    </a:ext>
-                  </a:extLst>
-                </a:gridCol>
+                <a:gridCol w="1618804"/>
+                <a:gridCol w="1618804"/>
+                <a:gridCol w="1618804"/>
+                <a:gridCol w="1618804"/>
+                <a:gridCol w="1722185"/>
               </a:tblGrid>
               <a:tr h="767236">
                 <a:tc>
@@ -16204,11 +15295,11 @@
                         <a:buNone/>
                       </a:pPr>
                       <a:r>
-                        <a:rPr lang="en" sz="1200" dirty="0"/>
+                        <a:rPr lang="en-GB" sz="1200" dirty="0"/>
                         <a:t>        </a:t>
                       </a:r>
                       <a:r>
-                        <a:rPr lang="en" sz="1200" b="1" dirty="0"/>
+                        <a:rPr lang="en-GB" sz="1200" b="1" dirty="0"/>
                         <a:t> ID</a:t>
                       </a:r>
                       <a:endParaRPr sz="1200" b="1" dirty="0"/>
@@ -16235,11 +15326,11 @@
                         <a:buNone/>
                       </a:pPr>
                       <a:r>
-                        <a:rPr lang="en" sz="1200" dirty="0"/>
+                        <a:rPr lang="en-GB" sz="1200" dirty="0"/>
                         <a:t>     </a:t>
                       </a:r>
                       <a:r>
-                        <a:rPr lang="en" sz="1200" b="1" dirty="0"/>
+                        <a:rPr lang="en-GB" sz="1200" b="1" dirty="0"/>
                         <a:t>NAME</a:t>
                       </a:r>
                       <a:endParaRPr sz="1200" b="1" dirty="0"/>
@@ -16266,7 +15357,7 @@
                         <a:buNone/>
                       </a:pPr>
                       <a:r>
-                        <a:rPr lang="en" sz="1200" b="1" dirty="0"/>
+                        <a:rPr lang="en-GB" sz="1200" b="1" dirty="0"/>
                         <a:t>PRIORITY</a:t>
                       </a:r>
                       <a:endParaRPr sz="1200" b="1" dirty="0"/>
@@ -16282,7 +15373,7 @@
                         <a:buNone/>
                       </a:pPr>
                       <a:r>
-                        <a:rPr lang="en" sz="1200" b="1" dirty="0"/>
+                        <a:rPr lang="en-GB" sz="1200" b="1" dirty="0"/>
                         <a:t>   &lt;high/medium/low&gt;</a:t>
                       </a:r>
                       <a:endParaRPr sz="1200" b="1" dirty="0"/>
@@ -16309,22 +15400,23 @@
                         <a:buNone/>
                       </a:pPr>
                       <a:r>
-                        <a:rPr lang="en" sz="1200" b="1" dirty="0"/>
+                        <a:rPr lang="en-GB" sz="1200" b="1" dirty="0"/>
                         <a:t>ESTIMATE</a:t>
                       </a:r>
-                    </a:p>
-                    <a:p>
-                      <a:pPr marL="0" lvl="0" indent="0" algn="ctr" rtl="0">
-                        <a:spcBef>
-                          <a:spcPts val="0"/>
-                        </a:spcBef>
-                        <a:spcAft>
-                          <a:spcPts val="0"/>
-                        </a:spcAft>
-                        <a:buNone/>
-                      </a:pPr>
-                      <a:r>
-                        <a:rPr lang="en" sz="1200" b="1" dirty="0"/>
+                      <a:endParaRPr lang="en-GB" sz="1200" b="1" dirty="0"/>
+                    </a:p>
+                    <a:p>
+                      <a:pPr marL="0" lvl="0" indent="0" algn="ctr" rtl="0">
+                        <a:spcBef>
+                          <a:spcPts val="0"/>
+                        </a:spcBef>
+                        <a:spcAft>
+                          <a:spcPts val="0"/>
+                        </a:spcAft>
+                        <a:buNone/>
+                      </a:pPr>
+                      <a:r>
+                        <a:rPr lang="en-GB" sz="1200" b="1" dirty="0"/>
                         <a:t>(Hours)</a:t>
                       </a:r>
                       <a:endParaRPr sz="1200" b="1" dirty="0"/>
@@ -16351,22 +15443,23 @@
                         <a:buNone/>
                       </a:pPr>
                       <a:r>
-                        <a:rPr lang="en" sz="1200" b="1" dirty="0"/>
+                        <a:rPr lang="en-GB" sz="1200" b="1" dirty="0"/>
                         <a:t>STATUS</a:t>
                       </a:r>
-                    </a:p>
-                    <a:p>
-                      <a:pPr marL="0" lvl="0" indent="0" algn="ctr" rtl="0">
-                        <a:spcBef>
-                          <a:spcPts val="0"/>
-                        </a:spcBef>
-                        <a:spcAft>
-                          <a:spcPts val="0"/>
-                        </a:spcAft>
-                        <a:buNone/>
-                      </a:pPr>
-                      <a:r>
-                        <a:rPr lang="en" sz="1200" b="1" dirty="0"/>
+                      <a:endParaRPr lang="en-GB" sz="1200" b="1" dirty="0"/>
+                    </a:p>
+                    <a:p>
+                      <a:pPr marL="0" lvl="0" indent="0" algn="ctr" rtl="0">
+                        <a:spcBef>
+                          <a:spcPts val="0"/>
+                        </a:spcBef>
+                        <a:spcAft>
+                          <a:spcPts val="0"/>
+                        </a:spcAft>
+                        <a:buNone/>
+                      </a:pPr>
+                      <a:r>
+                        <a:rPr lang="en-GB" sz="1200" b="1" dirty="0"/>
                         <a:t>&lt;Planned/In progress/Completed&gt;</a:t>
                       </a:r>
                       <a:endParaRPr sz="1200" b="1" dirty="0"/>
@@ -16378,11 +15471,6 @@
                     </a:solidFill>
                   </a:tcPr>
                 </a:tc>
-                <a:extLst>
-                  <a:ext uri="{0D108BD9-81ED-4DB2-BD59-A6C34878D82A}">
-                    <a16:rowId xmlns:a16="http://schemas.microsoft.com/office/drawing/2014/main" val="10000"/>
-                  </a:ext>
-                </a:extLst>
               </a:tr>
               <a:tr h="973808">
                 <a:tc>
@@ -16400,7 +15488,7 @@
                         <a:buNone/>
                       </a:pPr>
                       <a:r>
-                        <a:rPr lang="en" sz="1200" dirty="0"/>
+                        <a:rPr lang="en-GB" sz="1200" dirty="0"/>
                         <a:t>1</a:t>
                       </a:r>
                       <a:endParaRPr sz="1200" dirty="0"/>
@@ -16454,7 +15542,7 @@
                         <a:buNone/>
                       </a:pPr>
                       <a:r>
-                        <a:rPr lang="en" sz="1200" dirty="0"/>
+                        <a:rPr lang="en-GB" sz="1200" dirty="0"/>
                         <a:t>High</a:t>
                       </a:r>
                       <a:endParaRPr sz="1200" dirty="0"/>
@@ -16481,7 +15569,7 @@
                         <a:buNone/>
                       </a:pPr>
                       <a:r>
-                        <a:rPr lang="en" sz="1200" dirty="0"/>
+                        <a:rPr lang="en-GB" sz="1200" dirty="0"/>
                         <a:t>23</a:t>
                       </a:r>
                       <a:endParaRPr sz="1200" dirty="0"/>
@@ -16508,7 +15596,7 @@
                         <a:buNone/>
                       </a:pPr>
                       <a:r>
-                        <a:rPr lang="en" sz="1200" dirty="0"/>
+                        <a:rPr lang="en-GB" sz="1200" dirty="0"/>
                         <a:t>planned</a:t>
                       </a:r>
                       <a:endParaRPr sz="1200" dirty="0"/>
@@ -16520,11 +15608,6 @@
                     </a:solidFill>
                   </a:tcPr>
                 </a:tc>
-                <a:extLst>
-                  <a:ext uri="{0D108BD9-81ED-4DB2-BD59-A6C34878D82A}">
-                    <a16:rowId xmlns:a16="http://schemas.microsoft.com/office/drawing/2014/main" val="10001"/>
-                  </a:ext>
-                </a:extLst>
               </a:tr>
               <a:tr h="708216">
                 <a:tc>
@@ -16542,7 +15625,7 @@
                         <a:buNone/>
                       </a:pPr>
                       <a:r>
-                        <a:rPr lang="en" sz="1200" dirty="0"/>
+                        <a:rPr lang="en-GB" sz="1200" dirty="0"/>
                         <a:t>2</a:t>
                       </a:r>
                       <a:endParaRPr sz="1200" dirty="0"/>
@@ -16596,7 +15679,7 @@
                         <a:buNone/>
                       </a:pPr>
                       <a:r>
-                        <a:rPr lang="en" sz="1200" dirty="0"/>
+                        <a:rPr lang="en-GB" sz="1200" dirty="0"/>
                         <a:t>High</a:t>
                       </a:r>
                       <a:endParaRPr sz="1200" dirty="0"/>
@@ -16623,7 +15706,7 @@
                         <a:buNone/>
                       </a:pPr>
                       <a:r>
-                        <a:rPr lang="en" sz="1200" dirty="0"/>
+                        <a:rPr lang="en-GB" sz="1200" dirty="0"/>
                         <a:t>13</a:t>
                       </a:r>
                       <a:endParaRPr sz="1200" dirty="0"/>
@@ -16650,7 +15733,7 @@
                         <a:buNone/>
                       </a:pPr>
                       <a:r>
-                        <a:rPr lang="en" sz="1200" dirty="0"/>
+                        <a:rPr lang="en-GB" sz="1200" dirty="0"/>
                         <a:t>plannec</a:t>
                       </a:r>
                       <a:endParaRPr sz="1200" dirty="0"/>
@@ -16662,11 +15745,6 @@
                     </a:solidFill>
                   </a:tcPr>
                 </a:tc>
-                <a:extLst>
-                  <a:ext uri="{0D108BD9-81ED-4DB2-BD59-A6C34878D82A}">
-                    <a16:rowId xmlns:a16="http://schemas.microsoft.com/office/drawing/2014/main" val="10002"/>
-                  </a:ext>
-                </a:extLst>
               </a:tr>
               <a:tr h="788560">
                 <a:tc>
@@ -16684,7 +15762,7 @@
                         <a:buNone/>
                       </a:pPr>
                       <a:r>
-                        <a:rPr lang="en" sz="1200" dirty="0"/>
+                        <a:rPr lang="en-GB" sz="1200" dirty="0"/>
                         <a:t>3</a:t>
                       </a:r>
                       <a:endParaRPr sz="1200" dirty="0"/>
@@ -16738,7 +15816,7 @@
                         <a:buNone/>
                       </a:pPr>
                       <a:r>
-                        <a:rPr lang="en" sz="1200" dirty="0"/>
+                        <a:rPr lang="en-GB" sz="1200" dirty="0"/>
                         <a:t>High</a:t>
                       </a:r>
                       <a:endParaRPr sz="1200" dirty="0"/>
@@ -16765,7 +15843,7 @@
                         <a:buNone/>
                       </a:pPr>
                       <a:r>
-                        <a:rPr lang="en" sz="1200" dirty="0"/>
+                        <a:rPr lang="en-GB" sz="1200" dirty="0"/>
                         <a:t>20</a:t>
                       </a:r>
                       <a:endParaRPr sz="1200" dirty="0"/>
@@ -16792,7 +15870,7 @@
                         <a:buNone/>
                       </a:pPr>
                       <a:r>
-                        <a:rPr lang="en" sz="1200" dirty="0"/>
+                        <a:rPr lang="en-GB" sz="1200" dirty="0"/>
                         <a:t>planned</a:t>
                       </a:r>
                       <a:endParaRPr sz="1200" dirty="0"/>
@@ -16804,11 +15882,6 @@
                     </a:solidFill>
                   </a:tcPr>
                 </a:tc>
-                <a:extLst>
-                  <a:ext uri="{0D108BD9-81ED-4DB2-BD59-A6C34878D82A}">
-                    <a16:rowId xmlns:a16="http://schemas.microsoft.com/office/drawing/2014/main" val="10003"/>
-                  </a:ext>
-                </a:extLst>
               </a:tr>
               <a:tr h="708216">
                 <a:tc>
@@ -16826,7 +15899,7 @@
                         <a:buNone/>
                       </a:pPr>
                       <a:r>
-                        <a:rPr lang="en" sz="1200" dirty="0"/>
+                        <a:rPr lang="en-GB" sz="1200" dirty="0"/>
                         <a:t>4</a:t>
                       </a:r>
                       <a:endParaRPr sz="1200" dirty="0"/>
@@ -16880,7 +15953,7 @@
                         <a:buNone/>
                       </a:pPr>
                       <a:r>
-                        <a:rPr lang="en" sz="1200" dirty="0"/>
+                        <a:rPr lang="en-GB" sz="1200" dirty="0"/>
                         <a:t>MEDIUM</a:t>
                       </a:r>
                       <a:endParaRPr sz="1200" dirty="0"/>
@@ -16907,7 +15980,7 @@
                         <a:buNone/>
                       </a:pPr>
                       <a:r>
-                        <a:rPr lang="en" sz="1200" dirty="0"/>
+                        <a:rPr lang="en-GB" sz="1200" dirty="0"/>
                         <a:t>10</a:t>
                       </a:r>
                       <a:endParaRPr sz="1200" dirty="0"/>
@@ -16934,7 +16007,7 @@
                         <a:buNone/>
                       </a:pPr>
                       <a:r>
-                        <a:rPr lang="en" sz="1200" dirty="0"/>
+                        <a:rPr lang="en-GB" sz="1200" dirty="0"/>
                         <a:t>planned</a:t>
                       </a:r>
                       <a:endParaRPr sz="1200" dirty="0"/>
@@ -16946,11 +16019,6 @@
                     </a:solidFill>
                   </a:tcPr>
                 </a:tc>
-                <a:extLst>
-                  <a:ext uri="{0D108BD9-81ED-4DB2-BD59-A6C34878D82A}">
-                    <a16:rowId xmlns:a16="http://schemas.microsoft.com/office/drawing/2014/main" val="10004"/>
-                  </a:ext>
-                </a:extLst>
               </a:tr>
               <a:tr h="973808">
                 <a:tc>
@@ -16968,7 +16036,7 @@
                         <a:buNone/>
                       </a:pPr>
                       <a:r>
-                        <a:rPr lang="en" sz="1200" dirty="0"/>
+                        <a:rPr lang="en-GB" sz="1200" dirty="0"/>
                         <a:t>5</a:t>
                       </a:r>
                       <a:endParaRPr sz="1200" dirty="0"/>
@@ -17022,7 +16090,7 @@
                         <a:buNone/>
                       </a:pPr>
                       <a:r>
-                        <a:rPr lang="en" sz="1200" dirty="0"/>
+                        <a:rPr lang="en-GB" sz="1200" dirty="0"/>
                         <a:t>HIGH</a:t>
                       </a:r>
                       <a:endParaRPr sz="1200" dirty="0"/>
@@ -17049,7 +16117,7 @@
                         <a:buNone/>
                       </a:pPr>
                       <a:r>
-                        <a:rPr lang="en" sz="1200" dirty="0"/>
+                        <a:rPr lang="en-GB" sz="1200" dirty="0"/>
                         <a:t>10</a:t>
                       </a:r>
                       <a:endParaRPr sz="1200" dirty="0"/>
@@ -17076,7 +16144,7 @@
                         <a:buNone/>
                       </a:pPr>
                       <a:r>
-                        <a:rPr lang="en" sz="1200" dirty="0"/>
+                        <a:rPr lang="en-GB" sz="1200" dirty="0"/>
                         <a:t>planned</a:t>
                       </a:r>
                       <a:endParaRPr sz="1200" dirty="0"/>
@@ -17088,11 +16156,6 @@
                     </a:solidFill>
                   </a:tcPr>
                 </a:tc>
-                <a:extLst>
-                  <a:ext uri="{0D108BD9-81ED-4DB2-BD59-A6C34878D82A}">
-                    <a16:rowId xmlns:a16="http://schemas.microsoft.com/office/drawing/2014/main" val="10005"/>
-                  </a:ext>
-                </a:extLst>
               </a:tr>
             </a:tbl>
           </a:graphicData>
@@ -17124,15 +16187,11 @@
               <a:rPr lang="en-US" dirty="0"/>
               <a:t> </a:t>
             </a:r>
+            <a:endParaRPr lang="en-US" dirty="0"/>
           </a:p>
         </p:txBody>
       </p:sp>
     </p:spTree>
-    <p:extLst>
-      <p:ext uri="{BB962C8B-B14F-4D97-AF65-F5344CB8AC3E}">
-        <p14:creationId xmlns:p14="http://schemas.microsoft.com/office/powerpoint/2010/main" val="3729327754"/>
-      </p:ext>
-    </p:extLst>
   </p:cSld>
   <p:clrMapOvr>
     <a:masterClrMapping/>
@@ -17145,13 +16204,7 @@
   <p:cSld>
     <p:spTree>
       <p:nvGrpSpPr>
-        <p:cNvPr id="1" name="">
-          <a:extLst>
-            <a:ext uri="{FF2B5EF4-FFF2-40B4-BE49-F238E27FC236}">
-              <a16:creationId xmlns:a16="http://schemas.microsoft.com/office/drawing/2014/main" id="{726E083B-617B-6222-20B6-0FD597257098}"/>
-            </a:ext>
-          </a:extLst>
-        </p:cNvPr>
+        <p:cNvPr id="1" name=""/>
         <p:cNvGrpSpPr/>
         <p:nvPr/>
       </p:nvGrpSpPr>
@@ -17165,13 +16218,7 @@
       </p:grpSpPr>
       <p:sp>
         <p:nvSpPr>
-          <p:cNvPr id="2" name="Title 1">
-            <a:extLst>
-              <a:ext uri="{FF2B5EF4-FFF2-40B4-BE49-F238E27FC236}">
-                <a16:creationId xmlns:a16="http://schemas.microsoft.com/office/drawing/2014/main" id="{570FE46C-8104-01E6-0A1E-CFE72537EC0A}"/>
-              </a:ext>
-            </a:extLst>
-          </p:cNvPr>
+          <p:cNvPr id="2" name="Title 1"/>
           <p:cNvSpPr>
             <a:spLocks noGrp="1"/>
           </p:cNvSpPr>
@@ -17188,18 +16235,13 @@
               <a:rPr lang="en-US" dirty="0"/>
               <a:t>PRODUCT BACKLOG</a:t>
             </a:r>
+            <a:endParaRPr lang="en-US" dirty="0"/>
           </a:p>
         </p:txBody>
       </p:sp>
       <p:sp>
         <p:nvSpPr>
-          <p:cNvPr id="3" name="Content Placeholder 2">
-            <a:extLst>
-              <a:ext uri="{FF2B5EF4-FFF2-40B4-BE49-F238E27FC236}">
-                <a16:creationId xmlns:a16="http://schemas.microsoft.com/office/drawing/2014/main" id="{614BC072-A462-1F72-AB8B-BD7E8A766912}"/>
-              </a:ext>
-            </a:extLst>
-          </p:cNvPr>
+          <p:cNvPr id="3" name="Content Placeholder 2"/>
           <p:cNvSpPr>
             <a:spLocks noGrp="1"/>
           </p:cNvSpPr>
@@ -17218,13 +16260,7 @@
       </p:sp>
       <p:sp>
         <p:nvSpPr>
-          <p:cNvPr id="4" name="Footer Placeholder 3">
-            <a:extLst>
-              <a:ext uri="{FF2B5EF4-FFF2-40B4-BE49-F238E27FC236}">
-                <a16:creationId xmlns:a16="http://schemas.microsoft.com/office/drawing/2014/main" id="{ACFDF078-F07D-8800-E208-4FD7D733924A}"/>
-              </a:ext>
-            </a:extLst>
-          </p:cNvPr>
+          <p:cNvPr id="4" name="Footer Placeholder 3"/>
           <p:cNvSpPr>
             <a:spLocks noGrp="1"/>
           </p:cNvSpPr>
@@ -17247,13 +16283,7 @@
       </p:sp>
       <p:sp>
         <p:nvSpPr>
-          <p:cNvPr id="5" name="Slide Number Placeholder 4">
-            <a:extLst>
-              <a:ext uri="{FF2B5EF4-FFF2-40B4-BE49-F238E27FC236}">
-                <a16:creationId xmlns:a16="http://schemas.microsoft.com/office/drawing/2014/main" id="{3AF690C8-84DE-ED7A-8499-8458D745DDBF}"/>
-              </a:ext>
-            </a:extLst>
-          </p:cNvPr>
+          <p:cNvPr id="5" name="Slide Number Placeholder 4"/>
           <p:cNvSpPr>
             <a:spLocks noGrp="1"/>
           </p:cNvSpPr>
@@ -17268,8 +16298,6 @@
           <a:p>
             <a:fld id="{C65E9355-139B-4FED-8401-A2AF31A8FC31}" type="slidenum">
               <a:rPr lang="en-US" smtClean="0"/>
-              <a:pPr/>
-              <a:t>18</a:t>
             </a:fld>
             <a:endParaRPr lang="en-US" dirty="0"/>
           </a:p>
@@ -17277,21 +16305,9 @@
       </p:sp>
       <p:graphicFrame>
         <p:nvGraphicFramePr>
-          <p:cNvPr id="6" name="Google Shape;374;p27">
-            <a:extLst>
-              <a:ext uri="{FF2B5EF4-FFF2-40B4-BE49-F238E27FC236}">
-                <a16:creationId xmlns:a16="http://schemas.microsoft.com/office/drawing/2014/main" id="{FEF7DD19-4D51-E3ED-0FE9-71211F53124D}"/>
-              </a:ext>
-            </a:extLst>
-          </p:cNvPr>
+          <p:cNvPr id="6" name="Google Shape;374;p27"/>
           <p:cNvGraphicFramePr/>
-          <p:nvPr>
-            <p:extLst>
-              <p:ext uri="{D42A27DB-BD31-4B8C-83A1-F6EECF244321}">
-                <p14:modId xmlns:p14="http://schemas.microsoft.com/office/powerpoint/2010/main" val="4211351959"/>
-              </p:ext>
-            </p:extLst>
-          </p:nvPr>
+          <p:nvPr/>
         </p:nvGraphicFramePr>
         <p:xfrm>
           <a:off x="489375" y="1219200"/>
@@ -17304,41 +16320,11 @@
                 <a:noFill/>
               </a:tblPr>
               <a:tblGrid>
-                <a:gridCol w="1612450">
-                  <a:extLst>
-                    <a:ext uri="{9D8B030D-6E8A-4147-A177-3AD203B41FA5}">
-                      <a16:colId xmlns:a16="http://schemas.microsoft.com/office/drawing/2014/main" val="20000"/>
-                    </a:ext>
-                  </a:extLst>
-                </a:gridCol>
-                <a:gridCol w="1612450">
-                  <a:extLst>
-                    <a:ext uri="{9D8B030D-6E8A-4147-A177-3AD203B41FA5}">
-                      <a16:colId xmlns:a16="http://schemas.microsoft.com/office/drawing/2014/main" val="20001"/>
-                    </a:ext>
-                  </a:extLst>
-                </a:gridCol>
-                <a:gridCol w="1612450">
-                  <a:extLst>
-                    <a:ext uri="{9D8B030D-6E8A-4147-A177-3AD203B41FA5}">
-                      <a16:colId xmlns:a16="http://schemas.microsoft.com/office/drawing/2014/main" val="20002"/>
-                    </a:ext>
-                  </a:extLst>
-                </a:gridCol>
-                <a:gridCol w="1612450">
-                  <a:extLst>
-                    <a:ext uri="{9D8B030D-6E8A-4147-A177-3AD203B41FA5}">
-                      <a16:colId xmlns:a16="http://schemas.microsoft.com/office/drawing/2014/main" val="20003"/>
-                    </a:ext>
-                  </a:extLst>
-                </a:gridCol>
-                <a:gridCol w="1715425">
-                  <a:extLst>
-                    <a:ext uri="{9D8B030D-6E8A-4147-A177-3AD203B41FA5}">
-                      <a16:colId xmlns:a16="http://schemas.microsoft.com/office/drawing/2014/main" val="20004"/>
-                    </a:ext>
-                  </a:extLst>
-                </a:gridCol>
+                <a:gridCol w="1612450"/>
+                <a:gridCol w="1612450"/>
+                <a:gridCol w="1612450"/>
+                <a:gridCol w="1612450"/>
+                <a:gridCol w="1715425"/>
               </a:tblGrid>
               <a:tr h="723975">
                 <a:tc>
@@ -17356,11 +16342,11 @@
                         <a:buNone/>
                       </a:pPr>
                       <a:r>
-                        <a:rPr lang="en" sz="1600" dirty="0"/>
+                        <a:rPr lang="en-GB" sz="1600" dirty="0"/>
                         <a:t>        </a:t>
                       </a:r>
                       <a:r>
-                        <a:rPr lang="en" sz="1600" b="1" dirty="0"/>
+                        <a:rPr lang="en-GB" sz="1600" b="1" dirty="0"/>
                         <a:t> ID</a:t>
                       </a:r>
                       <a:endParaRPr sz="1600" b="1" dirty="0"/>
@@ -17387,11 +16373,11 @@
                         <a:buNone/>
                       </a:pPr>
                       <a:r>
-                        <a:rPr lang="en" sz="1600" dirty="0"/>
+                        <a:rPr lang="en-GB" sz="1600" dirty="0"/>
                         <a:t>     </a:t>
                       </a:r>
                       <a:r>
-                        <a:rPr lang="en" sz="1600" b="1" dirty="0"/>
+                        <a:rPr lang="en-GB" sz="1600" b="1" dirty="0"/>
                         <a:t>NAME</a:t>
                       </a:r>
                       <a:endParaRPr sz="1600" b="1" dirty="0"/>
@@ -17418,7 +16404,7 @@
                         <a:buNone/>
                       </a:pPr>
                       <a:r>
-                        <a:rPr lang="en" sz="1600" b="1" dirty="0"/>
+                        <a:rPr lang="en-GB" sz="1600" b="1" dirty="0"/>
                         <a:t>PRIORITY</a:t>
                       </a:r>
                       <a:endParaRPr sz="1600" b="1" dirty="0"/>
@@ -17434,7 +16420,7 @@
                         <a:buNone/>
                       </a:pPr>
                       <a:r>
-                        <a:rPr lang="en" sz="1600" b="1" dirty="0"/>
+                        <a:rPr lang="en-GB" sz="1600" b="1" dirty="0"/>
                         <a:t>   &lt;high/medium/low&gt;</a:t>
                       </a:r>
                       <a:endParaRPr sz="1600" b="1" dirty="0"/>
@@ -17461,22 +16447,23 @@
                         <a:buNone/>
                       </a:pPr>
                       <a:r>
-                        <a:rPr lang="en" sz="1600" b="1" dirty="0"/>
+                        <a:rPr lang="en-GB" sz="1600" b="1" dirty="0"/>
                         <a:t>ESTIMATE</a:t>
                       </a:r>
-                    </a:p>
-                    <a:p>
-                      <a:pPr marL="0" lvl="0" indent="0" algn="ctr" rtl="0">
-                        <a:spcBef>
-                          <a:spcPts val="0"/>
-                        </a:spcBef>
-                        <a:spcAft>
-                          <a:spcPts val="0"/>
-                        </a:spcAft>
-                        <a:buNone/>
-                      </a:pPr>
-                      <a:r>
-                        <a:rPr lang="en" sz="1600" b="1" dirty="0"/>
+                      <a:endParaRPr lang="en-GB" sz="1600" b="1" dirty="0"/>
+                    </a:p>
+                    <a:p>
+                      <a:pPr marL="0" lvl="0" indent="0" algn="ctr" rtl="0">
+                        <a:spcBef>
+                          <a:spcPts val="0"/>
+                        </a:spcBef>
+                        <a:spcAft>
+                          <a:spcPts val="0"/>
+                        </a:spcAft>
+                        <a:buNone/>
+                      </a:pPr>
+                      <a:r>
+                        <a:rPr lang="en-GB" sz="1600" b="1" dirty="0"/>
                         <a:t>(Hours)</a:t>
                       </a:r>
                       <a:endParaRPr sz="1600" b="1" dirty="0"/>
@@ -17503,22 +16490,23 @@
                         <a:buNone/>
                       </a:pPr>
                       <a:r>
-                        <a:rPr lang="en" sz="1600" b="1" dirty="0"/>
+                        <a:rPr lang="en-GB" sz="1600" b="1" dirty="0"/>
                         <a:t>STATUS</a:t>
                       </a:r>
-                    </a:p>
-                    <a:p>
-                      <a:pPr marL="0" lvl="0" indent="0" algn="ctr" rtl="0">
-                        <a:spcBef>
-                          <a:spcPts val="0"/>
-                        </a:spcBef>
-                        <a:spcAft>
-                          <a:spcPts val="0"/>
-                        </a:spcAft>
-                        <a:buNone/>
-                      </a:pPr>
-                      <a:r>
-                        <a:rPr lang="en" sz="1600" b="1" dirty="0"/>
+                      <a:endParaRPr lang="en-GB" sz="1600" b="1" dirty="0"/>
+                    </a:p>
+                    <a:p>
+                      <a:pPr marL="0" lvl="0" indent="0" algn="ctr" rtl="0">
+                        <a:spcBef>
+                          <a:spcPts val="0"/>
+                        </a:spcBef>
+                        <a:spcAft>
+                          <a:spcPts val="0"/>
+                        </a:spcAft>
+                        <a:buNone/>
+                      </a:pPr>
+                      <a:r>
+                        <a:rPr lang="en-GB" sz="1600" b="1" dirty="0"/>
                         <a:t>&lt;Planned/In progress/Completed&gt;</a:t>
                       </a:r>
                       <a:endParaRPr sz="1600" b="1" dirty="0"/>
@@ -17530,11 +16518,6 @@
                     </a:solidFill>
                   </a:tcPr>
                 </a:tc>
-                <a:extLst>
-                  <a:ext uri="{0D108BD9-81ED-4DB2-BD59-A6C34878D82A}">
-                    <a16:rowId xmlns:a16="http://schemas.microsoft.com/office/drawing/2014/main" val="10000"/>
-                  </a:ext>
-                </a:extLst>
               </a:tr>
               <a:tr h="426575">
                 <a:tc>
@@ -17552,7 +16535,7 @@
                         <a:buNone/>
                       </a:pPr>
                       <a:r>
-                        <a:rPr lang="en" sz="1600" dirty="0"/>
+                        <a:rPr lang="en-GB" sz="1600" dirty="0"/>
                         <a:t>6</a:t>
                       </a:r>
                       <a:endParaRPr sz="1600" dirty="0"/>
@@ -17583,13 +16566,13 @@
                         <a:buSzTx/>
                         <a:buFontTx/>
                         <a:buNone/>
-                        <a:tabLst/>
                         <a:defRPr/>
                       </a:pPr>
                       <a:r>
                         <a:rPr lang="en-IN" sz="1600" b="0" dirty="0"/>
                         <a:t>Vehicle Search Functionality</a:t>
                       </a:r>
+                      <a:endParaRPr lang="en-IN" sz="1600" b="0" dirty="0"/>
                     </a:p>
                     <a:p>
                       <a:pPr>
@@ -17640,7 +16623,7 @@
                         <a:buNone/>
                       </a:pPr>
                       <a:r>
-                        <a:rPr lang="en" sz="1600" dirty="0"/>
+                        <a:rPr lang="en-GB" sz="1600" dirty="0"/>
                         <a:t>23</a:t>
                       </a:r>
                       <a:endParaRPr sz="1600" dirty="0"/>
@@ -17667,7 +16650,7 @@
                         <a:buNone/>
                       </a:pPr>
                       <a:r>
-                        <a:rPr lang="en" sz="1600" dirty="0"/>
+                        <a:rPr lang="en-GB" sz="1600" dirty="0"/>
                         <a:t>planned</a:t>
                       </a:r>
                       <a:endParaRPr sz="1600" dirty="0"/>
@@ -17679,11 +16662,6 @@
                     </a:solidFill>
                   </a:tcPr>
                 </a:tc>
-                <a:extLst>
-                  <a:ext uri="{0D108BD9-81ED-4DB2-BD59-A6C34878D82A}">
-                    <a16:rowId xmlns:a16="http://schemas.microsoft.com/office/drawing/2014/main" val="10001"/>
-                  </a:ext>
-                </a:extLst>
               </a:tr>
               <a:tr h="426575">
                 <a:tc>
@@ -17701,7 +16679,7 @@
                         <a:buNone/>
                       </a:pPr>
                       <a:r>
-                        <a:rPr lang="en" sz="1600" dirty="0"/>
+                        <a:rPr lang="en-GB" sz="1600" dirty="0"/>
                         <a:t>7</a:t>
                       </a:r>
                       <a:endParaRPr sz="1600" dirty="0"/>
@@ -17763,7 +16741,7 @@
                         <a:buNone/>
                       </a:pPr>
                       <a:r>
-                        <a:rPr lang="en" sz="1600" dirty="0"/>
+                        <a:rPr lang="en-GB" sz="1600" dirty="0"/>
                         <a:t>High</a:t>
                       </a:r>
                       <a:endParaRPr sz="1600" dirty="0"/>
@@ -17790,7 +16768,7 @@
                         <a:buNone/>
                       </a:pPr>
                       <a:r>
-                        <a:rPr lang="en" sz="1600" dirty="0"/>
+                        <a:rPr lang="en-GB" sz="1600" dirty="0"/>
                         <a:t>13</a:t>
                       </a:r>
                       <a:endParaRPr sz="1600" dirty="0"/>
@@ -17817,7 +16795,7 @@
                         <a:buNone/>
                       </a:pPr>
                       <a:r>
-                        <a:rPr lang="en" sz="1600" dirty="0"/>
+                        <a:rPr lang="en-GB" sz="1600" dirty="0"/>
                         <a:t>plannec</a:t>
                       </a:r>
                       <a:endParaRPr sz="1600" dirty="0"/>
@@ -17829,11 +16807,6 @@
                     </a:solidFill>
                   </a:tcPr>
                 </a:tc>
-                <a:extLst>
-                  <a:ext uri="{0D108BD9-81ED-4DB2-BD59-A6C34878D82A}">
-                    <a16:rowId xmlns:a16="http://schemas.microsoft.com/office/drawing/2014/main" val="10002"/>
-                  </a:ext>
-                </a:extLst>
               </a:tr>
               <a:tr h="814475">
                 <a:tc>
@@ -17851,7 +16824,7 @@
                         <a:buNone/>
                       </a:pPr>
                       <a:r>
-                        <a:rPr lang="en" sz="1600" dirty="0"/>
+                        <a:rPr lang="en-GB" sz="1600" dirty="0"/>
                         <a:t>8</a:t>
                       </a:r>
                       <a:endParaRPr sz="1600" dirty="0"/>
@@ -17913,7 +16886,7 @@
                         <a:buNone/>
                       </a:pPr>
                       <a:r>
-                        <a:rPr lang="en" sz="1600" dirty="0"/>
+                        <a:rPr lang="en-GB" sz="1600" dirty="0"/>
                         <a:t>High</a:t>
                       </a:r>
                       <a:endParaRPr sz="1600" dirty="0"/>
@@ -17940,7 +16913,7 @@
                         <a:buNone/>
                       </a:pPr>
                       <a:r>
-                        <a:rPr lang="en" sz="1600" dirty="0"/>
+                        <a:rPr lang="en-GB" sz="1600" dirty="0"/>
                         <a:t>20</a:t>
                       </a:r>
                       <a:endParaRPr sz="1600" dirty="0"/>
@@ -17967,7 +16940,7 @@
                         <a:buNone/>
                       </a:pPr>
                       <a:r>
-                        <a:rPr lang="en" sz="1600" dirty="0"/>
+                        <a:rPr lang="en-GB" sz="1600" dirty="0"/>
                         <a:t>planned</a:t>
                       </a:r>
                       <a:endParaRPr sz="1600" dirty="0"/>
@@ -17979,11 +16952,6 @@
                     </a:solidFill>
                   </a:tcPr>
                 </a:tc>
-                <a:extLst>
-                  <a:ext uri="{0D108BD9-81ED-4DB2-BD59-A6C34878D82A}">
-                    <a16:rowId xmlns:a16="http://schemas.microsoft.com/office/drawing/2014/main" val="10003"/>
-                  </a:ext>
-                </a:extLst>
               </a:tr>
               <a:tr h="603325">
                 <a:tc>
@@ -18001,7 +16969,7 @@
                         <a:buNone/>
                       </a:pPr>
                       <a:r>
-                        <a:rPr lang="en" sz="1600" dirty="0"/>
+                        <a:rPr lang="en-GB" sz="1600" dirty="0"/>
                         <a:t>9</a:t>
                       </a:r>
                       <a:endParaRPr sz="1600" dirty="0"/>
@@ -18055,7 +17023,7 @@
                         <a:buNone/>
                       </a:pPr>
                       <a:r>
-                        <a:rPr lang="en" sz="1600" dirty="0"/>
+                        <a:rPr lang="en-GB" sz="1600" dirty="0"/>
                         <a:t>MEDIUM</a:t>
                       </a:r>
                       <a:endParaRPr sz="1600" dirty="0"/>
@@ -18082,7 +17050,7 @@
                         <a:buNone/>
                       </a:pPr>
                       <a:r>
-                        <a:rPr lang="en" sz="1600" dirty="0"/>
+                        <a:rPr lang="en-GB" sz="1600" dirty="0"/>
                         <a:t>10</a:t>
                       </a:r>
                       <a:endParaRPr sz="1600" dirty="0"/>
@@ -18109,7 +17077,7 @@
                         <a:buNone/>
                       </a:pPr>
                       <a:r>
-                        <a:rPr lang="en" sz="1600" dirty="0"/>
+                        <a:rPr lang="en-GB" sz="1600" dirty="0"/>
                         <a:t>planned</a:t>
                       </a:r>
                       <a:endParaRPr sz="1600" dirty="0"/>
@@ -18121,11 +17089,6 @@
                     </a:solidFill>
                   </a:tcPr>
                 </a:tc>
-                <a:extLst>
-                  <a:ext uri="{0D108BD9-81ED-4DB2-BD59-A6C34878D82A}">
-                    <a16:rowId xmlns:a16="http://schemas.microsoft.com/office/drawing/2014/main" val="10004"/>
-                  </a:ext>
-                </a:extLst>
               </a:tr>
               <a:tr h="603325">
                 <a:tc>
@@ -18143,7 +17106,7 @@
                         <a:buNone/>
                       </a:pPr>
                       <a:r>
-                        <a:rPr lang="en" sz="1600" dirty="0"/>
+                        <a:rPr lang="en-GB" sz="1600" dirty="0"/>
                         <a:t>10</a:t>
                       </a:r>
                       <a:endParaRPr sz="1600" dirty="0"/>
@@ -18197,7 +17160,7 @@
                         <a:buNone/>
                       </a:pPr>
                       <a:r>
-                        <a:rPr lang="en" sz="1600" dirty="0"/>
+                        <a:rPr lang="en-GB" sz="1600" dirty="0"/>
                         <a:t>HIGH</a:t>
                       </a:r>
                       <a:endParaRPr sz="1600" dirty="0"/>
@@ -18224,7 +17187,7 @@
                         <a:buNone/>
                       </a:pPr>
                       <a:r>
-                        <a:rPr lang="en" sz="1600" dirty="0"/>
+                        <a:rPr lang="en-GB" sz="1600" dirty="0"/>
                         <a:t>20</a:t>
                       </a:r>
                       <a:endParaRPr sz="1600" dirty="0"/>
@@ -18251,7 +17214,7 @@
                         <a:buNone/>
                       </a:pPr>
                       <a:r>
-                        <a:rPr lang="en" sz="1600" dirty="0"/>
+                        <a:rPr lang="en-GB" sz="1600" dirty="0"/>
                         <a:t>planned</a:t>
                       </a:r>
                       <a:endParaRPr sz="1600" dirty="0"/>
@@ -18263,11 +17226,6 @@
                     </a:solidFill>
                   </a:tcPr>
                 </a:tc>
-                <a:extLst>
-                  <a:ext uri="{0D108BD9-81ED-4DB2-BD59-A6C34878D82A}">
-                    <a16:rowId xmlns:a16="http://schemas.microsoft.com/office/drawing/2014/main" val="10005"/>
-                  </a:ext>
-                </a:extLst>
               </a:tr>
             </a:tbl>
           </a:graphicData>
@@ -18275,13 +17233,7 @@
       </p:graphicFrame>
       <p:sp>
         <p:nvSpPr>
-          <p:cNvPr id="7" name="TextBox 6">
-            <a:extLst>
-              <a:ext uri="{FF2B5EF4-FFF2-40B4-BE49-F238E27FC236}">
-                <a16:creationId xmlns:a16="http://schemas.microsoft.com/office/drawing/2014/main" id="{1AB8375E-4C0B-9500-F749-0A394D2B325C}"/>
-              </a:ext>
-            </a:extLst>
-          </p:cNvPr>
+          <p:cNvPr id="7" name="TextBox 6"/>
           <p:cNvSpPr txBox="1"/>
           <p:nvPr/>
         </p:nvSpPr>
@@ -18305,15 +17257,11 @@
               <a:rPr lang="en-US" dirty="0"/>
               <a:t> </a:t>
             </a:r>
+            <a:endParaRPr lang="en-US" dirty="0"/>
           </a:p>
         </p:txBody>
       </p:sp>
     </p:spTree>
-    <p:extLst>
-      <p:ext uri="{BB962C8B-B14F-4D97-AF65-F5344CB8AC3E}">
-        <p14:creationId xmlns:p14="http://schemas.microsoft.com/office/powerpoint/2010/main" val="407343192"/>
-      </p:ext>
-    </p:extLst>
   </p:cSld>
   <p:clrMapOvr>
     <a:masterClrMapping/>
@@ -18326,13 +17274,7 @@
   <p:cSld>
     <p:spTree>
       <p:nvGrpSpPr>
-        <p:cNvPr id="1" name="">
-          <a:extLst>
-            <a:ext uri="{FF2B5EF4-FFF2-40B4-BE49-F238E27FC236}">
-              <a16:creationId xmlns:a16="http://schemas.microsoft.com/office/drawing/2014/main" id="{6CA1633B-F233-A4AB-B96F-2CA0B5914F3E}"/>
-            </a:ext>
-          </a:extLst>
-        </p:cNvPr>
+        <p:cNvPr id="1" name=""/>
         <p:cNvGrpSpPr/>
         <p:nvPr/>
       </p:nvGrpSpPr>
@@ -18346,13 +17288,7 @@
       </p:grpSpPr>
       <p:sp>
         <p:nvSpPr>
-          <p:cNvPr id="2" name="Title 1">
-            <a:extLst>
-              <a:ext uri="{FF2B5EF4-FFF2-40B4-BE49-F238E27FC236}">
-                <a16:creationId xmlns:a16="http://schemas.microsoft.com/office/drawing/2014/main" id="{788FA3A6-8D9F-76B4-8FE7-C3AE54EB97E5}"/>
-              </a:ext>
-            </a:extLst>
-          </p:cNvPr>
+          <p:cNvPr id="2" name="Title 1"/>
           <p:cNvSpPr>
             <a:spLocks noGrp="1"/>
           </p:cNvSpPr>
@@ -18369,18 +17305,13 @@
               <a:rPr lang="en-US" dirty="0"/>
               <a:t>PRODUCT BACKLOG</a:t>
             </a:r>
+            <a:endParaRPr lang="en-US" dirty="0"/>
           </a:p>
         </p:txBody>
       </p:sp>
       <p:sp>
         <p:nvSpPr>
-          <p:cNvPr id="3" name="Content Placeholder 2">
-            <a:extLst>
-              <a:ext uri="{FF2B5EF4-FFF2-40B4-BE49-F238E27FC236}">
-                <a16:creationId xmlns:a16="http://schemas.microsoft.com/office/drawing/2014/main" id="{7341779C-7448-393D-236E-E0CF70E7F02C}"/>
-              </a:ext>
-            </a:extLst>
-          </p:cNvPr>
+          <p:cNvPr id="3" name="Content Placeholder 2"/>
           <p:cNvSpPr>
             <a:spLocks noGrp="1"/>
           </p:cNvSpPr>
@@ -18399,13 +17330,7 @@
       </p:sp>
       <p:sp>
         <p:nvSpPr>
-          <p:cNvPr id="4" name="Footer Placeholder 3">
-            <a:extLst>
-              <a:ext uri="{FF2B5EF4-FFF2-40B4-BE49-F238E27FC236}">
-                <a16:creationId xmlns:a16="http://schemas.microsoft.com/office/drawing/2014/main" id="{7BA0B3EB-9EE3-E4FD-2430-3A3619EEBC4C}"/>
-              </a:ext>
-            </a:extLst>
-          </p:cNvPr>
+          <p:cNvPr id="4" name="Footer Placeholder 3"/>
           <p:cNvSpPr>
             <a:spLocks noGrp="1"/>
           </p:cNvSpPr>
@@ -18428,13 +17353,7 @@
       </p:sp>
       <p:sp>
         <p:nvSpPr>
-          <p:cNvPr id="5" name="Slide Number Placeholder 4">
-            <a:extLst>
-              <a:ext uri="{FF2B5EF4-FFF2-40B4-BE49-F238E27FC236}">
-                <a16:creationId xmlns:a16="http://schemas.microsoft.com/office/drawing/2014/main" id="{B5FB7FA7-C543-7503-FAC1-DBEC12CC4D80}"/>
-              </a:ext>
-            </a:extLst>
-          </p:cNvPr>
+          <p:cNvPr id="5" name="Slide Number Placeholder 4"/>
           <p:cNvSpPr>
             <a:spLocks noGrp="1"/>
           </p:cNvSpPr>
@@ -18449,8 +17368,6 @@
           <a:p>
             <a:fld id="{C65E9355-139B-4FED-8401-A2AF31A8FC31}" type="slidenum">
               <a:rPr lang="en-US" smtClean="0"/>
-              <a:pPr/>
-              <a:t>19</a:t>
             </a:fld>
             <a:endParaRPr lang="en-US" dirty="0"/>
           </a:p>
@@ -18458,21 +17375,9 @@
       </p:sp>
       <p:graphicFrame>
         <p:nvGraphicFramePr>
-          <p:cNvPr id="6" name="Google Shape;374;p27">
-            <a:extLst>
-              <a:ext uri="{FF2B5EF4-FFF2-40B4-BE49-F238E27FC236}">
-                <a16:creationId xmlns:a16="http://schemas.microsoft.com/office/drawing/2014/main" id="{BF0F2547-BA1C-8B29-0557-2C92294AFA86}"/>
-              </a:ext>
-            </a:extLst>
-          </p:cNvPr>
+          <p:cNvPr id="6" name="Google Shape;374;p27"/>
           <p:cNvGraphicFramePr/>
-          <p:nvPr>
-            <p:extLst>
-              <p:ext uri="{D42A27DB-BD31-4B8C-83A1-F6EECF244321}">
-                <p14:modId xmlns:p14="http://schemas.microsoft.com/office/powerpoint/2010/main" val="1202713161"/>
-              </p:ext>
-            </p:extLst>
-          </p:nvPr>
+          <p:nvPr/>
         </p:nvGraphicFramePr>
         <p:xfrm>
           <a:off x="477520" y="1190110"/>
@@ -18485,41 +17390,11 @@
                 <a:noFill/>
               </a:tblPr>
               <a:tblGrid>
-                <a:gridCol w="1621150">
-                  <a:extLst>
-                    <a:ext uri="{9D8B030D-6E8A-4147-A177-3AD203B41FA5}">
-                      <a16:colId xmlns:a16="http://schemas.microsoft.com/office/drawing/2014/main" val="20000"/>
-                    </a:ext>
-                  </a:extLst>
-                </a:gridCol>
-                <a:gridCol w="1621150">
-                  <a:extLst>
-                    <a:ext uri="{9D8B030D-6E8A-4147-A177-3AD203B41FA5}">
-                      <a16:colId xmlns:a16="http://schemas.microsoft.com/office/drawing/2014/main" val="20001"/>
-                    </a:ext>
-                  </a:extLst>
-                </a:gridCol>
-                <a:gridCol w="1621150">
-                  <a:extLst>
-                    <a:ext uri="{9D8B030D-6E8A-4147-A177-3AD203B41FA5}">
-                      <a16:colId xmlns:a16="http://schemas.microsoft.com/office/drawing/2014/main" val="20002"/>
-                    </a:ext>
-                  </a:extLst>
-                </a:gridCol>
-                <a:gridCol w="1621150">
-                  <a:extLst>
-                    <a:ext uri="{9D8B030D-6E8A-4147-A177-3AD203B41FA5}">
-                      <a16:colId xmlns:a16="http://schemas.microsoft.com/office/drawing/2014/main" val="20003"/>
-                    </a:ext>
-                  </a:extLst>
-                </a:gridCol>
-                <a:gridCol w="1724680">
-                  <a:extLst>
-                    <a:ext uri="{9D8B030D-6E8A-4147-A177-3AD203B41FA5}">
-                      <a16:colId xmlns:a16="http://schemas.microsoft.com/office/drawing/2014/main" val="20004"/>
-                    </a:ext>
-                  </a:extLst>
-                </a:gridCol>
+                <a:gridCol w="1621150"/>
+                <a:gridCol w="1621150"/>
+                <a:gridCol w="1621150"/>
+                <a:gridCol w="1621150"/>
+                <a:gridCol w="1724680"/>
               </a:tblGrid>
               <a:tr h="695514">
                 <a:tc>
@@ -18537,11 +17412,11 @@
                         <a:buNone/>
                       </a:pPr>
                       <a:r>
-                        <a:rPr lang="en" sz="1100" dirty="0"/>
+                        <a:rPr lang="en-GB" sz="1100" dirty="0"/>
                         <a:t>        </a:t>
                       </a:r>
                       <a:r>
-                        <a:rPr lang="en" sz="1100" b="1" dirty="0"/>
+                        <a:rPr lang="en-GB" sz="1100" b="1" dirty="0"/>
                         <a:t> ID</a:t>
                       </a:r>
                       <a:endParaRPr sz="1100" b="1" dirty="0"/>
@@ -18568,11 +17443,11 @@
                         <a:buNone/>
                       </a:pPr>
                       <a:r>
-                        <a:rPr lang="en" sz="1100" dirty="0"/>
+                        <a:rPr lang="en-GB" sz="1100" dirty="0"/>
                         <a:t>     </a:t>
                       </a:r>
                       <a:r>
-                        <a:rPr lang="en" sz="1100" b="1" dirty="0"/>
+                        <a:rPr lang="en-GB" sz="1100" b="1" dirty="0"/>
                         <a:t>NAME</a:t>
                       </a:r>
                       <a:endParaRPr sz="1100" b="1" dirty="0"/>
@@ -18599,7 +17474,7 @@
                         <a:buNone/>
                       </a:pPr>
                       <a:r>
-                        <a:rPr lang="en" sz="1100" b="1" dirty="0"/>
+                        <a:rPr lang="en-GB" sz="1100" b="1" dirty="0"/>
                         <a:t>PRIORITY</a:t>
                       </a:r>
                       <a:endParaRPr sz="1100" b="1" dirty="0"/>
@@ -18615,7 +17490,7 @@
                         <a:buNone/>
                       </a:pPr>
                       <a:r>
-                        <a:rPr lang="en" sz="1100" b="1" dirty="0"/>
+                        <a:rPr lang="en-GB" sz="1100" b="1" dirty="0"/>
                         <a:t>   &lt;high/medium/low&gt;</a:t>
                       </a:r>
                       <a:endParaRPr sz="1100" b="1" dirty="0"/>
@@ -18642,22 +17517,23 @@
                         <a:buNone/>
                       </a:pPr>
                       <a:r>
-                        <a:rPr lang="en" sz="1100" b="1" dirty="0"/>
+                        <a:rPr lang="en-GB" sz="1100" b="1" dirty="0"/>
                         <a:t>ESTIMATE</a:t>
                       </a:r>
-                    </a:p>
-                    <a:p>
-                      <a:pPr marL="0" lvl="0" indent="0" algn="ctr" rtl="0">
-                        <a:spcBef>
-                          <a:spcPts val="0"/>
-                        </a:spcBef>
-                        <a:spcAft>
-                          <a:spcPts val="0"/>
-                        </a:spcAft>
-                        <a:buNone/>
-                      </a:pPr>
-                      <a:r>
-                        <a:rPr lang="en" sz="1100" b="1" dirty="0"/>
+                      <a:endParaRPr lang="en-GB" sz="1100" b="1" dirty="0"/>
+                    </a:p>
+                    <a:p>
+                      <a:pPr marL="0" lvl="0" indent="0" algn="ctr" rtl="0">
+                        <a:spcBef>
+                          <a:spcPts val="0"/>
+                        </a:spcBef>
+                        <a:spcAft>
+                          <a:spcPts val="0"/>
+                        </a:spcAft>
+                        <a:buNone/>
+                      </a:pPr>
+                      <a:r>
+                        <a:rPr lang="en-GB" sz="1100" b="1" dirty="0"/>
                         <a:t>(Hours)</a:t>
                       </a:r>
                       <a:endParaRPr sz="1100" b="1" dirty="0"/>
@@ -18684,22 +17560,23 @@
                         <a:buNone/>
                       </a:pPr>
                       <a:r>
-                        <a:rPr lang="en" sz="1100" b="1" dirty="0"/>
+                        <a:rPr lang="en-GB" sz="1100" b="1" dirty="0"/>
                         <a:t>STATUS</a:t>
                       </a:r>
-                    </a:p>
-                    <a:p>
-                      <a:pPr marL="0" lvl="0" indent="0" algn="ctr" rtl="0">
-                        <a:spcBef>
-                          <a:spcPts val="0"/>
-                        </a:spcBef>
-                        <a:spcAft>
-                          <a:spcPts val="0"/>
-                        </a:spcAft>
-                        <a:buNone/>
-                      </a:pPr>
-                      <a:r>
-                        <a:rPr lang="en" sz="1100" b="1" dirty="0"/>
+                      <a:endParaRPr lang="en-GB" sz="1100" b="1" dirty="0"/>
+                    </a:p>
+                    <a:p>
+                      <a:pPr marL="0" lvl="0" indent="0" algn="ctr" rtl="0">
+                        <a:spcBef>
+                          <a:spcPts val="0"/>
+                        </a:spcBef>
+                        <a:spcAft>
+                          <a:spcPts val="0"/>
+                        </a:spcAft>
+                        <a:buNone/>
+                      </a:pPr>
+                      <a:r>
+                        <a:rPr lang="en-GB" sz="1100" b="1" dirty="0"/>
                         <a:t>&lt;Planned/In progress/Completed&gt;</a:t>
                       </a:r>
                       <a:endParaRPr sz="1100" b="1" dirty="0"/>
@@ -18711,11 +17588,6 @@
                     </a:solidFill>
                   </a:tcPr>
                 </a:tc>
-                <a:extLst>
-                  <a:ext uri="{0D108BD9-81ED-4DB2-BD59-A6C34878D82A}">
-                    <a16:rowId xmlns:a16="http://schemas.microsoft.com/office/drawing/2014/main" val="10000"/>
-                  </a:ext>
-                </a:extLst>
               </a:tr>
               <a:tr h="802547">
                 <a:tc>
@@ -18733,7 +17605,7 @@
                         <a:buNone/>
                       </a:pPr>
                       <a:r>
-                        <a:rPr lang="en" sz="1100" dirty="0"/>
+                        <a:rPr lang="en-GB" sz="1100" dirty="0"/>
                         <a:t>11</a:t>
                       </a:r>
                       <a:endParaRPr sz="1100" dirty="0"/>
@@ -18802,7 +17674,7 @@
                         <a:buNone/>
                       </a:pPr>
                       <a:r>
-                        <a:rPr lang="en" sz="1100" dirty="0"/>
+                        <a:rPr lang="en-GB" sz="1100" dirty="0"/>
                         <a:t>23</a:t>
                       </a:r>
                       <a:endParaRPr sz="1100" dirty="0"/>
@@ -18829,7 +17701,7 @@
                         <a:buNone/>
                       </a:pPr>
                       <a:r>
-                        <a:rPr lang="en" sz="1100" dirty="0"/>
+                        <a:rPr lang="en-GB" sz="1100" dirty="0"/>
                         <a:t>planned</a:t>
                       </a:r>
                       <a:endParaRPr sz="1100" dirty="0"/>
@@ -18841,11 +17713,6 @@
                     </a:solidFill>
                   </a:tcPr>
                 </a:tc>
-                <a:extLst>
-                  <a:ext uri="{0D108BD9-81ED-4DB2-BD59-A6C34878D82A}">
-                    <a16:rowId xmlns:a16="http://schemas.microsoft.com/office/drawing/2014/main" val="10001"/>
-                  </a:ext>
-                </a:extLst>
               </a:tr>
               <a:tr h="802547">
                 <a:tc>
@@ -18863,7 +17730,7 @@
                         <a:buNone/>
                       </a:pPr>
                       <a:r>
-                        <a:rPr lang="en" sz="1100" dirty="0"/>
+                        <a:rPr lang="en-GB" sz="1100" dirty="0"/>
                         <a:t>12</a:t>
                       </a:r>
                       <a:endParaRPr sz="1100" dirty="0"/>
@@ -18932,7 +17799,7 @@
                         <a:buNone/>
                       </a:pPr>
                       <a:r>
-                        <a:rPr lang="en" sz="1100" dirty="0"/>
+                        <a:rPr lang="en-GB" sz="1100" dirty="0"/>
                         <a:t>13</a:t>
                       </a:r>
                       <a:endParaRPr sz="1100" dirty="0"/>
@@ -18959,7 +17826,7 @@
                         <a:buNone/>
                       </a:pPr>
                       <a:r>
-                        <a:rPr lang="en" sz="1100" dirty="0"/>
+                        <a:rPr lang="en-GB" sz="1100" dirty="0"/>
                         <a:t>plannec</a:t>
                       </a:r>
                       <a:endParaRPr sz="1100" dirty="0"/>
@@ -18971,11 +17838,6 @@
                     </a:solidFill>
                   </a:tcPr>
                 </a:tc>
-                <a:extLst>
-                  <a:ext uri="{0D108BD9-81ED-4DB2-BD59-A6C34878D82A}">
-                    <a16:rowId xmlns:a16="http://schemas.microsoft.com/office/drawing/2014/main" val="10002"/>
-                  </a:ext>
-                </a:extLst>
               </a:tr>
               <a:tr h="882775">
                 <a:tc>
@@ -18993,7 +17855,7 @@
                         <a:buNone/>
                       </a:pPr>
                       <a:r>
-                        <a:rPr lang="en" sz="1100" dirty="0"/>
+                        <a:rPr lang="en-GB" sz="1100" dirty="0"/>
                         <a:t>13</a:t>
                       </a:r>
                       <a:endParaRPr sz="1100" dirty="0"/>
@@ -19051,7 +17913,6 @@
                         <a:buSzTx/>
                         <a:buFontTx/>
                         <a:buNone/>
-                        <a:tabLst/>
                         <a:defRPr/>
                       </a:pPr>
                       <a:endParaRPr lang="en-IN" sz="1100" dirty="0"/>
@@ -19071,13 +17932,13 @@
                         <a:buSzTx/>
                         <a:buFontTx/>
                         <a:buNone/>
-                        <a:tabLst/>
                         <a:defRPr/>
                       </a:pPr>
                       <a:r>
                         <a:rPr lang="en-IN" sz="1100" dirty="0"/>
                         <a:t>MEDIUM</a:t>
                       </a:r>
+                      <a:endParaRPr lang="en-IN" sz="1100" dirty="0"/>
                     </a:p>
                     <a:p>
                       <a:pPr marL="0" lvl="0" indent="0" algn="ctr" rtl="0">
@@ -19113,7 +17974,7 @@
                         <a:buNone/>
                       </a:pPr>
                       <a:r>
-                        <a:rPr lang="en" sz="1100" dirty="0"/>
+                        <a:rPr lang="en-GB" sz="1100" dirty="0"/>
                         <a:t>20</a:t>
                       </a:r>
                       <a:endParaRPr sz="1100" dirty="0"/>
@@ -19140,7 +18001,7 @@
                         <a:buNone/>
                       </a:pPr>
                       <a:r>
-                        <a:rPr lang="en" sz="1100" dirty="0"/>
+                        <a:rPr lang="en-GB" sz="1100" dirty="0"/>
                         <a:t>planned</a:t>
                       </a:r>
                       <a:endParaRPr sz="1100" dirty="0"/>
@@ -19152,11 +18013,6 @@
                     </a:solidFill>
                   </a:tcPr>
                 </a:tc>
-                <a:extLst>
-                  <a:ext uri="{0D108BD9-81ED-4DB2-BD59-A6C34878D82A}">
-                    <a16:rowId xmlns:a16="http://schemas.microsoft.com/office/drawing/2014/main" val="10003"/>
-                  </a:ext>
-                </a:extLst>
               </a:tr>
               <a:tr h="882775">
                 <a:tc>
@@ -19174,7 +18030,7 @@
                         <a:buNone/>
                       </a:pPr>
                       <a:r>
-                        <a:rPr lang="en" sz="1100" dirty="0"/>
+                        <a:rPr lang="en-GB" sz="1100" dirty="0"/>
                         <a:t>14</a:t>
                       </a:r>
                       <a:endParaRPr sz="1100" dirty="0"/>
@@ -19232,13 +18088,13 @@
                         <a:buSzTx/>
                         <a:buFontTx/>
                         <a:buNone/>
-                        <a:tabLst/>
                         <a:defRPr/>
                       </a:pPr>
                       <a:r>
                         <a:rPr lang="en-IN" sz="1100" dirty="0"/>
                         <a:t>HIGH</a:t>
                       </a:r>
+                      <a:endParaRPr lang="en-IN" sz="1100" dirty="0"/>
                     </a:p>
                     <a:p>
                       <a:pPr marL="0" lvl="0" indent="0" algn="ctr" rtl="0">
@@ -19274,7 +18130,7 @@
                         <a:buNone/>
                       </a:pPr>
                       <a:r>
-                        <a:rPr lang="en" sz="1100" dirty="0"/>
+                        <a:rPr lang="en-GB" sz="1100" dirty="0"/>
                         <a:t>10</a:t>
                       </a:r>
                       <a:endParaRPr sz="1100" dirty="0"/>
@@ -19301,7 +18157,7 @@
                         <a:buNone/>
                       </a:pPr>
                       <a:r>
-                        <a:rPr lang="en" sz="1100" dirty="0"/>
+                        <a:rPr lang="en-GB" sz="1100" dirty="0"/>
                         <a:t>planned</a:t>
                       </a:r>
                       <a:endParaRPr sz="1100" dirty="0"/>
@@ -19313,11 +18169,6 @@
                     </a:solidFill>
                   </a:tcPr>
                 </a:tc>
-                <a:extLst>
-                  <a:ext uri="{0D108BD9-81ED-4DB2-BD59-A6C34878D82A}">
-                    <a16:rowId xmlns:a16="http://schemas.microsoft.com/office/drawing/2014/main" val="10004"/>
-                  </a:ext>
-                </a:extLst>
               </a:tr>
               <a:tr h="882775">
                 <a:tc>
@@ -19335,7 +18186,7 @@
                         <a:buNone/>
                       </a:pPr>
                       <a:r>
-                        <a:rPr lang="en" sz="1100" dirty="0"/>
+                        <a:rPr lang="en-GB" sz="1100" dirty="0"/>
                         <a:t>15</a:t>
                       </a:r>
                       <a:endParaRPr sz="1100" dirty="0"/>
@@ -19389,7 +18240,7 @@
                         <a:buNone/>
                       </a:pPr>
                       <a:r>
-                        <a:rPr lang="en" sz="1100" dirty="0"/>
+                        <a:rPr lang="en-GB" sz="1100" dirty="0"/>
                         <a:t>MEDIUM</a:t>
                       </a:r>
                       <a:endParaRPr sz="1100" dirty="0"/>
@@ -19416,7 +18267,7 @@
                         <a:buNone/>
                       </a:pPr>
                       <a:r>
-                        <a:rPr lang="en" sz="1100" dirty="0"/>
+                        <a:rPr lang="en-GB" sz="1100" dirty="0"/>
                         <a:t>10</a:t>
                       </a:r>
                       <a:endParaRPr sz="1100" dirty="0"/>
@@ -19443,7 +18294,7 @@
                         <a:buNone/>
                       </a:pPr>
                       <a:r>
-                        <a:rPr lang="en" sz="1100" dirty="0"/>
+                        <a:rPr lang="en-GB" sz="1100" dirty="0"/>
                         <a:t>planned</a:t>
                       </a:r>
                       <a:endParaRPr sz="1100" dirty="0"/>
@@ -19455,11 +18306,6 @@
                     </a:solidFill>
                   </a:tcPr>
                 </a:tc>
-                <a:extLst>
-                  <a:ext uri="{0D108BD9-81ED-4DB2-BD59-A6C34878D82A}">
-                    <a16:rowId xmlns:a16="http://schemas.microsoft.com/office/drawing/2014/main" val="10005"/>
-                  </a:ext>
-                </a:extLst>
               </a:tr>
             </a:tbl>
           </a:graphicData>
@@ -19467,13 +18313,7 @@
       </p:graphicFrame>
       <p:sp>
         <p:nvSpPr>
-          <p:cNvPr id="7" name="TextBox 6">
-            <a:extLst>
-              <a:ext uri="{FF2B5EF4-FFF2-40B4-BE49-F238E27FC236}">
-                <a16:creationId xmlns:a16="http://schemas.microsoft.com/office/drawing/2014/main" id="{C81CEA05-099D-A61E-22EE-25BCC6D4684C}"/>
-              </a:ext>
-            </a:extLst>
-          </p:cNvPr>
+          <p:cNvPr id="7" name="TextBox 6"/>
           <p:cNvSpPr txBox="1"/>
           <p:nvPr/>
         </p:nvSpPr>
@@ -19497,15 +18337,11 @@
               <a:rPr lang="en-US" dirty="0"/>
               <a:t> </a:t>
             </a:r>
+            <a:endParaRPr lang="en-US" dirty="0"/>
           </a:p>
         </p:txBody>
       </p:sp>
     </p:spTree>
-    <p:extLst>
-      <p:ext uri="{BB962C8B-B14F-4D97-AF65-F5344CB8AC3E}">
-        <p14:creationId xmlns:p14="http://schemas.microsoft.com/office/powerpoint/2010/main" val="3519405310"/>
-      </p:ext>
-    </p:extLst>
   </p:cSld>
   <p:clrMapOvr>
     <a:masterClrMapping/>
@@ -19628,6 +18464,10 @@
               </a:rPr>
               <a:t>MES COLLEGE OF ENGINEERING, KUTTIPPURAM</a:t>
             </a:r>
+            <a:endParaRPr lang="en-US" sz="2000" dirty="0">
+              <a:latin typeface="Bookman Old Style" panose="02050604050505020204" pitchFamily="18" charset="0"/>
+              <a:cs typeface="Times New Roman" panose="02020603050405020304" pitchFamily="18" charset="0"/>
+            </a:endParaRPr>
           </a:p>
         </p:txBody>
       </p:sp>
@@ -19802,11 +18642,6 @@
         </p:cxnSp>
       </p:grpSp>
     </p:spTree>
-    <p:extLst>
-      <p:ext uri="{BB962C8B-B14F-4D97-AF65-F5344CB8AC3E}">
-        <p14:creationId xmlns:p14="http://schemas.microsoft.com/office/powerpoint/2010/main" val="2979919727"/>
-      </p:ext>
-    </p:extLst>
   </p:cSld>
   <p:clrMapOvr>
     <a:masterClrMapping/>
@@ -19850,6 +18685,7 @@
               <a:rPr lang="en-US" dirty="0"/>
               <a:t>USER STORY</a:t>
             </a:r>
+            <a:endParaRPr lang="en-US" dirty="0"/>
           </a:p>
         </p:txBody>
       </p:sp>
@@ -19917,8 +18753,6 @@
           <a:p>
             <a:fld id="{C65E9355-139B-4FED-8401-A2AF31A8FC31}" type="slidenum">
               <a:rPr lang="en-US" smtClean="0"/>
-              <a:pPr/>
-              <a:t>20</a:t>
             </a:fld>
             <a:endParaRPr lang="en-US" dirty="0"/>
           </a:p>
@@ -19928,13 +18762,7 @@
         <p:nvGraphicFramePr>
           <p:cNvPr id="6" name="Google Shape;381;p28"/>
           <p:cNvGraphicFramePr/>
-          <p:nvPr>
-            <p:extLst>
-              <p:ext uri="{D42A27DB-BD31-4B8C-83A1-F6EECF244321}">
-                <p14:modId xmlns:p14="http://schemas.microsoft.com/office/powerpoint/2010/main" val="2593331902"/>
-              </p:ext>
-            </p:extLst>
-          </p:nvPr>
+          <p:nvPr/>
         </p:nvGraphicFramePr>
         <p:xfrm>
           <a:off x="457200" y="1177233"/>
@@ -19947,34 +18775,10 @@
                 <a:noFill/>
               </a:tblPr>
               <a:tblGrid>
-                <a:gridCol w="1841967">
-                  <a:extLst>
-                    <a:ext uri="{9D8B030D-6E8A-4147-A177-3AD203B41FA5}">
-                      <a16:colId xmlns:a16="http://schemas.microsoft.com/office/drawing/2014/main" val="20000"/>
-                    </a:ext>
-                  </a:extLst>
-                </a:gridCol>
-                <a:gridCol w="1978674">
-                  <a:extLst>
-                    <a:ext uri="{9D8B030D-6E8A-4147-A177-3AD203B41FA5}">
-                      <a16:colId xmlns:a16="http://schemas.microsoft.com/office/drawing/2014/main" val="20001"/>
-                    </a:ext>
-                  </a:extLst>
-                </a:gridCol>
-                <a:gridCol w="1810248">
-                  <a:extLst>
-                    <a:ext uri="{9D8B030D-6E8A-4147-A177-3AD203B41FA5}">
-                      <a16:colId xmlns:a16="http://schemas.microsoft.com/office/drawing/2014/main" val="20002"/>
-                    </a:ext>
-                  </a:extLst>
-                </a:gridCol>
-                <a:gridCol w="2571000">
-                  <a:extLst>
-                    <a:ext uri="{9D8B030D-6E8A-4147-A177-3AD203B41FA5}">
-                      <a16:colId xmlns:a16="http://schemas.microsoft.com/office/drawing/2014/main" val="20003"/>
-                    </a:ext>
-                  </a:extLst>
-                </a:gridCol>
+                <a:gridCol w="1841967"/>
+                <a:gridCol w="1978674"/>
+                <a:gridCol w="1810248"/>
+                <a:gridCol w="2571000"/>
               </a:tblGrid>
               <a:tr h="460657">
                 <a:tc>
@@ -19992,7 +18796,7 @@
                         <a:buNone/>
                       </a:pPr>
                       <a:r>
-                        <a:rPr lang="en" sz="1100" b="1" dirty="0"/>
+                        <a:rPr lang="en-GB" sz="1100" b="1" dirty="0"/>
                         <a:t> User Story ID</a:t>
                       </a:r>
                       <a:endParaRPr sz="1100" b="1" dirty="0"/>
@@ -20019,7 +18823,7 @@
                         <a:buNone/>
                       </a:pPr>
                       <a:r>
-                        <a:rPr lang="en" sz="1100" b="1" dirty="0"/>
+                        <a:rPr lang="en-GB" sz="1100" b="1" dirty="0"/>
                         <a:t>As a type of User</a:t>
                       </a:r>
                       <a:endParaRPr sz="1100" b="1" dirty="0"/>
@@ -20046,7 +18850,7 @@
                         <a:buNone/>
                       </a:pPr>
                       <a:r>
-                        <a:rPr lang="en" sz="1100" b="1" dirty="0"/>
+                        <a:rPr lang="en-GB" sz="1100" b="1" dirty="0"/>
                         <a:t>I want to </a:t>
                       </a:r>
                       <a:endParaRPr sz="1100" b="1" dirty="0"/>
@@ -20062,7 +18866,7 @@
                         <a:buNone/>
                       </a:pPr>
                       <a:r>
-                        <a:rPr lang="en" sz="1100" b="1" dirty="0"/>
+                        <a:rPr lang="en-GB" sz="1100" b="1" dirty="0"/>
                         <a:t>&lt;Perform some task&gt;</a:t>
                       </a:r>
                       <a:endParaRPr sz="1100" b="1" dirty="0"/>
@@ -20089,7 +18893,7 @@
                         <a:buNone/>
                       </a:pPr>
                       <a:r>
-                        <a:rPr lang="en" sz="1100" b="1" dirty="0"/>
+                        <a:rPr lang="en-GB" sz="1100" b="1" dirty="0"/>
                         <a:t>So that i can</a:t>
                       </a:r>
                       <a:endParaRPr sz="1100" b="1" dirty="0"/>
@@ -20105,7 +18909,7 @@
                         <a:buNone/>
                       </a:pPr>
                       <a:r>
-                        <a:rPr lang="en" sz="1100" b="1" dirty="0"/>
+                        <a:rPr lang="en-GB" sz="1100" b="1" dirty="0"/>
                         <a:t>&lt;Achieve Some Goal&gt; </a:t>
                       </a:r>
                       <a:endParaRPr sz="1100" b="1" dirty="0"/>
@@ -20117,11 +18921,6 @@
                     </a:solidFill>
                   </a:tcPr>
                 </a:tc>
-                <a:extLst>
-                  <a:ext uri="{0D108BD9-81ED-4DB2-BD59-A6C34878D82A}">
-                    <a16:rowId xmlns:a16="http://schemas.microsoft.com/office/drawing/2014/main" val="10000"/>
-                  </a:ext>
-                </a:extLst>
               </a:tr>
               <a:tr h="741558">
                 <a:tc>
@@ -20139,7 +18938,7 @@
                         <a:buNone/>
                       </a:pPr>
                       <a:r>
-                        <a:rPr lang="en" sz="1100" dirty="0"/>
+                        <a:rPr lang="en-GB" sz="1100" dirty="0"/>
                         <a:t>  1 </a:t>
                       </a:r>
                       <a:endParaRPr sz="1100" dirty="0"/>
@@ -20166,7 +18965,7 @@
                         <a:buNone/>
                       </a:pPr>
                       <a:r>
-                        <a:rPr lang="en" sz="1100" dirty="0"/>
+                        <a:rPr lang="en-GB" sz="1100" dirty="0"/>
                         <a:t>USER</a:t>
                       </a:r>
                       <a:endParaRPr sz="1100" dirty="0"/>
@@ -20193,7 +18992,7 @@
                         <a:buNone/>
                       </a:pPr>
                       <a:r>
-                        <a:rPr lang="en" sz="1100" kern="1200" dirty="0">
+                        <a:rPr lang="en-GB" sz="1100" kern="1200" dirty="0">
                           <a:solidFill>
                             <a:schemeClr val="tx1"/>
                           </a:solidFill>
@@ -20250,11 +19049,6 @@
                     </a:solidFill>
                   </a:tcPr>
                 </a:tc>
-                <a:extLst>
-                  <a:ext uri="{0D108BD9-81ED-4DB2-BD59-A6C34878D82A}">
-                    <a16:rowId xmlns:a16="http://schemas.microsoft.com/office/drawing/2014/main" val="10001"/>
-                  </a:ext>
-                </a:extLst>
               </a:tr>
               <a:tr h="741558">
                 <a:tc>
@@ -20272,7 +19066,7 @@
                         <a:buNone/>
                       </a:pPr>
                       <a:r>
-                        <a:rPr lang="en" sz="1100"/>
+                        <a:rPr lang="en-GB" sz="1100"/>
                         <a:t> 2</a:t>
                       </a:r>
                       <a:endParaRPr sz="1100"/>
@@ -20299,7 +19093,7 @@
                         <a:buNone/>
                       </a:pPr>
                       <a:r>
-                        <a:rPr lang="en" sz="1100" dirty="0"/>
+                        <a:rPr lang="en-GB" sz="1100" dirty="0"/>
                         <a:t>USER</a:t>
                       </a:r>
                       <a:endParaRPr sz="1100" dirty="0"/>
@@ -20379,11 +19173,6 @@
                     </a:solidFill>
                   </a:tcPr>
                 </a:tc>
-                <a:extLst>
-                  <a:ext uri="{0D108BD9-81ED-4DB2-BD59-A6C34878D82A}">
-                    <a16:rowId xmlns:a16="http://schemas.microsoft.com/office/drawing/2014/main" val="10002"/>
-                  </a:ext>
-                </a:extLst>
               </a:tr>
               <a:tr h="741558">
                 <a:tc>
@@ -20401,7 +19190,7 @@
                         <a:buNone/>
                       </a:pPr>
                       <a:r>
-                        <a:rPr lang="en" sz="1100"/>
+                        <a:rPr lang="en-GB" sz="1100"/>
                         <a:t>3</a:t>
                       </a:r>
                       <a:endParaRPr sz="1100"/>
@@ -20428,7 +19217,7 @@
                         <a:buNone/>
                       </a:pPr>
                       <a:r>
-                        <a:rPr lang="en" sz="1100" dirty="0"/>
+                        <a:rPr lang="en-GB" sz="1100" dirty="0"/>
                         <a:t>USER</a:t>
                       </a:r>
                       <a:endParaRPr sz="1100" dirty="0"/>
@@ -20455,7 +19244,7 @@
                         <a:buNone/>
                       </a:pPr>
                       <a:r>
-                        <a:rPr lang="en" sz="1100" dirty="0"/>
+                        <a:rPr lang="en-GB" sz="1100" dirty="0"/>
                         <a:t>View Profile</a:t>
                       </a:r>
                       <a:endParaRPr sz="1100" dirty="0"/>
@@ -20486,13 +19275,13 @@
                         <a:buSzTx/>
                         <a:buFontTx/>
                         <a:buNone/>
-                        <a:tabLst/>
                         <a:defRPr/>
                       </a:pPr>
                       <a:r>
                         <a:rPr lang="en-US" sz="1100" dirty="0"/>
                         <a:t>View users profile in application</a:t>
                       </a:r>
+                      <a:endParaRPr lang="en-US" sz="1100" dirty="0"/>
                     </a:p>
                     <a:p>
                       <a:pPr marL="0" lvl="0" indent="0" algn="ctr" rtl="0">
@@ -20513,11 +19302,6 @@
                     </a:solidFill>
                   </a:tcPr>
                 </a:tc>
-                <a:extLst>
-                  <a:ext uri="{0D108BD9-81ED-4DB2-BD59-A6C34878D82A}">
-                    <a16:rowId xmlns:a16="http://schemas.microsoft.com/office/drawing/2014/main" val="10003"/>
-                  </a:ext>
-                </a:extLst>
               </a:tr>
               <a:tr h="539309">
                 <a:tc>
@@ -20535,7 +19319,7 @@
                         <a:buNone/>
                       </a:pPr>
                       <a:r>
-                        <a:rPr lang="en" sz="1100"/>
+                        <a:rPr lang="en-GB" sz="1100"/>
                         <a:t>4</a:t>
                       </a:r>
                       <a:endParaRPr sz="1100"/>
@@ -20562,7 +19346,7 @@
                         <a:buNone/>
                       </a:pPr>
                       <a:r>
-                        <a:rPr lang="en" sz="1100" dirty="0"/>
+                        <a:rPr lang="en-GB" sz="1100" dirty="0"/>
                         <a:t>ADMIN</a:t>
                       </a:r>
                       <a:endParaRPr sz="1100" dirty="0"/>
@@ -20628,11 +19412,6 @@
                     </a:solidFill>
                   </a:tcPr>
                 </a:tc>
-                <a:extLst>
-                  <a:ext uri="{0D108BD9-81ED-4DB2-BD59-A6C34878D82A}">
-                    <a16:rowId xmlns:a16="http://schemas.microsoft.com/office/drawing/2014/main" val="10004"/>
-                  </a:ext>
-                </a:extLst>
               </a:tr>
               <a:tr h="741558">
                 <a:tc>
@@ -20650,7 +19429,7 @@
                         <a:buNone/>
                       </a:pPr>
                       <a:r>
-                        <a:rPr lang="en" sz="1100"/>
+                        <a:rPr lang="en-GB" sz="1100"/>
                         <a:t>5</a:t>
                       </a:r>
                       <a:endParaRPr sz="1100"/>
@@ -20677,7 +19456,7 @@
                         <a:buNone/>
                       </a:pPr>
                       <a:r>
-                        <a:rPr lang="en" sz="1100" dirty="0"/>
+                        <a:rPr lang="en-GB" sz="1100" dirty="0"/>
                         <a:t>ADMIN</a:t>
                       </a:r>
                       <a:endParaRPr sz="1100" dirty="0"/>
@@ -20743,11 +19522,6 @@
                     </a:solidFill>
                   </a:tcPr>
                 </a:tc>
-                <a:extLst>
-                  <a:ext uri="{0D108BD9-81ED-4DB2-BD59-A6C34878D82A}">
-                    <a16:rowId xmlns:a16="http://schemas.microsoft.com/office/drawing/2014/main" val="10005"/>
-                  </a:ext>
-                </a:extLst>
               </a:tr>
               <a:tr h="539309">
                 <a:tc>
@@ -20765,7 +19539,7 @@
                         <a:buNone/>
                       </a:pPr>
                       <a:r>
-                        <a:rPr lang="en" sz="1100"/>
+                        <a:rPr lang="en-GB" sz="1100"/>
                         <a:t>6</a:t>
                       </a:r>
                       <a:endParaRPr sz="1100"/>
@@ -20792,7 +19566,7 @@
                         <a:buNone/>
                       </a:pPr>
                       <a:r>
-                        <a:rPr lang="en" sz="1100" dirty="0"/>
+                        <a:rPr lang="en-GB" sz="1100" dirty="0"/>
                         <a:t>ADMIN</a:t>
                       </a:r>
                       <a:endParaRPr sz="1100" dirty="0"/>
@@ -20823,7 +19597,7 @@
                         <a:t>M</a:t>
                       </a:r>
                       <a:r>
-                        <a:rPr lang="en" sz="1100" dirty="0"/>
+                        <a:rPr lang="en-GB" sz="1100" dirty="0"/>
                         <a:t>anage booking records</a:t>
                       </a:r>
                       <a:endParaRPr sz="1100" dirty="0"/>
@@ -20854,7 +19628,7 @@
                         <a:t>O</a:t>
                       </a:r>
                       <a:r>
-                        <a:rPr lang="en" sz="1100" dirty="0"/>
+                        <a:rPr lang="en-GB" sz="1100" dirty="0"/>
                         <a:t>versees all booking and assist with modifications</a:t>
                       </a:r>
                       <a:endParaRPr sz="1100" dirty="0"/>
@@ -20866,11 +19640,6 @@
                     </a:solidFill>
                   </a:tcPr>
                 </a:tc>
-                <a:extLst>
-                  <a:ext uri="{0D108BD9-81ED-4DB2-BD59-A6C34878D82A}">
-                    <a16:rowId xmlns:a16="http://schemas.microsoft.com/office/drawing/2014/main" val="10006"/>
-                  </a:ext>
-                </a:extLst>
               </a:tr>
               <a:tr h="337060">
                 <a:tc>
@@ -20888,7 +19657,7 @@
                         <a:buNone/>
                       </a:pPr>
                       <a:r>
-                        <a:rPr lang="en" sz="1100" dirty="0"/>
+                        <a:rPr lang="en-GB" sz="1100" dirty="0"/>
                         <a:t>7</a:t>
                       </a:r>
                       <a:endParaRPr sz="1100" dirty="0"/>
@@ -20915,7 +19684,7 @@
                         <a:buNone/>
                       </a:pPr>
                       <a:r>
-                        <a:rPr lang="en" sz="1100"/>
+                        <a:rPr lang="en-GB" sz="1100"/>
                         <a:t>USER</a:t>
                       </a:r>
                       <a:endParaRPr sz="1100"/>
@@ -20942,7 +19711,7 @@
                         <a:buNone/>
                       </a:pPr>
                       <a:r>
-                        <a:rPr lang="en" sz="1100"/>
+                        <a:rPr lang="en-GB" sz="1100"/>
                         <a:t>View Profile</a:t>
                       </a:r>
                       <a:endParaRPr sz="1100"/>
@@ -20969,7 +19738,7 @@
                         <a:buNone/>
                       </a:pPr>
                       <a:r>
-                        <a:rPr lang="en" sz="1100" dirty="0"/>
+                        <a:rPr lang="en-GB" sz="1100" dirty="0"/>
                         <a:t>View users profile in application</a:t>
                       </a:r>
                       <a:endParaRPr sz="1100" dirty="0"/>
@@ -20981,22 +19750,12 @@
                     </a:solidFill>
                   </a:tcPr>
                 </a:tc>
-                <a:extLst>
-                  <a:ext uri="{0D108BD9-81ED-4DB2-BD59-A6C34878D82A}">
-                    <a16:rowId xmlns:a16="http://schemas.microsoft.com/office/drawing/2014/main" val="10007"/>
-                  </a:ext>
-                </a:extLst>
               </a:tr>
             </a:tbl>
           </a:graphicData>
         </a:graphic>
       </p:graphicFrame>
     </p:spTree>
-    <p:extLst>
-      <p:ext uri="{BB962C8B-B14F-4D97-AF65-F5344CB8AC3E}">
-        <p14:creationId xmlns:p14="http://schemas.microsoft.com/office/powerpoint/2010/main" val="3480335941"/>
-      </p:ext>
-    </p:extLst>
   </p:cSld>
   <p:clrMapOvr>
     <a:masterClrMapping/>
@@ -21009,13 +19768,7 @@
   <p:cSld>
     <p:spTree>
       <p:nvGrpSpPr>
-        <p:cNvPr id="1" name="">
-          <a:extLst>
-            <a:ext uri="{FF2B5EF4-FFF2-40B4-BE49-F238E27FC236}">
-              <a16:creationId xmlns:a16="http://schemas.microsoft.com/office/drawing/2014/main" id="{C3E5163B-3CC7-9BD1-1A99-7C0E6032FB60}"/>
-            </a:ext>
-          </a:extLst>
-        </p:cNvPr>
+        <p:cNvPr id="1" name=""/>
         <p:cNvGrpSpPr/>
         <p:nvPr/>
       </p:nvGrpSpPr>
@@ -21029,13 +19782,7 @@
       </p:grpSpPr>
       <p:sp>
         <p:nvSpPr>
-          <p:cNvPr id="2" name="Title 1">
-            <a:extLst>
-              <a:ext uri="{FF2B5EF4-FFF2-40B4-BE49-F238E27FC236}">
-                <a16:creationId xmlns:a16="http://schemas.microsoft.com/office/drawing/2014/main" id="{AB671CC1-CAD0-D4A2-3DC3-7B8D6FF2A1F3}"/>
-              </a:ext>
-            </a:extLst>
-          </p:cNvPr>
+          <p:cNvPr id="2" name="Title 1"/>
           <p:cNvSpPr>
             <a:spLocks noGrp="1"/>
           </p:cNvSpPr>
@@ -21052,18 +19799,13 @@
               <a:rPr lang="en-US" dirty="0"/>
               <a:t>USER STORY</a:t>
             </a:r>
+            <a:endParaRPr lang="en-US" dirty="0"/>
           </a:p>
         </p:txBody>
       </p:sp>
       <p:sp>
         <p:nvSpPr>
-          <p:cNvPr id="3" name="Content Placeholder 2">
-            <a:extLst>
-              <a:ext uri="{FF2B5EF4-FFF2-40B4-BE49-F238E27FC236}">
-                <a16:creationId xmlns:a16="http://schemas.microsoft.com/office/drawing/2014/main" id="{00E57BDE-C3CC-21CC-FF56-0430D2696CAA}"/>
-              </a:ext>
-            </a:extLst>
-          </p:cNvPr>
+          <p:cNvPr id="3" name="Content Placeholder 2"/>
           <p:cNvSpPr>
             <a:spLocks noGrp="1"/>
           </p:cNvSpPr>
@@ -21087,13 +19829,7 @@
       </p:sp>
       <p:sp>
         <p:nvSpPr>
-          <p:cNvPr id="4" name="Footer Placeholder 3">
-            <a:extLst>
-              <a:ext uri="{FF2B5EF4-FFF2-40B4-BE49-F238E27FC236}">
-                <a16:creationId xmlns:a16="http://schemas.microsoft.com/office/drawing/2014/main" id="{60EA46D6-C280-9F0E-1613-AF34E4837011}"/>
-              </a:ext>
-            </a:extLst>
-          </p:cNvPr>
+          <p:cNvPr id="4" name="Footer Placeholder 3"/>
           <p:cNvSpPr>
             <a:spLocks noGrp="1"/>
           </p:cNvSpPr>
@@ -21116,13 +19852,7 @@
       </p:sp>
       <p:sp>
         <p:nvSpPr>
-          <p:cNvPr id="5" name="Slide Number Placeholder 4">
-            <a:extLst>
-              <a:ext uri="{FF2B5EF4-FFF2-40B4-BE49-F238E27FC236}">
-                <a16:creationId xmlns:a16="http://schemas.microsoft.com/office/drawing/2014/main" id="{22BD5258-24C2-6440-EAE5-0D21B4CFFC5B}"/>
-              </a:ext>
-            </a:extLst>
-          </p:cNvPr>
+          <p:cNvPr id="5" name="Slide Number Placeholder 4"/>
           <p:cNvSpPr>
             <a:spLocks noGrp="1"/>
           </p:cNvSpPr>
@@ -21137,8 +19867,6 @@
           <a:p>
             <a:fld id="{C65E9355-139B-4FED-8401-A2AF31A8FC31}" type="slidenum">
               <a:rPr lang="en-US" smtClean="0"/>
-              <a:pPr/>
-              <a:t>21</a:t>
             </a:fld>
             <a:endParaRPr lang="en-US" dirty="0"/>
           </a:p>
@@ -21146,21 +19874,9 @@
       </p:sp>
       <p:graphicFrame>
         <p:nvGraphicFramePr>
-          <p:cNvPr id="6" name="Google Shape;381;p28">
-            <a:extLst>
-              <a:ext uri="{FF2B5EF4-FFF2-40B4-BE49-F238E27FC236}">
-                <a16:creationId xmlns:a16="http://schemas.microsoft.com/office/drawing/2014/main" id="{D29A8E70-770E-EDB2-E1F6-8C0949744D6E}"/>
-              </a:ext>
-            </a:extLst>
-          </p:cNvPr>
+          <p:cNvPr id="6" name="Google Shape;381;p28"/>
           <p:cNvGraphicFramePr/>
-          <p:nvPr>
-            <p:extLst>
-              <p:ext uri="{D42A27DB-BD31-4B8C-83A1-F6EECF244321}">
-                <p14:modId xmlns:p14="http://schemas.microsoft.com/office/powerpoint/2010/main" val="2321155327"/>
-              </p:ext>
-            </p:extLst>
-          </p:nvPr>
+          <p:nvPr/>
         </p:nvGraphicFramePr>
         <p:xfrm>
           <a:off x="457200" y="1177233"/>
@@ -21173,34 +19889,10 @@
                 <a:noFill/>
               </a:tblPr>
               <a:tblGrid>
-                <a:gridCol w="1841967">
-                  <a:extLst>
-                    <a:ext uri="{9D8B030D-6E8A-4147-A177-3AD203B41FA5}">
-                      <a16:colId xmlns:a16="http://schemas.microsoft.com/office/drawing/2014/main" val="20000"/>
-                    </a:ext>
-                  </a:extLst>
-                </a:gridCol>
-                <a:gridCol w="1978674">
-                  <a:extLst>
-                    <a:ext uri="{9D8B030D-6E8A-4147-A177-3AD203B41FA5}">
-                      <a16:colId xmlns:a16="http://schemas.microsoft.com/office/drawing/2014/main" val="20001"/>
-                    </a:ext>
-                  </a:extLst>
-                </a:gridCol>
-                <a:gridCol w="1810248">
-                  <a:extLst>
-                    <a:ext uri="{9D8B030D-6E8A-4147-A177-3AD203B41FA5}">
-                      <a16:colId xmlns:a16="http://schemas.microsoft.com/office/drawing/2014/main" val="20002"/>
-                    </a:ext>
-                  </a:extLst>
-                </a:gridCol>
-                <a:gridCol w="2571000">
-                  <a:extLst>
-                    <a:ext uri="{9D8B030D-6E8A-4147-A177-3AD203B41FA5}">
-                      <a16:colId xmlns:a16="http://schemas.microsoft.com/office/drawing/2014/main" val="20003"/>
-                    </a:ext>
-                  </a:extLst>
-                </a:gridCol>
+                <a:gridCol w="1841967"/>
+                <a:gridCol w="1978674"/>
+                <a:gridCol w="1810248"/>
+                <a:gridCol w="2571000"/>
               </a:tblGrid>
               <a:tr h="460657">
                 <a:tc>
@@ -21218,7 +19910,7 @@
                         <a:buNone/>
                       </a:pPr>
                       <a:r>
-                        <a:rPr lang="en" sz="1100" b="1" dirty="0"/>
+                        <a:rPr lang="en-GB" sz="1100" b="1" dirty="0"/>
                         <a:t> User Story ID</a:t>
                       </a:r>
                       <a:endParaRPr sz="1100" b="1" dirty="0"/>
@@ -21245,7 +19937,7 @@
                         <a:buNone/>
                       </a:pPr>
                       <a:r>
-                        <a:rPr lang="en" sz="1100" b="1" dirty="0"/>
+                        <a:rPr lang="en-GB" sz="1100" b="1" dirty="0"/>
                         <a:t>As a type of User</a:t>
                       </a:r>
                       <a:endParaRPr sz="1100" b="1" dirty="0"/>
@@ -21272,7 +19964,7 @@
                         <a:buNone/>
                       </a:pPr>
                       <a:r>
-                        <a:rPr lang="en" sz="1100" b="1" dirty="0"/>
+                        <a:rPr lang="en-GB" sz="1100" b="1" dirty="0"/>
                         <a:t>I want to </a:t>
                       </a:r>
                       <a:endParaRPr sz="1100" b="1" dirty="0"/>
@@ -21288,7 +19980,7 @@
                         <a:buNone/>
                       </a:pPr>
                       <a:r>
-                        <a:rPr lang="en" sz="1100" b="1" dirty="0"/>
+                        <a:rPr lang="en-GB" sz="1100" b="1" dirty="0"/>
                         <a:t>&lt;Perform some task&gt;</a:t>
                       </a:r>
                       <a:endParaRPr sz="1100" b="1" dirty="0"/>
@@ -21315,7 +20007,7 @@
                         <a:buNone/>
                       </a:pPr>
                       <a:r>
-                        <a:rPr lang="en" sz="1100" b="1" dirty="0"/>
+                        <a:rPr lang="en-GB" sz="1100" b="1" dirty="0"/>
                         <a:t>So that i can</a:t>
                       </a:r>
                       <a:endParaRPr sz="1100" b="1" dirty="0"/>
@@ -21331,7 +20023,7 @@
                         <a:buNone/>
                       </a:pPr>
                       <a:r>
-                        <a:rPr lang="en" sz="1100" b="1" dirty="0"/>
+                        <a:rPr lang="en-GB" sz="1100" b="1" dirty="0"/>
                         <a:t>&lt;Achieve Some Goal&gt; </a:t>
                       </a:r>
                       <a:endParaRPr sz="1100" b="1" dirty="0"/>
@@ -21343,11 +20035,6 @@
                     </a:solidFill>
                   </a:tcPr>
                 </a:tc>
-                <a:extLst>
-                  <a:ext uri="{0D108BD9-81ED-4DB2-BD59-A6C34878D82A}">
-                    <a16:rowId xmlns:a16="http://schemas.microsoft.com/office/drawing/2014/main" val="10000"/>
-                  </a:ext>
-                </a:extLst>
               </a:tr>
               <a:tr h="741558">
                 <a:tc>
@@ -21365,7 +20052,7 @@
                         <a:buNone/>
                       </a:pPr>
                       <a:r>
-                        <a:rPr lang="en" sz="1100" dirty="0"/>
+                        <a:rPr lang="en-GB" sz="1100" dirty="0"/>
                         <a:t>  8</a:t>
                       </a:r>
                       <a:endParaRPr sz="1100" dirty="0"/>
@@ -21392,7 +20079,7 @@
                         <a:buNone/>
                       </a:pPr>
                       <a:r>
-                        <a:rPr lang="en" sz="1100" dirty="0"/>
+                        <a:rPr lang="en-GB" sz="1100" dirty="0"/>
                         <a:t>USER</a:t>
                       </a:r>
                       <a:endParaRPr sz="1100" dirty="0"/>
@@ -21465,11 +20152,6 @@
                     </a:solidFill>
                   </a:tcPr>
                 </a:tc>
-                <a:extLst>
-                  <a:ext uri="{0D108BD9-81ED-4DB2-BD59-A6C34878D82A}">
-                    <a16:rowId xmlns:a16="http://schemas.microsoft.com/office/drawing/2014/main" val="10001"/>
-                  </a:ext>
-                </a:extLst>
               </a:tr>
               <a:tr h="741558">
                 <a:tc>
@@ -21487,7 +20169,7 @@
                         <a:buNone/>
                       </a:pPr>
                       <a:r>
-                        <a:rPr lang="en" sz="1100" dirty="0"/>
+                        <a:rPr lang="en-GB" sz="1100" dirty="0"/>
                         <a:t> 9</a:t>
                       </a:r>
                       <a:endParaRPr sz="1100" dirty="0"/>
@@ -21514,7 +20196,7 @@
                         <a:buNone/>
                       </a:pPr>
                       <a:r>
-                        <a:rPr lang="en" sz="1100" dirty="0"/>
+                        <a:rPr lang="en-GB" sz="1100" dirty="0"/>
                         <a:t>USER</a:t>
                       </a:r>
                       <a:endParaRPr sz="1100" dirty="0"/>
@@ -21587,11 +20269,6 @@
                     </a:solidFill>
                   </a:tcPr>
                 </a:tc>
-                <a:extLst>
-                  <a:ext uri="{0D108BD9-81ED-4DB2-BD59-A6C34878D82A}">
-                    <a16:rowId xmlns:a16="http://schemas.microsoft.com/office/drawing/2014/main" val="10002"/>
-                  </a:ext>
-                </a:extLst>
               </a:tr>
               <a:tr h="741558">
                 <a:tc>
@@ -21609,7 +20286,7 @@
                         <a:buNone/>
                       </a:pPr>
                       <a:r>
-                        <a:rPr lang="en" sz="1100" dirty="0"/>
+                        <a:rPr lang="en-GB" sz="1100" dirty="0"/>
                         <a:t>10</a:t>
                       </a:r>
                       <a:endParaRPr sz="1100" dirty="0"/>
@@ -21636,7 +20313,7 @@
                         <a:buNone/>
                       </a:pPr>
                       <a:r>
-                        <a:rPr lang="en" sz="1100" dirty="0"/>
+                        <a:rPr lang="en-GB" sz="1100" dirty="0"/>
                         <a:t>USER</a:t>
                       </a:r>
                       <a:endParaRPr sz="1100" dirty="0"/>
@@ -21694,13 +20371,13 @@
                         <a:buSzTx/>
                         <a:buFontTx/>
                         <a:buNone/>
-                        <a:tabLst/>
                         <a:defRPr/>
                       </a:pPr>
                       <a:r>
                         <a:rPr lang="en-US" sz="1100" dirty="0"/>
                         <a:t>reserve a specific vehicle for a defined period</a:t>
                       </a:r>
+                      <a:endParaRPr lang="en-US" sz="1100" dirty="0"/>
                     </a:p>
                     <a:p>
                       <a:pPr marL="0" lvl="0" indent="0" algn="ctr" rtl="0">
@@ -21721,11 +20398,6 @@
                     </a:solidFill>
                   </a:tcPr>
                 </a:tc>
-                <a:extLst>
-                  <a:ext uri="{0D108BD9-81ED-4DB2-BD59-A6C34878D82A}">
-                    <a16:rowId xmlns:a16="http://schemas.microsoft.com/office/drawing/2014/main" val="10003"/>
-                  </a:ext>
-                </a:extLst>
               </a:tr>
               <a:tr h="539309">
                 <a:tc>
@@ -21743,7 +20415,7 @@
                         <a:buNone/>
                       </a:pPr>
                       <a:r>
-                        <a:rPr lang="en" sz="1100" dirty="0"/>
+                        <a:rPr lang="en-GB" sz="1100" dirty="0"/>
                         <a:t>11</a:t>
                       </a:r>
                       <a:endParaRPr sz="1100" dirty="0"/>
@@ -21770,7 +20442,7 @@
                         <a:buNone/>
                       </a:pPr>
                       <a:r>
-                        <a:rPr lang="en" sz="1100" dirty="0"/>
+                        <a:rPr lang="en-GB" sz="1100" dirty="0"/>
                         <a:t>ADMIN</a:t>
                       </a:r>
                       <a:endParaRPr sz="1100" dirty="0"/>
@@ -21836,11 +20508,6 @@
                     </a:solidFill>
                   </a:tcPr>
                 </a:tc>
-                <a:extLst>
-                  <a:ext uri="{0D108BD9-81ED-4DB2-BD59-A6C34878D82A}">
-                    <a16:rowId xmlns:a16="http://schemas.microsoft.com/office/drawing/2014/main" val="10004"/>
-                  </a:ext>
-                </a:extLst>
               </a:tr>
               <a:tr h="741558">
                 <a:tc>
@@ -21858,7 +20525,7 @@
                         <a:buNone/>
                       </a:pPr>
                       <a:r>
-                        <a:rPr lang="en" sz="1100" dirty="0"/>
+                        <a:rPr lang="en-GB" sz="1100" dirty="0"/>
                         <a:t>12</a:t>
                       </a:r>
                       <a:endParaRPr sz="1100" dirty="0"/>
@@ -21885,7 +20552,7 @@
                         <a:buNone/>
                       </a:pPr>
                       <a:r>
-                        <a:rPr lang="en" sz="1100" dirty="0"/>
+                        <a:rPr lang="en-GB" sz="1100" dirty="0"/>
                         <a:t>ADMIN</a:t>
                       </a:r>
                       <a:endParaRPr sz="1100" dirty="0"/>
@@ -21913,6 +20580,7 @@
                         <a:rPr lang="en-IN" sz="1100" dirty="0"/>
                         <a:t>send system-wide notifications</a:t>
                       </a:r>
+                      <a:endParaRPr lang="en-IN" sz="1100" dirty="0"/>
                     </a:p>
                   </a:txBody>
                   <a:tcPr anchor="ctr">
@@ -21942,22 +20610,12 @@
                     </a:solidFill>
                   </a:tcPr>
                 </a:tc>
-                <a:extLst>
-                  <a:ext uri="{0D108BD9-81ED-4DB2-BD59-A6C34878D82A}">
-                    <a16:rowId xmlns:a16="http://schemas.microsoft.com/office/drawing/2014/main" val="10005"/>
-                  </a:ext>
-                </a:extLst>
               </a:tr>
             </a:tbl>
           </a:graphicData>
         </a:graphic>
       </p:graphicFrame>
     </p:spTree>
-    <p:extLst>
-      <p:ext uri="{BB962C8B-B14F-4D97-AF65-F5344CB8AC3E}">
-        <p14:creationId xmlns:p14="http://schemas.microsoft.com/office/powerpoint/2010/main" val="1241546995"/>
-      </p:ext>
-    </p:extLst>
   </p:cSld>
   <p:clrMapOvr>
     <a:masterClrMapping/>
@@ -22001,6 +20659,7 @@
               <a:rPr lang="en-US" dirty="0"/>
               <a:t>PROJECT PLAN</a:t>
             </a:r>
+            <a:endParaRPr lang="en-US" dirty="0"/>
           </a:p>
         </p:txBody>
       </p:sp>
@@ -22063,8 +20722,6 @@
           <a:p>
             <a:fld id="{C65E9355-139B-4FED-8401-A2AF31A8FC31}" type="slidenum">
               <a:rPr lang="en-US" smtClean="0"/>
-              <a:pPr/>
-              <a:t>22</a:t>
             </a:fld>
             <a:endParaRPr lang="en-US" dirty="0"/>
           </a:p>
@@ -22096,6 +20753,7 @@
               <a:rPr lang="en-US" dirty="0"/>
               <a:t>. </a:t>
             </a:r>
+            <a:endParaRPr lang="en-US" dirty="0"/>
           </a:p>
         </p:txBody>
       </p:sp>
@@ -22103,13 +20761,7 @@
         <p:nvGraphicFramePr>
           <p:cNvPr id="7" name="Google Shape;395;p30"/>
           <p:cNvGraphicFramePr/>
-          <p:nvPr>
-            <p:extLst>
-              <p:ext uri="{D42A27DB-BD31-4B8C-83A1-F6EECF244321}">
-                <p14:modId xmlns:p14="http://schemas.microsoft.com/office/powerpoint/2010/main" val="2710015782"/>
-              </p:ext>
-            </p:extLst>
-          </p:nvPr>
+          <p:nvPr/>
         </p:nvGraphicFramePr>
         <p:xfrm>
           <a:off x="519390" y="1249950"/>
@@ -22122,48 +20774,12 @@
                 <a:noFill/>
               </a:tblPr>
               <a:tblGrid>
-                <a:gridCol w="1311235">
-                  <a:extLst>
-                    <a:ext uri="{9D8B030D-6E8A-4147-A177-3AD203B41FA5}">
-                      <a16:colId xmlns:a16="http://schemas.microsoft.com/office/drawing/2014/main" val="20000"/>
-                    </a:ext>
-                  </a:extLst>
-                </a:gridCol>
-                <a:gridCol w="1365693">
-                  <a:extLst>
-                    <a:ext uri="{9D8B030D-6E8A-4147-A177-3AD203B41FA5}">
-                      <a16:colId xmlns:a16="http://schemas.microsoft.com/office/drawing/2014/main" val="20001"/>
-                    </a:ext>
-                  </a:extLst>
-                </a:gridCol>
-                <a:gridCol w="1365693">
-                  <a:extLst>
-                    <a:ext uri="{9D8B030D-6E8A-4147-A177-3AD203B41FA5}">
-                      <a16:colId xmlns:a16="http://schemas.microsoft.com/office/drawing/2014/main" val="20002"/>
-                    </a:ext>
-                  </a:extLst>
-                </a:gridCol>
-                <a:gridCol w="1365693">
-                  <a:extLst>
-                    <a:ext uri="{9D8B030D-6E8A-4147-A177-3AD203B41FA5}">
-                      <a16:colId xmlns:a16="http://schemas.microsoft.com/office/drawing/2014/main" val="20003"/>
-                    </a:ext>
-                  </a:extLst>
-                </a:gridCol>
-                <a:gridCol w="1365693">
-                  <a:extLst>
-                    <a:ext uri="{9D8B030D-6E8A-4147-A177-3AD203B41FA5}">
-                      <a16:colId xmlns:a16="http://schemas.microsoft.com/office/drawing/2014/main" val="20004"/>
-                    </a:ext>
-                  </a:extLst>
-                </a:gridCol>
-                <a:gridCol w="1365693">
-                  <a:extLst>
-                    <a:ext uri="{9D8B030D-6E8A-4147-A177-3AD203B41FA5}">
-                      <a16:colId xmlns:a16="http://schemas.microsoft.com/office/drawing/2014/main" val="20005"/>
-                    </a:ext>
-                  </a:extLst>
-                </a:gridCol>
+                <a:gridCol w="1311235"/>
+                <a:gridCol w="1365693"/>
+                <a:gridCol w="1365693"/>
+                <a:gridCol w="1365693"/>
+                <a:gridCol w="1365693"/>
+                <a:gridCol w="1365693"/>
               </a:tblGrid>
               <a:tr h="469325">
                 <a:tc>
@@ -22181,7 +20797,7 @@
                         <a:buNone/>
                       </a:pPr>
                       <a:r>
-                        <a:rPr lang="en" b="1" dirty="0"/>
+                        <a:rPr lang="en-GB" b="1" dirty="0"/>
                         <a:t>User</a:t>
                       </a:r>
                       <a:endParaRPr b="1" dirty="0"/>
@@ -22197,7 +20813,7 @@
                         <a:buNone/>
                       </a:pPr>
                       <a:r>
-                        <a:rPr lang="en" b="1" dirty="0"/>
+                        <a:rPr lang="en-GB" b="1" dirty="0"/>
                         <a:t>StoryID</a:t>
                       </a:r>
                       <a:endParaRPr b="1" dirty="0"/>
@@ -22224,7 +20840,7 @@
                         <a:buNone/>
                       </a:pPr>
                       <a:r>
-                        <a:rPr lang="en" b="1" dirty="0"/>
+                        <a:rPr lang="en-GB" b="1" dirty="0"/>
                         <a:t>Task Name</a:t>
                       </a:r>
                       <a:endParaRPr b="1" dirty="0"/>
@@ -22251,7 +20867,7 @@
                         <a:buNone/>
                       </a:pPr>
                       <a:r>
-                        <a:rPr lang="en" b="1" dirty="0"/>
+                        <a:rPr lang="en-GB" b="1" dirty="0"/>
                         <a:t>Start Date</a:t>
                       </a:r>
                       <a:endParaRPr b="1" dirty="0"/>
@@ -22278,7 +20894,7 @@
                         <a:buNone/>
                       </a:pPr>
                       <a:r>
-                        <a:rPr lang="en" b="1" dirty="0"/>
+                        <a:rPr lang="en-GB" b="1" dirty="0"/>
                         <a:t>End Date</a:t>
                       </a:r>
                       <a:endParaRPr b="1" dirty="0"/>
@@ -22305,7 +20921,7 @@
                         <a:buNone/>
                       </a:pPr>
                       <a:r>
-                        <a:rPr lang="en" b="1" dirty="0"/>
+                        <a:rPr lang="en-GB" b="1" dirty="0"/>
                         <a:t>   Days </a:t>
                       </a:r>
                       <a:endParaRPr b="1" dirty="0"/>
@@ -22332,7 +20948,7 @@
                         <a:buNone/>
                       </a:pPr>
                       <a:r>
-                        <a:rPr lang="en" b="1" dirty="0"/>
+                        <a:rPr lang="en-GB" b="1" dirty="0"/>
                         <a:t>  Status</a:t>
                       </a:r>
                       <a:endParaRPr b="1" dirty="0"/>
@@ -22344,11 +20960,6 @@
                     </a:solidFill>
                   </a:tcPr>
                 </a:tc>
-                <a:extLst>
-                  <a:ext uri="{0D108BD9-81ED-4DB2-BD59-A6C34878D82A}">
-                    <a16:rowId xmlns:a16="http://schemas.microsoft.com/office/drawing/2014/main" val="10000"/>
-                  </a:ext>
-                </a:extLst>
               </a:tr>
               <a:tr h="404200">
                 <a:tc>
@@ -22366,7 +20977,7 @@
                         <a:buNone/>
                       </a:pPr>
                       <a:r>
-                        <a:rPr lang="en" dirty="0"/>
+                        <a:rPr lang="en-GB" dirty="0"/>
                         <a:t>1</a:t>
                       </a:r>
                       <a:endParaRPr dirty="0"/>
@@ -22393,7 +21004,7 @@
                         <a:buNone/>
                       </a:pPr>
                       <a:r>
-                        <a:rPr lang="en" dirty="0"/>
+                        <a:rPr lang="en-GB" dirty="0"/>
                         <a:t> Sprint 1</a:t>
                       </a:r>
                       <a:endParaRPr dirty="0"/>
@@ -22409,7 +21020,7 @@
                         <a:buNone/>
                       </a:pPr>
                       <a:r>
-                        <a:rPr lang="en" dirty="0"/>
+                        <a:rPr lang="en-GB" dirty="0"/>
                         <a:t>     </a:t>
                       </a:r>
                       <a:endParaRPr dirty="0"/>
@@ -22436,7 +21047,7 @@
                         <a:buNone/>
                       </a:pPr>
                       <a:r>
-                        <a:rPr lang="en" dirty="0"/>
+                        <a:rPr lang="en-GB" dirty="0"/>
                         <a:t>11/09/2025</a:t>
                       </a:r>
                       <a:endParaRPr dirty="0"/>
@@ -22463,7 +21074,7 @@
                         <a:buNone/>
                       </a:pPr>
                       <a:r>
-                        <a:rPr lang="en" dirty="0"/>
+                        <a:rPr lang="en-GB" dirty="0"/>
                         <a:t>17/09/2025</a:t>
                       </a:r>
                       <a:endParaRPr dirty="0"/>
@@ -22490,7 +21101,7 @@
                         <a:buNone/>
                       </a:pPr>
                       <a:r>
-                        <a:rPr lang="en" dirty="0"/>
+                        <a:rPr lang="en-GB" dirty="0"/>
                         <a:t>13</a:t>
                       </a:r>
                       <a:endParaRPr dirty="0"/>
@@ -22529,7 +21140,7 @@
                         <a:buNone/>
                       </a:pPr>
                       <a:r>
-                        <a:rPr lang="en" dirty="0"/>
+                        <a:rPr lang="en-GB" dirty="0"/>
                         <a:t>planned</a:t>
                       </a:r>
                       <a:endParaRPr dirty="0"/>
@@ -22541,11 +21152,6 @@
                     </a:solidFill>
                   </a:tcPr>
                 </a:tc>
-                <a:extLst>
-                  <a:ext uri="{0D108BD9-81ED-4DB2-BD59-A6C34878D82A}">
-                    <a16:rowId xmlns:a16="http://schemas.microsoft.com/office/drawing/2014/main" val="10001"/>
-                  </a:ext>
-                </a:extLst>
               </a:tr>
               <a:tr h="404200">
                 <a:tc>
@@ -22563,7 +21169,7 @@
                         <a:buNone/>
                       </a:pPr>
                       <a:r>
-                        <a:rPr lang="en" dirty="0"/>
+                        <a:rPr lang="en-GB" dirty="0"/>
                         <a:t>2</a:t>
                       </a:r>
                       <a:endParaRPr dirty="0"/>
@@ -22576,13 +21182,6 @@
                   </a:tcPr>
                 </a:tc>
                 <a:tc vMerge="1">
-                  <a:txBody>
-                    <a:bodyPr/>
-                    <a:lstStyle/>
-                    <a:p>
-                      <a:endParaRPr lang="en-US"/>
-                    </a:p>
-                  </a:txBody>
                   <a:tcPr/>
                 </a:tc>
                 <a:tc>
@@ -22600,7 +21199,7 @@
                         <a:buNone/>
                       </a:pPr>
                       <a:r>
-                        <a:rPr lang="en" dirty="0"/>
+                        <a:rPr lang="en-GB" dirty="0"/>
                         <a:t>18/09/2025</a:t>
                       </a:r>
                       <a:endParaRPr dirty="0"/>
@@ -22627,7 +21226,7 @@
                         <a:buNone/>
                       </a:pPr>
                       <a:r>
-                        <a:rPr lang="en" dirty="0"/>
+                        <a:rPr lang="en-GB" dirty="0"/>
                         <a:t>19/09/2025</a:t>
                       </a:r>
                       <a:endParaRPr dirty="0"/>
@@ -22640,13 +21239,6 @@
                   </a:tcPr>
                 </a:tc>
                 <a:tc vMerge="1">
-                  <a:txBody>
-                    <a:bodyPr/>
-                    <a:lstStyle/>
-                    <a:p>
-                      <a:endParaRPr lang="en-US"/>
-                    </a:p>
-                  </a:txBody>
                   <a:tcPr/>
                 </a:tc>
                 <a:tc>
@@ -22664,7 +21256,7 @@
                         <a:buNone/>
                       </a:pPr>
                       <a:r>
-                        <a:rPr lang="en" dirty="0"/>
+                        <a:rPr lang="en-GB" dirty="0"/>
                         <a:t>planned</a:t>
                       </a:r>
                       <a:endParaRPr dirty="0"/>
@@ -22676,11 +21268,6 @@
                     </a:solidFill>
                   </a:tcPr>
                 </a:tc>
-                <a:extLst>
-                  <a:ext uri="{0D108BD9-81ED-4DB2-BD59-A6C34878D82A}">
-                    <a16:rowId xmlns:a16="http://schemas.microsoft.com/office/drawing/2014/main" val="10002"/>
-                  </a:ext>
-                </a:extLst>
               </a:tr>
               <a:tr h="391175">
                 <a:tc>
@@ -22698,7 +21285,7 @@
                         <a:buNone/>
                       </a:pPr>
                       <a:r>
-                        <a:rPr lang="en" dirty="0"/>
+                        <a:rPr lang="en-GB" dirty="0"/>
                         <a:t>4</a:t>
                       </a:r>
                       <a:endParaRPr dirty="0"/>
@@ -22711,13 +21298,6 @@
                   </a:tcPr>
                 </a:tc>
                 <a:tc vMerge="1">
-                  <a:txBody>
-                    <a:bodyPr/>
-                    <a:lstStyle/>
-                    <a:p>
-                      <a:endParaRPr lang="en-US"/>
-                    </a:p>
-                  </a:txBody>
                   <a:tcPr/>
                 </a:tc>
                 <a:tc>
@@ -22735,7 +21315,7 @@
                         <a:buNone/>
                       </a:pPr>
                       <a:r>
-                        <a:rPr lang="en" dirty="0"/>
+                        <a:rPr lang="en-GB" dirty="0"/>
                         <a:t>20/09/2025</a:t>
                       </a:r>
                       <a:endParaRPr dirty="0"/>
@@ -22762,7 +21342,7 @@
                         <a:buNone/>
                       </a:pPr>
                       <a:r>
-                        <a:rPr lang="en" dirty="0"/>
+                        <a:rPr lang="en-GB" dirty="0"/>
                         <a:t>22/09/2025</a:t>
                       </a:r>
                       <a:endParaRPr dirty="0"/>
@@ -22775,13 +21355,6 @@
                   </a:tcPr>
                 </a:tc>
                 <a:tc vMerge="1">
-                  <a:txBody>
-                    <a:bodyPr/>
-                    <a:lstStyle/>
-                    <a:p>
-                      <a:endParaRPr lang="en-US"/>
-                    </a:p>
-                  </a:txBody>
                   <a:tcPr/>
                 </a:tc>
                 <a:tc>
@@ -22799,7 +21372,7 @@
                         <a:buNone/>
                       </a:pPr>
                       <a:r>
-                        <a:rPr lang="en" dirty="0"/>
+                        <a:rPr lang="en-GB" dirty="0"/>
                         <a:t>planned</a:t>
                       </a:r>
                       <a:endParaRPr dirty="0"/>
@@ -22811,11 +21384,6 @@
                     </a:solidFill>
                   </a:tcPr>
                 </a:tc>
-                <a:extLst>
-                  <a:ext uri="{0D108BD9-81ED-4DB2-BD59-A6C34878D82A}">
-                    <a16:rowId xmlns:a16="http://schemas.microsoft.com/office/drawing/2014/main" val="10003"/>
-                  </a:ext>
-                </a:extLst>
               </a:tr>
               <a:tr h="378150">
                 <a:tc>
@@ -22833,7 +21401,7 @@
                         <a:buNone/>
                       </a:pPr>
                       <a:r>
-                        <a:rPr lang="en" dirty="0"/>
+                        <a:rPr lang="en-GB" dirty="0"/>
                         <a:t>3</a:t>
                       </a:r>
                       <a:endParaRPr dirty="0"/>
@@ -22846,13 +21414,6 @@
                   </a:tcPr>
                 </a:tc>
                 <a:tc vMerge="1">
-                  <a:txBody>
-                    <a:bodyPr/>
-                    <a:lstStyle/>
-                    <a:p>
-                      <a:endParaRPr lang="en-US"/>
-                    </a:p>
-                  </a:txBody>
                   <a:tcPr/>
                 </a:tc>
                 <a:tc>
@@ -22870,7 +21431,7 @@
                         <a:buNone/>
                       </a:pPr>
                       <a:r>
-                        <a:rPr lang="en" dirty="0"/>
+                        <a:rPr lang="en-GB" dirty="0"/>
                         <a:t>23/09/2025</a:t>
                       </a:r>
                       <a:endParaRPr dirty="0"/>
@@ -22897,7 +21458,7 @@
                         <a:buNone/>
                       </a:pPr>
                       <a:r>
-                        <a:rPr lang="en" dirty="0"/>
+                        <a:rPr lang="en-GB" dirty="0"/>
                         <a:t>24/09/2025</a:t>
                       </a:r>
                       <a:endParaRPr dirty="0"/>
@@ -22910,13 +21471,6 @@
                   </a:tcPr>
                 </a:tc>
                 <a:tc vMerge="1">
-                  <a:txBody>
-                    <a:bodyPr/>
-                    <a:lstStyle/>
-                    <a:p>
-                      <a:endParaRPr lang="en-US"/>
-                    </a:p>
-                  </a:txBody>
                   <a:tcPr/>
                 </a:tc>
                 <a:tc>
@@ -22934,7 +21488,7 @@
                         <a:buNone/>
                       </a:pPr>
                       <a:r>
-                        <a:rPr lang="en" dirty="0"/>
+                        <a:rPr lang="en-GB" dirty="0"/>
                         <a:t>planned</a:t>
                       </a:r>
                       <a:endParaRPr dirty="0"/>
@@ -22946,11 +21500,6 @@
                     </a:solidFill>
                   </a:tcPr>
                 </a:tc>
-                <a:extLst>
-                  <a:ext uri="{0D108BD9-81ED-4DB2-BD59-A6C34878D82A}">
-                    <a16:rowId xmlns:a16="http://schemas.microsoft.com/office/drawing/2014/main" val="10004"/>
-                  </a:ext>
-                </a:extLst>
               </a:tr>
               <a:tr h="404200">
                 <a:tc>
@@ -22968,7 +21517,7 @@
                         <a:buNone/>
                       </a:pPr>
                       <a:r>
-                        <a:rPr lang="en" dirty="0"/>
+                        <a:rPr lang="en-GB" dirty="0"/>
                         <a:t>1,2</a:t>
                       </a:r>
                       <a:endParaRPr dirty="0"/>
@@ -22981,13 +21530,6 @@
                   </a:tcPr>
                 </a:tc>
                 <a:tc vMerge="1">
-                  <a:txBody>
-                    <a:bodyPr/>
-                    <a:lstStyle/>
-                    <a:p>
-                      <a:endParaRPr lang="en-US"/>
-                    </a:p>
-                  </a:txBody>
                   <a:tcPr/>
                 </a:tc>
                 <a:tc>
@@ -23005,7 +21547,7 @@
                         <a:buNone/>
                       </a:pPr>
                       <a:r>
-                        <a:rPr lang="en" dirty="0"/>
+                        <a:rPr lang="en-GB" dirty="0"/>
                         <a:t>25/09/2025</a:t>
                       </a:r>
                       <a:endParaRPr dirty="0"/>
@@ -23032,7 +21574,7 @@
                         <a:buNone/>
                       </a:pPr>
                       <a:r>
-                        <a:rPr lang="en" dirty="0"/>
+                        <a:rPr lang="en-GB" dirty="0"/>
                         <a:t>27/09/2025</a:t>
                       </a:r>
                       <a:endParaRPr dirty="0"/>
@@ -23045,13 +21587,6 @@
                   </a:tcPr>
                 </a:tc>
                 <a:tc vMerge="1">
-                  <a:txBody>
-                    <a:bodyPr/>
-                    <a:lstStyle/>
-                    <a:p>
-                      <a:endParaRPr lang="en-US"/>
-                    </a:p>
-                  </a:txBody>
                   <a:tcPr/>
                 </a:tc>
                 <a:tc>
@@ -23069,7 +21604,7 @@
                         <a:buNone/>
                       </a:pPr>
                       <a:r>
-                        <a:rPr lang="en" dirty="0"/>
+                        <a:rPr lang="en-GB" dirty="0"/>
                         <a:t>planned</a:t>
                       </a:r>
                       <a:endParaRPr dirty="0"/>
@@ -23081,11 +21616,6 @@
                     </a:solidFill>
                   </a:tcPr>
                 </a:tc>
-                <a:extLst>
-                  <a:ext uri="{0D108BD9-81ED-4DB2-BD59-A6C34878D82A}">
-                    <a16:rowId xmlns:a16="http://schemas.microsoft.com/office/drawing/2014/main" val="10005"/>
-                  </a:ext>
-                </a:extLst>
               </a:tr>
               <a:tr h="352100">
                 <a:tc>
@@ -23103,7 +21633,7 @@
                         <a:buNone/>
                       </a:pPr>
                       <a:r>
-                        <a:rPr lang="en" dirty="0"/>
+                        <a:rPr lang="en-GB" dirty="0"/>
                         <a:t>5</a:t>
                       </a:r>
                       <a:endParaRPr dirty="0"/>
@@ -23130,7 +21660,7 @@
                         <a:buNone/>
                       </a:pPr>
                       <a:r>
-                        <a:rPr lang="en" dirty="0"/>
+                        <a:rPr lang="en-GB" dirty="0"/>
                         <a:t>Sprint 2</a:t>
                       </a:r>
                       <a:endParaRPr dirty="0"/>
@@ -23157,7 +21687,7 @@
                         <a:buNone/>
                       </a:pPr>
                       <a:r>
-                        <a:rPr lang="en" dirty="0"/>
+                        <a:rPr lang="en-GB" dirty="0"/>
                         <a:t>13/09/2025</a:t>
                       </a:r>
                       <a:endParaRPr dirty="0"/>
@@ -23184,7 +21714,7 @@
                         <a:buNone/>
                       </a:pPr>
                       <a:r>
-                        <a:rPr lang="en" dirty="0"/>
+                        <a:rPr lang="en-GB" dirty="0"/>
                         <a:t>23/09/2025</a:t>
                       </a:r>
                       <a:endParaRPr dirty="0"/>
@@ -23211,7 +21741,7 @@
                         <a:buNone/>
                       </a:pPr>
                       <a:r>
-                        <a:rPr lang="en" dirty="0"/>
+                        <a:rPr lang="en-GB" dirty="0"/>
                         <a:t>14</a:t>
                       </a:r>
                       <a:endParaRPr dirty="0"/>
@@ -23250,11 +21780,6 @@
                     </a:solidFill>
                   </a:tcPr>
                 </a:tc>
-                <a:extLst>
-                  <a:ext uri="{0D108BD9-81ED-4DB2-BD59-A6C34878D82A}">
-                    <a16:rowId xmlns:a16="http://schemas.microsoft.com/office/drawing/2014/main" val="10006"/>
-                  </a:ext>
-                </a:extLst>
               </a:tr>
               <a:tr h="417225">
                 <a:tc>
@@ -23272,10 +21797,10 @@
                         <a:buNone/>
                       </a:pPr>
                       <a:r>
-                        <a:rPr lang="en"/>
+                        <a:rPr lang="en-GB"/>
                         <a:t>7</a:t>
                       </a:r>
-                      <a:endParaRPr/>
+                      <a:endParaRPr lang="en-GB"/>
                     </a:p>
                   </a:txBody>
                   <a:tcPr marL="91425" marR="91425" marT="91425" marB="91425" anchor="ctr">
@@ -23285,13 +21810,6 @@
                   </a:tcPr>
                 </a:tc>
                 <a:tc vMerge="1">
-                  <a:txBody>
-                    <a:bodyPr/>
-                    <a:lstStyle/>
-                    <a:p>
-                      <a:endParaRPr lang="en-US"/>
-                    </a:p>
-                  </a:txBody>
                   <a:tcPr/>
                 </a:tc>
                 <a:tc>
@@ -23309,7 +21827,7 @@
                         <a:buNone/>
                       </a:pPr>
                       <a:r>
-                        <a:rPr lang="en" dirty="0"/>
+                        <a:rPr lang="en-GB" dirty="0"/>
                         <a:t>23/09/2025</a:t>
                       </a:r>
                       <a:endParaRPr dirty="0"/>
@@ -23336,7 +21854,7 @@
                         <a:buNone/>
                       </a:pPr>
                       <a:r>
-                        <a:rPr lang="en" dirty="0"/>
+                        <a:rPr lang="en-GB" dirty="0"/>
                         <a:t>24/09/2025</a:t>
                       </a:r>
                       <a:endParaRPr dirty="0"/>
@@ -23349,13 +21867,6 @@
                   </a:tcPr>
                 </a:tc>
                 <a:tc vMerge="1">
-                  <a:txBody>
-                    <a:bodyPr/>
-                    <a:lstStyle/>
-                    <a:p>
-                      <a:endParaRPr lang="en-US"/>
-                    </a:p>
-                  </a:txBody>
                   <a:tcPr/>
                 </a:tc>
                 <a:tc>
@@ -23385,11 +21896,6 @@
                     </a:solidFill>
                   </a:tcPr>
                 </a:tc>
-                <a:extLst>
-                  <a:ext uri="{0D108BD9-81ED-4DB2-BD59-A6C34878D82A}">
-                    <a16:rowId xmlns:a16="http://schemas.microsoft.com/office/drawing/2014/main" val="10007"/>
-                  </a:ext>
-                </a:extLst>
               </a:tr>
               <a:tr h="0">
                 <a:tc>
@@ -23407,7 +21913,7 @@
                         <a:buNone/>
                       </a:pPr>
                       <a:r>
-                        <a:rPr lang="en" dirty="0"/>
+                        <a:rPr lang="en-GB" dirty="0"/>
                         <a:t>8,9</a:t>
                       </a:r>
                       <a:endParaRPr dirty="0"/>
@@ -23420,13 +21926,6 @@
                   </a:tcPr>
                 </a:tc>
                 <a:tc vMerge="1">
-                  <a:txBody>
-                    <a:bodyPr/>
-                    <a:lstStyle/>
-                    <a:p>
-                      <a:endParaRPr lang="en-US"/>
-                    </a:p>
-                  </a:txBody>
                   <a:tcPr/>
                 </a:tc>
                 <a:tc>
@@ -23444,7 +21943,7 @@
                         <a:buNone/>
                       </a:pPr>
                       <a:r>
-                        <a:rPr lang="en" dirty="0"/>
+                        <a:rPr lang="en-GB" dirty="0"/>
                         <a:t>24/09/2025</a:t>
                       </a:r>
                       <a:endParaRPr dirty="0"/>
@@ -23471,7 +21970,7 @@
                         <a:buNone/>
                       </a:pPr>
                       <a:r>
-                        <a:rPr lang="en" dirty="0"/>
+                        <a:rPr lang="en-GB" dirty="0"/>
                         <a:t>29/09/2025</a:t>
                       </a:r>
                       <a:endParaRPr dirty="0"/>
@@ -23484,13 +21983,6 @@
                   </a:tcPr>
                 </a:tc>
                 <a:tc vMerge="1">
-                  <a:txBody>
-                    <a:bodyPr/>
-                    <a:lstStyle/>
-                    <a:p>
-                      <a:endParaRPr lang="en-US"/>
-                    </a:p>
-                  </a:txBody>
                   <a:tcPr/>
                 </a:tc>
                 <a:tc>
@@ -23520,22 +22012,12 @@
                     </a:solidFill>
                   </a:tcPr>
                 </a:tc>
-                <a:extLst>
-                  <a:ext uri="{0D108BD9-81ED-4DB2-BD59-A6C34878D82A}">
-                    <a16:rowId xmlns:a16="http://schemas.microsoft.com/office/drawing/2014/main" val="10008"/>
-                  </a:ext>
-                </a:extLst>
               </a:tr>
             </a:tbl>
           </a:graphicData>
         </a:graphic>
       </p:graphicFrame>
     </p:spTree>
-    <p:extLst>
-      <p:ext uri="{BB962C8B-B14F-4D97-AF65-F5344CB8AC3E}">
-        <p14:creationId xmlns:p14="http://schemas.microsoft.com/office/powerpoint/2010/main" val="3929722202"/>
-      </p:ext>
-    </p:extLst>
   </p:cSld>
   <p:clrMapOvr>
     <a:masterClrMapping/>
@@ -23579,6 +22061,7 @@
               <a:rPr lang="en-US" dirty="0"/>
               <a:t>PROJECT PLAN</a:t>
             </a:r>
+            <a:endParaRPr lang="en-US" dirty="0"/>
           </a:p>
         </p:txBody>
       </p:sp>
@@ -23641,8 +22124,6 @@
           <a:p>
             <a:fld id="{C65E9355-139B-4FED-8401-A2AF31A8FC31}" type="slidenum">
               <a:rPr lang="en-US" smtClean="0"/>
-              <a:pPr/>
-              <a:t>23</a:t>
             </a:fld>
             <a:endParaRPr lang="en-US" dirty="0"/>
           </a:p>
@@ -23652,13 +22133,7 @@
         <p:nvGraphicFramePr>
           <p:cNvPr id="6" name="Google Shape;402;p31"/>
           <p:cNvGraphicFramePr/>
-          <p:nvPr>
-            <p:extLst>
-              <p:ext uri="{D42A27DB-BD31-4B8C-83A1-F6EECF244321}">
-                <p14:modId xmlns:p14="http://schemas.microsoft.com/office/powerpoint/2010/main" val="1692257415"/>
-              </p:ext>
-            </p:extLst>
-          </p:nvPr>
+          <p:nvPr/>
         </p:nvGraphicFramePr>
         <p:xfrm>
           <a:off x="505690" y="1219200"/>
@@ -23671,48 +22146,12 @@
                 <a:noFill/>
               </a:tblPr>
               <a:tblGrid>
-                <a:gridCol w="1345114">
-                  <a:extLst>
-                    <a:ext uri="{9D8B030D-6E8A-4147-A177-3AD203B41FA5}">
-                      <a16:colId xmlns:a16="http://schemas.microsoft.com/office/drawing/2014/main" val="20000"/>
-                    </a:ext>
-                  </a:extLst>
-                </a:gridCol>
-                <a:gridCol w="1358467">
-                  <a:extLst>
-                    <a:ext uri="{9D8B030D-6E8A-4147-A177-3AD203B41FA5}">
-                      <a16:colId xmlns:a16="http://schemas.microsoft.com/office/drawing/2014/main" val="20001"/>
-                    </a:ext>
-                  </a:extLst>
-                </a:gridCol>
-                <a:gridCol w="1358467">
-                  <a:extLst>
-                    <a:ext uri="{9D8B030D-6E8A-4147-A177-3AD203B41FA5}">
-                      <a16:colId xmlns:a16="http://schemas.microsoft.com/office/drawing/2014/main" val="20002"/>
-                    </a:ext>
-                  </a:extLst>
-                </a:gridCol>
-                <a:gridCol w="1358467">
-                  <a:extLst>
-                    <a:ext uri="{9D8B030D-6E8A-4147-A177-3AD203B41FA5}">
-                      <a16:colId xmlns:a16="http://schemas.microsoft.com/office/drawing/2014/main" val="20003"/>
-                    </a:ext>
-                  </a:extLst>
-                </a:gridCol>
-                <a:gridCol w="1388995">
-                  <a:extLst>
-                    <a:ext uri="{9D8B030D-6E8A-4147-A177-3AD203B41FA5}">
-                      <a16:colId xmlns:a16="http://schemas.microsoft.com/office/drawing/2014/main" val="20004"/>
-                    </a:ext>
-                  </a:extLst>
-                </a:gridCol>
-                <a:gridCol w="1327939">
-                  <a:extLst>
-                    <a:ext uri="{9D8B030D-6E8A-4147-A177-3AD203B41FA5}">
-                      <a16:colId xmlns:a16="http://schemas.microsoft.com/office/drawing/2014/main" val="20005"/>
-                    </a:ext>
-                  </a:extLst>
-                </a:gridCol>
+                <a:gridCol w="1345114"/>
+                <a:gridCol w="1358467"/>
+                <a:gridCol w="1358467"/>
+                <a:gridCol w="1358467"/>
+                <a:gridCol w="1388995"/>
+                <a:gridCol w="1327939"/>
               </a:tblGrid>
               <a:tr h="750846">
                 <a:tc>
@@ -23730,7 +22169,7 @@
                         <a:buNone/>
                       </a:pPr>
                       <a:r>
-                        <a:rPr lang="en" b="1" dirty="0"/>
+                        <a:rPr lang="en-GB" b="1" dirty="0"/>
                         <a:t>User</a:t>
                       </a:r>
                       <a:endParaRPr b="1" dirty="0"/>
@@ -23746,7 +22185,7 @@
                         <a:buNone/>
                       </a:pPr>
                       <a:r>
-                        <a:rPr lang="en" b="1" dirty="0"/>
+                        <a:rPr lang="en-GB" b="1" dirty="0"/>
                         <a:t>StoryID</a:t>
                       </a:r>
                       <a:endParaRPr b="1" dirty="0"/>
@@ -23809,7 +22248,7 @@
                         <a:buNone/>
                       </a:pPr>
                       <a:r>
-                        <a:rPr lang="en" b="1"/>
+                        <a:rPr lang="en-GB" b="1"/>
                         <a:t>Task Name</a:t>
                       </a:r>
                       <a:endParaRPr b="1"/>
@@ -23872,7 +22311,7 @@
                         <a:buNone/>
                       </a:pPr>
                       <a:r>
-                        <a:rPr lang="en" b="1"/>
+                        <a:rPr lang="en-GB" b="1"/>
                         <a:t>Start Date</a:t>
                       </a:r>
                       <a:endParaRPr b="1"/>
@@ -23935,7 +22374,7 @@
                         <a:buNone/>
                       </a:pPr>
                       <a:r>
-                        <a:rPr lang="en" b="1"/>
+                        <a:rPr lang="en-GB" b="1"/>
                         <a:t>End Date</a:t>
                       </a:r>
                       <a:endParaRPr b="1"/>
@@ -23998,7 +22437,7 @@
                         <a:buNone/>
                       </a:pPr>
                       <a:r>
-                        <a:rPr lang="en" b="1"/>
+                        <a:rPr lang="en-GB" b="1"/>
                         <a:t>   Days </a:t>
                       </a:r>
                       <a:endParaRPr b="1"/>
@@ -24061,7 +22500,7 @@
                         <a:buNone/>
                       </a:pPr>
                       <a:r>
-                        <a:rPr lang="en" b="1"/>
+                        <a:rPr lang="en-GB" b="1"/>
                         <a:t>  Status</a:t>
                       </a:r>
                       <a:endParaRPr b="1"/>
@@ -24109,11 +22548,6 @@
                     </a:solidFill>
                   </a:tcPr>
                 </a:tc>
-                <a:extLst>
-                  <a:ext uri="{0D108BD9-81ED-4DB2-BD59-A6C34878D82A}">
-                    <a16:rowId xmlns:a16="http://schemas.microsoft.com/office/drawing/2014/main" val="10000"/>
-                  </a:ext>
-                </a:extLst>
               </a:tr>
               <a:tr h="591787">
                 <a:tc>
@@ -24131,7 +22565,7 @@
                         <a:buNone/>
                       </a:pPr>
                       <a:r>
-                        <a:rPr lang="en" dirty="0"/>
+                        <a:rPr lang="en-GB" dirty="0"/>
                         <a:t>10</a:t>
                       </a:r>
                       <a:endParaRPr dirty="0"/>
@@ -24194,7 +22628,7 @@
                         <a:buNone/>
                       </a:pPr>
                       <a:r>
-                        <a:rPr lang="en" dirty="0"/>
+                        <a:rPr lang="en-GB" dirty="0"/>
                         <a:t>SPRINT 3</a:t>
                       </a:r>
                       <a:endParaRPr dirty="0"/>
@@ -24257,7 +22691,7 @@
                         <a:buNone/>
                       </a:pPr>
                       <a:r>
-                        <a:rPr lang="en" dirty="0"/>
+                        <a:rPr lang="en-GB" dirty="0"/>
                         <a:t>27/8/2025</a:t>
                       </a:r>
                       <a:endParaRPr dirty="0"/>
@@ -24320,7 +22754,7 @@
                         <a:buNone/>
                       </a:pPr>
                       <a:r>
-                        <a:rPr lang="en" dirty="0"/>
+                        <a:rPr lang="en-GB" dirty="0"/>
                         <a:t>28/8/2025</a:t>
                       </a:r>
                       <a:endParaRPr dirty="0"/>
@@ -24383,7 +22817,7 @@
                         <a:buNone/>
                       </a:pPr>
                       <a:r>
-                        <a:rPr lang="en" dirty="0"/>
+                        <a:rPr lang="en-GB" dirty="0"/>
                         <a:t>  15</a:t>
                       </a:r>
                       <a:endParaRPr dirty="0"/>
@@ -24494,11 +22928,6 @@
                     </a:solidFill>
                   </a:tcPr>
                 </a:tc>
-                <a:extLst>
-                  <a:ext uri="{0D108BD9-81ED-4DB2-BD59-A6C34878D82A}">
-                    <a16:rowId xmlns:a16="http://schemas.microsoft.com/office/drawing/2014/main" val="10001"/>
-                  </a:ext>
-                </a:extLst>
               </a:tr>
               <a:tr h="591787">
                 <a:tc>
@@ -24516,7 +22945,7 @@
                         <a:buNone/>
                       </a:pPr>
                       <a:r>
-                        <a:rPr lang="en" dirty="0"/>
+                        <a:rPr lang="en-GB" dirty="0"/>
                         <a:t>11</a:t>
                       </a:r>
                       <a:endParaRPr dirty="0"/>
@@ -24565,13 +22994,6 @@
                   </a:tcPr>
                 </a:tc>
                 <a:tc vMerge="1">
-                  <a:txBody>
-                    <a:bodyPr/>
-                    <a:lstStyle/>
-                    <a:p>
-                      <a:endParaRPr lang="en-US"/>
-                    </a:p>
-                  </a:txBody>
                   <a:tcPr/>
                 </a:tc>
                 <a:tc>
@@ -24589,7 +23011,7 @@
                         <a:buNone/>
                       </a:pPr>
                       <a:r>
-                        <a:rPr lang="en" dirty="0"/>
+                        <a:rPr lang="en-GB" dirty="0"/>
                         <a:t>28/8/2025</a:t>
                       </a:r>
                       <a:endParaRPr dirty="0"/>
@@ -24652,7 +23074,7 @@
                         <a:buNone/>
                       </a:pPr>
                       <a:r>
-                        <a:rPr lang="en" dirty="0"/>
+                        <a:rPr lang="en-GB" dirty="0"/>
                         <a:t>29/8/2025</a:t>
                       </a:r>
                       <a:endParaRPr dirty="0"/>
@@ -24701,13 +23123,6 @@
                   </a:tcPr>
                 </a:tc>
                 <a:tc vMerge="1">
-                  <a:txBody>
-                    <a:bodyPr/>
-                    <a:lstStyle/>
-                    <a:p>
-                      <a:endParaRPr lang="en-US"/>
-                    </a:p>
-                  </a:txBody>
                   <a:tcPr/>
                 </a:tc>
                 <a:tc>
@@ -24773,11 +23188,6 @@
                     </a:solidFill>
                   </a:tcPr>
                 </a:tc>
-                <a:extLst>
-                  <a:ext uri="{0D108BD9-81ED-4DB2-BD59-A6C34878D82A}">
-                    <a16:rowId xmlns:a16="http://schemas.microsoft.com/office/drawing/2014/main" val="10002"/>
-                  </a:ext>
-                </a:extLst>
               </a:tr>
               <a:tr h="591787">
                 <a:tc>
@@ -24795,7 +23205,7 @@
                         <a:buNone/>
                       </a:pPr>
                       <a:r>
-                        <a:rPr lang="en" dirty="0"/>
+                        <a:rPr lang="en-GB" dirty="0"/>
                         <a:t>12,13</a:t>
                       </a:r>
                       <a:endParaRPr dirty="0"/>
@@ -24844,13 +23254,6 @@
                   </a:tcPr>
                 </a:tc>
                 <a:tc vMerge="1">
-                  <a:txBody>
-                    <a:bodyPr/>
-                    <a:lstStyle/>
-                    <a:p>
-                      <a:endParaRPr lang="en-US"/>
-                    </a:p>
-                  </a:txBody>
                   <a:tcPr/>
                 </a:tc>
                 <a:tc>
@@ -24868,7 +23271,7 @@
                         <a:buNone/>
                       </a:pPr>
                       <a:r>
-                        <a:rPr lang="en" dirty="0"/>
+                        <a:rPr lang="en-GB" dirty="0"/>
                         <a:t>29/10/2025</a:t>
                       </a:r>
                       <a:endParaRPr dirty="0"/>
@@ -24931,7 +23334,7 @@
                         <a:buNone/>
                       </a:pPr>
                       <a:r>
-                        <a:rPr lang="en" dirty="0"/>
+                        <a:rPr lang="en-GB" dirty="0"/>
                         <a:t>30/10/2025</a:t>
                       </a:r>
                       <a:endParaRPr dirty="0"/>
@@ -24980,13 +23383,6 @@
                   </a:tcPr>
                 </a:tc>
                 <a:tc vMerge="1">
-                  <a:txBody>
-                    <a:bodyPr/>
-                    <a:lstStyle/>
-                    <a:p>
-                      <a:endParaRPr lang="en-US"/>
-                    </a:p>
-                  </a:txBody>
                   <a:tcPr/>
                 </a:tc>
                 <a:tc>
@@ -25052,11 +23448,6 @@
                     </a:solidFill>
                   </a:tcPr>
                 </a:tc>
-                <a:extLst>
-                  <a:ext uri="{0D108BD9-81ED-4DB2-BD59-A6C34878D82A}">
-                    <a16:rowId xmlns:a16="http://schemas.microsoft.com/office/drawing/2014/main" val="10003"/>
-                  </a:ext>
-                </a:extLst>
               </a:tr>
               <a:tr h="591787">
                 <a:tc>
@@ -25074,7 +23465,7 @@
                         <a:buNone/>
                       </a:pPr>
                       <a:r>
-                        <a:rPr lang="en" dirty="0"/>
+                        <a:rPr lang="en-GB" dirty="0"/>
                         <a:t>15</a:t>
                       </a:r>
                       <a:endParaRPr dirty="0"/>
@@ -25137,7 +23528,7 @@
                         <a:buNone/>
                       </a:pPr>
                       <a:r>
-                        <a:rPr lang="en" dirty="0"/>
+                        <a:rPr lang="en-GB" dirty="0"/>
                         <a:t>SPRINT 4</a:t>
                       </a:r>
                       <a:endParaRPr dirty="0"/>
@@ -25200,7 +23591,7 @@
                         <a:buNone/>
                       </a:pPr>
                       <a:r>
-                        <a:rPr lang="en" dirty="0"/>
+                        <a:rPr lang="en-GB" dirty="0"/>
                         <a:t>28/09/2025</a:t>
                       </a:r>
                       <a:endParaRPr dirty="0"/>
@@ -25263,7 +23654,7 @@
                         <a:buNone/>
                       </a:pPr>
                       <a:r>
-                        <a:rPr lang="en" dirty="0"/>
+                        <a:rPr lang="en-GB" dirty="0"/>
                         <a:t>1/10/2025</a:t>
                       </a:r>
                       <a:endParaRPr dirty="0"/>
@@ -25326,7 +23717,7 @@
                         <a:buNone/>
                       </a:pPr>
                       <a:r>
-                        <a:rPr lang="en" dirty="0"/>
+                        <a:rPr lang="en-GB" dirty="0"/>
                         <a:t>14</a:t>
                       </a:r>
                       <a:endParaRPr dirty="0"/>
@@ -25437,11 +23828,6 @@
                     </a:solidFill>
                   </a:tcPr>
                 </a:tc>
-                <a:extLst>
-                  <a:ext uri="{0D108BD9-81ED-4DB2-BD59-A6C34878D82A}">
-                    <a16:rowId xmlns:a16="http://schemas.microsoft.com/office/drawing/2014/main" val="10004"/>
-                  </a:ext>
-                </a:extLst>
               </a:tr>
               <a:tr h="591787">
                 <a:tc>
@@ -25459,7 +23845,7 @@
                         <a:buNone/>
                       </a:pPr>
                       <a:r>
-                        <a:rPr lang="en" dirty="0"/>
+                        <a:rPr lang="en-GB" dirty="0"/>
                         <a:t>4,6</a:t>
                       </a:r>
                       <a:endParaRPr dirty="0"/>
@@ -25508,13 +23894,6 @@
                   </a:tcPr>
                 </a:tc>
                 <a:tc vMerge="1">
-                  <a:txBody>
-                    <a:bodyPr/>
-                    <a:lstStyle/>
-                    <a:p>
-                      <a:endParaRPr lang="en-US"/>
-                    </a:p>
-                  </a:txBody>
                   <a:tcPr/>
                 </a:tc>
                 <a:tc>
@@ -25532,7 +23911,7 @@
                         <a:buNone/>
                       </a:pPr>
                       <a:r>
-                        <a:rPr lang="en" dirty="0"/>
+                        <a:rPr lang="en-GB" dirty="0"/>
                         <a:t>2/10/2025</a:t>
                       </a:r>
                       <a:endParaRPr dirty="0"/>
@@ -25595,7 +23974,7 @@
                         <a:buNone/>
                       </a:pPr>
                       <a:r>
-                        <a:rPr lang="en" dirty="0"/>
+                        <a:rPr lang="en-GB" dirty="0"/>
                         <a:t>5/10/2025</a:t>
                       </a:r>
                       <a:endParaRPr dirty="0"/>
@@ -25644,13 +24023,6 @@
                   </a:tcPr>
                 </a:tc>
                 <a:tc vMerge="1">
-                  <a:txBody>
-                    <a:bodyPr/>
-                    <a:lstStyle/>
-                    <a:p>
-                      <a:endParaRPr lang="en-US"/>
-                    </a:p>
-                  </a:txBody>
                   <a:tcPr/>
                 </a:tc>
                 <a:tc>
@@ -25716,11 +24088,6 @@
                     </a:solidFill>
                   </a:tcPr>
                 </a:tc>
-                <a:extLst>
-                  <a:ext uri="{0D108BD9-81ED-4DB2-BD59-A6C34878D82A}">
-                    <a16:rowId xmlns:a16="http://schemas.microsoft.com/office/drawing/2014/main" val="10005"/>
-                  </a:ext>
-                </a:extLst>
               </a:tr>
               <a:tr h="591787">
                 <a:tc>
@@ -25738,7 +24105,7 @@
                         <a:buNone/>
                       </a:pPr>
                       <a:r>
-                        <a:rPr lang="en" dirty="0"/>
+                        <a:rPr lang="en-GB" dirty="0"/>
                         <a:t>14,16</a:t>
                       </a:r>
                       <a:endParaRPr dirty="0"/>
@@ -25787,13 +24154,6 @@
                   </a:tcPr>
                 </a:tc>
                 <a:tc vMerge="1">
-                  <a:txBody>
-                    <a:bodyPr/>
-                    <a:lstStyle/>
-                    <a:p>
-                      <a:endParaRPr lang="en-US"/>
-                    </a:p>
-                  </a:txBody>
                   <a:tcPr/>
                 </a:tc>
                 <a:tc>
@@ -25811,7 +24171,7 @@
                         <a:buNone/>
                       </a:pPr>
                       <a:r>
-                        <a:rPr lang="en" dirty="0"/>
+                        <a:rPr lang="en-GB" dirty="0"/>
                         <a:t>6/10/2025</a:t>
                       </a:r>
                       <a:endParaRPr dirty="0"/>
@@ -25874,7 +24234,7 @@
                         <a:buNone/>
                       </a:pPr>
                       <a:r>
-                        <a:rPr lang="en" dirty="0"/>
+                        <a:rPr lang="en-GB" dirty="0"/>
                         <a:t>10/10/2025</a:t>
                       </a:r>
                       <a:endParaRPr dirty="0"/>
@@ -25923,13 +24283,6 @@
                   </a:tcPr>
                 </a:tc>
                 <a:tc vMerge="1">
-                  <a:txBody>
-                    <a:bodyPr/>
-                    <a:lstStyle/>
-                    <a:p>
-                      <a:endParaRPr lang="en-US"/>
-                    </a:p>
-                  </a:txBody>
                   <a:tcPr/>
                 </a:tc>
                 <a:tc>
@@ -25995,22 +24348,12 @@
                     </a:solidFill>
                   </a:tcPr>
                 </a:tc>
-                <a:extLst>
-                  <a:ext uri="{0D108BD9-81ED-4DB2-BD59-A6C34878D82A}">
-                    <a16:rowId xmlns:a16="http://schemas.microsoft.com/office/drawing/2014/main" val="10006"/>
-                  </a:ext>
-                </a:extLst>
               </a:tr>
             </a:tbl>
           </a:graphicData>
         </a:graphic>
       </p:graphicFrame>
     </p:spTree>
-    <p:extLst>
-      <p:ext uri="{BB962C8B-B14F-4D97-AF65-F5344CB8AC3E}">
-        <p14:creationId xmlns:p14="http://schemas.microsoft.com/office/powerpoint/2010/main" val="3560652123"/>
-      </p:ext>
-    </p:extLst>
   </p:cSld>
   <p:clrMapOvr>
     <a:masterClrMapping/>
@@ -26054,6 +24397,7 @@
               <a:rPr lang="en-US" dirty="0"/>
               <a:t>DATA FLOW DIAGRAM</a:t>
             </a:r>
+            <a:endParaRPr lang="en-US" dirty="0"/>
           </a:p>
         </p:txBody>
       </p:sp>
@@ -26076,6 +24420,7 @@
               <a:rPr lang="en-US" dirty="0"/>
               <a:t>LEVEL 0</a:t>
             </a:r>
+            <a:endParaRPr lang="en-US" dirty="0"/>
           </a:p>
         </p:txBody>
       </p:sp>
@@ -26119,8 +24464,6 @@
           <a:p>
             <a:fld id="{C65E9355-139B-4FED-8401-A2AF31A8FC31}" type="slidenum">
               <a:rPr lang="en-US" smtClean="0"/>
-              <a:pPr/>
-              <a:t>24</a:t>
             </a:fld>
             <a:endParaRPr lang="en-US" dirty="0"/>
           </a:p>
@@ -26133,7 +24476,7 @@
           <p:nvPr/>
         </p:nvPicPr>
         <p:blipFill>
-          <a:blip r:embed="rId2">
+          <a:blip r:embed="rId1">
             <a:extLst>
               <a:ext uri="{28A0092B-C50C-407E-A947-70E740481C1C}">
                 <a14:useLocalDpi xmlns:a14="http://schemas.microsoft.com/office/drawing/2010/main" val="0"/>
@@ -26185,15 +24528,11 @@
               <a:rPr lang="en-US" dirty="0"/>
               <a:t>The figure given above is for reference only. Create a figure with your data. </a:t>
             </a:r>
+            <a:endParaRPr lang="en-US" dirty="0"/>
           </a:p>
         </p:txBody>
       </p:sp>
     </p:spTree>
-    <p:extLst>
-      <p:ext uri="{BB962C8B-B14F-4D97-AF65-F5344CB8AC3E}">
-        <p14:creationId xmlns:p14="http://schemas.microsoft.com/office/powerpoint/2010/main" val="2943013317"/>
-      </p:ext>
-    </p:extLst>
   </p:cSld>
   <p:clrMapOvr>
     <a:masterClrMapping/>
@@ -26237,6 +24576,7 @@
               <a:rPr lang="en-US" dirty="0"/>
               <a:t>DATA FLOW DIAGRAM</a:t>
             </a:r>
+            <a:endParaRPr lang="en-US" dirty="0"/>
           </a:p>
         </p:txBody>
       </p:sp>
@@ -26259,6 +24599,7 @@
               <a:rPr lang="en-US" dirty="0"/>
               <a:t>Level 1</a:t>
             </a:r>
+            <a:endParaRPr lang="en-US" dirty="0"/>
           </a:p>
         </p:txBody>
       </p:sp>
@@ -26302,8 +24643,6 @@
           <a:p>
             <a:fld id="{C65E9355-139B-4FED-8401-A2AF31A8FC31}" type="slidenum">
               <a:rPr lang="en-US" smtClean="0"/>
-              <a:pPr/>
-              <a:t>25</a:t>
             </a:fld>
             <a:endParaRPr lang="en-US" dirty="0"/>
           </a:p>
@@ -26316,7 +24655,7 @@
           <p:nvPr/>
         </p:nvPicPr>
         <p:blipFill>
-          <a:blip r:embed="rId2">
+          <a:blip r:embed="rId1">
             <a:extLst>
               <a:ext uri="{28A0092B-C50C-407E-A947-70E740481C1C}">
                 <a14:useLocalDpi xmlns:a14="http://schemas.microsoft.com/office/drawing/2010/main" val="0"/>
@@ -26324,7 +24663,9 @@
             </a:extLst>
           </a:blip>
           <a:srcRect/>
-          <a:stretch/>
+          <a:stretch>
+            <a:fillRect/>
+          </a:stretch>
         </p:blipFill>
         <p:spPr>
           <a:xfrm>
@@ -26367,15 +24708,11 @@
               <a:rPr lang="en-US" dirty="0"/>
               <a:t> </a:t>
             </a:r>
+            <a:endParaRPr lang="en-US" dirty="0"/>
           </a:p>
         </p:txBody>
       </p:sp>
     </p:spTree>
-    <p:extLst>
-      <p:ext uri="{BB962C8B-B14F-4D97-AF65-F5344CB8AC3E}">
-        <p14:creationId xmlns:p14="http://schemas.microsoft.com/office/powerpoint/2010/main" val="354542763"/>
-      </p:ext>
-    </p:extLst>
   </p:cSld>
   <p:clrMapOvr>
     <a:masterClrMapping/>
@@ -26419,6 +24756,7 @@
               <a:rPr lang="en-US" dirty="0"/>
               <a:t>DATA FLOW DIAGRAM</a:t>
             </a:r>
+            <a:endParaRPr lang="en-US" dirty="0"/>
           </a:p>
         </p:txBody>
       </p:sp>
@@ -26441,6 +24779,7 @@
               <a:rPr lang="en-US" dirty="0"/>
               <a:t>Level 1.1</a:t>
             </a:r>
+            <a:endParaRPr lang="en-US" dirty="0"/>
           </a:p>
         </p:txBody>
       </p:sp>
@@ -26484,8 +24823,6 @@
           <a:p>
             <a:fld id="{C65E9355-139B-4FED-8401-A2AF31A8FC31}" type="slidenum">
               <a:rPr lang="en-US" smtClean="0"/>
-              <a:pPr/>
-              <a:t>26</a:t>
             </a:fld>
             <a:endParaRPr lang="en-US" dirty="0"/>
           </a:p>
@@ -26498,7 +24835,7 @@
           <p:nvPr/>
         </p:nvPicPr>
         <p:blipFill>
-          <a:blip r:embed="rId2">
+          <a:blip r:embed="rId1">
             <a:extLst>
               <a:ext uri="{28A0092B-C50C-407E-A947-70E740481C1C}">
                 <a14:useLocalDpi xmlns:a14="http://schemas.microsoft.com/office/drawing/2010/main" val="0"/>
@@ -26506,7 +24843,9 @@
             </a:extLst>
           </a:blip>
           <a:srcRect/>
-          <a:stretch/>
+          <a:stretch>
+            <a:fillRect/>
+          </a:stretch>
         </p:blipFill>
         <p:spPr>
           <a:xfrm>
@@ -26523,11 +24862,6 @@
         </p:spPr>
       </p:pic>
     </p:spTree>
-    <p:extLst>
-      <p:ext uri="{BB962C8B-B14F-4D97-AF65-F5344CB8AC3E}">
-        <p14:creationId xmlns:p14="http://schemas.microsoft.com/office/powerpoint/2010/main" val="2305161154"/>
-      </p:ext>
-    </p:extLst>
   </p:cSld>
   <p:clrMapOvr>
     <a:masterClrMapping/>
@@ -26554,13 +24888,7 @@
       </p:grpSpPr>
       <p:sp>
         <p:nvSpPr>
-          <p:cNvPr id="2" name="Title 1">
-            <a:extLst>
-              <a:ext uri="{FF2B5EF4-FFF2-40B4-BE49-F238E27FC236}">
-                <a16:creationId xmlns:a16="http://schemas.microsoft.com/office/drawing/2014/main" id="{28E53317-CBB3-A311-E3DF-2A93FD614CC6}"/>
-              </a:ext>
-            </a:extLst>
-          </p:cNvPr>
+          <p:cNvPr id="2" name="Title 1"/>
           <p:cNvSpPr>
             <a:spLocks noGrp="1"/>
           </p:cNvSpPr>
@@ -26583,13 +24911,7 @@
       </p:sp>
       <p:sp>
         <p:nvSpPr>
-          <p:cNvPr id="3" name="Content Placeholder 2">
-            <a:extLst>
-              <a:ext uri="{FF2B5EF4-FFF2-40B4-BE49-F238E27FC236}">
-                <a16:creationId xmlns:a16="http://schemas.microsoft.com/office/drawing/2014/main" id="{B0035452-C915-7D3F-0B5E-1174C32DC61E}"/>
-              </a:ext>
-            </a:extLst>
-          </p:cNvPr>
+          <p:cNvPr id="3" name="Content Placeholder 2"/>
           <p:cNvSpPr>
             <a:spLocks noGrp="1"/>
           </p:cNvSpPr>
@@ -26606,6 +24928,7 @@
               <a:rPr lang="en-IN" dirty="0"/>
               <a:t>Level 1.2</a:t>
             </a:r>
+            <a:endParaRPr lang="en-IN" dirty="0"/>
           </a:p>
           <a:p>
             <a:pPr marL="0" indent="0">
@@ -26617,13 +24940,7 @@
       </p:sp>
       <p:sp>
         <p:nvSpPr>
-          <p:cNvPr id="4" name="Footer Placeholder 3">
-            <a:extLst>
-              <a:ext uri="{FF2B5EF4-FFF2-40B4-BE49-F238E27FC236}">
-                <a16:creationId xmlns:a16="http://schemas.microsoft.com/office/drawing/2014/main" id="{0C1A2A79-E373-B7F9-4E34-2A93D0124C42}"/>
-              </a:ext>
-            </a:extLst>
-          </p:cNvPr>
+          <p:cNvPr id="4" name="Footer Placeholder 3"/>
           <p:cNvSpPr>
             <a:spLocks noGrp="1"/>
           </p:cNvSpPr>
@@ -26646,13 +24963,7 @@
       </p:sp>
       <p:sp>
         <p:nvSpPr>
-          <p:cNvPr id="5" name="Slide Number Placeholder 4">
-            <a:extLst>
-              <a:ext uri="{FF2B5EF4-FFF2-40B4-BE49-F238E27FC236}">
-                <a16:creationId xmlns:a16="http://schemas.microsoft.com/office/drawing/2014/main" id="{CFABE0C8-9237-1795-6319-F253E54B411A}"/>
-              </a:ext>
-            </a:extLst>
-          </p:cNvPr>
+          <p:cNvPr id="5" name="Slide Number Placeholder 4"/>
           <p:cNvSpPr>
             <a:spLocks noGrp="1"/>
           </p:cNvSpPr>
@@ -26667,8 +24978,6 @@
           <a:p>
             <a:fld id="{C65E9355-139B-4FED-8401-A2AF31A8FC31}" type="slidenum">
               <a:rPr lang="en-US" smtClean="0"/>
-              <a:pPr/>
-              <a:t>27</a:t>
             </a:fld>
             <a:endParaRPr lang="en-US" dirty="0"/>
           </a:p>
@@ -26676,20 +24985,14 @@
       </p:sp>
       <p:pic>
         <p:nvPicPr>
-          <p:cNvPr id="11" name="Picture 10">
-            <a:extLst>
-              <a:ext uri="{FF2B5EF4-FFF2-40B4-BE49-F238E27FC236}">
-                <a16:creationId xmlns:a16="http://schemas.microsoft.com/office/drawing/2014/main" id="{19FFB4D6-6AFF-06E3-328D-94E68ED7F3F5}"/>
-              </a:ext>
-            </a:extLst>
-          </p:cNvPr>
+          <p:cNvPr id="11" name="Picture 10"/>
           <p:cNvPicPr>
             <a:picLocks noChangeAspect="1"/>
           </p:cNvPicPr>
           <p:nvPr/>
         </p:nvPicPr>
         <p:blipFill>
-          <a:blip r:embed="rId2">
+          <a:blip r:embed="rId1">
             <a:extLst>
               <a:ext uri="{28A0092B-C50C-407E-A947-70E740481C1C}">
                 <a14:useLocalDpi xmlns:a14="http://schemas.microsoft.com/office/drawing/2010/main" val="0"/>
@@ -26711,11 +25014,6 @@
         </p:spPr>
       </p:pic>
     </p:spTree>
-    <p:extLst>
-      <p:ext uri="{BB962C8B-B14F-4D97-AF65-F5344CB8AC3E}">
-        <p14:creationId xmlns:p14="http://schemas.microsoft.com/office/powerpoint/2010/main" val="2336234633"/>
-      </p:ext>
-    </p:extLst>
   </p:cSld>
   <p:clrMapOvr>
     <a:masterClrMapping/>
@@ -26742,13 +25040,7 @@
       </p:grpSpPr>
       <p:sp>
         <p:nvSpPr>
-          <p:cNvPr id="2" name="Title 1">
-            <a:extLst>
-              <a:ext uri="{FF2B5EF4-FFF2-40B4-BE49-F238E27FC236}">
-                <a16:creationId xmlns:a16="http://schemas.microsoft.com/office/drawing/2014/main" id="{1C0D4081-0CF8-0457-C742-BC303360581B}"/>
-              </a:ext>
-            </a:extLst>
-          </p:cNvPr>
+          <p:cNvPr id="2" name="Title 1"/>
           <p:cNvSpPr>
             <a:spLocks noGrp="1"/>
           </p:cNvSpPr>
@@ -26771,13 +25063,7 @@
       </p:sp>
       <p:sp>
         <p:nvSpPr>
-          <p:cNvPr id="3" name="Content Placeholder 2">
-            <a:extLst>
-              <a:ext uri="{FF2B5EF4-FFF2-40B4-BE49-F238E27FC236}">
-                <a16:creationId xmlns:a16="http://schemas.microsoft.com/office/drawing/2014/main" id="{02B3ACC9-1616-FBC7-529C-5303DC175E21}"/>
-              </a:ext>
-            </a:extLst>
-          </p:cNvPr>
+          <p:cNvPr id="3" name="Content Placeholder 2"/>
           <p:cNvSpPr>
             <a:spLocks noGrp="1"/>
           </p:cNvSpPr>
@@ -26794,18 +25080,13 @@
               <a:rPr lang="en-IN" dirty="0"/>
               <a:t>Level 1.3</a:t>
             </a:r>
+            <a:endParaRPr lang="en-IN" dirty="0"/>
           </a:p>
         </p:txBody>
       </p:sp>
       <p:sp>
         <p:nvSpPr>
-          <p:cNvPr id="4" name="Footer Placeholder 3">
-            <a:extLst>
-              <a:ext uri="{FF2B5EF4-FFF2-40B4-BE49-F238E27FC236}">
-                <a16:creationId xmlns:a16="http://schemas.microsoft.com/office/drawing/2014/main" id="{67DB6548-5132-1237-3B97-7778CB773EED}"/>
-              </a:ext>
-            </a:extLst>
-          </p:cNvPr>
+          <p:cNvPr id="4" name="Footer Placeholder 3"/>
           <p:cNvSpPr>
             <a:spLocks noGrp="1"/>
           </p:cNvSpPr>
@@ -26828,13 +25109,7 @@
       </p:sp>
       <p:sp>
         <p:nvSpPr>
-          <p:cNvPr id="5" name="Slide Number Placeholder 4">
-            <a:extLst>
-              <a:ext uri="{FF2B5EF4-FFF2-40B4-BE49-F238E27FC236}">
-                <a16:creationId xmlns:a16="http://schemas.microsoft.com/office/drawing/2014/main" id="{B2C4C61F-5BAA-4968-6A72-4738F5AC047C}"/>
-              </a:ext>
-            </a:extLst>
-          </p:cNvPr>
+          <p:cNvPr id="5" name="Slide Number Placeholder 4"/>
           <p:cNvSpPr>
             <a:spLocks noGrp="1"/>
           </p:cNvSpPr>
@@ -26849,8 +25124,6 @@
           <a:p>
             <a:fld id="{C65E9355-139B-4FED-8401-A2AF31A8FC31}" type="slidenum">
               <a:rPr lang="en-US" smtClean="0"/>
-              <a:pPr/>
-              <a:t>28</a:t>
             </a:fld>
             <a:endParaRPr lang="en-US" dirty="0"/>
           </a:p>
@@ -26858,20 +25131,14 @@
       </p:sp>
       <p:pic>
         <p:nvPicPr>
-          <p:cNvPr id="7" name="Picture 6">
-            <a:extLst>
-              <a:ext uri="{FF2B5EF4-FFF2-40B4-BE49-F238E27FC236}">
-                <a16:creationId xmlns:a16="http://schemas.microsoft.com/office/drawing/2014/main" id="{BC2C14D8-B1D3-DC2F-424A-41ABDC67DCAE}"/>
-              </a:ext>
-            </a:extLst>
-          </p:cNvPr>
+          <p:cNvPr id="7" name="Picture 6"/>
           <p:cNvPicPr>
             <a:picLocks noChangeAspect="1"/>
           </p:cNvPicPr>
           <p:nvPr/>
         </p:nvPicPr>
         <p:blipFill>
-          <a:blip r:embed="rId2">
+          <a:blip r:embed="rId1">
             <a:extLst>
               <a:ext uri="{28A0092B-C50C-407E-A947-70E740481C1C}">
                 <a14:useLocalDpi xmlns:a14="http://schemas.microsoft.com/office/drawing/2010/main" val="0"/>
@@ -26893,11 +25160,6 @@
         </p:spPr>
       </p:pic>
     </p:spTree>
-    <p:extLst>
-      <p:ext uri="{BB962C8B-B14F-4D97-AF65-F5344CB8AC3E}">
-        <p14:creationId xmlns:p14="http://schemas.microsoft.com/office/powerpoint/2010/main" val="551203321"/>
-      </p:ext>
-    </p:extLst>
   </p:cSld>
   <p:clrMapOvr>
     <a:masterClrMapping/>
@@ -26941,6 +25203,7 @@
               <a:rPr lang="en-US" dirty="0"/>
               <a:t>ER DIAGRAM</a:t>
             </a:r>
+            <a:endParaRPr lang="en-US" dirty="0"/>
           </a:p>
         </p:txBody>
       </p:sp>
@@ -26984,8 +25247,6 @@
           <a:p>
             <a:fld id="{C65E9355-139B-4FED-8401-A2AF31A8FC31}" type="slidenum">
               <a:rPr lang="en-US" smtClean="0"/>
-              <a:pPr/>
-              <a:t>29</a:t>
             </a:fld>
             <a:endParaRPr lang="en-US" dirty="0"/>
           </a:p>
@@ -26993,20 +25254,14 @@
       </p:sp>
       <p:pic>
         <p:nvPicPr>
-          <p:cNvPr id="7" name="Picture 6">
-            <a:extLst>
-              <a:ext uri="{FF2B5EF4-FFF2-40B4-BE49-F238E27FC236}">
-                <a16:creationId xmlns:a16="http://schemas.microsoft.com/office/drawing/2014/main" id="{B1CF4C87-DC54-63A1-34B9-7CAAF8459EAB}"/>
-              </a:ext>
-            </a:extLst>
-          </p:cNvPr>
+          <p:cNvPr id="7" name="Picture 6"/>
           <p:cNvPicPr>
             <a:picLocks noChangeAspect="1"/>
           </p:cNvPicPr>
           <p:nvPr/>
         </p:nvPicPr>
         <p:blipFill>
-          <a:blip r:embed="rId2">
+          <a:blip r:embed="rId1">
             <a:extLst>
               <a:ext uri="{28A0092B-C50C-407E-A947-70E740481C1C}">
                 <a14:useLocalDpi xmlns:a14="http://schemas.microsoft.com/office/drawing/2010/main" val="0"/>
@@ -27028,11 +25283,6 @@
         </p:spPr>
       </p:pic>
     </p:spTree>
-    <p:extLst>
-      <p:ext uri="{BB962C8B-B14F-4D97-AF65-F5344CB8AC3E}">
-        <p14:creationId xmlns:p14="http://schemas.microsoft.com/office/powerpoint/2010/main" val="3795002270"/>
-      </p:ext>
-    </p:extLst>
   </p:cSld>
   <p:clrMapOvr>
     <a:masterClrMapping/>
@@ -27076,7 +25326,7 @@
           <a:p>
             <a:pPr algn="l"/>
             <a:r>
-              <a:rPr lang="en" sz="4000" dirty="0">
+              <a:rPr lang="en-GB" sz="4000" dirty="0">
                 <a:latin typeface="Times New Roman" panose="02020603050405020304" pitchFamily="18" charset="0"/>
                 <a:cs typeface="Times New Roman" panose="02020603050405020304" pitchFamily="18" charset="0"/>
               </a:rPr>
@@ -27123,6 +25373,10 @@
               </a:rPr>
               <a:t>Introduction </a:t>
             </a:r>
+            <a:endParaRPr lang="en-US" sz="1700" dirty="0">
+              <a:latin typeface="Times New Roman" panose="02020603050405020304" pitchFamily="18" charset="0"/>
+              <a:cs typeface="Times New Roman" panose="02020603050405020304" pitchFamily="18" charset="0"/>
+            </a:endParaRPr>
           </a:p>
           <a:p>
             <a:pPr lvl="0">
@@ -27142,6 +25396,10 @@
               </a:rPr>
               <a:t>Objective</a:t>
             </a:r>
+            <a:endParaRPr lang="en-US" sz="1700" dirty="0">
+              <a:latin typeface="Times New Roman" panose="02020603050405020304" pitchFamily="18" charset="0"/>
+              <a:cs typeface="Times New Roman" panose="02020603050405020304" pitchFamily="18" charset="0"/>
+            </a:endParaRPr>
           </a:p>
           <a:p>
             <a:pPr lvl="0">
@@ -27161,6 +25419,10 @@
               </a:rPr>
               <a:t>Existing System</a:t>
             </a:r>
+            <a:endParaRPr lang="en-US" sz="1700" dirty="0">
+              <a:latin typeface="Times New Roman" panose="02020603050405020304" pitchFamily="18" charset="0"/>
+              <a:cs typeface="Times New Roman" panose="02020603050405020304" pitchFamily="18" charset="0"/>
+            </a:endParaRPr>
           </a:p>
           <a:p>
             <a:pPr lvl="0">
@@ -27180,6 +25442,10 @@
               </a:rPr>
               <a:t>Proposed System</a:t>
             </a:r>
+            <a:endParaRPr lang="en-US" sz="1700" dirty="0">
+              <a:latin typeface="Times New Roman" panose="02020603050405020304" pitchFamily="18" charset="0"/>
+              <a:cs typeface="Times New Roman" panose="02020603050405020304" pitchFamily="18" charset="0"/>
+            </a:endParaRPr>
           </a:p>
           <a:p>
             <a:pPr lvl="0">
@@ -27199,6 +25465,10 @@
               </a:rPr>
               <a:t>Motivation</a:t>
             </a:r>
+            <a:endParaRPr lang="en-US" sz="1700" dirty="0">
+              <a:latin typeface="Times New Roman" panose="02020603050405020304" pitchFamily="18" charset="0"/>
+              <a:cs typeface="Times New Roman" panose="02020603050405020304" pitchFamily="18" charset="0"/>
+            </a:endParaRPr>
           </a:p>
           <a:p>
             <a:pPr lvl="0">
@@ -27218,6 +25488,10 @@
               </a:rPr>
               <a:t>Functionalities</a:t>
             </a:r>
+            <a:endParaRPr lang="en-US" sz="1700" dirty="0">
+              <a:latin typeface="Times New Roman" panose="02020603050405020304" pitchFamily="18" charset="0"/>
+              <a:cs typeface="Times New Roman" panose="02020603050405020304" pitchFamily="18" charset="0"/>
+            </a:endParaRPr>
           </a:p>
           <a:p>
             <a:pPr lvl="0">
@@ -27237,6 +25511,10 @@
               </a:rPr>
               <a:t>Module Description</a:t>
             </a:r>
+            <a:endParaRPr lang="en-US" sz="1700" dirty="0">
+              <a:latin typeface="Times New Roman" panose="02020603050405020304" pitchFamily="18" charset="0"/>
+              <a:cs typeface="Times New Roman" panose="02020603050405020304" pitchFamily="18" charset="0"/>
+            </a:endParaRPr>
           </a:p>
           <a:p>
             <a:pPr lvl="0">
@@ -27256,6 +25534,10 @@
               </a:rPr>
               <a:t>Developing Environment</a:t>
             </a:r>
+            <a:endParaRPr lang="en-US" sz="1700" dirty="0">
+              <a:latin typeface="Times New Roman" panose="02020603050405020304" pitchFamily="18" charset="0"/>
+              <a:cs typeface="Times New Roman" panose="02020603050405020304" pitchFamily="18" charset="0"/>
+            </a:endParaRPr>
           </a:p>
           <a:p>
             <a:pPr lvl="0">
@@ -27275,6 +25557,10 @@
               </a:rPr>
               <a:t>Sprint Backlog</a:t>
             </a:r>
+            <a:endParaRPr lang="en-US" sz="1700" dirty="0">
+              <a:latin typeface="Times New Roman" panose="02020603050405020304" pitchFamily="18" charset="0"/>
+              <a:cs typeface="Times New Roman" panose="02020603050405020304" pitchFamily="18" charset="0"/>
+            </a:endParaRPr>
           </a:p>
           <a:p>
             <a:pPr lvl="0">
@@ -27294,6 +25580,10 @@
               </a:rPr>
               <a:t>Product Backlog</a:t>
             </a:r>
+            <a:endParaRPr lang="en-US" sz="1700" dirty="0">
+              <a:latin typeface="Times New Roman" panose="02020603050405020304" pitchFamily="18" charset="0"/>
+              <a:cs typeface="Times New Roman" panose="02020603050405020304" pitchFamily="18" charset="0"/>
+            </a:endParaRPr>
           </a:p>
           <a:p>
             <a:pPr lvl="0">
@@ -27313,6 +25603,10 @@
               </a:rPr>
               <a:t>User Story</a:t>
             </a:r>
+            <a:endParaRPr lang="en-US" sz="1700" dirty="0">
+              <a:latin typeface="Times New Roman" panose="02020603050405020304" pitchFamily="18" charset="0"/>
+              <a:cs typeface="Times New Roman" panose="02020603050405020304" pitchFamily="18" charset="0"/>
+            </a:endParaRPr>
           </a:p>
           <a:p>
             <a:pPr lvl="0">
@@ -27332,6 +25626,10 @@
               </a:rPr>
               <a:t>Project Plans</a:t>
             </a:r>
+            <a:endParaRPr lang="en-US" sz="1700" dirty="0">
+              <a:latin typeface="Times New Roman" panose="02020603050405020304" pitchFamily="18" charset="0"/>
+              <a:cs typeface="Times New Roman" panose="02020603050405020304" pitchFamily="18" charset="0"/>
+            </a:endParaRPr>
           </a:p>
           <a:p>
             <a:pPr lvl="0">
@@ -27351,6 +25649,10 @@
               </a:rPr>
               <a:t>Data Flow Diagrams</a:t>
             </a:r>
+            <a:endParaRPr lang="en-US" sz="1700" dirty="0">
+              <a:latin typeface="Times New Roman" panose="02020603050405020304" pitchFamily="18" charset="0"/>
+              <a:cs typeface="Times New Roman" panose="02020603050405020304" pitchFamily="18" charset="0"/>
+            </a:endParaRPr>
           </a:p>
           <a:p>
             <a:pPr lvl="0">
@@ -27393,7 +25695,6 @@
           <a:p>
             <a:fld id="{C65E9355-139B-4FED-8401-A2AF31A8FC31}" type="slidenum">
               <a:rPr lang="en-US" smtClean="0"/>
-              <a:t>3</a:t>
             </a:fld>
             <a:endParaRPr lang="en-US"/>
           </a:p>
@@ -27418,6 +25719,7 @@
               <a:rPr lang="en-US"/>
               <a:t>Department of Computer Applications</a:t>
             </a:r>
+            <a:endParaRPr lang="en-US"/>
           </a:p>
         </p:txBody>
       </p:sp>
@@ -27469,15 +25771,15 @@
               </a:rPr>
               <a:t>THANK YOU</a:t>
             </a:r>
+            <a:endParaRPr lang="en-US" b="1" dirty="0">
+              <a:solidFill>
+                <a:schemeClr val="accent2"/>
+              </a:solidFill>
+            </a:endParaRPr>
           </a:p>
         </p:txBody>
       </p:sp>
     </p:spTree>
-    <p:extLst>
-      <p:ext uri="{BB962C8B-B14F-4D97-AF65-F5344CB8AC3E}">
-        <p14:creationId xmlns:p14="http://schemas.microsoft.com/office/powerpoint/2010/main" val="422872674"/>
-      </p:ext>
-    </p:extLst>
   </p:cSld>
   <p:clrMapOvr>
     <a:masterClrMapping/>
@@ -27552,6 +25854,7 @@
               <a:rPr lang="en-GB" sz="2800" dirty="0"/>
               <a:t>Booking commercial vehicles is inefficient and lacks price transparency.</a:t>
             </a:r>
+            <a:endParaRPr lang="en-GB" sz="2800" dirty="0"/>
           </a:p>
           <a:p>
             <a:pPr lvl="0"/>
@@ -27559,6 +25862,7 @@
               <a:rPr lang="en-GB" sz="2800" dirty="0"/>
               <a:t>An online platform to simplify commercial vehicle booking.</a:t>
             </a:r>
+            <a:endParaRPr lang="en-GB" sz="2800" dirty="0"/>
           </a:p>
           <a:p>
             <a:pPr lvl="0"/>
@@ -27567,10 +25871,10 @@
                 <a:solidFill>
                   <a:srgbClr val="000000"/>
                 </a:solidFill>
-                <a:latin typeface="Times New Roman"/>
-                <a:ea typeface="Times New Roman"/>
-                <a:cs typeface="Times New Roman"/>
-                <a:sym typeface="Times New Roman"/>
+                <a:latin typeface="Times New Roman" panose="02020603050405020304"/>
+                <a:ea typeface="Times New Roman" panose="02020603050405020304"/>
+                <a:cs typeface="Times New Roman" panose="02020603050405020304"/>
+                <a:sym typeface="Times New Roman" panose="02020603050405020304"/>
               </a:rPr>
               <a:t>The service will be accessible via a website and a mobile application for user convenience.</a:t>
             </a:r>
@@ -27578,10 +25882,10 @@
               <a:solidFill>
                 <a:srgbClr val="000000"/>
               </a:solidFill>
-              <a:latin typeface="Times New Roman"/>
-              <a:ea typeface="Times New Roman"/>
-              <a:cs typeface="Times New Roman"/>
-              <a:sym typeface="Times New Roman"/>
+              <a:latin typeface="Times New Roman" panose="02020603050405020304"/>
+              <a:ea typeface="Times New Roman" panose="02020603050405020304"/>
+              <a:cs typeface="Times New Roman" panose="02020603050405020304"/>
+              <a:sym typeface="Times New Roman" panose="02020603050405020304"/>
             </a:endParaRPr>
           </a:p>
         </p:txBody>
@@ -27605,6 +25909,7 @@
               <a:rPr lang="en-US"/>
               <a:t>Department of Computer Applications</a:t>
             </a:r>
+            <a:endParaRPr lang="en-US"/>
           </a:p>
         </p:txBody>
       </p:sp>
@@ -27625,7 +25930,6 @@
           <a:p>
             <a:fld id="{C65E9355-139B-4FED-8401-A2AF31A8FC31}" type="slidenum">
               <a:rPr lang="en-US" smtClean="0"/>
-              <a:t>4</a:t>
             </a:fld>
             <a:endParaRPr lang="en-US"/>
           </a:p>
@@ -27658,13 +25962,7 @@
       </p:grpSpPr>
       <p:sp>
         <p:nvSpPr>
-          <p:cNvPr id="2" name="Title 1">
-            <a:extLst>
-              <a:ext uri="{FF2B5EF4-FFF2-40B4-BE49-F238E27FC236}">
-                <a16:creationId xmlns:a16="http://schemas.microsoft.com/office/drawing/2014/main" id="{7A6A6C32-2697-AA97-4312-2C47BF300DAC}"/>
-              </a:ext>
-            </a:extLst>
-          </p:cNvPr>
+          <p:cNvPr id="2" name="Title 1"/>
           <p:cNvSpPr>
             <a:spLocks noGrp="1"/>
           </p:cNvSpPr>
@@ -27692,13 +25990,7 @@
       </p:sp>
       <p:sp>
         <p:nvSpPr>
-          <p:cNvPr id="3" name="Content Placeholder 2">
-            <a:extLst>
-              <a:ext uri="{FF2B5EF4-FFF2-40B4-BE49-F238E27FC236}">
-                <a16:creationId xmlns:a16="http://schemas.microsoft.com/office/drawing/2014/main" id="{5E5AABBB-E62E-EF76-08B3-25E2ADAD9F9C}"/>
-              </a:ext>
-            </a:extLst>
-          </p:cNvPr>
+          <p:cNvPr id="3" name="Content Placeholder 2"/>
           <p:cNvSpPr>
             <a:spLocks noGrp="1"/>
           </p:cNvSpPr>
@@ -27715,12 +26007,14 @@
               <a:rPr lang="en-IN" sz="2800" dirty="0"/>
               <a:t>Browse and select vehicles.</a:t>
             </a:r>
+            <a:endParaRPr lang="en-IN" sz="2800" dirty="0"/>
           </a:p>
           <a:p>
             <a:r>
               <a:rPr lang="en-GB" sz="2800" dirty="0"/>
               <a:t>Transparent pricing for easy comparison.</a:t>
             </a:r>
+            <a:endParaRPr lang="en-GB" sz="2800" dirty="0"/>
           </a:p>
           <a:p>
             <a:r>
@@ -27741,13 +26035,7 @@
       </p:sp>
       <p:sp>
         <p:nvSpPr>
-          <p:cNvPr id="4" name="Footer Placeholder 3">
-            <a:extLst>
-              <a:ext uri="{FF2B5EF4-FFF2-40B4-BE49-F238E27FC236}">
-                <a16:creationId xmlns:a16="http://schemas.microsoft.com/office/drawing/2014/main" id="{5E14B6DA-7EA7-8BC0-3AEE-093D0AB16709}"/>
-              </a:ext>
-            </a:extLst>
-          </p:cNvPr>
+          <p:cNvPr id="4" name="Footer Placeholder 3"/>
           <p:cNvSpPr>
             <a:spLocks noGrp="1"/>
           </p:cNvSpPr>
@@ -27770,13 +26058,7 @@
       </p:sp>
       <p:sp>
         <p:nvSpPr>
-          <p:cNvPr id="5" name="Slide Number Placeholder 4">
-            <a:extLst>
-              <a:ext uri="{FF2B5EF4-FFF2-40B4-BE49-F238E27FC236}">
-                <a16:creationId xmlns:a16="http://schemas.microsoft.com/office/drawing/2014/main" id="{DFCC0198-133C-0312-24BD-51587C67A451}"/>
-              </a:ext>
-            </a:extLst>
-          </p:cNvPr>
+          <p:cNvPr id="5" name="Slide Number Placeholder 4"/>
           <p:cNvSpPr>
             <a:spLocks noGrp="1"/>
           </p:cNvSpPr>
@@ -27791,19 +26073,12 @@
           <a:p>
             <a:fld id="{C65E9355-139B-4FED-8401-A2AF31A8FC31}" type="slidenum">
               <a:rPr lang="en-US" smtClean="0"/>
-              <a:pPr/>
-              <a:t>5</a:t>
             </a:fld>
             <a:endParaRPr lang="en-US" dirty="0"/>
           </a:p>
         </p:txBody>
       </p:sp>
     </p:spTree>
-    <p:extLst>
-      <p:ext uri="{BB962C8B-B14F-4D97-AF65-F5344CB8AC3E}">
-        <p14:creationId xmlns:p14="http://schemas.microsoft.com/office/powerpoint/2010/main" val="1997801792"/>
-      </p:ext>
-    </p:extLst>
   </p:cSld>
   <p:clrMapOvr>
     <a:masterClrMapping/>
@@ -27844,7 +26119,7 @@
           <a:lstStyle/>
           <a:p>
             <a:r>
-              <a:rPr lang="en" dirty="0"/>
+              <a:rPr lang="en-GB" dirty="0"/>
               <a:t>OBJECTIVES</a:t>
             </a:r>
             <a:endParaRPr lang="en-US" dirty="0"/>
@@ -27876,6 +26151,7 @@
               <a:rPr lang="en-GB" sz="2400" spc="-150" dirty="0"/>
               <a:t>: Create a simple platform for booking commercial vehicles.</a:t>
             </a:r>
+            <a:endParaRPr lang="en-GB" sz="2400" spc="-150" dirty="0"/>
           </a:p>
           <a:p>
             <a:r>
@@ -27886,6 +26162,7 @@
               <a:rPr lang="en-GB" sz="2400" spc="-150" dirty="0"/>
               <a:t>: Ensure easy navigation and access to vehicle info.</a:t>
             </a:r>
+            <a:endParaRPr lang="en-GB" sz="2400" spc="-150" dirty="0"/>
           </a:p>
           <a:p>
             <a:r>
@@ -27896,6 +26173,7 @@
               <a:rPr lang="en-GB" sz="2400" spc="-150" dirty="0"/>
               <a:t>: Maintain a large database of commercial vehicles.</a:t>
             </a:r>
+            <a:endParaRPr lang="en-GB" sz="2400" spc="-150" dirty="0"/>
           </a:p>
           <a:p>
             <a:r>
@@ -27906,6 +26184,7 @@
               <a:rPr lang="en-GB" sz="2400" spc="-150" dirty="0"/>
               <a:t>: Develop a dashboard for managing users, drivers, and vehicles.</a:t>
             </a:r>
+            <a:endParaRPr lang="en-GB" sz="2400" spc="-150" dirty="0"/>
           </a:p>
           <a:p>
             <a:r>
@@ -27916,6 +26195,7 @@
               <a:rPr lang="en-GB" sz="2400" spc="-150" dirty="0"/>
               <a:t>: Allow users and drivers to manage their own profiles and bookings.</a:t>
             </a:r>
+            <a:endParaRPr lang="en-GB" sz="2400" spc="-150" dirty="0"/>
           </a:p>
           <a:p>
             <a:endParaRPr lang="en-GB" sz="2400" dirty="0"/>
@@ -27965,8 +26245,6 @@
           <a:p>
             <a:fld id="{C65E9355-139B-4FED-8401-A2AF31A8FC31}" type="slidenum">
               <a:rPr lang="en-US" smtClean="0"/>
-              <a:pPr/>
-              <a:t>6</a:t>
             </a:fld>
             <a:endParaRPr lang="en-US"/>
           </a:p>
@@ -27985,13 +26263,7 @@
   <p:cSld>
     <p:spTree>
       <p:nvGrpSpPr>
-        <p:cNvPr id="1" name="">
-          <a:extLst>
-            <a:ext uri="{FF2B5EF4-FFF2-40B4-BE49-F238E27FC236}">
-              <a16:creationId xmlns:a16="http://schemas.microsoft.com/office/drawing/2014/main" id="{435CA5DB-C95B-9274-6CC6-BBDD6124343D}"/>
-            </a:ext>
-          </a:extLst>
-        </p:cNvPr>
+        <p:cNvPr id="1" name=""/>
         <p:cNvGrpSpPr/>
         <p:nvPr/>
       </p:nvGrpSpPr>
@@ -28005,13 +26277,7 @@
       </p:grpSpPr>
       <p:sp>
         <p:nvSpPr>
-          <p:cNvPr id="2" name="Title 1">
-            <a:extLst>
-              <a:ext uri="{FF2B5EF4-FFF2-40B4-BE49-F238E27FC236}">
-                <a16:creationId xmlns:a16="http://schemas.microsoft.com/office/drawing/2014/main" id="{70D7FD21-F072-514B-1259-00E2A2C72872}"/>
-              </a:ext>
-            </a:extLst>
-          </p:cNvPr>
+          <p:cNvPr id="2" name="Title 1"/>
           <p:cNvSpPr>
             <a:spLocks noGrp="1"/>
           </p:cNvSpPr>
@@ -28025,7 +26291,7 @@
           <a:lstStyle/>
           <a:p>
             <a:r>
-              <a:rPr lang="en" dirty="0"/>
+              <a:rPr lang="en-GB" dirty="0"/>
               <a:t>EXISTING SYSTEM</a:t>
             </a:r>
             <a:endParaRPr lang="en-US" dirty="0"/>
@@ -28034,13 +26300,7 @@
       </p:sp>
       <p:sp>
         <p:nvSpPr>
-          <p:cNvPr id="3" name="Content Placeholder 2">
-            <a:extLst>
-              <a:ext uri="{FF2B5EF4-FFF2-40B4-BE49-F238E27FC236}">
-                <a16:creationId xmlns:a16="http://schemas.microsoft.com/office/drawing/2014/main" id="{8B3013F8-EA75-8B73-B691-9967DDB1449D}"/>
-              </a:ext>
-            </a:extLst>
-          </p:cNvPr>
+          <p:cNvPr id="3" name="Content Placeholder 2"/>
           <p:cNvSpPr>
             <a:spLocks noGrp="1"/>
           </p:cNvSpPr>
@@ -28059,30 +26319,35 @@
               <a:rPr lang="en-GB" sz="3000" spc="-150" dirty="0"/>
               <a:t>Vehicle booking is mostly done manually through phone calls or local agents</a:t>
             </a:r>
+            <a:endParaRPr lang="en-GB" sz="3000" spc="-150" dirty="0"/>
           </a:p>
           <a:p>
             <a:r>
               <a:rPr lang="en-GB" sz="3000" spc="-150" dirty="0"/>
               <a:t>Limited visibility of available vehicles leads to booking delays</a:t>
             </a:r>
+            <a:endParaRPr lang="en-GB" sz="3000" spc="-150" dirty="0"/>
           </a:p>
           <a:p>
             <a:r>
               <a:rPr lang="en-GB" sz="3000" spc="-150" dirty="0"/>
               <a:t>No unified platform to compare vehicle types, prices, or schedules</a:t>
             </a:r>
+            <a:endParaRPr lang="en-GB" sz="3000" spc="-150" dirty="0"/>
           </a:p>
           <a:p>
             <a:r>
               <a:rPr lang="en-GB" sz="3000" spc="-150" dirty="0"/>
               <a:t>Manual record-keeping causes errors and inefficiencies</a:t>
             </a:r>
+            <a:endParaRPr lang="en-GB" sz="3000" spc="-150" dirty="0"/>
           </a:p>
           <a:p>
             <a:r>
               <a:rPr lang="en-GB" sz="3000" spc="-150" dirty="0"/>
               <a:t>Lack of transparency in pricing and availability</a:t>
             </a:r>
+            <a:endParaRPr lang="en-GB" sz="3000" spc="-150" dirty="0"/>
           </a:p>
           <a:p>
             <a:pPr lvl="0"/>
@@ -28090,9 +26355,9 @@
               <a:solidFill>
                 <a:srgbClr val="000000"/>
               </a:solidFill>
-              <a:ea typeface="Times New Roman"/>
-              <a:cs typeface="Times New Roman"/>
-              <a:sym typeface="Times New Roman"/>
+              <a:ea typeface="Times New Roman" panose="02020603050405020304"/>
+              <a:cs typeface="Times New Roman" panose="02020603050405020304"/>
+              <a:sym typeface="Times New Roman" panose="02020603050405020304"/>
             </a:endParaRPr>
           </a:p>
           <a:p>
@@ -28102,13 +26367,7 @@
       </p:sp>
       <p:sp>
         <p:nvSpPr>
-          <p:cNvPr id="4" name="Footer Placeholder 3">
-            <a:extLst>
-              <a:ext uri="{FF2B5EF4-FFF2-40B4-BE49-F238E27FC236}">
-                <a16:creationId xmlns:a16="http://schemas.microsoft.com/office/drawing/2014/main" id="{50633661-B8A5-5F64-B0B3-F069AAD48A57}"/>
-              </a:ext>
-            </a:extLst>
-          </p:cNvPr>
+          <p:cNvPr id="4" name="Footer Placeholder 3"/>
           <p:cNvSpPr>
             <a:spLocks noGrp="1"/>
           </p:cNvSpPr>
@@ -28131,13 +26390,7 @@
       </p:sp>
       <p:sp>
         <p:nvSpPr>
-          <p:cNvPr id="5" name="Slide Number Placeholder 4">
-            <a:extLst>
-              <a:ext uri="{FF2B5EF4-FFF2-40B4-BE49-F238E27FC236}">
-                <a16:creationId xmlns:a16="http://schemas.microsoft.com/office/drawing/2014/main" id="{7C645143-4DA4-EC25-D400-31811F433E12}"/>
-              </a:ext>
-            </a:extLst>
-          </p:cNvPr>
+          <p:cNvPr id="5" name="Slide Number Placeholder 4"/>
           <p:cNvSpPr>
             <a:spLocks noGrp="1"/>
           </p:cNvSpPr>
@@ -28152,19 +26405,12 @@
           <a:p>
             <a:fld id="{C65E9355-139B-4FED-8401-A2AF31A8FC31}" type="slidenum">
               <a:rPr lang="en-US" smtClean="0"/>
-              <a:pPr/>
-              <a:t>7</a:t>
             </a:fld>
             <a:endParaRPr lang="en-US"/>
           </a:p>
         </p:txBody>
       </p:sp>
     </p:spTree>
-    <p:extLst>
-      <p:ext uri="{BB962C8B-B14F-4D97-AF65-F5344CB8AC3E}">
-        <p14:creationId xmlns:p14="http://schemas.microsoft.com/office/powerpoint/2010/main" val="630680352"/>
-      </p:ext>
-    </p:extLst>
   </p:cSld>
   <p:clrMapOvr>
     <a:masterClrMapping/>
@@ -28177,13 +26423,7 @@
   <p:cSld>
     <p:spTree>
       <p:nvGrpSpPr>
-        <p:cNvPr id="1" name="">
-          <a:extLst>
-            <a:ext uri="{FF2B5EF4-FFF2-40B4-BE49-F238E27FC236}">
-              <a16:creationId xmlns:a16="http://schemas.microsoft.com/office/drawing/2014/main" id="{D9A89323-CAA4-5F8F-BC23-AF2428BA79DA}"/>
-            </a:ext>
-          </a:extLst>
-        </p:cNvPr>
+        <p:cNvPr id="1" name=""/>
         <p:cNvGrpSpPr/>
         <p:nvPr/>
       </p:nvGrpSpPr>
@@ -28197,13 +26437,7 @@
       </p:grpSpPr>
       <p:sp>
         <p:nvSpPr>
-          <p:cNvPr id="2" name="Title 1">
-            <a:extLst>
-              <a:ext uri="{FF2B5EF4-FFF2-40B4-BE49-F238E27FC236}">
-                <a16:creationId xmlns:a16="http://schemas.microsoft.com/office/drawing/2014/main" id="{80A72957-0B3A-B1DC-4183-C152345F07C0}"/>
-              </a:ext>
-            </a:extLst>
-          </p:cNvPr>
+          <p:cNvPr id="2" name="Title 1"/>
           <p:cNvSpPr>
             <a:spLocks noGrp="1"/>
           </p:cNvSpPr>
@@ -28217,7 +26451,7 @@
           <a:lstStyle/>
           <a:p>
             <a:r>
-              <a:rPr lang="en" dirty="0"/>
+              <a:rPr lang="en-GB" dirty="0"/>
               <a:t>PROPOSED SYSTEM</a:t>
             </a:r>
             <a:endParaRPr lang="en-US" dirty="0"/>
@@ -28226,13 +26460,7 @@
       </p:sp>
       <p:sp>
         <p:nvSpPr>
-          <p:cNvPr id="3" name="Content Placeholder 2">
-            <a:extLst>
-              <a:ext uri="{FF2B5EF4-FFF2-40B4-BE49-F238E27FC236}">
-                <a16:creationId xmlns:a16="http://schemas.microsoft.com/office/drawing/2014/main" id="{F99433FB-9787-5DBA-F8F3-B66560196327}"/>
-              </a:ext>
-            </a:extLst>
-          </p:cNvPr>
+          <p:cNvPr id="3" name="Content Placeholder 2"/>
           <p:cNvSpPr>
             <a:spLocks noGrp="1"/>
           </p:cNvSpPr>
@@ -28255,6 +26483,7 @@
               <a:rPr lang="en-GB" sz="2800" spc="-150" dirty="0"/>
               <a:t> Connects businesses and individuals with commercial vehicle operators.</a:t>
             </a:r>
+            <a:endParaRPr lang="en-GB" sz="2800" spc="-150" dirty="0"/>
           </a:p>
           <a:p>
             <a:r>
@@ -28265,6 +26494,7 @@
               <a:rPr lang="en-IN" sz="2800" spc="-150" dirty="0"/>
               <a:t> Available via a website or mobile application.</a:t>
             </a:r>
+            <a:endParaRPr lang="en-IN" sz="2800" spc="-150" dirty="0"/>
           </a:p>
           <a:p>
             <a:r>
@@ -28283,6 +26513,7 @@
               <a:rPr lang="en-IN" sz="2800" spc="-150" dirty="0"/>
               <a:t> pricing, Real-time availability and scheduling, Vehicle tracking.</a:t>
             </a:r>
+            <a:endParaRPr lang="en-IN" sz="2800" spc="-150" dirty="0"/>
           </a:p>
           <a:p>
             <a:r>
@@ -28302,13 +26533,7 @@
       </p:sp>
       <p:sp>
         <p:nvSpPr>
-          <p:cNvPr id="4" name="Footer Placeholder 3">
-            <a:extLst>
-              <a:ext uri="{FF2B5EF4-FFF2-40B4-BE49-F238E27FC236}">
-                <a16:creationId xmlns:a16="http://schemas.microsoft.com/office/drawing/2014/main" id="{78A7E54E-77D1-E994-4D0C-79543779974B}"/>
-              </a:ext>
-            </a:extLst>
-          </p:cNvPr>
+          <p:cNvPr id="4" name="Footer Placeholder 3"/>
           <p:cNvSpPr>
             <a:spLocks noGrp="1"/>
           </p:cNvSpPr>
@@ -28331,13 +26556,7 @@
       </p:sp>
       <p:sp>
         <p:nvSpPr>
-          <p:cNvPr id="5" name="Slide Number Placeholder 4">
-            <a:extLst>
-              <a:ext uri="{FF2B5EF4-FFF2-40B4-BE49-F238E27FC236}">
-                <a16:creationId xmlns:a16="http://schemas.microsoft.com/office/drawing/2014/main" id="{2A8B7F26-E457-6E29-93A0-124CF9B8EF07}"/>
-              </a:ext>
-            </a:extLst>
-          </p:cNvPr>
+          <p:cNvPr id="5" name="Slide Number Placeholder 4"/>
           <p:cNvSpPr>
             <a:spLocks noGrp="1"/>
           </p:cNvSpPr>
@@ -28352,19 +26571,12 @@
           <a:p>
             <a:fld id="{C65E9355-139B-4FED-8401-A2AF31A8FC31}" type="slidenum">
               <a:rPr lang="en-US" smtClean="0"/>
-              <a:pPr/>
-              <a:t>8</a:t>
             </a:fld>
             <a:endParaRPr lang="en-US"/>
           </a:p>
         </p:txBody>
       </p:sp>
     </p:spTree>
-    <p:extLst>
-      <p:ext uri="{BB962C8B-B14F-4D97-AF65-F5344CB8AC3E}">
-        <p14:creationId xmlns:p14="http://schemas.microsoft.com/office/powerpoint/2010/main" val="2460749319"/>
-      </p:ext>
-    </p:extLst>
   </p:cSld>
   <p:clrMapOvr>
     <a:masterClrMapping/>
@@ -28405,7 +26617,7 @@
           <a:lstStyle/>
           <a:p>
             <a:r>
-              <a:rPr lang="en" dirty="0"/>
+              <a:rPr lang="en-GB" dirty="0"/>
               <a:t>MOTIVATIONS</a:t>
             </a:r>
             <a:endParaRPr lang="en-US" dirty="0"/>
@@ -28433,24 +26645,28 @@
               <a:rPr lang="en-GB" sz="2400" spc="-150" dirty="0"/>
               <a:t>This project aims to create a centralized online platform to fix the inefficient and non-transparent traditional process of booking commercial vehicles.</a:t>
             </a:r>
+            <a:endParaRPr lang="en-GB" sz="2400" spc="-150" dirty="0"/>
           </a:p>
           <a:p>
             <a:r>
               <a:rPr lang="en-GB" sz="2400" spc="-150" dirty="0"/>
               <a:t>Enhance the user experience with a user-friendly interface for easy navigation and quick access to information.</a:t>
             </a:r>
+            <a:endParaRPr lang="en-GB" sz="2400" spc="-150" dirty="0"/>
           </a:p>
           <a:p>
             <a:r>
               <a:rPr lang="en-GB" sz="2400" spc="-150" dirty="0"/>
               <a:t>Provide transparent pricing , real-time availability , and vehicle tracking to offer convenience, save time, and promote cost efficiency.</a:t>
             </a:r>
+            <a:endParaRPr lang="en-GB" sz="2400" spc="-150" dirty="0"/>
           </a:p>
           <a:p>
             <a:r>
               <a:rPr lang="en-GB" sz="2400" spc="-150" dirty="0"/>
               <a:t>A key motivation was to address difficulties in project planning and creating an attractive user interface.</a:t>
             </a:r>
+            <a:endParaRPr lang="en-GB" sz="2400" spc="-150" dirty="0"/>
           </a:p>
           <a:p>
             <a:pPr marL="0" indent="0">
@@ -28512,8 +26728,6 @@
           <a:p>
             <a:fld id="{C65E9355-139B-4FED-8401-A2AF31A8FC31}" type="slidenum">
               <a:rPr lang="en-US" smtClean="0"/>
-              <a:pPr/>
-              <a:t>9</a:t>
             </a:fld>
             <a:endParaRPr lang="en-US"/>
           </a:p>
@@ -28805,8 +27019,11 @@
       </a:bgFillStyleLst>
     </a:fmtScheme>
   </a:themeElements>
-  <a:objectDefaults/>
-  <a:extraClrSchemeLst/>
+  <a:extLst>
+    <a:ext uri="{05A4C25C-085E-4340-85A3-A5531E510DB2}">
+      <thm15:themeFamily xmlns:thm15="http://schemas.microsoft.com/office/thememl/2012/main" name="Office Theme" id="{62F939B6-93AF-4DB8-9C6B-D6C7DFDC589F}" vid="{4A3C46E8-61CC-4603-A589-7422A47A8E4A}"/>
+    </a:ext>
+  </a:extLst>
 </a:theme>
 </file>
 
@@ -29088,8 +27305,11 @@
       </a:bgFillStyleLst>
     </a:fmtScheme>
   </a:themeElements>
-  <a:objectDefaults/>
-  <a:extraClrSchemeLst/>
+  <a:extLst>
+    <a:ext uri="{05A4C25C-085E-4340-85A3-A5531E510DB2}">
+      <thm15:themeFamily xmlns:thm15="http://schemas.microsoft.com/office/thememl/2012/main" name="Office Theme" id="{62F939B6-93AF-4DB8-9C6B-D6C7DFDC589F}" vid="{4A3C46E8-61CC-4603-A589-7422A47A8E4A}"/>
+    </a:ext>
+  </a:extLst>
 </a:theme>
 </file>
 
@@ -29136,7 +27356,7 @@
     </a:clrScheme>
     <a:fontScheme name="Office">
       <a:majorFont>
-        <a:latin typeface="Calibri Light" panose="020F0302020204030204"/>
+        <a:latin typeface="Calibri Light"/>
         <a:ea typeface=""/>
         <a:cs typeface=""/>
         <a:font script="Jpan" typeface="游ゴシック Light"/>
@@ -29171,7 +27391,7 @@
         <a:font script="Geor" typeface="Sylfaen"/>
       </a:majorFont>
       <a:minorFont>
-        <a:latin typeface="Calibri" panose="020F0502020204030204"/>
+        <a:latin typeface="Calibri"/>
         <a:ea typeface=""/>
         <a:cs typeface=""/>
         <a:font script="Jpan" typeface="游ゴシック"/>
@@ -29344,8 +27564,6 @@
       </a:bgFillStyleLst>
     </a:fmtScheme>
   </a:themeElements>
-  <a:objectDefaults/>
-  <a:extraClrSchemeLst/>
   <a:extLst>
     <a:ext uri="{05A4C25C-085E-4340-85A3-A5531E510DB2}">
       <thm15:themeFamily xmlns:thm15="http://schemas.microsoft.com/office/thememl/2012/main" name="Office Theme" id="{62F939B6-93AF-4DB8-9C6B-D6C7DFDC589F}" vid="{4A3C46E8-61CC-4603-A589-7422A47A8E4A}"/>
